--- a/Documentation/Presentations/CS499_16Sp_Poster_Hotspotter.pptx
+++ b/Documentation/Presentations/CS499_16Sp_Poster_Hotspotter.pptx
@@ -2,7 +2,7 @@
 <file path=ppt/presentation.xml><?xml version="1.0" encoding="utf-8"?>
 <p:presentation xmlns:a="http://schemas.openxmlformats.org/drawingml/2006/main" xmlns:r="http://schemas.openxmlformats.org/officeDocument/2006/relationships" xmlns:p="http://schemas.openxmlformats.org/presentationml/2006/main" saveSubsetFonts="1">
   <p:sldMasterIdLst>
-    <p:sldMasterId id="2147483648" r:id="rId1"/>
+    <p:sldMasterId id="2147483807" r:id="rId1"/>
   </p:sldMasterIdLst>
   <p:sldIdLst>
     <p:sldId id="256" r:id="rId2"/>
@@ -124,7 +124,7 @@
 </file>
 
 <file path=ppt/slideLayouts/slideLayout1.xml><?xml version="1.0" encoding="utf-8"?>
-<p:sldLayout xmlns:a="http://schemas.openxmlformats.org/drawingml/2006/main" xmlns:r="http://schemas.openxmlformats.org/officeDocument/2006/relationships" xmlns:p="http://schemas.openxmlformats.org/presentationml/2006/main" type="title" preserve="1">
+<p:sldLayout xmlns:a="http://schemas.openxmlformats.org/drawingml/2006/main" xmlns:r="http://schemas.openxmlformats.org/officeDocument/2006/relationships" xmlns:p="http://schemas.openxmlformats.org/presentationml/2006/main" showMasterSp="0" type="title" preserve="1">
   <p:cSld name="Title Slide">
     <p:spTree>
       <p:nvGrpSpPr>
@@ -140,6 +140,608 @@
           <a:chExt cx="0" cy="0"/>
         </a:xfrm>
       </p:grpSpPr>
+      <p:grpSp>
+        <p:nvGrpSpPr>
+          <p:cNvPr id="7" name="Group 6"/>
+          <p:cNvGrpSpPr/>
+          <p:nvPr/>
+        </p:nvGrpSpPr>
+        <p:grpSpPr>
+          <a:xfrm>
+            <a:off x="-30477" y="-27096"/>
+            <a:ext cx="33011294" cy="21999792"/>
+            <a:chOff x="-8466" y="-8468"/>
+            <a:chExt cx="9169804" cy="6874935"/>
+          </a:xfrm>
+        </p:grpSpPr>
+        <p:cxnSp>
+          <p:nvCxnSpPr>
+            <p:cNvPr id="17" name="Straight Connector 16"/>
+            <p:cNvCxnSpPr/>
+            <p:nvPr/>
+          </p:nvCxnSpPr>
+          <p:spPr>
+            <a:xfrm flipV="1">
+              <a:off x="5130830" y="4175605"/>
+              <a:ext cx="4022475" cy="2682396"/>
+            </a:xfrm>
+            <a:prstGeom prst="line">
+              <a:avLst/>
+            </a:prstGeom>
+            <a:ln w="9525">
+              <a:solidFill>
+                <a:schemeClr val="bg1">
+                  <a:lumMod val="85000"/>
+                </a:schemeClr>
+              </a:solidFill>
+            </a:ln>
+          </p:spPr>
+          <p:style>
+            <a:lnRef idx="2">
+              <a:schemeClr val="accent1"/>
+            </a:lnRef>
+            <a:fillRef idx="0">
+              <a:schemeClr val="accent1"/>
+            </a:fillRef>
+            <a:effectRef idx="1">
+              <a:schemeClr val="accent1"/>
+            </a:effectRef>
+            <a:fontRef idx="minor">
+              <a:schemeClr val="tx1"/>
+            </a:fontRef>
+          </p:style>
+        </p:cxnSp>
+        <p:cxnSp>
+          <p:nvCxnSpPr>
+            <p:cNvPr id="18" name="Straight Connector 17"/>
+            <p:cNvCxnSpPr/>
+            <p:nvPr/>
+          </p:nvCxnSpPr>
+          <p:spPr>
+            <a:xfrm>
+              <a:off x="7042707" y="0"/>
+              <a:ext cx="1219200" cy="6858000"/>
+            </a:xfrm>
+            <a:prstGeom prst="line">
+              <a:avLst/>
+            </a:prstGeom>
+            <a:ln w="9525">
+              <a:solidFill>
+                <a:schemeClr val="bg1">
+                  <a:lumMod val="75000"/>
+                </a:schemeClr>
+              </a:solidFill>
+            </a:ln>
+          </p:spPr>
+          <p:style>
+            <a:lnRef idx="2">
+              <a:schemeClr val="accent1"/>
+            </a:lnRef>
+            <a:fillRef idx="0">
+              <a:schemeClr val="accent1"/>
+            </a:fillRef>
+            <a:effectRef idx="1">
+              <a:schemeClr val="accent1"/>
+            </a:effectRef>
+            <a:fontRef idx="minor">
+              <a:schemeClr val="tx1"/>
+            </a:fontRef>
+          </p:style>
+        </p:cxnSp>
+        <p:sp>
+          <p:nvSpPr>
+            <p:cNvPr id="19" name="Freeform 18"/>
+            <p:cNvSpPr/>
+            <p:nvPr/>
+          </p:nvSpPr>
+          <p:spPr>
+            <a:xfrm>
+              <a:off x="6891896" y="1"/>
+              <a:ext cx="2269442" cy="6866466"/>
+            </a:xfrm>
+            <a:custGeom>
+              <a:avLst/>
+              <a:gdLst/>
+              <a:ahLst/>
+              <a:cxnLst/>
+              <a:rect l="l" t="t" r="r" b="b"/>
+              <a:pathLst>
+                <a:path w="2269442" h="6866466">
+                  <a:moveTo>
+                    <a:pt x="2023534" y="0"/>
+                  </a:moveTo>
+                  <a:lnTo>
+                    <a:pt x="0" y="6858000"/>
+                  </a:lnTo>
+                  <a:lnTo>
+                    <a:pt x="2269067" y="6866466"/>
+                  </a:lnTo>
+                  <a:cubicBezTo>
+                    <a:pt x="2271889" y="4580466"/>
+                    <a:pt x="2257778" y="2294466"/>
+                    <a:pt x="2260600" y="8466"/>
+                  </a:cubicBezTo>
+                  <a:lnTo>
+                    <a:pt x="2023534" y="0"/>
+                  </a:lnTo>
+                  <a:close/>
+                </a:path>
+              </a:pathLst>
+            </a:custGeom>
+            <a:solidFill>
+              <a:schemeClr val="accent1">
+                <a:alpha val="30000"/>
+              </a:schemeClr>
+            </a:solidFill>
+            <a:ln>
+              <a:noFill/>
+            </a:ln>
+            <a:effectLst/>
+          </p:spPr>
+          <p:style>
+            <a:lnRef idx="1">
+              <a:schemeClr val="accent1"/>
+            </a:lnRef>
+            <a:fillRef idx="3">
+              <a:schemeClr val="accent1"/>
+            </a:fillRef>
+            <a:effectRef idx="2">
+              <a:schemeClr val="accent1"/>
+            </a:effectRef>
+            <a:fontRef idx="minor">
+              <a:schemeClr val="lt1"/>
+            </a:fontRef>
+          </p:style>
+        </p:sp>
+        <p:sp>
+          <p:nvSpPr>
+            <p:cNvPr id="20" name="Freeform 19"/>
+            <p:cNvSpPr/>
+            <p:nvPr/>
+          </p:nvSpPr>
+          <p:spPr>
+            <a:xfrm>
+              <a:off x="7205158" y="-8467"/>
+              <a:ext cx="1948147" cy="6866467"/>
+            </a:xfrm>
+            <a:custGeom>
+              <a:avLst/>
+              <a:gdLst/>
+              <a:ahLst/>
+              <a:cxnLst/>
+              <a:rect l="l" t="t" r="r" b="b"/>
+              <a:pathLst>
+                <a:path w="1948147" h="6866467">
+                  <a:moveTo>
+                    <a:pt x="0" y="0"/>
+                  </a:moveTo>
+                  <a:lnTo>
+                    <a:pt x="1202267" y="6866467"/>
+                  </a:lnTo>
+                  <a:lnTo>
+                    <a:pt x="1947333" y="6866467"/>
+                  </a:lnTo>
+                  <a:cubicBezTo>
+                    <a:pt x="1944511" y="4577645"/>
+                    <a:pt x="1950155" y="2288822"/>
+                    <a:pt x="1947333" y="0"/>
+                  </a:cubicBezTo>
+                  <a:lnTo>
+                    <a:pt x="0" y="0"/>
+                  </a:lnTo>
+                  <a:close/>
+                </a:path>
+              </a:pathLst>
+            </a:custGeom>
+            <a:solidFill>
+              <a:schemeClr val="accent1">
+                <a:alpha val="20000"/>
+              </a:schemeClr>
+            </a:solidFill>
+            <a:ln>
+              <a:noFill/>
+            </a:ln>
+            <a:effectLst/>
+          </p:spPr>
+          <p:style>
+            <a:lnRef idx="1">
+              <a:schemeClr val="accent1"/>
+            </a:lnRef>
+            <a:fillRef idx="3">
+              <a:schemeClr val="accent1"/>
+            </a:fillRef>
+            <a:effectRef idx="2">
+              <a:schemeClr val="accent1"/>
+            </a:effectRef>
+            <a:fontRef idx="minor">
+              <a:schemeClr val="lt1"/>
+            </a:fontRef>
+          </p:style>
+        </p:sp>
+        <p:sp>
+          <p:nvSpPr>
+            <p:cNvPr id="21" name="Freeform 20"/>
+            <p:cNvSpPr/>
+            <p:nvPr/>
+          </p:nvSpPr>
+          <p:spPr>
+            <a:xfrm>
+              <a:off x="6637896" y="3920066"/>
+              <a:ext cx="2513565" cy="2937933"/>
+            </a:xfrm>
+            <a:custGeom>
+              <a:avLst/>
+              <a:gdLst/>
+              <a:ahLst/>
+              <a:cxnLst/>
+              <a:rect l="l" t="t" r="r" b="b"/>
+              <a:pathLst>
+                <a:path w="3259667" h="3810000">
+                  <a:moveTo>
+                    <a:pt x="0" y="3810000"/>
+                  </a:moveTo>
+                  <a:lnTo>
+                    <a:pt x="3251200" y="0"/>
+                  </a:lnTo>
+                  <a:cubicBezTo>
+                    <a:pt x="3254022" y="1270000"/>
+                    <a:pt x="3256845" y="2540000"/>
+                    <a:pt x="3259667" y="3810000"/>
+                  </a:cubicBezTo>
+                  <a:lnTo>
+                    <a:pt x="0" y="3810000"/>
+                  </a:lnTo>
+                  <a:close/>
+                </a:path>
+              </a:pathLst>
+            </a:custGeom>
+            <a:solidFill>
+              <a:schemeClr val="accent2">
+                <a:alpha val="72000"/>
+              </a:schemeClr>
+            </a:solidFill>
+            <a:ln>
+              <a:noFill/>
+            </a:ln>
+            <a:effectLst/>
+          </p:spPr>
+          <p:style>
+            <a:lnRef idx="1">
+              <a:schemeClr val="accent1"/>
+            </a:lnRef>
+            <a:fillRef idx="3">
+              <a:schemeClr val="accent1"/>
+            </a:fillRef>
+            <a:effectRef idx="2">
+              <a:schemeClr val="accent1"/>
+            </a:effectRef>
+            <a:fontRef idx="minor">
+              <a:schemeClr val="lt1"/>
+            </a:fontRef>
+          </p:style>
+        </p:sp>
+        <p:sp>
+          <p:nvSpPr>
+            <p:cNvPr id="22" name="Freeform 21"/>
+            <p:cNvSpPr/>
+            <p:nvPr/>
+          </p:nvSpPr>
+          <p:spPr>
+            <a:xfrm>
+              <a:off x="7010429" y="-8467"/>
+              <a:ext cx="2142876" cy="6866467"/>
+            </a:xfrm>
+            <a:custGeom>
+              <a:avLst/>
+              <a:gdLst/>
+              <a:ahLst/>
+              <a:cxnLst/>
+              <a:rect l="l" t="t" r="r" b="b"/>
+              <a:pathLst>
+                <a:path w="2853267" h="6866467">
+                  <a:moveTo>
+                    <a:pt x="0" y="0"/>
+                  </a:moveTo>
+                  <a:lnTo>
+                    <a:pt x="2472267" y="6866467"/>
+                  </a:lnTo>
+                  <a:lnTo>
+                    <a:pt x="2853267" y="6858000"/>
+                  </a:lnTo>
+                  <a:lnTo>
+                    <a:pt x="2853267" y="0"/>
+                  </a:lnTo>
+                  <a:lnTo>
+                    <a:pt x="0" y="0"/>
+                  </a:lnTo>
+                  <a:close/>
+                </a:path>
+              </a:pathLst>
+            </a:custGeom>
+            <a:solidFill>
+              <a:schemeClr val="accent2">
+                <a:lumMod val="75000"/>
+                <a:alpha val="70000"/>
+              </a:schemeClr>
+            </a:solidFill>
+            <a:ln>
+              <a:noFill/>
+            </a:ln>
+            <a:effectLst/>
+          </p:spPr>
+          <p:style>
+            <a:lnRef idx="1">
+              <a:schemeClr val="accent1"/>
+            </a:lnRef>
+            <a:fillRef idx="3">
+              <a:schemeClr val="accent1"/>
+            </a:fillRef>
+            <a:effectRef idx="2">
+              <a:schemeClr val="accent1"/>
+            </a:effectRef>
+            <a:fontRef idx="minor">
+              <a:schemeClr val="lt1"/>
+            </a:fontRef>
+          </p:style>
+        </p:sp>
+        <p:sp>
+          <p:nvSpPr>
+            <p:cNvPr id="23" name="Freeform 22"/>
+            <p:cNvSpPr/>
+            <p:nvPr/>
+          </p:nvSpPr>
+          <p:spPr>
+            <a:xfrm>
+              <a:off x="8295776" y="-8467"/>
+              <a:ext cx="857530" cy="6866467"/>
+            </a:xfrm>
+            <a:custGeom>
+              <a:avLst/>
+              <a:gdLst/>
+              <a:ahLst/>
+              <a:cxnLst/>
+              <a:rect l="l" t="t" r="r" b="b"/>
+              <a:pathLst>
+                <a:path w="1286933" h="6866467">
+                  <a:moveTo>
+                    <a:pt x="1016000" y="0"/>
+                  </a:moveTo>
+                  <a:lnTo>
+                    <a:pt x="0" y="6866467"/>
+                  </a:lnTo>
+                  <a:lnTo>
+                    <a:pt x="1286933" y="6866467"/>
+                  </a:lnTo>
+                  <a:cubicBezTo>
+                    <a:pt x="1284111" y="4577645"/>
+                    <a:pt x="1281288" y="2288822"/>
+                    <a:pt x="1278466" y="0"/>
+                  </a:cubicBezTo>
+                  <a:lnTo>
+                    <a:pt x="1016000" y="0"/>
+                  </a:lnTo>
+                  <a:close/>
+                </a:path>
+              </a:pathLst>
+            </a:custGeom>
+            <a:solidFill>
+              <a:schemeClr val="accent1">
+                <a:lumMod val="60000"/>
+                <a:lumOff val="40000"/>
+                <a:alpha val="70000"/>
+              </a:schemeClr>
+            </a:solidFill>
+            <a:ln>
+              <a:noFill/>
+            </a:ln>
+            <a:effectLst/>
+          </p:spPr>
+          <p:style>
+            <a:lnRef idx="1">
+              <a:schemeClr val="accent1"/>
+            </a:lnRef>
+            <a:fillRef idx="3">
+              <a:schemeClr val="accent1"/>
+            </a:fillRef>
+            <a:effectRef idx="2">
+              <a:schemeClr val="accent1"/>
+            </a:effectRef>
+            <a:fontRef idx="minor">
+              <a:schemeClr val="lt1"/>
+            </a:fontRef>
+          </p:style>
+        </p:sp>
+        <p:sp>
+          <p:nvSpPr>
+            <p:cNvPr id="24" name="Freeform 23"/>
+            <p:cNvSpPr/>
+            <p:nvPr/>
+          </p:nvSpPr>
+          <p:spPr>
+            <a:xfrm>
+              <a:off x="8077231" y="-8468"/>
+              <a:ext cx="1066770" cy="6866467"/>
+            </a:xfrm>
+            <a:custGeom>
+              <a:avLst/>
+              <a:gdLst/>
+              <a:ahLst/>
+              <a:cxnLst/>
+              <a:rect l="l" t="t" r="r" b="b"/>
+              <a:pathLst>
+                <a:path w="1270244" h="6866467">
+                  <a:moveTo>
+                    <a:pt x="0" y="0"/>
+                  </a:moveTo>
+                  <a:lnTo>
+                    <a:pt x="1117600" y="6866467"/>
+                  </a:lnTo>
+                  <a:lnTo>
+                    <a:pt x="1270000" y="6866467"/>
+                  </a:lnTo>
+                  <a:cubicBezTo>
+                    <a:pt x="1272822" y="4574822"/>
+                    <a:pt x="1250245" y="2291645"/>
+                    <a:pt x="1253067" y="0"/>
+                  </a:cubicBezTo>
+                  <a:lnTo>
+                    <a:pt x="0" y="0"/>
+                  </a:lnTo>
+                  <a:close/>
+                </a:path>
+              </a:pathLst>
+            </a:custGeom>
+            <a:solidFill>
+              <a:schemeClr val="accent1">
+                <a:alpha val="65000"/>
+              </a:schemeClr>
+            </a:solidFill>
+            <a:ln>
+              <a:noFill/>
+            </a:ln>
+            <a:effectLst/>
+          </p:spPr>
+          <p:style>
+            <a:lnRef idx="1">
+              <a:schemeClr val="accent1"/>
+            </a:lnRef>
+            <a:fillRef idx="3">
+              <a:schemeClr val="accent1"/>
+            </a:fillRef>
+            <a:effectRef idx="2">
+              <a:schemeClr val="accent1"/>
+            </a:effectRef>
+            <a:fontRef idx="minor">
+              <a:schemeClr val="lt1"/>
+            </a:fontRef>
+          </p:style>
+        </p:sp>
+        <p:sp>
+          <p:nvSpPr>
+            <p:cNvPr id="25" name="Freeform 24"/>
+            <p:cNvSpPr/>
+            <p:nvPr/>
+          </p:nvSpPr>
+          <p:spPr>
+            <a:xfrm>
+              <a:off x="8060297" y="4893733"/>
+              <a:ext cx="1094086" cy="1964267"/>
+            </a:xfrm>
+            <a:custGeom>
+              <a:avLst/>
+              <a:gdLst/>
+              <a:ahLst/>
+              <a:cxnLst/>
+              <a:rect l="l" t="t" r="r" b="b"/>
+              <a:pathLst>
+                <a:path w="1820333" h="3268133">
+                  <a:moveTo>
+                    <a:pt x="0" y="3268133"/>
+                  </a:moveTo>
+                  <a:lnTo>
+                    <a:pt x="1811866" y="0"/>
+                  </a:lnTo>
+                  <a:cubicBezTo>
+                    <a:pt x="1814688" y="1086555"/>
+                    <a:pt x="1817511" y="2173111"/>
+                    <a:pt x="1820333" y="3259666"/>
+                  </a:cubicBezTo>
+                  <a:lnTo>
+                    <a:pt x="0" y="3268133"/>
+                  </a:lnTo>
+                  <a:close/>
+                </a:path>
+              </a:pathLst>
+            </a:custGeom>
+            <a:solidFill>
+              <a:schemeClr val="accent1">
+                <a:alpha val="80000"/>
+              </a:schemeClr>
+            </a:solidFill>
+            <a:ln>
+              <a:noFill/>
+            </a:ln>
+            <a:effectLst/>
+          </p:spPr>
+          <p:style>
+            <a:lnRef idx="1">
+              <a:schemeClr val="accent1"/>
+            </a:lnRef>
+            <a:fillRef idx="3">
+              <a:schemeClr val="accent1"/>
+            </a:fillRef>
+            <a:effectRef idx="2">
+              <a:schemeClr val="accent1"/>
+            </a:effectRef>
+            <a:fontRef idx="minor">
+              <a:schemeClr val="lt1"/>
+            </a:fontRef>
+          </p:style>
+        </p:sp>
+        <p:sp>
+          <p:nvSpPr>
+            <p:cNvPr id="28" name="Freeform 27"/>
+            <p:cNvSpPr/>
+            <p:nvPr/>
+          </p:nvSpPr>
+          <p:spPr>
+            <a:xfrm>
+              <a:off x="-8466" y="-8468"/>
+              <a:ext cx="863600" cy="5698067"/>
+            </a:xfrm>
+            <a:custGeom>
+              <a:avLst/>
+              <a:gdLst/>
+              <a:ahLst/>
+              <a:cxnLst/>
+              <a:rect l="l" t="t" r="r" b="b"/>
+              <a:pathLst>
+                <a:path w="863600" h="5698067">
+                  <a:moveTo>
+                    <a:pt x="0" y="8467"/>
+                  </a:moveTo>
+                  <a:lnTo>
+                    <a:pt x="863600" y="0"/>
+                  </a:lnTo>
+                  <a:lnTo>
+                    <a:pt x="863600" y="16934"/>
+                  </a:lnTo>
+                  <a:lnTo>
+                    <a:pt x="0" y="5698067"/>
+                  </a:lnTo>
+                  <a:lnTo>
+                    <a:pt x="0" y="8467"/>
+                  </a:lnTo>
+                  <a:close/>
+                </a:path>
+              </a:pathLst>
+            </a:custGeom>
+            <a:solidFill>
+              <a:schemeClr val="accent1">
+                <a:alpha val="85000"/>
+              </a:schemeClr>
+            </a:solidFill>
+            <a:ln>
+              <a:noFill/>
+            </a:ln>
+            <a:effectLst/>
+          </p:spPr>
+          <p:style>
+            <a:lnRef idx="1">
+              <a:schemeClr val="accent1"/>
+            </a:lnRef>
+            <a:fillRef idx="3">
+              <a:schemeClr val="accent1"/>
+            </a:fillRef>
+            <a:effectRef idx="2">
+              <a:schemeClr val="accent1"/>
+            </a:effectRef>
+            <a:fontRef idx="minor">
+              <a:schemeClr val="lt1"/>
+            </a:fontRef>
+          </p:style>
+        </p:sp>
+      </p:grpSp>
       <p:sp>
         <p:nvSpPr>
           <p:cNvPr id="2" name="Title 1"/>
@@ -152,19 +754,29 @@
         </p:nvSpPr>
         <p:spPr>
           <a:xfrm>
-            <a:off x="2468880" y="6817362"/>
-            <a:ext cx="27980640" cy="4704080"/>
+            <a:off x="4070144" y="7694509"/>
+            <a:ext cx="20976188" cy="5268166"/>
           </a:xfrm>
         </p:spPr>
         <p:txBody>
-          <a:bodyPr/>
-          <a:lstStyle/>
+          <a:bodyPr anchor="b">
+            <a:noAutofit/>
+          </a:bodyPr>
+          <a:lstStyle>
+            <a:lvl1pPr algn="r">
+              <a:defRPr sz="17280">
+                <a:solidFill>
+                  <a:schemeClr val="accent1"/>
+                </a:solidFill>
+              </a:defRPr>
+            </a:lvl1pPr>
+          </a:lstStyle>
           <a:p>
             <a:r>
               <a:rPr lang="en-US" smtClean="0"/>
               <a:t>Click to edit Master title style</a:t>
             </a:r>
-            <a:endParaRPr lang="en-US"/>
+            <a:endParaRPr lang="en-US" dirty="0"/>
           </a:p>
         </p:txBody>
       </p:sp>
@@ -180,24 +792,25 @@
         </p:nvSpPr>
         <p:spPr>
           <a:xfrm>
-            <a:off x="4937760" y="12435840"/>
-            <a:ext cx="23042880" cy="5608320"/>
+            <a:off x="4070144" y="12962670"/>
+            <a:ext cx="20976188" cy="3510077"/>
           </a:xfrm>
         </p:spPr>
         <p:txBody>
-          <a:bodyPr/>
+          <a:bodyPr anchor="t"/>
           <a:lstStyle>
-            <a:lvl1pPr marL="0" indent="0" algn="ctr">
+            <a:lvl1pPr marL="0" indent="0" algn="r">
               <a:buNone/>
               <a:defRPr>
                 <a:solidFill>
                   <a:schemeClr val="tx1">
-                    <a:tint val="75000"/>
+                    <a:lumMod val="50000"/>
+                    <a:lumOff val="50000"/>
                   </a:schemeClr>
                 </a:solidFill>
               </a:defRPr>
             </a:lvl1pPr>
-            <a:lvl2pPr marL="1567510" indent="0" algn="ctr">
+            <a:lvl2pPr marL="1463040" indent="0" algn="ctr">
               <a:buNone/>
               <a:defRPr>
                 <a:solidFill>
@@ -207,7 +820,7 @@
                 </a:solidFill>
               </a:defRPr>
             </a:lvl2pPr>
-            <a:lvl3pPr marL="3135020" indent="0" algn="ctr">
+            <a:lvl3pPr marL="2926080" indent="0" algn="ctr">
               <a:buNone/>
               <a:defRPr>
                 <a:solidFill>
@@ -217,7 +830,7 @@
                 </a:solidFill>
               </a:defRPr>
             </a:lvl3pPr>
-            <a:lvl4pPr marL="4702531" indent="0" algn="ctr">
+            <a:lvl4pPr marL="4389120" indent="0" algn="ctr">
               <a:buNone/>
               <a:defRPr>
                 <a:solidFill>
@@ -227,7 +840,7 @@
                 </a:solidFill>
               </a:defRPr>
             </a:lvl4pPr>
-            <a:lvl5pPr marL="6270041" indent="0" algn="ctr">
+            <a:lvl5pPr marL="5852160" indent="0" algn="ctr">
               <a:buNone/>
               <a:defRPr>
                 <a:solidFill>
@@ -237,7 +850,7 @@
                 </a:solidFill>
               </a:defRPr>
             </a:lvl5pPr>
-            <a:lvl6pPr marL="7837551" indent="0" algn="ctr">
+            <a:lvl6pPr marL="7315200" indent="0" algn="ctr">
               <a:buNone/>
               <a:defRPr>
                 <a:solidFill>
@@ -247,7 +860,7 @@
                 </a:solidFill>
               </a:defRPr>
             </a:lvl6pPr>
-            <a:lvl7pPr marL="9405061" indent="0" algn="ctr">
+            <a:lvl7pPr marL="8778240" indent="0" algn="ctr">
               <a:buNone/>
               <a:defRPr>
                 <a:solidFill>
@@ -257,7 +870,7 @@
                 </a:solidFill>
               </a:defRPr>
             </a:lvl7pPr>
-            <a:lvl8pPr marL="10972571" indent="0" algn="ctr">
+            <a:lvl8pPr marL="10241280" indent="0" algn="ctr">
               <a:buNone/>
               <a:defRPr>
                 <a:solidFill>
@@ -267,7 +880,7 @@
                 </a:solidFill>
               </a:defRPr>
             </a:lvl8pPr>
-            <a:lvl9pPr marL="12540082" indent="0" algn="ctr">
+            <a:lvl9pPr marL="11704320" indent="0" algn="ctr">
               <a:buNone/>
               <a:defRPr>
                 <a:solidFill>
@@ -283,7 +896,7 @@
               <a:rPr lang="en-US" smtClean="0"/>
               <a:t>Click to edit Master subtitle style</a:t>
             </a:r>
-            <a:endParaRPr lang="en-US"/>
+            <a:endParaRPr lang="en-US" dirty="0"/>
           </a:p>
         </p:txBody>
       </p:sp>
@@ -305,7 +918,7 @@
             <a:fld id="{1D8BD707-D9CF-40AE-B4C6-C98DA3205C09}" type="datetimeFigureOut">
               <a:rPr lang="en-US" smtClean="0"/>
               <a:pPr/>
-              <a:t>2/26/2016</a:t>
+              <a:t>03/23/2016</a:t>
             </a:fld>
             <a:endParaRPr lang="en-US"/>
           </a:p>
@@ -355,6 +968,11 @@
         </p:txBody>
       </p:sp>
     </p:spTree>
+    <p:extLst>
+      <p:ext uri="{BB962C8B-B14F-4D97-AF65-F5344CB8AC3E}">
+        <p14:creationId xmlns:p14="http://schemas.microsoft.com/office/powerpoint/2010/main" val="4153413171"/>
+      </p:ext>
+    </p:extLst>
   </p:cSld>
   <p:clrMapOvr>
     <a:masterClrMapping/>
@@ -363,8 +981,8 @@
 </file>
 
 <file path=ppt/slideLayouts/slideLayout10.xml><?xml version="1.0" encoding="utf-8"?>
-<p:sldLayout xmlns:a="http://schemas.openxmlformats.org/drawingml/2006/main" xmlns:r="http://schemas.openxmlformats.org/officeDocument/2006/relationships" xmlns:p="http://schemas.openxmlformats.org/presentationml/2006/main" type="picTx" preserve="1">
-  <p:cSld name="Picture with Caption">
+<p:sldLayout xmlns:a="http://schemas.openxmlformats.org/drawingml/2006/main" xmlns:r="http://schemas.openxmlformats.org/officeDocument/2006/relationships" xmlns:p="http://schemas.openxmlformats.org/presentationml/2006/main" preserve="1">
+  <p:cSld name="Title and Caption">
     <p:spTree>
       <p:nvGrpSpPr>
         <p:cNvPr id="1" name=""/>
@@ -391,15 +1009,17 @@
         </p:nvSpPr>
         <p:spPr>
           <a:xfrm>
-            <a:off x="6452237" y="15361920"/>
-            <a:ext cx="19751040" cy="1813562"/>
+            <a:off x="2194560" y="1950720"/>
+            <a:ext cx="22851770" cy="10891520"/>
           </a:xfrm>
         </p:spPr>
         <p:txBody>
-          <a:bodyPr anchor="b"/>
+          <a:bodyPr anchor="ctr">
+            <a:normAutofit/>
+          </a:bodyPr>
           <a:lstStyle>
             <a:lvl1pPr algn="l">
-              <a:defRPr sz="6900" b="1"/>
+              <a:defRPr sz="14080" b="0" cap="none"/>
             </a:lvl1pPr>
           </a:lstStyle>
           <a:p>
@@ -407,155 +1027,151 @@
               <a:rPr lang="en-US" smtClean="0"/>
               <a:t>Click to edit Master title style</a:t>
             </a:r>
-            <a:endParaRPr lang="en-US"/>
-          </a:p>
-        </p:txBody>
-      </p:sp>
-      <p:sp>
-        <p:nvSpPr>
-          <p:cNvPr id="3" name="Picture Placeholder 2"/>
-          <p:cNvSpPr>
-            <a:spLocks noGrp="1"/>
-          </p:cNvSpPr>
-          <p:nvPr>
-            <p:ph type="pic" idx="1"/>
+            <a:endParaRPr lang="en-US" dirty="0"/>
+          </a:p>
+        </p:txBody>
+      </p:sp>
+      <p:sp>
+        <p:nvSpPr>
+          <p:cNvPr id="3" name="Text Placeholder 2"/>
+          <p:cNvSpPr>
+            <a:spLocks noGrp="1"/>
+          </p:cNvSpPr>
+          <p:nvPr>
+            <p:ph type="body" idx="1"/>
           </p:nvPr>
         </p:nvSpPr>
         <p:spPr>
           <a:xfrm>
-            <a:off x="6452237" y="1960880"/>
-            <a:ext cx="19751040" cy="13167360"/>
+            <a:off x="2194560" y="14305280"/>
+            <a:ext cx="22851770" cy="5027078"/>
           </a:xfrm>
         </p:spPr>
         <p:txBody>
-          <a:bodyPr/>
+          <a:bodyPr anchor="ctr">
+            <a:normAutofit/>
+          </a:bodyPr>
           <a:lstStyle>
-            <a:lvl1pPr marL="0" indent="0">
-              <a:buNone/>
-              <a:defRPr sz="11000"/>
+            <a:lvl1pPr marL="0" indent="0" algn="l">
+              <a:buNone/>
+              <a:defRPr sz="5760">
+                <a:solidFill>
+                  <a:schemeClr val="tx1">
+                    <a:lumMod val="75000"/>
+                    <a:lumOff val="25000"/>
+                  </a:schemeClr>
+                </a:solidFill>
+              </a:defRPr>
             </a:lvl1pPr>
-            <a:lvl2pPr marL="1567510" indent="0">
-              <a:buNone/>
-              <a:defRPr sz="9600"/>
+            <a:lvl2pPr marL="1463040" indent="0">
+              <a:buNone/>
+              <a:defRPr sz="5760">
+                <a:solidFill>
+                  <a:schemeClr val="tx1">
+                    <a:tint val="75000"/>
+                  </a:schemeClr>
+                </a:solidFill>
+              </a:defRPr>
             </a:lvl2pPr>
-            <a:lvl3pPr marL="3135020" indent="0">
-              <a:buNone/>
-              <a:defRPr sz="8200"/>
+            <a:lvl3pPr marL="2926080" indent="0">
+              <a:buNone/>
+              <a:defRPr sz="5120">
+                <a:solidFill>
+                  <a:schemeClr val="tx1">
+                    <a:tint val="75000"/>
+                  </a:schemeClr>
+                </a:solidFill>
+              </a:defRPr>
             </a:lvl3pPr>
-            <a:lvl4pPr marL="4702531" indent="0">
-              <a:buNone/>
-              <a:defRPr sz="6900"/>
+            <a:lvl4pPr marL="4389120" indent="0">
+              <a:buNone/>
+              <a:defRPr sz="4480">
+                <a:solidFill>
+                  <a:schemeClr val="tx1">
+                    <a:tint val="75000"/>
+                  </a:schemeClr>
+                </a:solidFill>
+              </a:defRPr>
             </a:lvl4pPr>
-            <a:lvl5pPr marL="6270041" indent="0">
-              <a:buNone/>
-              <a:defRPr sz="6900"/>
+            <a:lvl5pPr marL="5852160" indent="0">
+              <a:buNone/>
+              <a:defRPr sz="4480">
+                <a:solidFill>
+                  <a:schemeClr val="tx1">
+                    <a:tint val="75000"/>
+                  </a:schemeClr>
+                </a:solidFill>
+              </a:defRPr>
             </a:lvl5pPr>
-            <a:lvl6pPr marL="7837551" indent="0">
-              <a:buNone/>
-              <a:defRPr sz="6900"/>
+            <a:lvl6pPr marL="7315200" indent="0">
+              <a:buNone/>
+              <a:defRPr sz="4480">
+                <a:solidFill>
+                  <a:schemeClr val="tx1">
+                    <a:tint val="75000"/>
+                  </a:schemeClr>
+                </a:solidFill>
+              </a:defRPr>
             </a:lvl6pPr>
-            <a:lvl7pPr marL="9405061" indent="0">
-              <a:buNone/>
-              <a:defRPr sz="6900"/>
+            <a:lvl7pPr marL="8778240" indent="0">
+              <a:buNone/>
+              <a:defRPr sz="4480">
+                <a:solidFill>
+                  <a:schemeClr val="tx1">
+                    <a:tint val="75000"/>
+                  </a:schemeClr>
+                </a:solidFill>
+              </a:defRPr>
             </a:lvl7pPr>
-            <a:lvl8pPr marL="10972571" indent="0">
-              <a:buNone/>
-              <a:defRPr sz="6900"/>
+            <a:lvl8pPr marL="10241280" indent="0">
+              <a:buNone/>
+              <a:defRPr sz="4480">
+                <a:solidFill>
+                  <a:schemeClr val="tx1">
+                    <a:tint val="75000"/>
+                  </a:schemeClr>
+                </a:solidFill>
+              </a:defRPr>
             </a:lvl8pPr>
-            <a:lvl9pPr marL="12540082" indent="0">
-              <a:buNone/>
-              <a:defRPr sz="6900"/>
+            <a:lvl9pPr marL="11704320" indent="0">
+              <a:buNone/>
+              <a:defRPr sz="4480">
+                <a:solidFill>
+                  <a:schemeClr val="tx1">
+                    <a:tint val="75000"/>
+                  </a:schemeClr>
+                </a:solidFill>
+              </a:defRPr>
             </a:lvl9pPr>
           </a:lstStyle>
           <a:p>
-            <a:endParaRPr lang="en-US"/>
-          </a:p>
-        </p:txBody>
-      </p:sp>
-      <p:sp>
-        <p:nvSpPr>
-          <p:cNvPr id="4" name="Text Placeholder 3"/>
-          <p:cNvSpPr>
-            <a:spLocks noGrp="1"/>
-          </p:cNvSpPr>
-          <p:nvPr>
-            <p:ph type="body" sz="half" idx="2"/>
-          </p:nvPr>
-        </p:nvSpPr>
-        <p:spPr>
-          <a:xfrm>
-            <a:off x="6452237" y="17175482"/>
-            <a:ext cx="19751040" cy="2575558"/>
-          </a:xfrm>
-        </p:spPr>
+            <a:pPr lvl="0"/>
+            <a:r>
+              <a:rPr lang="en-US" smtClean="0"/>
+              <a:t>Click to edit Master text styles</a:t>
+            </a:r>
+          </a:p>
+        </p:txBody>
+      </p:sp>
+      <p:sp>
+        <p:nvSpPr>
+          <p:cNvPr id="4" name="Date Placeholder 3"/>
+          <p:cNvSpPr>
+            <a:spLocks noGrp="1"/>
+          </p:cNvSpPr>
+          <p:nvPr>
+            <p:ph type="dt" sz="half" idx="10"/>
+          </p:nvPr>
+        </p:nvSpPr>
+        <p:spPr/>
         <p:txBody>
           <a:bodyPr/>
-          <a:lstStyle>
-            <a:lvl1pPr marL="0" indent="0">
-              <a:buNone/>
-              <a:defRPr sz="4800"/>
-            </a:lvl1pPr>
-            <a:lvl2pPr marL="1567510" indent="0">
-              <a:buNone/>
-              <a:defRPr sz="4100"/>
-            </a:lvl2pPr>
-            <a:lvl3pPr marL="3135020" indent="0">
-              <a:buNone/>
-              <a:defRPr sz="3400"/>
-            </a:lvl3pPr>
-            <a:lvl4pPr marL="4702531" indent="0">
-              <a:buNone/>
-              <a:defRPr sz="3100"/>
-            </a:lvl4pPr>
-            <a:lvl5pPr marL="6270041" indent="0">
-              <a:buNone/>
-              <a:defRPr sz="3100"/>
-            </a:lvl5pPr>
-            <a:lvl6pPr marL="7837551" indent="0">
-              <a:buNone/>
-              <a:defRPr sz="3100"/>
-            </a:lvl6pPr>
-            <a:lvl7pPr marL="9405061" indent="0">
-              <a:buNone/>
-              <a:defRPr sz="3100"/>
-            </a:lvl7pPr>
-            <a:lvl8pPr marL="10972571" indent="0">
-              <a:buNone/>
-              <a:defRPr sz="3100"/>
-            </a:lvl8pPr>
-            <a:lvl9pPr marL="12540082" indent="0">
-              <a:buNone/>
-              <a:defRPr sz="3100"/>
-            </a:lvl9pPr>
-          </a:lstStyle>
-          <a:p>
-            <a:pPr lvl="0"/>
-            <a:r>
-              <a:rPr lang="en-US" smtClean="0"/>
-              <a:t>Click to edit Master text styles</a:t>
-            </a:r>
-          </a:p>
-        </p:txBody>
-      </p:sp>
-      <p:sp>
-        <p:nvSpPr>
-          <p:cNvPr id="5" name="Date Placeholder 4"/>
-          <p:cNvSpPr>
-            <a:spLocks noGrp="1"/>
-          </p:cNvSpPr>
-          <p:nvPr>
-            <p:ph type="dt" sz="half" idx="10"/>
-          </p:nvPr>
-        </p:nvSpPr>
-        <p:spPr/>
-        <p:txBody>
-          <a:bodyPr/>
           <a:lstStyle/>
           <a:p>
             <a:fld id="{1D8BD707-D9CF-40AE-B4C6-C98DA3205C09}" type="datetimeFigureOut">
               <a:rPr lang="en-US" smtClean="0"/>
               <a:pPr/>
-              <a:t>2/26/2016</a:t>
+              <a:t>03/23/2016</a:t>
             </a:fld>
             <a:endParaRPr lang="en-US"/>
           </a:p>
@@ -563,7 +1179,7 @@
       </p:sp>
       <p:sp>
         <p:nvSpPr>
-          <p:cNvPr id="6" name="Footer Placeholder 5"/>
+          <p:cNvPr id="5" name="Footer Placeholder 4"/>
           <p:cNvSpPr>
             <a:spLocks noGrp="1"/>
           </p:cNvSpPr>
@@ -582,7 +1198,7 @@
       </p:sp>
       <p:sp>
         <p:nvSpPr>
-          <p:cNvPr id="7" name="Slide Number Placeholder 6"/>
+          <p:cNvPr id="6" name="Slide Number Placeholder 5"/>
           <p:cNvSpPr>
             <a:spLocks noGrp="1"/>
           </p:cNvSpPr>
@@ -605,6 +1221,11 @@
         </p:txBody>
       </p:sp>
     </p:spTree>
+    <p:extLst>
+      <p:ext uri="{BB962C8B-B14F-4D97-AF65-F5344CB8AC3E}">
+        <p14:creationId xmlns:p14="http://schemas.microsoft.com/office/powerpoint/2010/main" val="1380973961"/>
+      </p:ext>
+    </p:extLst>
   </p:cSld>
   <p:clrMapOvr>
     <a:masterClrMapping/>
@@ -613,6 +1234,1368 @@
 </file>
 
 <file path=ppt/slideLayouts/slideLayout11.xml><?xml version="1.0" encoding="utf-8"?>
+<p:sldLayout xmlns:a="http://schemas.openxmlformats.org/drawingml/2006/main" xmlns:r="http://schemas.openxmlformats.org/officeDocument/2006/relationships" xmlns:p="http://schemas.openxmlformats.org/presentationml/2006/main" preserve="1">
+  <p:cSld name="Quote with Caption">
+    <p:spTree>
+      <p:nvGrpSpPr>
+        <p:cNvPr id="1" name=""/>
+        <p:cNvGrpSpPr/>
+        <p:nvPr/>
+      </p:nvGrpSpPr>
+      <p:grpSpPr>
+        <a:xfrm>
+          <a:off x="0" y="0"/>
+          <a:ext cx="0" cy="0"/>
+          <a:chOff x="0" y="0"/>
+          <a:chExt cx="0" cy="0"/>
+        </a:xfrm>
+      </p:grpSpPr>
+      <p:sp>
+        <p:nvSpPr>
+          <p:cNvPr id="2" name="Title 1"/>
+          <p:cNvSpPr>
+            <a:spLocks noGrp="1"/>
+          </p:cNvSpPr>
+          <p:nvPr>
+            <p:ph type="title"/>
+          </p:nvPr>
+        </p:nvSpPr>
+        <p:spPr>
+          <a:xfrm>
+            <a:off x="2789586" y="1950720"/>
+            <a:ext cx="21859855" cy="9672320"/>
+          </a:xfrm>
+        </p:spPr>
+        <p:txBody>
+          <a:bodyPr anchor="ctr">
+            <a:normAutofit/>
+          </a:bodyPr>
+          <a:lstStyle>
+            <a:lvl1pPr algn="l">
+              <a:defRPr sz="14080" b="0" cap="none"/>
+            </a:lvl1pPr>
+          </a:lstStyle>
+          <a:p>
+            <a:r>
+              <a:rPr lang="en-US" smtClean="0"/>
+              <a:t>Click to edit Master title style</a:t>
+            </a:r>
+            <a:endParaRPr lang="en-US" dirty="0"/>
+          </a:p>
+        </p:txBody>
+      </p:sp>
+      <p:sp>
+        <p:nvSpPr>
+          <p:cNvPr id="23" name="Text Placeholder 9"/>
+          <p:cNvSpPr>
+            <a:spLocks noGrp="1"/>
+          </p:cNvSpPr>
+          <p:nvPr>
+            <p:ph type="body" sz="quarter" idx="13"/>
+          </p:nvPr>
+        </p:nvSpPr>
+        <p:spPr>
+          <a:xfrm>
+            <a:off x="3963867" y="11623040"/>
+            <a:ext cx="19511294" cy="1219200"/>
+          </a:xfrm>
+        </p:spPr>
+        <p:txBody>
+          <a:bodyPr anchor="ctr">
+            <a:noAutofit/>
+          </a:bodyPr>
+          <a:lstStyle>
+            <a:lvl1pPr marL="0" indent="0">
+              <a:buFontTx/>
+              <a:buNone/>
+              <a:defRPr sz="5120">
+                <a:solidFill>
+                  <a:schemeClr val="tx1">
+                    <a:lumMod val="50000"/>
+                    <a:lumOff val="50000"/>
+                  </a:schemeClr>
+                </a:solidFill>
+              </a:defRPr>
+            </a:lvl1pPr>
+            <a:lvl2pPr marL="1463040" indent="0">
+              <a:buFontTx/>
+              <a:buNone/>
+              <a:defRPr/>
+            </a:lvl2pPr>
+            <a:lvl3pPr marL="2926080" indent="0">
+              <a:buFontTx/>
+              <a:buNone/>
+              <a:defRPr/>
+            </a:lvl3pPr>
+            <a:lvl4pPr marL="4389120" indent="0">
+              <a:buFontTx/>
+              <a:buNone/>
+              <a:defRPr/>
+            </a:lvl4pPr>
+            <a:lvl5pPr marL="5852160" indent="0">
+              <a:buFontTx/>
+              <a:buNone/>
+              <a:defRPr/>
+            </a:lvl5pPr>
+          </a:lstStyle>
+          <a:p>
+            <a:pPr lvl="0"/>
+            <a:r>
+              <a:rPr lang="en-US" smtClean="0"/>
+              <a:t>Click to edit Master text styles</a:t>
+            </a:r>
+          </a:p>
+        </p:txBody>
+      </p:sp>
+      <p:sp>
+        <p:nvSpPr>
+          <p:cNvPr id="3" name="Text Placeholder 2"/>
+          <p:cNvSpPr>
+            <a:spLocks noGrp="1"/>
+          </p:cNvSpPr>
+          <p:nvPr>
+            <p:ph type="body" idx="1"/>
+          </p:nvPr>
+        </p:nvSpPr>
+        <p:spPr>
+          <a:xfrm>
+            <a:off x="2194555" y="14305280"/>
+            <a:ext cx="22851774" cy="5027078"/>
+          </a:xfrm>
+        </p:spPr>
+        <p:txBody>
+          <a:bodyPr anchor="ctr">
+            <a:normAutofit/>
+          </a:bodyPr>
+          <a:lstStyle>
+            <a:lvl1pPr marL="0" indent="0" algn="l">
+              <a:buNone/>
+              <a:defRPr sz="5760">
+                <a:solidFill>
+                  <a:schemeClr val="tx1">
+                    <a:lumMod val="75000"/>
+                    <a:lumOff val="25000"/>
+                  </a:schemeClr>
+                </a:solidFill>
+              </a:defRPr>
+            </a:lvl1pPr>
+            <a:lvl2pPr marL="1463040" indent="0">
+              <a:buNone/>
+              <a:defRPr sz="5760">
+                <a:solidFill>
+                  <a:schemeClr val="tx1">
+                    <a:tint val="75000"/>
+                  </a:schemeClr>
+                </a:solidFill>
+              </a:defRPr>
+            </a:lvl2pPr>
+            <a:lvl3pPr marL="2926080" indent="0">
+              <a:buNone/>
+              <a:defRPr sz="5120">
+                <a:solidFill>
+                  <a:schemeClr val="tx1">
+                    <a:tint val="75000"/>
+                  </a:schemeClr>
+                </a:solidFill>
+              </a:defRPr>
+            </a:lvl3pPr>
+            <a:lvl4pPr marL="4389120" indent="0">
+              <a:buNone/>
+              <a:defRPr sz="4480">
+                <a:solidFill>
+                  <a:schemeClr val="tx1">
+                    <a:tint val="75000"/>
+                  </a:schemeClr>
+                </a:solidFill>
+              </a:defRPr>
+            </a:lvl4pPr>
+            <a:lvl5pPr marL="5852160" indent="0">
+              <a:buNone/>
+              <a:defRPr sz="4480">
+                <a:solidFill>
+                  <a:schemeClr val="tx1">
+                    <a:tint val="75000"/>
+                  </a:schemeClr>
+                </a:solidFill>
+              </a:defRPr>
+            </a:lvl5pPr>
+            <a:lvl6pPr marL="7315200" indent="0">
+              <a:buNone/>
+              <a:defRPr sz="4480">
+                <a:solidFill>
+                  <a:schemeClr val="tx1">
+                    <a:tint val="75000"/>
+                  </a:schemeClr>
+                </a:solidFill>
+              </a:defRPr>
+            </a:lvl6pPr>
+            <a:lvl7pPr marL="8778240" indent="0">
+              <a:buNone/>
+              <a:defRPr sz="4480">
+                <a:solidFill>
+                  <a:schemeClr val="tx1">
+                    <a:tint val="75000"/>
+                  </a:schemeClr>
+                </a:solidFill>
+              </a:defRPr>
+            </a:lvl7pPr>
+            <a:lvl8pPr marL="10241280" indent="0">
+              <a:buNone/>
+              <a:defRPr sz="4480">
+                <a:solidFill>
+                  <a:schemeClr val="tx1">
+                    <a:tint val="75000"/>
+                  </a:schemeClr>
+                </a:solidFill>
+              </a:defRPr>
+            </a:lvl8pPr>
+            <a:lvl9pPr marL="11704320" indent="0">
+              <a:buNone/>
+              <a:defRPr sz="4480">
+                <a:solidFill>
+                  <a:schemeClr val="tx1">
+                    <a:tint val="75000"/>
+                  </a:schemeClr>
+                </a:solidFill>
+              </a:defRPr>
+            </a:lvl9pPr>
+          </a:lstStyle>
+          <a:p>
+            <a:pPr lvl="0"/>
+            <a:r>
+              <a:rPr lang="en-US" smtClean="0"/>
+              <a:t>Click to edit Master text styles</a:t>
+            </a:r>
+          </a:p>
+        </p:txBody>
+      </p:sp>
+      <p:sp>
+        <p:nvSpPr>
+          <p:cNvPr id="4" name="Date Placeholder 3"/>
+          <p:cNvSpPr>
+            <a:spLocks noGrp="1"/>
+          </p:cNvSpPr>
+          <p:nvPr>
+            <p:ph type="dt" sz="half" idx="10"/>
+          </p:nvPr>
+        </p:nvSpPr>
+        <p:spPr/>
+        <p:txBody>
+          <a:bodyPr/>
+          <a:lstStyle/>
+          <a:p>
+            <a:fld id="{1D8BD707-D9CF-40AE-B4C6-C98DA3205C09}" type="datetimeFigureOut">
+              <a:rPr lang="en-US" smtClean="0"/>
+              <a:pPr/>
+              <a:t>03/23/2016</a:t>
+            </a:fld>
+            <a:endParaRPr lang="en-US"/>
+          </a:p>
+        </p:txBody>
+      </p:sp>
+      <p:sp>
+        <p:nvSpPr>
+          <p:cNvPr id="5" name="Footer Placeholder 4"/>
+          <p:cNvSpPr>
+            <a:spLocks noGrp="1"/>
+          </p:cNvSpPr>
+          <p:nvPr>
+            <p:ph type="ftr" sz="quarter" idx="11"/>
+          </p:nvPr>
+        </p:nvSpPr>
+        <p:spPr/>
+        <p:txBody>
+          <a:bodyPr/>
+          <a:lstStyle/>
+          <a:p>
+            <a:endParaRPr lang="en-US"/>
+          </a:p>
+        </p:txBody>
+      </p:sp>
+      <p:sp>
+        <p:nvSpPr>
+          <p:cNvPr id="6" name="Slide Number Placeholder 5"/>
+          <p:cNvSpPr>
+            <a:spLocks noGrp="1"/>
+          </p:cNvSpPr>
+          <p:nvPr>
+            <p:ph type="sldNum" sz="quarter" idx="12"/>
+          </p:nvPr>
+        </p:nvSpPr>
+        <p:spPr/>
+        <p:txBody>
+          <a:bodyPr/>
+          <a:lstStyle/>
+          <a:p>
+            <a:fld id="{B6F15528-21DE-4FAA-801E-634DDDAF4B2B}" type="slidenum">
+              <a:rPr lang="en-US" smtClean="0"/>
+              <a:pPr/>
+              <a:t>‹#›</a:t>
+            </a:fld>
+            <a:endParaRPr lang="en-US"/>
+          </a:p>
+        </p:txBody>
+      </p:sp>
+      <p:sp>
+        <p:nvSpPr>
+          <p:cNvPr id="24" name="TextBox 23"/>
+          <p:cNvSpPr txBox="1"/>
+          <p:nvPr/>
+        </p:nvSpPr>
+        <p:spPr>
+          <a:xfrm>
+            <a:off x="1737762" y="2529210"/>
+            <a:ext cx="1646348" cy="1871283"/>
+          </a:xfrm>
+          <a:prstGeom prst="rect">
+            <a:avLst/>
+          </a:prstGeom>
+        </p:spPr>
+        <p:txBody>
+          <a:bodyPr vert="horz" lIns="292608" tIns="146304" rIns="292608" bIns="146304" rtlCol="0" anchor="ctr">
+            <a:noAutofit/>
+          </a:bodyPr>
+          <a:lstStyle/>
+          <a:p>
+            <a:pPr lvl="0"/>
+            <a:r>
+              <a:rPr lang="en-US" sz="25600" baseline="0" dirty="0">
+                <a:ln w="3175" cmpd="sng">
+                  <a:noFill/>
+                </a:ln>
+                <a:solidFill>
+                  <a:schemeClr val="accent1">
+                    <a:lumMod val="60000"/>
+                    <a:lumOff val="40000"/>
+                  </a:schemeClr>
+                </a:solidFill>
+                <a:effectLst/>
+                <a:latin typeface="Arial"/>
+              </a:rPr>
+              <a:t>“</a:t>
+            </a:r>
+          </a:p>
+        </p:txBody>
+      </p:sp>
+      <p:sp>
+        <p:nvSpPr>
+          <p:cNvPr id="25" name="TextBox 24"/>
+          <p:cNvSpPr txBox="1"/>
+          <p:nvPr/>
+        </p:nvSpPr>
+        <p:spPr>
+          <a:xfrm>
+            <a:off x="24291718" y="9236979"/>
+            <a:ext cx="1646348" cy="1871283"/>
+          </a:xfrm>
+          <a:prstGeom prst="rect">
+            <a:avLst/>
+          </a:prstGeom>
+        </p:spPr>
+        <p:txBody>
+          <a:bodyPr vert="horz" lIns="292608" tIns="146304" rIns="292608" bIns="146304" rtlCol="0" anchor="ctr">
+            <a:noAutofit/>
+          </a:bodyPr>
+          <a:lstStyle/>
+          <a:p>
+            <a:pPr lvl="0"/>
+            <a:r>
+              <a:rPr lang="en-US" sz="25600" baseline="0" dirty="0">
+                <a:ln w="3175" cmpd="sng">
+                  <a:noFill/>
+                </a:ln>
+                <a:solidFill>
+                  <a:schemeClr val="accent1">
+                    <a:lumMod val="60000"/>
+                    <a:lumOff val="40000"/>
+                  </a:schemeClr>
+                </a:solidFill>
+                <a:effectLst/>
+                <a:latin typeface="Arial"/>
+              </a:rPr>
+              <a:t>”</a:t>
+            </a:r>
+          </a:p>
+        </p:txBody>
+      </p:sp>
+    </p:spTree>
+    <p:extLst>
+      <p:ext uri="{BB962C8B-B14F-4D97-AF65-F5344CB8AC3E}">
+        <p14:creationId xmlns:p14="http://schemas.microsoft.com/office/powerpoint/2010/main" val="820852423"/>
+      </p:ext>
+    </p:extLst>
+  </p:cSld>
+  <p:clrMapOvr>
+    <a:masterClrMapping/>
+  </p:clrMapOvr>
+</p:sldLayout>
+</file>
+
+<file path=ppt/slideLayouts/slideLayout12.xml><?xml version="1.0" encoding="utf-8"?>
+<p:sldLayout xmlns:a="http://schemas.openxmlformats.org/drawingml/2006/main" xmlns:r="http://schemas.openxmlformats.org/officeDocument/2006/relationships" xmlns:p="http://schemas.openxmlformats.org/presentationml/2006/main" preserve="1">
+  <p:cSld name="Name Card">
+    <p:spTree>
+      <p:nvGrpSpPr>
+        <p:cNvPr id="1" name=""/>
+        <p:cNvGrpSpPr/>
+        <p:nvPr/>
+      </p:nvGrpSpPr>
+      <p:grpSpPr>
+        <a:xfrm>
+          <a:off x="0" y="0"/>
+          <a:ext cx="0" cy="0"/>
+          <a:chOff x="0" y="0"/>
+          <a:chExt cx="0" cy="0"/>
+        </a:xfrm>
+      </p:grpSpPr>
+      <p:sp>
+        <p:nvSpPr>
+          <p:cNvPr id="2" name="Title 1"/>
+          <p:cNvSpPr>
+            <a:spLocks noGrp="1"/>
+          </p:cNvSpPr>
+          <p:nvPr>
+            <p:ph type="title"/>
+          </p:nvPr>
+        </p:nvSpPr>
+        <p:spPr>
+          <a:xfrm>
+            <a:off x="2194555" y="6182362"/>
+            <a:ext cx="22851774" cy="8305472"/>
+          </a:xfrm>
+        </p:spPr>
+        <p:txBody>
+          <a:bodyPr anchor="b">
+            <a:normAutofit/>
+          </a:bodyPr>
+          <a:lstStyle>
+            <a:lvl1pPr algn="l">
+              <a:defRPr sz="14080" b="0" cap="none"/>
+            </a:lvl1pPr>
+          </a:lstStyle>
+          <a:p>
+            <a:r>
+              <a:rPr lang="en-US" smtClean="0"/>
+              <a:t>Click to edit Master title style</a:t>
+            </a:r>
+            <a:endParaRPr lang="en-US" dirty="0"/>
+          </a:p>
+        </p:txBody>
+      </p:sp>
+      <p:sp>
+        <p:nvSpPr>
+          <p:cNvPr id="3" name="Text Placeholder 2"/>
+          <p:cNvSpPr>
+            <a:spLocks noGrp="1"/>
+          </p:cNvSpPr>
+          <p:nvPr>
+            <p:ph type="body" idx="1"/>
+          </p:nvPr>
+        </p:nvSpPr>
+        <p:spPr>
+          <a:xfrm>
+            <a:off x="2194555" y="14487834"/>
+            <a:ext cx="22851774" cy="4844525"/>
+          </a:xfrm>
+        </p:spPr>
+        <p:txBody>
+          <a:bodyPr anchor="t">
+            <a:normAutofit/>
+          </a:bodyPr>
+          <a:lstStyle>
+            <a:lvl1pPr marL="0" indent="0" algn="l">
+              <a:buNone/>
+              <a:defRPr sz="5760">
+                <a:solidFill>
+                  <a:schemeClr val="tx1">
+                    <a:lumMod val="75000"/>
+                    <a:lumOff val="25000"/>
+                  </a:schemeClr>
+                </a:solidFill>
+              </a:defRPr>
+            </a:lvl1pPr>
+            <a:lvl2pPr marL="1463040" indent="0">
+              <a:buNone/>
+              <a:defRPr sz="5760">
+                <a:solidFill>
+                  <a:schemeClr val="tx1">
+                    <a:tint val="75000"/>
+                  </a:schemeClr>
+                </a:solidFill>
+              </a:defRPr>
+            </a:lvl2pPr>
+            <a:lvl3pPr marL="2926080" indent="0">
+              <a:buNone/>
+              <a:defRPr sz="5120">
+                <a:solidFill>
+                  <a:schemeClr val="tx1">
+                    <a:tint val="75000"/>
+                  </a:schemeClr>
+                </a:solidFill>
+              </a:defRPr>
+            </a:lvl3pPr>
+            <a:lvl4pPr marL="4389120" indent="0">
+              <a:buNone/>
+              <a:defRPr sz="4480">
+                <a:solidFill>
+                  <a:schemeClr val="tx1">
+                    <a:tint val="75000"/>
+                  </a:schemeClr>
+                </a:solidFill>
+              </a:defRPr>
+            </a:lvl4pPr>
+            <a:lvl5pPr marL="5852160" indent="0">
+              <a:buNone/>
+              <a:defRPr sz="4480">
+                <a:solidFill>
+                  <a:schemeClr val="tx1">
+                    <a:tint val="75000"/>
+                  </a:schemeClr>
+                </a:solidFill>
+              </a:defRPr>
+            </a:lvl5pPr>
+            <a:lvl6pPr marL="7315200" indent="0">
+              <a:buNone/>
+              <a:defRPr sz="4480">
+                <a:solidFill>
+                  <a:schemeClr val="tx1">
+                    <a:tint val="75000"/>
+                  </a:schemeClr>
+                </a:solidFill>
+              </a:defRPr>
+            </a:lvl6pPr>
+            <a:lvl7pPr marL="8778240" indent="0">
+              <a:buNone/>
+              <a:defRPr sz="4480">
+                <a:solidFill>
+                  <a:schemeClr val="tx1">
+                    <a:tint val="75000"/>
+                  </a:schemeClr>
+                </a:solidFill>
+              </a:defRPr>
+            </a:lvl7pPr>
+            <a:lvl8pPr marL="10241280" indent="0">
+              <a:buNone/>
+              <a:defRPr sz="4480">
+                <a:solidFill>
+                  <a:schemeClr val="tx1">
+                    <a:tint val="75000"/>
+                  </a:schemeClr>
+                </a:solidFill>
+              </a:defRPr>
+            </a:lvl8pPr>
+            <a:lvl9pPr marL="11704320" indent="0">
+              <a:buNone/>
+              <a:defRPr sz="4480">
+                <a:solidFill>
+                  <a:schemeClr val="tx1">
+                    <a:tint val="75000"/>
+                  </a:schemeClr>
+                </a:solidFill>
+              </a:defRPr>
+            </a:lvl9pPr>
+          </a:lstStyle>
+          <a:p>
+            <a:pPr lvl="0"/>
+            <a:r>
+              <a:rPr lang="en-US" smtClean="0"/>
+              <a:t>Click to edit Master text styles</a:t>
+            </a:r>
+          </a:p>
+        </p:txBody>
+      </p:sp>
+      <p:sp>
+        <p:nvSpPr>
+          <p:cNvPr id="4" name="Date Placeholder 3"/>
+          <p:cNvSpPr>
+            <a:spLocks noGrp="1"/>
+          </p:cNvSpPr>
+          <p:nvPr>
+            <p:ph type="dt" sz="half" idx="10"/>
+          </p:nvPr>
+        </p:nvSpPr>
+        <p:spPr/>
+        <p:txBody>
+          <a:bodyPr/>
+          <a:lstStyle/>
+          <a:p>
+            <a:fld id="{1D8BD707-D9CF-40AE-B4C6-C98DA3205C09}" type="datetimeFigureOut">
+              <a:rPr lang="en-US" smtClean="0"/>
+              <a:pPr/>
+              <a:t>03/23/2016</a:t>
+            </a:fld>
+            <a:endParaRPr lang="en-US"/>
+          </a:p>
+        </p:txBody>
+      </p:sp>
+      <p:sp>
+        <p:nvSpPr>
+          <p:cNvPr id="5" name="Footer Placeholder 4"/>
+          <p:cNvSpPr>
+            <a:spLocks noGrp="1"/>
+          </p:cNvSpPr>
+          <p:nvPr>
+            <p:ph type="ftr" sz="quarter" idx="11"/>
+          </p:nvPr>
+        </p:nvSpPr>
+        <p:spPr/>
+        <p:txBody>
+          <a:bodyPr/>
+          <a:lstStyle/>
+          <a:p>
+            <a:endParaRPr lang="en-US"/>
+          </a:p>
+        </p:txBody>
+      </p:sp>
+      <p:sp>
+        <p:nvSpPr>
+          <p:cNvPr id="6" name="Slide Number Placeholder 5"/>
+          <p:cNvSpPr>
+            <a:spLocks noGrp="1"/>
+          </p:cNvSpPr>
+          <p:nvPr>
+            <p:ph type="sldNum" sz="quarter" idx="12"/>
+          </p:nvPr>
+        </p:nvSpPr>
+        <p:spPr/>
+        <p:txBody>
+          <a:bodyPr/>
+          <a:lstStyle/>
+          <a:p>
+            <a:fld id="{B6F15528-21DE-4FAA-801E-634DDDAF4B2B}" type="slidenum">
+              <a:rPr lang="en-US" smtClean="0"/>
+              <a:pPr/>
+              <a:t>‹#›</a:t>
+            </a:fld>
+            <a:endParaRPr lang="en-US"/>
+          </a:p>
+        </p:txBody>
+      </p:sp>
+    </p:spTree>
+    <p:extLst>
+      <p:ext uri="{BB962C8B-B14F-4D97-AF65-F5344CB8AC3E}">
+        <p14:creationId xmlns:p14="http://schemas.microsoft.com/office/powerpoint/2010/main" val="1860660864"/>
+      </p:ext>
+    </p:extLst>
+  </p:cSld>
+  <p:clrMapOvr>
+    <a:masterClrMapping/>
+  </p:clrMapOvr>
+</p:sldLayout>
+</file>
+
+<file path=ppt/slideLayouts/slideLayout13.xml><?xml version="1.0" encoding="utf-8"?>
+<p:sldLayout xmlns:a="http://schemas.openxmlformats.org/drawingml/2006/main" xmlns:r="http://schemas.openxmlformats.org/officeDocument/2006/relationships" xmlns:p="http://schemas.openxmlformats.org/presentationml/2006/main" preserve="1">
+  <p:cSld name="Quote Name Card">
+    <p:spTree>
+      <p:nvGrpSpPr>
+        <p:cNvPr id="1" name=""/>
+        <p:cNvGrpSpPr/>
+        <p:nvPr/>
+      </p:nvGrpSpPr>
+      <p:grpSpPr>
+        <a:xfrm>
+          <a:off x="0" y="0"/>
+          <a:ext cx="0" cy="0"/>
+          <a:chOff x="0" y="0"/>
+          <a:chExt cx="0" cy="0"/>
+        </a:xfrm>
+      </p:grpSpPr>
+      <p:sp>
+        <p:nvSpPr>
+          <p:cNvPr id="2" name="Title 1"/>
+          <p:cNvSpPr>
+            <a:spLocks noGrp="1"/>
+          </p:cNvSpPr>
+          <p:nvPr>
+            <p:ph type="title"/>
+          </p:nvPr>
+        </p:nvSpPr>
+        <p:spPr>
+          <a:xfrm>
+            <a:off x="2789586" y="1950720"/>
+            <a:ext cx="21859855" cy="9672320"/>
+          </a:xfrm>
+        </p:spPr>
+        <p:txBody>
+          <a:bodyPr anchor="ctr">
+            <a:normAutofit/>
+          </a:bodyPr>
+          <a:lstStyle>
+            <a:lvl1pPr algn="l">
+              <a:defRPr sz="14080" b="0" cap="none"/>
+            </a:lvl1pPr>
+          </a:lstStyle>
+          <a:p>
+            <a:r>
+              <a:rPr lang="en-US" smtClean="0"/>
+              <a:t>Click to edit Master title style</a:t>
+            </a:r>
+            <a:endParaRPr lang="en-US" dirty="0"/>
+          </a:p>
+        </p:txBody>
+      </p:sp>
+      <p:sp>
+        <p:nvSpPr>
+          <p:cNvPr id="23" name="Text Placeholder 9"/>
+          <p:cNvSpPr>
+            <a:spLocks noGrp="1"/>
+          </p:cNvSpPr>
+          <p:nvPr>
+            <p:ph type="body" sz="quarter" idx="13"/>
+          </p:nvPr>
+        </p:nvSpPr>
+        <p:spPr>
+          <a:xfrm>
+            <a:off x="2194549" y="12842240"/>
+            <a:ext cx="22851778" cy="1645594"/>
+          </a:xfrm>
+        </p:spPr>
+        <p:txBody>
+          <a:bodyPr anchor="b">
+            <a:noAutofit/>
+          </a:bodyPr>
+          <a:lstStyle>
+            <a:lvl1pPr marL="0" indent="0">
+              <a:buFontTx/>
+              <a:buNone/>
+              <a:defRPr sz="7680">
+                <a:solidFill>
+                  <a:schemeClr val="tx1">
+                    <a:lumMod val="75000"/>
+                    <a:lumOff val="25000"/>
+                  </a:schemeClr>
+                </a:solidFill>
+              </a:defRPr>
+            </a:lvl1pPr>
+            <a:lvl2pPr marL="1463040" indent="0">
+              <a:buFontTx/>
+              <a:buNone/>
+              <a:defRPr/>
+            </a:lvl2pPr>
+            <a:lvl3pPr marL="2926080" indent="0">
+              <a:buFontTx/>
+              <a:buNone/>
+              <a:defRPr/>
+            </a:lvl3pPr>
+            <a:lvl4pPr marL="4389120" indent="0">
+              <a:buFontTx/>
+              <a:buNone/>
+              <a:defRPr/>
+            </a:lvl4pPr>
+            <a:lvl5pPr marL="5852160" indent="0">
+              <a:buFontTx/>
+              <a:buNone/>
+              <a:defRPr/>
+            </a:lvl5pPr>
+          </a:lstStyle>
+          <a:p>
+            <a:pPr lvl="0"/>
+            <a:r>
+              <a:rPr lang="en-US" smtClean="0"/>
+              <a:t>Click to edit Master text styles</a:t>
+            </a:r>
+          </a:p>
+        </p:txBody>
+      </p:sp>
+      <p:sp>
+        <p:nvSpPr>
+          <p:cNvPr id="3" name="Text Placeholder 2"/>
+          <p:cNvSpPr>
+            <a:spLocks noGrp="1"/>
+          </p:cNvSpPr>
+          <p:nvPr>
+            <p:ph type="body" idx="1"/>
+          </p:nvPr>
+        </p:nvSpPr>
+        <p:spPr>
+          <a:xfrm>
+            <a:off x="2194555" y="14487834"/>
+            <a:ext cx="22851774" cy="4844525"/>
+          </a:xfrm>
+        </p:spPr>
+        <p:txBody>
+          <a:bodyPr anchor="t">
+            <a:normAutofit/>
+          </a:bodyPr>
+          <a:lstStyle>
+            <a:lvl1pPr marL="0" indent="0" algn="l">
+              <a:buNone/>
+              <a:defRPr sz="5760">
+                <a:solidFill>
+                  <a:schemeClr val="tx1">
+                    <a:lumMod val="50000"/>
+                    <a:lumOff val="50000"/>
+                  </a:schemeClr>
+                </a:solidFill>
+              </a:defRPr>
+            </a:lvl1pPr>
+            <a:lvl2pPr marL="1463040" indent="0">
+              <a:buNone/>
+              <a:defRPr sz="5760">
+                <a:solidFill>
+                  <a:schemeClr val="tx1">
+                    <a:tint val="75000"/>
+                  </a:schemeClr>
+                </a:solidFill>
+              </a:defRPr>
+            </a:lvl2pPr>
+            <a:lvl3pPr marL="2926080" indent="0">
+              <a:buNone/>
+              <a:defRPr sz="5120">
+                <a:solidFill>
+                  <a:schemeClr val="tx1">
+                    <a:tint val="75000"/>
+                  </a:schemeClr>
+                </a:solidFill>
+              </a:defRPr>
+            </a:lvl3pPr>
+            <a:lvl4pPr marL="4389120" indent="0">
+              <a:buNone/>
+              <a:defRPr sz="4480">
+                <a:solidFill>
+                  <a:schemeClr val="tx1">
+                    <a:tint val="75000"/>
+                  </a:schemeClr>
+                </a:solidFill>
+              </a:defRPr>
+            </a:lvl4pPr>
+            <a:lvl5pPr marL="5852160" indent="0">
+              <a:buNone/>
+              <a:defRPr sz="4480">
+                <a:solidFill>
+                  <a:schemeClr val="tx1">
+                    <a:tint val="75000"/>
+                  </a:schemeClr>
+                </a:solidFill>
+              </a:defRPr>
+            </a:lvl5pPr>
+            <a:lvl6pPr marL="7315200" indent="0">
+              <a:buNone/>
+              <a:defRPr sz="4480">
+                <a:solidFill>
+                  <a:schemeClr val="tx1">
+                    <a:tint val="75000"/>
+                  </a:schemeClr>
+                </a:solidFill>
+              </a:defRPr>
+            </a:lvl6pPr>
+            <a:lvl7pPr marL="8778240" indent="0">
+              <a:buNone/>
+              <a:defRPr sz="4480">
+                <a:solidFill>
+                  <a:schemeClr val="tx1">
+                    <a:tint val="75000"/>
+                  </a:schemeClr>
+                </a:solidFill>
+              </a:defRPr>
+            </a:lvl7pPr>
+            <a:lvl8pPr marL="10241280" indent="0">
+              <a:buNone/>
+              <a:defRPr sz="4480">
+                <a:solidFill>
+                  <a:schemeClr val="tx1">
+                    <a:tint val="75000"/>
+                  </a:schemeClr>
+                </a:solidFill>
+              </a:defRPr>
+            </a:lvl8pPr>
+            <a:lvl9pPr marL="11704320" indent="0">
+              <a:buNone/>
+              <a:defRPr sz="4480">
+                <a:solidFill>
+                  <a:schemeClr val="tx1">
+                    <a:tint val="75000"/>
+                  </a:schemeClr>
+                </a:solidFill>
+              </a:defRPr>
+            </a:lvl9pPr>
+          </a:lstStyle>
+          <a:p>
+            <a:pPr lvl="0"/>
+            <a:r>
+              <a:rPr lang="en-US" smtClean="0"/>
+              <a:t>Click to edit Master text styles</a:t>
+            </a:r>
+          </a:p>
+        </p:txBody>
+      </p:sp>
+      <p:sp>
+        <p:nvSpPr>
+          <p:cNvPr id="4" name="Date Placeholder 3"/>
+          <p:cNvSpPr>
+            <a:spLocks noGrp="1"/>
+          </p:cNvSpPr>
+          <p:nvPr>
+            <p:ph type="dt" sz="half" idx="10"/>
+          </p:nvPr>
+        </p:nvSpPr>
+        <p:spPr/>
+        <p:txBody>
+          <a:bodyPr/>
+          <a:lstStyle/>
+          <a:p>
+            <a:fld id="{1D8BD707-D9CF-40AE-B4C6-C98DA3205C09}" type="datetimeFigureOut">
+              <a:rPr lang="en-US" smtClean="0"/>
+              <a:pPr/>
+              <a:t>03/23/2016</a:t>
+            </a:fld>
+            <a:endParaRPr lang="en-US"/>
+          </a:p>
+        </p:txBody>
+      </p:sp>
+      <p:sp>
+        <p:nvSpPr>
+          <p:cNvPr id="5" name="Footer Placeholder 4"/>
+          <p:cNvSpPr>
+            <a:spLocks noGrp="1"/>
+          </p:cNvSpPr>
+          <p:nvPr>
+            <p:ph type="ftr" sz="quarter" idx="11"/>
+          </p:nvPr>
+        </p:nvSpPr>
+        <p:spPr/>
+        <p:txBody>
+          <a:bodyPr/>
+          <a:lstStyle/>
+          <a:p>
+            <a:endParaRPr lang="en-US"/>
+          </a:p>
+        </p:txBody>
+      </p:sp>
+      <p:sp>
+        <p:nvSpPr>
+          <p:cNvPr id="6" name="Slide Number Placeholder 5"/>
+          <p:cNvSpPr>
+            <a:spLocks noGrp="1"/>
+          </p:cNvSpPr>
+          <p:nvPr>
+            <p:ph type="sldNum" sz="quarter" idx="12"/>
+          </p:nvPr>
+        </p:nvSpPr>
+        <p:spPr/>
+        <p:txBody>
+          <a:bodyPr/>
+          <a:lstStyle/>
+          <a:p>
+            <a:fld id="{B6F15528-21DE-4FAA-801E-634DDDAF4B2B}" type="slidenum">
+              <a:rPr lang="en-US" smtClean="0"/>
+              <a:pPr/>
+              <a:t>‹#›</a:t>
+            </a:fld>
+            <a:endParaRPr lang="en-US"/>
+          </a:p>
+        </p:txBody>
+      </p:sp>
+      <p:sp>
+        <p:nvSpPr>
+          <p:cNvPr id="24" name="TextBox 23"/>
+          <p:cNvSpPr txBox="1"/>
+          <p:nvPr/>
+        </p:nvSpPr>
+        <p:spPr>
+          <a:xfrm>
+            <a:off x="1737762" y="2529210"/>
+            <a:ext cx="1646348" cy="1871283"/>
+          </a:xfrm>
+          <a:prstGeom prst="rect">
+            <a:avLst/>
+          </a:prstGeom>
+        </p:spPr>
+        <p:txBody>
+          <a:bodyPr vert="horz" lIns="292608" tIns="146304" rIns="292608" bIns="146304" rtlCol="0" anchor="ctr">
+            <a:noAutofit/>
+          </a:bodyPr>
+          <a:lstStyle/>
+          <a:p>
+            <a:pPr lvl="0"/>
+            <a:r>
+              <a:rPr lang="en-US" sz="25600" baseline="0" dirty="0">
+                <a:ln w="3175" cmpd="sng">
+                  <a:noFill/>
+                </a:ln>
+                <a:solidFill>
+                  <a:schemeClr val="accent1">
+                    <a:lumMod val="60000"/>
+                    <a:lumOff val="40000"/>
+                  </a:schemeClr>
+                </a:solidFill>
+                <a:effectLst/>
+                <a:latin typeface="Arial"/>
+              </a:rPr>
+              <a:t>“</a:t>
+            </a:r>
+          </a:p>
+        </p:txBody>
+      </p:sp>
+      <p:sp>
+        <p:nvSpPr>
+          <p:cNvPr id="25" name="TextBox 24"/>
+          <p:cNvSpPr txBox="1"/>
+          <p:nvPr/>
+        </p:nvSpPr>
+        <p:spPr>
+          <a:xfrm>
+            <a:off x="24291718" y="9236979"/>
+            <a:ext cx="1646348" cy="1871283"/>
+          </a:xfrm>
+          <a:prstGeom prst="rect">
+            <a:avLst/>
+          </a:prstGeom>
+        </p:spPr>
+        <p:txBody>
+          <a:bodyPr vert="horz" lIns="292608" tIns="146304" rIns="292608" bIns="146304" rtlCol="0" anchor="ctr">
+            <a:noAutofit/>
+          </a:bodyPr>
+          <a:lstStyle/>
+          <a:p>
+            <a:pPr lvl="0"/>
+            <a:r>
+              <a:rPr lang="en-US" sz="25600" baseline="0" dirty="0">
+                <a:ln w="3175" cmpd="sng">
+                  <a:noFill/>
+                </a:ln>
+                <a:solidFill>
+                  <a:schemeClr val="accent1">
+                    <a:lumMod val="60000"/>
+                    <a:lumOff val="40000"/>
+                  </a:schemeClr>
+                </a:solidFill>
+                <a:effectLst/>
+                <a:latin typeface="Arial"/>
+              </a:rPr>
+              <a:t>”</a:t>
+            </a:r>
+          </a:p>
+        </p:txBody>
+      </p:sp>
+    </p:spTree>
+    <p:extLst>
+      <p:ext uri="{BB962C8B-B14F-4D97-AF65-F5344CB8AC3E}">
+        <p14:creationId xmlns:p14="http://schemas.microsoft.com/office/powerpoint/2010/main" val="1546730645"/>
+      </p:ext>
+    </p:extLst>
+  </p:cSld>
+  <p:clrMapOvr>
+    <a:masterClrMapping/>
+  </p:clrMapOvr>
+</p:sldLayout>
+</file>
+
+<file path=ppt/slideLayouts/slideLayout14.xml><?xml version="1.0" encoding="utf-8"?>
+<p:sldLayout xmlns:a="http://schemas.openxmlformats.org/drawingml/2006/main" xmlns:r="http://schemas.openxmlformats.org/officeDocument/2006/relationships" xmlns:p="http://schemas.openxmlformats.org/presentationml/2006/main" preserve="1">
+  <p:cSld name="True or False">
+    <p:spTree>
+      <p:nvGrpSpPr>
+        <p:cNvPr id="1" name=""/>
+        <p:cNvGrpSpPr/>
+        <p:nvPr/>
+      </p:nvGrpSpPr>
+      <p:grpSpPr>
+        <a:xfrm>
+          <a:off x="0" y="0"/>
+          <a:ext cx="0" cy="0"/>
+          <a:chOff x="0" y="0"/>
+          <a:chExt cx="0" cy="0"/>
+        </a:xfrm>
+      </p:grpSpPr>
+      <p:sp>
+        <p:nvSpPr>
+          <p:cNvPr id="2" name="Title 1"/>
+          <p:cNvSpPr>
+            <a:spLocks noGrp="1"/>
+          </p:cNvSpPr>
+          <p:nvPr>
+            <p:ph type="title"/>
+          </p:nvPr>
+        </p:nvSpPr>
+        <p:spPr>
+          <a:xfrm>
+            <a:off x="2217055" y="1950720"/>
+            <a:ext cx="22829274" cy="9672320"/>
+          </a:xfrm>
+        </p:spPr>
+        <p:txBody>
+          <a:bodyPr anchor="ctr">
+            <a:normAutofit/>
+          </a:bodyPr>
+          <a:lstStyle>
+            <a:lvl1pPr algn="l">
+              <a:defRPr sz="14080" b="0" cap="none"/>
+            </a:lvl1pPr>
+          </a:lstStyle>
+          <a:p>
+            <a:r>
+              <a:rPr lang="en-US" smtClean="0"/>
+              <a:t>Click to edit Master title style</a:t>
+            </a:r>
+            <a:endParaRPr lang="en-US" dirty="0"/>
+          </a:p>
+        </p:txBody>
+      </p:sp>
+      <p:sp>
+        <p:nvSpPr>
+          <p:cNvPr id="23" name="Text Placeholder 9"/>
+          <p:cNvSpPr>
+            <a:spLocks noGrp="1"/>
+          </p:cNvSpPr>
+          <p:nvPr>
+            <p:ph type="body" sz="quarter" idx="13"/>
+          </p:nvPr>
+        </p:nvSpPr>
+        <p:spPr>
+          <a:xfrm>
+            <a:off x="2194549" y="12842240"/>
+            <a:ext cx="22851778" cy="1645594"/>
+          </a:xfrm>
+        </p:spPr>
+        <p:txBody>
+          <a:bodyPr anchor="b">
+            <a:noAutofit/>
+          </a:bodyPr>
+          <a:lstStyle>
+            <a:lvl1pPr marL="0" indent="0">
+              <a:buFontTx/>
+              <a:buNone/>
+              <a:defRPr sz="7680">
+                <a:solidFill>
+                  <a:schemeClr val="accent1"/>
+                </a:solidFill>
+              </a:defRPr>
+            </a:lvl1pPr>
+            <a:lvl2pPr marL="1463040" indent="0">
+              <a:buFontTx/>
+              <a:buNone/>
+              <a:defRPr/>
+            </a:lvl2pPr>
+            <a:lvl3pPr marL="2926080" indent="0">
+              <a:buFontTx/>
+              <a:buNone/>
+              <a:defRPr/>
+            </a:lvl3pPr>
+            <a:lvl4pPr marL="4389120" indent="0">
+              <a:buFontTx/>
+              <a:buNone/>
+              <a:defRPr/>
+            </a:lvl4pPr>
+            <a:lvl5pPr marL="5852160" indent="0">
+              <a:buFontTx/>
+              <a:buNone/>
+              <a:defRPr/>
+            </a:lvl5pPr>
+          </a:lstStyle>
+          <a:p>
+            <a:pPr lvl="0"/>
+            <a:r>
+              <a:rPr lang="en-US" smtClean="0"/>
+              <a:t>Click to edit Master text styles</a:t>
+            </a:r>
+          </a:p>
+        </p:txBody>
+      </p:sp>
+      <p:sp>
+        <p:nvSpPr>
+          <p:cNvPr id="3" name="Text Placeholder 2"/>
+          <p:cNvSpPr>
+            <a:spLocks noGrp="1"/>
+          </p:cNvSpPr>
+          <p:nvPr>
+            <p:ph type="body" idx="1"/>
+          </p:nvPr>
+        </p:nvSpPr>
+        <p:spPr>
+          <a:xfrm>
+            <a:off x="2194555" y="14487834"/>
+            <a:ext cx="22851774" cy="4844525"/>
+          </a:xfrm>
+        </p:spPr>
+        <p:txBody>
+          <a:bodyPr anchor="t">
+            <a:normAutofit/>
+          </a:bodyPr>
+          <a:lstStyle>
+            <a:lvl1pPr marL="0" indent="0" algn="l">
+              <a:buNone/>
+              <a:defRPr sz="5760">
+                <a:solidFill>
+                  <a:schemeClr val="tx1">
+                    <a:lumMod val="50000"/>
+                    <a:lumOff val="50000"/>
+                  </a:schemeClr>
+                </a:solidFill>
+              </a:defRPr>
+            </a:lvl1pPr>
+            <a:lvl2pPr marL="1463040" indent="0">
+              <a:buNone/>
+              <a:defRPr sz="5760">
+                <a:solidFill>
+                  <a:schemeClr val="tx1">
+                    <a:tint val="75000"/>
+                  </a:schemeClr>
+                </a:solidFill>
+              </a:defRPr>
+            </a:lvl2pPr>
+            <a:lvl3pPr marL="2926080" indent="0">
+              <a:buNone/>
+              <a:defRPr sz="5120">
+                <a:solidFill>
+                  <a:schemeClr val="tx1">
+                    <a:tint val="75000"/>
+                  </a:schemeClr>
+                </a:solidFill>
+              </a:defRPr>
+            </a:lvl3pPr>
+            <a:lvl4pPr marL="4389120" indent="0">
+              <a:buNone/>
+              <a:defRPr sz="4480">
+                <a:solidFill>
+                  <a:schemeClr val="tx1">
+                    <a:tint val="75000"/>
+                  </a:schemeClr>
+                </a:solidFill>
+              </a:defRPr>
+            </a:lvl4pPr>
+            <a:lvl5pPr marL="5852160" indent="0">
+              <a:buNone/>
+              <a:defRPr sz="4480">
+                <a:solidFill>
+                  <a:schemeClr val="tx1">
+                    <a:tint val="75000"/>
+                  </a:schemeClr>
+                </a:solidFill>
+              </a:defRPr>
+            </a:lvl5pPr>
+            <a:lvl6pPr marL="7315200" indent="0">
+              <a:buNone/>
+              <a:defRPr sz="4480">
+                <a:solidFill>
+                  <a:schemeClr val="tx1">
+                    <a:tint val="75000"/>
+                  </a:schemeClr>
+                </a:solidFill>
+              </a:defRPr>
+            </a:lvl6pPr>
+            <a:lvl7pPr marL="8778240" indent="0">
+              <a:buNone/>
+              <a:defRPr sz="4480">
+                <a:solidFill>
+                  <a:schemeClr val="tx1">
+                    <a:tint val="75000"/>
+                  </a:schemeClr>
+                </a:solidFill>
+              </a:defRPr>
+            </a:lvl7pPr>
+            <a:lvl8pPr marL="10241280" indent="0">
+              <a:buNone/>
+              <a:defRPr sz="4480">
+                <a:solidFill>
+                  <a:schemeClr val="tx1">
+                    <a:tint val="75000"/>
+                  </a:schemeClr>
+                </a:solidFill>
+              </a:defRPr>
+            </a:lvl8pPr>
+            <a:lvl9pPr marL="11704320" indent="0">
+              <a:buNone/>
+              <a:defRPr sz="4480">
+                <a:solidFill>
+                  <a:schemeClr val="tx1">
+                    <a:tint val="75000"/>
+                  </a:schemeClr>
+                </a:solidFill>
+              </a:defRPr>
+            </a:lvl9pPr>
+          </a:lstStyle>
+          <a:p>
+            <a:pPr lvl="0"/>
+            <a:r>
+              <a:rPr lang="en-US" smtClean="0"/>
+              <a:t>Click to edit Master text styles</a:t>
+            </a:r>
+          </a:p>
+        </p:txBody>
+      </p:sp>
+      <p:sp>
+        <p:nvSpPr>
+          <p:cNvPr id="4" name="Date Placeholder 3"/>
+          <p:cNvSpPr>
+            <a:spLocks noGrp="1"/>
+          </p:cNvSpPr>
+          <p:nvPr>
+            <p:ph type="dt" sz="half" idx="10"/>
+          </p:nvPr>
+        </p:nvSpPr>
+        <p:spPr/>
+        <p:txBody>
+          <a:bodyPr/>
+          <a:lstStyle/>
+          <a:p>
+            <a:fld id="{1D8BD707-D9CF-40AE-B4C6-C98DA3205C09}" type="datetimeFigureOut">
+              <a:rPr lang="en-US" smtClean="0"/>
+              <a:pPr/>
+              <a:t>03/23/2016</a:t>
+            </a:fld>
+            <a:endParaRPr lang="en-US"/>
+          </a:p>
+        </p:txBody>
+      </p:sp>
+      <p:sp>
+        <p:nvSpPr>
+          <p:cNvPr id="5" name="Footer Placeholder 4"/>
+          <p:cNvSpPr>
+            <a:spLocks noGrp="1"/>
+          </p:cNvSpPr>
+          <p:nvPr>
+            <p:ph type="ftr" sz="quarter" idx="11"/>
+          </p:nvPr>
+        </p:nvSpPr>
+        <p:spPr/>
+        <p:txBody>
+          <a:bodyPr/>
+          <a:lstStyle/>
+          <a:p>
+            <a:endParaRPr lang="en-US"/>
+          </a:p>
+        </p:txBody>
+      </p:sp>
+      <p:sp>
+        <p:nvSpPr>
+          <p:cNvPr id="6" name="Slide Number Placeholder 5"/>
+          <p:cNvSpPr>
+            <a:spLocks noGrp="1"/>
+          </p:cNvSpPr>
+          <p:nvPr>
+            <p:ph type="sldNum" sz="quarter" idx="12"/>
+          </p:nvPr>
+        </p:nvSpPr>
+        <p:spPr/>
+        <p:txBody>
+          <a:bodyPr/>
+          <a:lstStyle/>
+          <a:p>
+            <a:fld id="{B6F15528-21DE-4FAA-801E-634DDDAF4B2B}" type="slidenum">
+              <a:rPr lang="en-US" smtClean="0"/>
+              <a:pPr/>
+              <a:t>‹#›</a:t>
+            </a:fld>
+            <a:endParaRPr lang="en-US"/>
+          </a:p>
+        </p:txBody>
+      </p:sp>
+    </p:spTree>
+    <p:extLst>
+      <p:ext uri="{BB962C8B-B14F-4D97-AF65-F5344CB8AC3E}">
+        <p14:creationId xmlns:p14="http://schemas.microsoft.com/office/powerpoint/2010/main" val="3725997613"/>
+      </p:ext>
+    </p:extLst>
+  </p:cSld>
+  <p:clrMapOvr>
+    <a:masterClrMapping/>
+  </p:clrMapOvr>
+</p:sldLayout>
+</file>
+
+<file path=ppt/slideLayouts/slideLayout15.xml><?xml version="1.0" encoding="utf-8"?>
 <p:sldLayout xmlns:a="http://schemas.openxmlformats.org/drawingml/2006/main" xmlns:r="http://schemas.openxmlformats.org/officeDocument/2006/relationships" xmlns:p="http://schemas.openxmlformats.org/presentationml/2006/main" type="vertTx" preserve="1">
   <p:cSld name="Title and Vertical Text">
     <p:spTree>
@@ -648,7 +2631,7 @@
               <a:rPr lang="en-US" smtClean="0"/>
               <a:t>Click to edit Master title style</a:t>
             </a:r>
-            <a:endParaRPr lang="en-US"/>
+            <a:endParaRPr lang="en-US" dirty="0"/>
           </a:p>
         </p:txBody>
       </p:sp>
@@ -700,7 +2683,7 @@
               <a:rPr lang="en-US" smtClean="0"/>
               <a:t>Fifth level</a:t>
             </a:r>
-            <a:endParaRPr lang="en-US"/>
+            <a:endParaRPr lang="en-US" dirty="0"/>
           </a:p>
         </p:txBody>
       </p:sp>
@@ -722,7 +2705,7 @@
             <a:fld id="{1D8BD707-D9CF-40AE-B4C6-C98DA3205C09}" type="datetimeFigureOut">
               <a:rPr lang="en-US" smtClean="0"/>
               <a:pPr/>
-              <a:t>2/26/2016</a:t>
+              <a:t>03/23/2016</a:t>
             </a:fld>
             <a:endParaRPr lang="en-US"/>
           </a:p>
@@ -772,6 +2755,11 @@
         </p:txBody>
       </p:sp>
     </p:spTree>
+    <p:extLst>
+      <p:ext uri="{BB962C8B-B14F-4D97-AF65-F5344CB8AC3E}">
+        <p14:creationId xmlns:p14="http://schemas.microsoft.com/office/powerpoint/2010/main" val="2271339963"/>
+      </p:ext>
+    </p:extLst>
   </p:cSld>
   <p:clrMapOvr>
     <a:masterClrMapping/>
@@ -779,7 +2767,7 @@
 </p:sldLayout>
 </file>
 
-<file path=ppt/slideLayouts/slideLayout12.xml><?xml version="1.0" encoding="utf-8"?>
+<file path=ppt/slideLayouts/slideLayout16.xml><?xml version="1.0" encoding="utf-8"?>
 <p:sldLayout xmlns:a="http://schemas.openxmlformats.org/drawingml/2006/main" xmlns:r="http://schemas.openxmlformats.org/officeDocument/2006/relationships" xmlns:p="http://schemas.openxmlformats.org/presentationml/2006/main" type="vertTitleAndTx" preserve="1">
   <p:cSld name="Vertical Title and Text">
     <p:spTree>
@@ -808,19 +2796,19 @@
         </p:nvSpPr>
         <p:spPr>
           <a:xfrm>
-            <a:off x="23865840" y="878843"/>
-            <a:ext cx="7406640" cy="18724880"/>
+            <a:off x="21518323" y="1950722"/>
+            <a:ext cx="3523723" cy="16804643"/>
           </a:xfrm>
         </p:spPr>
         <p:txBody>
-          <a:bodyPr vert="eaVert"/>
+          <a:bodyPr vert="eaVert" anchor="ctr"/>
           <a:lstStyle/>
           <a:p>
             <a:r>
               <a:rPr lang="en-US" smtClean="0"/>
               <a:t>Click to edit Master title style</a:t>
             </a:r>
-            <a:endParaRPr lang="en-US"/>
+            <a:endParaRPr lang="en-US" dirty="0"/>
           </a:p>
         </p:txBody>
       </p:sp>
@@ -836,8 +2824,8 @@
         </p:nvSpPr>
         <p:spPr>
           <a:xfrm>
-            <a:off x="1645920" y="878843"/>
-            <a:ext cx="21671280" cy="18724880"/>
+            <a:off x="2194556" y="1950722"/>
+            <a:ext cx="18702094" cy="16804643"/>
           </a:xfrm>
         </p:spPr>
         <p:txBody>
@@ -877,7 +2865,7 @@
               <a:rPr lang="en-US" smtClean="0"/>
               <a:t>Fifth level</a:t>
             </a:r>
-            <a:endParaRPr lang="en-US"/>
+            <a:endParaRPr lang="en-US" dirty="0"/>
           </a:p>
         </p:txBody>
       </p:sp>
@@ -899,7 +2887,7 @@
             <a:fld id="{1D8BD707-D9CF-40AE-B4C6-C98DA3205C09}" type="datetimeFigureOut">
               <a:rPr lang="en-US" smtClean="0"/>
               <a:pPr/>
-              <a:t>2/26/2016</a:t>
+              <a:t>03/23/2016</a:t>
             </a:fld>
             <a:endParaRPr lang="en-US"/>
           </a:p>
@@ -949,6 +2937,428 @@
         </p:txBody>
       </p:sp>
     </p:spTree>
+    <p:extLst>
+      <p:ext uri="{BB962C8B-B14F-4D97-AF65-F5344CB8AC3E}">
+        <p14:creationId xmlns:p14="http://schemas.microsoft.com/office/powerpoint/2010/main" val="3640475231"/>
+      </p:ext>
+    </p:extLst>
+  </p:cSld>
+  <p:clrMapOvr>
+    <a:masterClrMapping/>
+  </p:clrMapOvr>
+</p:sldLayout>
+</file>
+
+<file path=ppt/slideLayouts/slideLayout17.xml><?xml version="1.0" encoding="utf-8"?>
+<p:sldLayout xmlns:a="http://schemas.openxmlformats.org/drawingml/2006/main" xmlns:r="http://schemas.openxmlformats.org/officeDocument/2006/relationships" xmlns:p="http://schemas.openxmlformats.org/presentationml/2006/main" userDrawn="1">
+  <p:cSld name="Custom Layout">
+    <p:spTree>
+      <p:nvGrpSpPr>
+        <p:cNvPr id="1" name=""/>
+        <p:cNvGrpSpPr/>
+        <p:nvPr/>
+      </p:nvGrpSpPr>
+      <p:grpSpPr>
+        <a:xfrm>
+          <a:off x="0" y="0"/>
+          <a:ext cx="0" cy="0"/>
+          <a:chOff x="0" y="0"/>
+          <a:chExt cx="0" cy="0"/>
+        </a:xfrm>
+      </p:grpSpPr>
+      <p:sp>
+        <p:nvSpPr>
+          <p:cNvPr id="7" name="Picture Placeholder 6"/>
+          <p:cNvSpPr>
+            <a:spLocks noGrp="1"/>
+          </p:cNvSpPr>
+          <p:nvPr>
+            <p:ph type="pic" sz="quarter" idx="13" hasCustomPrompt="1"/>
+          </p:nvPr>
+        </p:nvSpPr>
+        <p:spPr>
+          <a:xfrm>
+            <a:off x="762000" y="838200"/>
+            <a:ext cx="6934200" cy="3657600"/>
+          </a:xfrm>
+        </p:spPr>
+        <p:txBody>
+          <a:bodyPr>
+            <a:normAutofit/>
+          </a:bodyPr>
+          <a:lstStyle>
+            <a:lvl1pPr marL="0" indent="0" algn="ctr">
+              <a:buNone/>
+              <a:defRPr sz="8800" baseline="0"/>
+            </a:lvl1pPr>
+          </a:lstStyle>
+          <a:p>
+            <a:r>
+              <a:rPr lang="en-US" dirty="0" smtClean="0"/>
+              <a:t>Project Logo</a:t>
+            </a:r>
+            <a:endParaRPr lang="en-US" dirty="0"/>
+          </a:p>
+        </p:txBody>
+      </p:sp>
+      <p:sp>
+        <p:nvSpPr>
+          <p:cNvPr id="8" name="Title 7"/>
+          <p:cNvSpPr>
+            <a:spLocks noGrp="1"/>
+          </p:cNvSpPr>
+          <p:nvPr>
+            <p:ph type="title" hasCustomPrompt="1"/>
+          </p:nvPr>
+        </p:nvSpPr>
+        <p:spPr>
+          <a:xfrm>
+            <a:off x="8001000" y="838200"/>
+            <a:ext cx="24003000" cy="3657600"/>
+          </a:xfrm>
+        </p:spPr>
+        <p:txBody>
+          <a:bodyPr/>
+          <a:lstStyle>
+            <a:lvl1pPr>
+              <a:defRPr b="1" cap="small" baseline="0"/>
+            </a:lvl1pPr>
+          </a:lstStyle>
+          <a:p>
+            <a:r>
+              <a:rPr lang="en-US" dirty="0" smtClean="0"/>
+              <a:t>Click to Edit Project Title</a:t>
+            </a:r>
+            <a:endParaRPr lang="en-US" dirty="0"/>
+          </a:p>
+        </p:txBody>
+      </p:sp>
+      <p:sp>
+        <p:nvSpPr>
+          <p:cNvPr id="12" name="Text Placeholder 11"/>
+          <p:cNvSpPr>
+            <a:spLocks noGrp="1"/>
+          </p:cNvSpPr>
+          <p:nvPr>
+            <p:ph type="body" sz="quarter" idx="14" hasCustomPrompt="1"/>
+          </p:nvPr>
+        </p:nvSpPr>
+        <p:spPr>
+          <a:xfrm>
+            <a:off x="762000" y="6781800"/>
+            <a:ext cx="10210800" cy="6934200"/>
+          </a:xfrm>
+        </p:spPr>
+        <p:txBody>
+          <a:bodyPr>
+            <a:normAutofit/>
+          </a:bodyPr>
+          <a:lstStyle>
+            <a:lvl1pPr marL="0" indent="0">
+              <a:buFont typeface="Arial" pitchFamily="34" charset="0"/>
+              <a:buNone/>
+              <a:defRPr sz="7200" b="1" baseline="0"/>
+            </a:lvl1pPr>
+            <a:lvl2pPr marL="65088" indent="0">
+              <a:spcBef>
+                <a:spcPts val="1800"/>
+              </a:spcBef>
+              <a:buNone/>
+              <a:defRPr sz="6000" baseline="0"/>
+            </a:lvl2pPr>
+            <a:lvl3pPr marL="3135021" indent="0">
+              <a:buNone/>
+              <a:defRPr/>
+            </a:lvl3pPr>
+            <a:lvl4pPr marL="4702531" indent="0">
+              <a:buNone/>
+              <a:defRPr/>
+            </a:lvl4pPr>
+            <a:lvl5pPr marL="6270041" indent="0">
+              <a:buNone/>
+              <a:defRPr/>
+            </a:lvl5pPr>
+          </a:lstStyle>
+          <a:p>
+            <a:pPr lvl="0"/>
+            <a:r>
+              <a:rPr lang="en-US" dirty="0" smtClean="0"/>
+              <a:t>Description: Provide a paragraph-formatted description of the project’s main purpose and bullets of primary goals.</a:t>
+            </a:r>
+          </a:p>
+        </p:txBody>
+      </p:sp>
+      <p:sp>
+        <p:nvSpPr>
+          <p:cNvPr id="3" name="Text Placeholder 2"/>
+          <p:cNvSpPr>
+            <a:spLocks noGrp="1"/>
+          </p:cNvSpPr>
+          <p:nvPr>
+            <p:ph type="body" sz="quarter" idx="15" hasCustomPrompt="1"/>
+          </p:nvPr>
+        </p:nvSpPr>
+        <p:spPr>
+          <a:xfrm>
+            <a:off x="762000" y="4953000"/>
+            <a:ext cx="19659600" cy="1447800"/>
+          </a:xfrm>
+        </p:spPr>
+        <p:txBody>
+          <a:bodyPr>
+            <a:normAutofit/>
+          </a:bodyPr>
+          <a:lstStyle>
+            <a:lvl1pPr marL="0" indent="0">
+              <a:buNone/>
+              <a:defRPr sz="4800" b="0">
+                <a:latin typeface="Arial" pitchFamily="34" charset="0"/>
+                <a:cs typeface="Arial" pitchFamily="34" charset="0"/>
+              </a:defRPr>
+            </a:lvl1pPr>
+          </a:lstStyle>
+          <a:p>
+            <a:pPr lvl="0"/>
+            <a:r>
+              <a:rPr lang="en-US" dirty="0" smtClean="0"/>
+              <a:t>Team: Member Names (Roles)</a:t>
+            </a:r>
+          </a:p>
+        </p:txBody>
+      </p:sp>
+      <p:sp>
+        <p:nvSpPr>
+          <p:cNvPr id="5" name="Text Placeholder 4"/>
+          <p:cNvSpPr>
+            <a:spLocks noGrp="1"/>
+          </p:cNvSpPr>
+          <p:nvPr>
+            <p:ph type="body" sz="quarter" idx="16" hasCustomPrompt="1"/>
+          </p:nvPr>
+        </p:nvSpPr>
+        <p:spPr>
+          <a:xfrm>
+            <a:off x="20726400" y="4953000"/>
+            <a:ext cx="11277600" cy="1447800"/>
+          </a:xfrm>
+        </p:spPr>
+        <p:txBody>
+          <a:bodyPr>
+            <a:noAutofit/>
+          </a:bodyPr>
+          <a:lstStyle>
+            <a:lvl1pPr marL="0" indent="0">
+              <a:buNone/>
+              <a:defRPr sz="4800">
+                <a:latin typeface="Arial" pitchFamily="34" charset="0"/>
+                <a:cs typeface="Arial" pitchFamily="34" charset="0"/>
+              </a:defRPr>
+            </a:lvl1pPr>
+          </a:lstStyle>
+          <a:p>
+            <a:pPr lvl="0"/>
+            <a:r>
+              <a:rPr lang="en-US" dirty="0" smtClean="0"/>
+              <a:t>Client: Name(s), Organization Info</a:t>
+            </a:r>
+            <a:endParaRPr lang="en-US" dirty="0"/>
+          </a:p>
+        </p:txBody>
+      </p:sp>
+      <p:sp>
+        <p:nvSpPr>
+          <p:cNvPr id="9" name="Text Placeholder 11"/>
+          <p:cNvSpPr>
+            <a:spLocks noGrp="1"/>
+          </p:cNvSpPr>
+          <p:nvPr>
+            <p:ph type="body" sz="quarter" idx="17" hasCustomPrompt="1"/>
+          </p:nvPr>
+        </p:nvSpPr>
+        <p:spPr>
+          <a:xfrm>
+            <a:off x="762000" y="14020800"/>
+            <a:ext cx="10210800" cy="7162800"/>
+          </a:xfrm>
+        </p:spPr>
+        <p:txBody>
+          <a:bodyPr/>
+          <a:lstStyle>
+            <a:lvl1pPr marL="0" indent="0">
+              <a:buFont typeface="Arial" pitchFamily="34" charset="0"/>
+              <a:buNone/>
+              <a:defRPr sz="7200" b="1" baseline="0"/>
+            </a:lvl1pPr>
+            <a:lvl2pPr marL="587375" indent="-522288">
+              <a:spcBef>
+                <a:spcPts val="1800"/>
+              </a:spcBef>
+              <a:buFont typeface="Arial" pitchFamily="34" charset="0"/>
+              <a:buChar char="•"/>
+              <a:defRPr sz="6000" baseline="0"/>
+            </a:lvl2pPr>
+            <a:lvl3pPr marL="685800" indent="0">
+              <a:buFont typeface="Arial" pitchFamily="34" charset="0"/>
+              <a:buNone/>
+              <a:defRPr sz="4000" baseline="0"/>
+            </a:lvl3pPr>
+            <a:lvl4pPr marL="4702531" indent="0">
+              <a:buNone/>
+              <a:defRPr/>
+            </a:lvl4pPr>
+            <a:lvl5pPr marL="6270041" indent="0">
+              <a:buNone/>
+              <a:defRPr/>
+            </a:lvl5pPr>
+          </a:lstStyle>
+          <a:p>
+            <a:pPr lvl="0"/>
+            <a:r>
+              <a:rPr lang="en-US" dirty="0" smtClean="0"/>
+              <a:t>Plan : Provide a description of the team’s project plan.</a:t>
+            </a:r>
+          </a:p>
+          <a:p>
+            <a:pPr lvl="2"/>
+            <a:r>
+              <a:rPr lang="en-US" dirty="0" smtClean="0"/>
+              <a:t>This should include such things as sprint frequency,</a:t>
+            </a:r>
+          </a:p>
+          <a:p>
+            <a:pPr lvl="2"/>
+            <a:r>
+              <a:rPr lang="en-US" dirty="0" smtClean="0"/>
+              <a:t>Major tasks to be accomplished, and</a:t>
+            </a:r>
+          </a:p>
+          <a:p>
+            <a:pPr lvl="2"/>
+            <a:r>
+              <a:rPr lang="en-US" dirty="0" smtClean="0"/>
+              <a:t>Estimates to complete the major tasks</a:t>
+            </a:r>
+          </a:p>
+        </p:txBody>
+      </p:sp>
+      <p:sp>
+        <p:nvSpPr>
+          <p:cNvPr id="10" name="Text Placeholder 11"/>
+          <p:cNvSpPr>
+            <a:spLocks noGrp="1"/>
+          </p:cNvSpPr>
+          <p:nvPr>
+            <p:ph type="body" sz="quarter" idx="18" hasCustomPrompt="1"/>
+          </p:nvPr>
+        </p:nvSpPr>
+        <p:spPr>
+          <a:xfrm>
+            <a:off x="11430000" y="6781800"/>
+            <a:ext cx="20574000" cy="13487400"/>
+          </a:xfrm>
+        </p:spPr>
+        <p:txBody>
+          <a:bodyPr/>
+          <a:lstStyle>
+            <a:lvl1pPr marL="0" indent="0">
+              <a:buNone/>
+              <a:defRPr sz="8800" b="1" baseline="0"/>
+            </a:lvl1pPr>
+            <a:lvl2pPr marL="587375" indent="-522288">
+              <a:spcBef>
+                <a:spcPts val="1800"/>
+              </a:spcBef>
+              <a:buFont typeface="Arial" pitchFamily="34" charset="0"/>
+              <a:buChar char="•"/>
+              <a:defRPr sz="6000" baseline="0"/>
+            </a:lvl2pPr>
+            <a:lvl3pPr marL="1371600" indent="-685800">
+              <a:buFont typeface="Arial" pitchFamily="34" charset="0"/>
+              <a:buChar char="•"/>
+              <a:defRPr sz="5400" baseline="0"/>
+            </a:lvl3pPr>
+            <a:lvl4pPr marL="4702531" indent="0">
+              <a:buNone/>
+              <a:defRPr/>
+            </a:lvl4pPr>
+            <a:lvl5pPr marL="6270041" indent="0">
+              <a:buNone/>
+              <a:defRPr/>
+            </a:lvl5pPr>
+          </a:lstStyle>
+          <a:p>
+            <a:pPr lvl="0"/>
+            <a:r>
+              <a:rPr lang="en-US" dirty="0" smtClean="0"/>
+              <a:t>Product : Describe what has been produced.</a:t>
+            </a:r>
+          </a:p>
+          <a:p>
+            <a:pPr lvl="2"/>
+            <a:r>
+              <a:rPr lang="en-US" dirty="0" smtClean="0"/>
+              <a:t>Technologies used</a:t>
+            </a:r>
+          </a:p>
+          <a:p>
+            <a:pPr lvl="2"/>
+            <a:r>
+              <a:rPr lang="en-US" dirty="0" smtClean="0"/>
+              <a:t>Core components,</a:t>
+            </a:r>
+          </a:p>
+          <a:p>
+            <a:pPr lvl="2"/>
+            <a:r>
+              <a:rPr lang="en-US" dirty="0" smtClean="0"/>
+              <a:t>Test plan and results (usability and other; not unit), and</a:t>
+            </a:r>
+          </a:p>
+          <a:p>
+            <a:pPr lvl="2"/>
+            <a:r>
+              <a:rPr lang="en-US" dirty="0" smtClean="0"/>
+              <a:t>Illustrations, if appropriate, to support the prose.</a:t>
+            </a:r>
+          </a:p>
+        </p:txBody>
+      </p:sp>
+      <p:sp>
+        <p:nvSpPr>
+          <p:cNvPr id="2" name="TextBox 1"/>
+          <p:cNvSpPr txBox="1"/>
+          <p:nvPr userDrawn="1"/>
+        </p:nvSpPr>
+        <p:spPr>
+          <a:xfrm>
+            <a:off x="11419114" y="20574000"/>
+            <a:ext cx="20726400" cy="523220"/>
+          </a:xfrm>
+          <a:prstGeom prst="rect">
+            <a:avLst/>
+          </a:prstGeom>
+          <a:noFill/>
+        </p:spPr>
+        <p:txBody>
+          <a:bodyPr wrap="square" rtlCol="0">
+            <a:spAutoFit/>
+          </a:bodyPr>
+          <a:lstStyle/>
+          <a:p>
+            <a:r>
+              <a:rPr lang="en-US" sz="2800" dirty="0" smtClean="0"/>
+              <a:t>Team role abbreviations: SM – Scrum Master; OP – Owner Proxy; QC – Quality Controller</a:t>
+            </a:r>
+            <a:endParaRPr lang="en-US" sz="2800" dirty="0"/>
+          </a:p>
+        </p:txBody>
+      </p:sp>
+    </p:spTree>
+    <p:extLst>
+      <p:ext uri="{BB962C8B-B14F-4D97-AF65-F5344CB8AC3E}">
+        <p14:creationId xmlns:p14="http://schemas.microsoft.com/office/powerpoint/2010/main" val="2184152472"/>
+      </p:ext>
+    </p:extLst>
   </p:cSld>
   <p:clrMapOvr>
     <a:masterClrMapping/>
@@ -992,7 +3402,7 @@
               <a:rPr lang="en-US" smtClean="0"/>
               <a:t>Click to edit Master title style</a:t>
             </a:r>
-            <a:endParaRPr lang="en-US"/>
+            <a:endParaRPr lang="en-US" dirty="0"/>
           </a:p>
         </p:txBody>
       </p:sp>
@@ -1044,7 +3454,7 @@
               <a:rPr lang="en-US" smtClean="0"/>
               <a:t>Fifth level</a:t>
             </a:r>
-            <a:endParaRPr lang="en-US"/>
+            <a:endParaRPr lang="en-US" dirty="0"/>
           </a:p>
         </p:txBody>
       </p:sp>
@@ -1066,7 +3476,7 @@
             <a:fld id="{1D8BD707-D9CF-40AE-B4C6-C98DA3205C09}" type="datetimeFigureOut">
               <a:rPr lang="en-US" smtClean="0"/>
               <a:pPr/>
-              <a:t>2/26/2016</a:t>
+              <a:t>03/23/2016</a:t>
             </a:fld>
             <a:endParaRPr lang="en-US"/>
           </a:p>
@@ -1116,6 +3526,11 @@
         </p:txBody>
       </p:sp>
     </p:spTree>
+    <p:extLst>
+      <p:ext uri="{BB962C8B-B14F-4D97-AF65-F5344CB8AC3E}">
+        <p14:creationId xmlns:p14="http://schemas.microsoft.com/office/powerpoint/2010/main" val="1119584046"/>
+      </p:ext>
+    </p:extLst>
   </p:cSld>
   <p:clrMapOvr>
     <a:masterClrMapping/>
@@ -1152,58 +3567,59 @@
         </p:nvSpPr>
         <p:spPr>
           <a:xfrm>
-            <a:off x="2600327" y="14102082"/>
-            <a:ext cx="27980640" cy="4358640"/>
+            <a:off x="2194555" y="8642779"/>
+            <a:ext cx="22851774" cy="5845059"/>
           </a:xfrm>
         </p:spPr>
         <p:txBody>
+          <a:bodyPr anchor="b"/>
+          <a:lstStyle>
+            <a:lvl1pPr algn="l">
+              <a:defRPr sz="12800" b="0" cap="none"/>
+            </a:lvl1pPr>
+          </a:lstStyle>
+          <a:p>
+            <a:r>
+              <a:rPr lang="en-US" smtClean="0"/>
+              <a:t>Click to edit Master title style</a:t>
+            </a:r>
+            <a:endParaRPr lang="en-US" dirty="0"/>
+          </a:p>
+        </p:txBody>
+      </p:sp>
+      <p:sp>
+        <p:nvSpPr>
+          <p:cNvPr id="3" name="Text Placeholder 2"/>
+          <p:cNvSpPr>
+            <a:spLocks noGrp="1"/>
+          </p:cNvSpPr>
+          <p:nvPr>
+            <p:ph type="body" idx="1"/>
+          </p:nvPr>
+        </p:nvSpPr>
+        <p:spPr>
+          <a:xfrm>
+            <a:off x="2194555" y="14487834"/>
+            <a:ext cx="22851774" cy="2753280"/>
+          </a:xfrm>
+        </p:spPr>
+        <p:txBody>
           <a:bodyPr anchor="t"/>
           <a:lstStyle>
-            <a:lvl1pPr algn="l">
-              <a:defRPr sz="13700" b="1" cap="all"/>
-            </a:lvl1pPr>
-          </a:lstStyle>
-          <a:p>
-            <a:r>
-              <a:rPr lang="en-US" smtClean="0"/>
-              <a:t>Click to edit Master title style</a:t>
-            </a:r>
-            <a:endParaRPr lang="en-US"/>
-          </a:p>
-        </p:txBody>
-      </p:sp>
-      <p:sp>
-        <p:nvSpPr>
-          <p:cNvPr id="3" name="Text Placeholder 2"/>
-          <p:cNvSpPr>
-            <a:spLocks noGrp="1"/>
-          </p:cNvSpPr>
-          <p:nvPr>
-            <p:ph type="body" idx="1"/>
-          </p:nvPr>
-        </p:nvSpPr>
-        <p:spPr>
-          <a:xfrm>
-            <a:off x="2600327" y="9301483"/>
-            <a:ext cx="27980640" cy="4800598"/>
-          </a:xfrm>
-        </p:spPr>
-        <p:txBody>
-          <a:bodyPr anchor="b"/>
-          <a:lstStyle>
-            <a:lvl1pPr marL="0" indent="0">
-              <a:buNone/>
-              <a:defRPr sz="6900">
+            <a:lvl1pPr marL="0" indent="0" algn="l">
+              <a:buNone/>
+              <a:defRPr sz="6400">
                 <a:solidFill>
                   <a:schemeClr val="tx1">
-                    <a:tint val="75000"/>
+                    <a:lumMod val="50000"/>
+                    <a:lumOff val="50000"/>
                   </a:schemeClr>
                 </a:solidFill>
               </a:defRPr>
             </a:lvl1pPr>
-            <a:lvl2pPr marL="1567510" indent="0">
-              <a:buNone/>
-              <a:defRPr sz="6200">
+            <a:lvl2pPr marL="1463040" indent="0">
+              <a:buNone/>
+              <a:defRPr sz="5760">
                 <a:solidFill>
                   <a:schemeClr val="tx1">
                     <a:tint val="75000"/>
@@ -1211,9 +3627,9 @@
                 </a:solidFill>
               </a:defRPr>
             </a:lvl2pPr>
-            <a:lvl3pPr marL="3135020" indent="0">
-              <a:buNone/>
-              <a:defRPr sz="5500">
+            <a:lvl3pPr marL="2926080" indent="0">
+              <a:buNone/>
+              <a:defRPr sz="5120">
                 <a:solidFill>
                   <a:schemeClr val="tx1">
                     <a:tint val="75000"/>
@@ -1221,9 +3637,9 @@
                 </a:solidFill>
               </a:defRPr>
             </a:lvl3pPr>
-            <a:lvl4pPr marL="4702531" indent="0">
-              <a:buNone/>
-              <a:defRPr sz="4800">
+            <a:lvl4pPr marL="4389120" indent="0">
+              <a:buNone/>
+              <a:defRPr sz="4480">
                 <a:solidFill>
                   <a:schemeClr val="tx1">
                     <a:tint val="75000"/>
@@ -1231,9 +3647,9 @@
                 </a:solidFill>
               </a:defRPr>
             </a:lvl4pPr>
-            <a:lvl5pPr marL="6270041" indent="0">
-              <a:buNone/>
-              <a:defRPr sz="4800">
+            <a:lvl5pPr marL="5852160" indent="0">
+              <a:buNone/>
+              <a:defRPr sz="4480">
                 <a:solidFill>
                   <a:schemeClr val="tx1">
                     <a:tint val="75000"/>
@@ -1241,9 +3657,9 @@
                 </a:solidFill>
               </a:defRPr>
             </a:lvl5pPr>
-            <a:lvl6pPr marL="7837551" indent="0">
-              <a:buNone/>
-              <a:defRPr sz="4800">
+            <a:lvl6pPr marL="7315200" indent="0">
+              <a:buNone/>
+              <a:defRPr sz="4480">
                 <a:solidFill>
                   <a:schemeClr val="tx1">
                     <a:tint val="75000"/>
@@ -1251,9 +3667,9 @@
                 </a:solidFill>
               </a:defRPr>
             </a:lvl6pPr>
-            <a:lvl7pPr marL="9405061" indent="0">
-              <a:buNone/>
-              <a:defRPr sz="4800">
+            <a:lvl7pPr marL="8778240" indent="0">
+              <a:buNone/>
+              <a:defRPr sz="4480">
                 <a:solidFill>
                   <a:schemeClr val="tx1">
                     <a:tint val="75000"/>
@@ -1261,9 +3677,9 @@
                 </a:solidFill>
               </a:defRPr>
             </a:lvl7pPr>
-            <a:lvl8pPr marL="10972571" indent="0">
-              <a:buNone/>
-              <a:defRPr sz="4800">
+            <a:lvl8pPr marL="10241280" indent="0">
+              <a:buNone/>
+              <a:defRPr sz="4480">
                 <a:solidFill>
                   <a:schemeClr val="tx1">
                     <a:tint val="75000"/>
@@ -1271,9 +3687,9 @@
                 </a:solidFill>
               </a:defRPr>
             </a:lvl8pPr>
-            <a:lvl9pPr marL="12540082" indent="0">
-              <a:buNone/>
-              <a:defRPr sz="4800">
+            <a:lvl9pPr marL="11704320" indent="0">
+              <a:buNone/>
+              <a:defRPr sz="4480">
                 <a:solidFill>
                   <a:schemeClr val="tx1">
                     <a:tint val="75000"/>
@@ -1309,7 +3725,7 @@
             <a:fld id="{1D8BD707-D9CF-40AE-B4C6-C98DA3205C09}" type="datetimeFigureOut">
               <a:rPr lang="en-US" smtClean="0"/>
               <a:pPr/>
-              <a:t>2/26/2016</a:t>
+              <a:t>03/23/2016</a:t>
             </a:fld>
             <a:endParaRPr lang="en-US"/>
           </a:p>
@@ -1359,6 +3775,11 @@
         </p:txBody>
       </p:sp>
     </p:spTree>
+    <p:extLst>
+      <p:ext uri="{BB962C8B-B14F-4D97-AF65-F5344CB8AC3E}">
+        <p14:creationId xmlns:p14="http://schemas.microsoft.com/office/powerpoint/2010/main" val="3605654944"/>
+      </p:ext>
+    </p:extLst>
   </p:cSld>
   <p:clrMapOvr>
     <a:masterClrMapping/>
@@ -1393,64 +3814,71 @@
             <p:ph type="title"/>
           </p:nvPr>
         </p:nvSpPr>
-        <p:spPr/>
-        <p:txBody>
-          <a:bodyPr/>
-          <a:lstStyle/>
-          <a:p>
-            <a:r>
-              <a:rPr lang="en-US" smtClean="0"/>
-              <a:t>Click to edit Master title style</a:t>
-            </a:r>
-            <a:endParaRPr lang="en-US"/>
-          </a:p>
-        </p:txBody>
-      </p:sp>
-      <p:sp>
-        <p:nvSpPr>
-          <p:cNvPr id="3" name="Content Placeholder 2"/>
-          <p:cNvSpPr>
-            <a:spLocks noGrp="1"/>
-          </p:cNvSpPr>
-          <p:nvPr>
-            <p:ph sz="half" idx="1"/>
-          </p:nvPr>
-        </p:nvSpPr>
         <p:spPr>
           <a:xfrm>
-            <a:off x="1645920" y="5120641"/>
-            <a:ext cx="14538960" cy="14483082"/>
+            <a:off x="2194560" y="1950720"/>
+            <a:ext cx="22851770" cy="4226560"/>
           </a:xfrm>
         </p:spPr>
         <p:txBody>
           <a:bodyPr/>
+          <a:lstStyle/>
+          <a:p>
+            <a:r>
+              <a:rPr lang="en-US" smtClean="0"/>
+              <a:t>Click to edit Master title style</a:t>
+            </a:r>
+            <a:endParaRPr lang="en-US" dirty="0"/>
+          </a:p>
+        </p:txBody>
+      </p:sp>
+      <p:sp>
+        <p:nvSpPr>
+          <p:cNvPr id="3" name="Content Placeholder 2"/>
+          <p:cNvSpPr>
+            <a:spLocks noGrp="1"/>
+          </p:cNvSpPr>
+          <p:nvPr>
+            <p:ph sz="half" idx="1"/>
+          </p:nvPr>
+        </p:nvSpPr>
+        <p:spPr>
+          <a:xfrm>
+            <a:off x="2194562" y="6913885"/>
+            <a:ext cx="11117192" cy="12418470"/>
+          </a:xfrm>
+        </p:spPr>
+        <p:txBody>
+          <a:bodyPr>
+            <a:normAutofit/>
+          </a:bodyPr>
           <a:lstStyle>
             <a:lvl1pPr>
-              <a:defRPr sz="9600"/>
+              <a:defRPr sz="5760"/>
             </a:lvl1pPr>
             <a:lvl2pPr>
-              <a:defRPr sz="8200"/>
+              <a:defRPr sz="5120"/>
             </a:lvl2pPr>
             <a:lvl3pPr>
-              <a:defRPr sz="6900"/>
+              <a:defRPr sz="4480"/>
             </a:lvl3pPr>
             <a:lvl4pPr>
-              <a:defRPr sz="6200"/>
+              <a:defRPr sz="3840"/>
             </a:lvl4pPr>
             <a:lvl5pPr>
-              <a:defRPr sz="6200"/>
+              <a:defRPr sz="3840"/>
             </a:lvl5pPr>
             <a:lvl6pPr>
-              <a:defRPr sz="6200"/>
+              <a:defRPr sz="3840"/>
             </a:lvl6pPr>
             <a:lvl7pPr>
-              <a:defRPr sz="6200"/>
+              <a:defRPr sz="3840"/>
             </a:lvl7pPr>
             <a:lvl8pPr>
-              <a:defRPr sz="6200"/>
+              <a:defRPr sz="3840"/>
             </a:lvl8pPr>
             <a:lvl9pPr>
-              <a:defRPr sz="6200"/>
+              <a:defRPr sz="3840"/>
             </a:lvl9pPr>
           </a:lstStyle>
           <a:p>
@@ -1487,7 +3915,7 @@
               <a:rPr lang="en-US" smtClean="0"/>
               <a:t>Fifth level</a:t>
             </a:r>
-            <a:endParaRPr lang="en-US"/>
+            <a:endParaRPr lang="en-US" dirty="0"/>
           </a:p>
         </p:txBody>
       </p:sp>
@@ -1503,39 +3931,41 @@
         </p:nvSpPr>
         <p:spPr>
           <a:xfrm>
-            <a:off x="16733520" y="5120641"/>
-            <a:ext cx="14538960" cy="14483082"/>
+            <a:off x="13929134" y="6913889"/>
+            <a:ext cx="11117196" cy="12418474"/>
           </a:xfrm>
         </p:spPr>
         <p:txBody>
-          <a:bodyPr/>
+          <a:bodyPr>
+            <a:normAutofit/>
+          </a:bodyPr>
           <a:lstStyle>
             <a:lvl1pPr>
-              <a:defRPr sz="9600"/>
+              <a:defRPr sz="5760"/>
             </a:lvl1pPr>
             <a:lvl2pPr>
-              <a:defRPr sz="8200"/>
+              <a:defRPr sz="5120"/>
             </a:lvl2pPr>
             <a:lvl3pPr>
-              <a:defRPr sz="6900"/>
+              <a:defRPr sz="4480"/>
             </a:lvl3pPr>
             <a:lvl4pPr>
-              <a:defRPr sz="6200"/>
+              <a:defRPr sz="3840"/>
             </a:lvl4pPr>
             <a:lvl5pPr>
-              <a:defRPr sz="6200"/>
+              <a:defRPr sz="3840"/>
             </a:lvl5pPr>
             <a:lvl6pPr>
-              <a:defRPr sz="6200"/>
+              <a:defRPr sz="3840"/>
             </a:lvl6pPr>
             <a:lvl7pPr>
-              <a:defRPr sz="6200"/>
+              <a:defRPr sz="3840"/>
             </a:lvl7pPr>
             <a:lvl8pPr>
-              <a:defRPr sz="6200"/>
+              <a:defRPr sz="3840"/>
             </a:lvl8pPr>
             <a:lvl9pPr>
-              <a:defRPr sz="6200"/>
+              <a:defRPr sz="3840"/>
             </a:lvl9pPr>
           </a:lstStyle>
           <a:p>
@@ -1572,7 +4002,7 @@
               <a:rPr lang="en-US" smtClean="0"/>
               <a:t>Fifth level</a:t>
             </a:r>
-            <a:endParaRPr lang="en-US"/>
+            <a:endParaRPr lang="en-US" dirty="0"/>
           </a:p>
         </p:txBody>
       </p:sp>
@@ -1594,7 +4024,7 @@
             <a:fld id="{1D8BD707-D9CF-40AE-B4C6-C98DA3205C09}" type="datetimeFigureOut">
               <a:rPr lang="en-US" smtClean="0"/>
               <a:pPr/>
-              <a:t>2/26/2016</a:t>
+              <a:t>03/23/2016</a:t>
             </a:fld>
             <a:endParaRPr lang="en-US"/>
           </a:p>
@@ -1644,6 +4074,11 @@
         </p:txBody>
       </p:sp>
     </p:spTree>
+    <p:extLst>
+      <p:ext uri="{BB962C8B-B14F-4D97-AF65-F5344CB8AC3E}">
+        <p14:creationId xmlns:p14="http://schemas.microsoft.com/office/powerpoint/2010/main" val="1571160073"/>
+      </p:ext>
+    </p:extLst>
   </p:cSld>
   <p:clrMapOvr>
     <a:masterClrMapping/>
@@ -1678,7 +4113,12 @@
             <p:ph type="title"/>
           </p:nvPr>
         </p:nvSpPr>
-        <p:spPr/>
+        <p:spPr>
+          <a:xfrm>
+            <a:off x="2194558" y="1950720"/>
+            <a:ext cx="22851767" cy="4226560"/>
+          </a:xfrm>
+        </p:spPr>
         <p:txBody>
           <a:bodyPr/>
           <a:lstStyle>
@@ -1691,7 +4131,7 @@
               <a:rPr lang="en-US" smtClean="0"/>
               <a:t>Click to edit Master title style</a:t>
             </a:r>
-            <a:endParaRPr lang="en-US"/>
+            <a:endParaRPr lang="en-US" dirty="0"/>
           </a:p>
         </p:txBody>
       </p:sp>
@@ -1707,48 +4147,50 @@
         </p:nvSpPr>
         <p:spPr>
           <a:xfrm>
-            <a:off x="1645920" y="4912362"/>
-            <a:ext cx="14544677" cy="2047238"/>
+            <a:off x="2194557" y="6915146"/>
+            <a:ext cx="11126419" cy="1844038"/>
           </a:xfrm>
         </p:spPr>
         <p:txBody>
-          <a:bodyPr anchor="b"/>
+          <a:bodyPr anchor="b">
+            <a:noAutofit/>
+          </a:bodyPr>
           <a:lstStyle>
             <a:lvl1pPr marL="0" indent="0">
               <a:buNone/>
-              <a:defRPr sz="8200" b="1"/>
+              <a:defRPr sz="7680" b="0"/>
             </a:lvl1pPr>
-            <a:lvl2pPr marL="1567510" indent="0">
-              <a:buNone/>
-              <a:defRPr sz="6900" b="1"/>
+            <a:lvl2pPr marL="1463040" indent="0">
+              <a:buNone/>
+              <a:defRPr sz="6400" b="1"/>
             </a:lvl2pPr>
-            <a:lvl3pPr marL="3135020" indent="0">
-              <a:buNone/>
-              <a:defRPr sz="6200" b="1"/>
+            <a:lvl3pPr marL="2926080" indent="0">
+              <a:buNone/>
+              <a:defRPr sz="5760" b="1"/>
             </a:lvl3pPr>
-            <a:lvl4pPr marL="4702531" indent="0">
-              <a:buNone/>
-              <a:defRPr sz="5500" b="1"/>
+            <a:lvl4pPr marL="4389120" indent="0">
+              <a:buNone/>
+              <a:defRPr sz="5120" b="1"/>
             </a:lvl4pPr>
-            <a:lvl5pPr marL="6270041" indent="0">
-              <a:buNone/>
-              <a:defRPr sz="5500" b="1"/>
+            <a:lvl5pPr marL="5852160" indent="0">
+              <a:buNone/>
+              <a:defRPr sz="5120" b="1"/>
             </a:lvl5pPr>
-            <a:lvl6pPr marL="7837551" indent="0">
-              <a:buNone/>
-              <a:defRPr sz="5500" b="1"/>
+            <a:lvl6pPr marL="7315200" indent="0">
+              <a:buNone/>
+              <a:defRPr sz="5120" b="1"/>
             </a:lvl6pPr>
-            <a:lvl7pPr marL="9405061" indent="0">
-              <a:buNone/>
-              <a:defRPr sz="5500" b="1"/>
+            <a:lvl7pPr marL="8778240" indent="0">
+              <a:buNone/>
+              <a:defRPr sz="5120" b="1"/>
             </a:lvl7pPr>
-            <a:lvl8pPr marL="10972571" indent="0">
-              <a:buNone/>
-              <a:defRPr sz="5500" b="1"/>
+            <a:lvl8pPr marL="10241280" indent="0">
+              <a:buNone/>
+              <a:defRPr sz="5120" b="1"/>
             </a:lvl8pPr>
-            <a:lvl9pPr marL="12540082" indent="0">
-              <a:buNone/>
-              <a:defRPr sz="5500" b="1"/>
+            <a:lvl9pPr marL="11704320" indent="0">
+              <a:buNone/>
+              <a:defRPr sz="5120" b="1"/>
             </a:lvl9pPr>
           </a:lstStyle>
           <a:p>
@@ -1772,39 +4214,109 @@
         </p:nvSpPr>
         <p:spPr>
           <a:xfrm>
-            <a:off x="1645920" y="6959600"/>
-            <a:ext cx="14544677" cy="12644122"/>
+            <a:off x="2194557" y="8759189"/>
+            <a:ext cx="11126419" cy="10573174"/>
           </a:xfrm>
         </p:spPr>
         <p:txBody>
-          <a:bodyPr/>
+          <a:bodyPr>
+            <a:normAutofit/>
+          </a:bodyPr>
+          <a:lstStyle/>
+          <a:p>
+            <a:pPr lvl="0"/>
+            <a:r>
+              <a:rPr lang="en-US" smtClean="0"/>
+              <a:t>Click to edit Master text styles</a:t>
+            </a:r>
+          </a:p>
+          <a:p>
+            <a:pPr lvl="1"/>
+            <a:r>
+              <a:rPr lang="en-US" smtClean="0"/>
+              <a:t>Second level</a:t>
+            </a:r>
+          </a:p>
+          <a:p>
+            <a:pPr lvl="2"/>
+            <a:r>
+              <a:rPr lang="en-US" smtClean="0"/>
+              <a:t>Third level</a:t>
+            </a:r>
+          </a:p>
+          <a:p>
+            <a:pPr lvl="3"/>
+            <a:r>
+              <a:rPr lang="en-US" smtClean="0"/>
+              <a:t>Fourth level</a:t>
+            </a:r>
+          </a:p>
+          <a:p>
+            <a:pPr lvl="4"/>
+            <a:r>
+              <a:rPr lang="en-US" smtClean="0"/>
+              <a:t>Fifth level</a:t>
+            </a:r>
+            <a:endParaRPr lang="en-US" dirty="0"/>
+          </a:p>
+        </p:txBody>
+      </p:sp>
+      <p:sp>
+        <p:nvSpPr>
+          <p:cNvPr id="5" name="Text Placeholder 4"/>
+          <p:cNvSpPr>
+            <a:spLocks noGrp="1"/>
+          </p:cNvSpPr>
+          <p:nvPr>
+            <p:ph type="body" sz="quarter" idx="3"/>
+          </p:nvPr>
+        </p:nvSpPr>
+        <p:spPr>
+          <a:xfrm>
+            <a:off x="13919904" y="6915146"/>
+            <a:ext cx="11126419" cy="1844038"/>
+          </a:xfrm>
+        </p:spPr>
+        <p:txBody>
+          <a:bodyPr anchor="b">
+            <a:noAutofit/>
+          </a:bodyPr>
           <a:lstStyle>
-            <a:lvl1pPr>
-              <a:defRPr sz="8200"/>
+            <a:lvl1pPr marL="0" indent="0">
+              <a:buNone/>
+              <a:defRPr sz="7680" b="0"/>
             </a:lvl1pPr>
-            <a:lvl2pPr>
-              <a:defRPr sz="6900"/>
+            <a:lvl2pPr marL="1463040" indent="0">
+              <a:buNone/>
+              <a:defRPr sz="6400" b="1"/>
             </a:lvl2pPr>
-            <a:lvl3pPr>
-              <a:defRPr sz="6200"/>
+            <a:lvl3pPr marL="2926080" indent="0">
+              <a:buNone/>
+              <a:defRPr sz="5760" b="1"/>
             </a:lvl3pPr>
-            <a:lvl4pPr>
-              <a:defRPr sz="5500"/>
+            <a:lvl4pPr marL="4389120" indent="0">
+              <a:buNone/>
+              <a:defRPr sz="5120" b="1"/>
             </a:lvl4pPr>
-            <a:lvl5pPr>
-              <a:defRPr sz="5500"/>
+            <a:lvl5pPr marL="5852160" indent="0">
+              <a:buNone/>
+              <a:defRPr sz="5120" b="1"/>
             </a:lvl5pPr>
-            <a:lvl6pPr>
-              <a:defRPr sz="5500"/>
+            <a:lvl6pPr marL="7315200" indent="0">
+              <a:buNone/>
+              <a:defRPr sz="5120" b="1"/>
             </a:lvl6pPr>
-            <a:lvl7pPr>
-              <a:defRPr sz="5500"/>
+            <a:lvl7pPr marL="8778240" indent="0">
+              <a:buNone/>
+              <a:defRPr sz="5120" b="1"/>
             </a:lvl7pPr>
-            <a:lvl8pPr>
-              <a:defRPr sz="5500"/>
+            <a:lvl8pPr marL="10241280" indent="0">
+              <a:buNone/>
+              <a:defRPr sz="5120" b="1"/>
             </a:lvl8pPr>
-            <a:lvl9pPr>
-              <a:defRPr sz="5500"/>
+            <a:lvl9pPr marL="11704320" indent="0">
+              <a:buNone/>
+              <a:defRPr sz="5120" b="1"/>
             </a:lvl9pPr>
           </a:lstStyle>
           <a:p>
@@ -1814,93 +4326,29 @@
               <a:t>Click to edit Master text styles</a:t>
             </a:r>
           </a:p>
-          <a:p>
-            <a:pPr lvl="1"/>
-            <a:r>
-              <a:rPr lang="en-US" smtClean="0"/>
-              <a:t>Second level</a:t>
-            </a:r>
-          </a:p>
-          <a:p>
-            <a:pPr lvl="2"/>
-            <a:r>
-              <a:rPr lang="en-US" smtClean="0"/>
-              <a:t>Third level</a:t>
-            </a:r>
-          </a:p>
-          <a:p>
-            <a:pPr lvl="3"/>
-            <a:r>
-              <a:rPr lang="en-US" smtClean="0"/>
-              <a:t>Fourth level</a:t>
-            </a:r>
-          </a:p>
-          <a:p>
-            <a:pPr lvl="4"/>
-            <a:r>
-              <a:rPr lang="en-US" smtClean="0"/>
-              <a:t>Fifth level</a:t>
-            </a:r>
-            <a:endParaRPr lang="en-US"/>
-          </a:p>
-        </p:txBody>
-      </p:sp>
-      <p:sp>
-        <p:nvSpPr>
-          <p:cNvPr id="5" name="Text Placeholder 4"/>
-          <p:cNvSpPr>
-            <a:spLocks noGrp="1"/>
-          </p:cNvSpPr>
-          <p:nvPr>
-            <p:ph type="body" sz="quarter" idx="3"/>
+        </p:txBody>
+      </p:sp>
+      <p:sp>
+        <p:nvSpPr>
+          <p:cNvPr id="6" name="Content Placeholder 5"/>
+          <p:cNvSpPr>
+            <a:spLocks noGrp="1"/>
+          </p:cNvSpPr>
+          <p:nvPr>
+            <p:ph sz="quarter" idx="4"/>
           </p:nvPr>
         </p:nvSpPr>
         <p:spPr>
           <a:xfrm>
-            <a:off x="16722092" y="4912362"/>
-            <a:ext cx="14550390" cy="2047238"/>
+            <a:off x="13919904" y="8759189"/>
+            <a:ext cx="11126419" cy="10573174"/>
           </a:xfrm>
         </p:spPr>
         <p:txBody>
-          <a:bodyPr anchor="b"/>
-          <a:lstStyle>
-            <a:lvl1pPr marL="0" indent="0">
-              <a:buNone/>
-              <a:defRPr sz="8200" b="1"/>
-            </a:lvl1pPr>
-            <a:lvl2pPr marL="1567510" indent="0">
-              <a:buNone/>
-              <a:defRPr sz="6900" b="1"/>
-            </a:lvl2pPr>
-            <a:lvl3pPr marL="3135020" indent="0">
-              <a:buNone/>
-              <a:defRPr sz="6200" b="1"/>
-            </a:lvl3pPr>
-            <a:lvl4pPr marL="4702531" indent="0">
-              <a:buNone/>
-              <a:defRPr sz="5500" b="1"/>
-            </a:lvl4pPr>
-            <a:lvl5pPr marL="6270041" indent="0">
-              <a:buNone/>
-              <a:defRPr sz="5500" b="1"/>
-            </a:lvl5pPr>
-            <a:lvl6pPr marL="7837551" indent="0">
-              <a:buNone/>
-              <a:defRPr sz="5500" b="1"/>
-            </a:lvl6pPr>
-            <a:lvl7pPr marL="9405061" indent="0">
-              <a:buNone/>
-              <a:defRPr sz="5500" b="1"/>
-            </a:lvl7pPr>
-            <a:lvl8pPr marL="10972571" indent="0">
-              <a:buNone/>
-              <a:defRPr sz="5500" b="1"/>
-            </a:lvl8pPr>
-            <a:lvl9pPr marL="12540082" indent="0">
-              <a:buNone/>
-              <a:defRPr sz="5500" b="1"/>
-            </a:lvl9pPr>
-          </a:lstStyle>
+          <a:bodyPr>
+            <a:normAutofit/>
+          </a:bodyPr>
+          <a:lstStyle/>
           <a:p>
             <a:pPr lvl="0"/>
             <a:r>
@@ -1908,112 +4356,56 @@
               <a:t>Click to edit Master text styles</a:t>
             </a:r>
           </a:p>
-        </p:txBody>
-      </p:sp>
-      <p:sp>
-        <p:nvSpPr>
-          <p:cNvPr id="6" name="Content Placeholder 5"/>
-          <p:cNvSpPr>
-            <a:spLocks noGrp="1"/>
-          </p:cNvSpPr>
-          <p:nvPr>
-            <p:ph sz="quarter" idx="4"/>
-          </p:nvPr>
-        </p:nvSpPr>
-        <p:spPr>
-          <a:xfrm>
-            <a:off x="16722092" y="6959600"/>
-            <a:ext cx="14550390" cy="12644122"/>
-          </a:xfrm>
-        </p:spPr>
+          <a:p>
+            <a:pPr lvl="1"/>
+            <a:r>
+              <a:rPr lang="en-US" smtClean="0"/>
+              <a:t>Second level</a:t>
+            </a:r>
+          </a:p>
+          <a:p>
+            <a:pPr lvl="2"/>
+            <a:r>
+              <a:rPr lang="en-US" smtClean="0"/>
+              <a:t>Third level</a:t>
+            </a:r>
+          </a:p>
+          <a:p>
+            <a:pPr lvl="3"/>
+            <a:r>
+              <a:rPr lang="en-US" smtClean="0"/>
+              <a:t>Fourth level</a:t>
+            </a:r>
+          </a:p>
+          <a:p>
+            <a:pPr lvl="4"/>
+            <a:r>
+              <a:rPr lang="en-US" smtClean="0"/>
+              <a:t>Fifth level</a:t>
+            </a:r>
+            <a:endParaRPr lang="en-US" dirty="0"/>
+          </a:p>
+        </p:txBody>
+      </p:sp>
+      <p:sp>
+        <p:nvSpPr>
+          <p:cNvPr id="7" name="Date Placeholder 6"/>
+          <p:cNvSpPr>
+            <a:spLocks noGrp="1"/>
+          </p:cNvSpPr>
+          <p:nvPr>
+            <p:ph type="dt" sz="half" idx="10"/>
+          </p:nvPr>
+        </p:nvSpPr>
+        <p:spPr/>
         <p:txBody>
           <a:bodyPr/>
-          <a:lstStyle>
-            <a:lvl1pPr>
-              <a:defRPr sz="8200"/>
-            </a:lvl1pPr>
-            <a:lvl2pPr>
-              <a:defRPr sz="6900"/>
-            </a:lvl2pPr>
-            <a:lvl3pPr>
-              <a:defRPr sz="6200"/>
-            </a:lvl3pPr>
-            <a:lvl4pPr>
-              <a:defRPr sz="5500"/>
-            </a:lvl4pPr>
-            <a:lvl5pPr>
-              <a:defRPr sz="5500"/>
-            </a:lvl5pPr>
-            <a:lvl6pPr>
-              <a:defRPr sz="5500"/>
-            </a:lvl6pPr>
-            <a:lvl7pPr>
-              <a:defRPr sz="5500"/>
-            </a:lvl7pPr>
-            <a:lvl8pPr>
-              <a:defRPr sz="5500"/>
-            </a:lvl8pPr>
-            <a:lvl9pPr>
-              <a:defRPr sz="5500"/>
-            </a:lvl9pPr>
-          </a:lstStyle>
-          <a:p>
-            <a:pPr lvl="0"/>
-            <a:r>
-              <a:rPr lang="en-US" smtClean="0"/>
-              <a:t>Click to edit Master text styles</a:t>
-            </a:r>
-          </a:p>
-          <a:p>
-            <a:pPr lvl="1"/>
-            <a:r>
-              <a:rPr lang="en-US" smtClean="0"/>
-              <a:t>Second level</a:t>
-            </a:r>
-          </a:p>
-          <a:p>
-            <a:pPr lvl="2"/>
-            <a:r>
-              <a:rPr lang="en-US" smtClean="0"/>
-              <a:t>Third level</a:t>
-            </a:r>
-          </a:p>
-          <a:p>
-            <a:pPr lvl="3"/>
-            <a:r>
-              <a:rPr lang="en-US" smtClean="0"/>
-              <a:t>Fourth level</a:t>
-            </a:r>
-          </a:p>
-          <a:p>
-            <a:pPr lvl="4"/>
-            <a:r>
-              <a:rPr lang="en-US" smtClean="0"/>
-              <a:t>Fifth level</a:t>
-            </a:r>
-            <a:endParaRPr lang="en-US"/>
-          </a:p>
-        </p:txBody>
-      </p:sp>
-      <p:sp>
-        <p:nvSpPr>
-          <p:cNvPr id="7" name="Date Placeholder 6"/>
-          <p:cNvSpPr>
-            <a:spLocks noGrp="1"/>
-          </p:cNvSpPr>
-          <p:nvPr>
-            <p:ph type="dt" sz="half" idx="10"/>
-          </p:nvPr>
-        </p:nvSpPr>
-        <p:spPr/>
-        <p:txBody>
-          <a:bodyPr/>
           <a:lstStyle/>
           <a:p>
             <a:fld id="{1D8BD707-D9CF-40AE-B4C6-C98DA3205C09}" type="datetimeFigureOut">
               <a:rPr lang="en-US" smtClean="0"/>
               <a:pPr/>
-              <a:t>2/26/2016</a:t>
+              <a:t>03/23/2016</a:t>
             </a:fld>
             <a:endParaRPr lang="en-US"/>
           </a:p>
@@ -2063,6 +4455,11 @@
         </p:txBody>
       </p:sp>
     </p:spTree>
+    <p:extLst>
+      <p:ext uri="{BB962C8B-B14F-4D97-AF65-F5344CB8AC3E}">
+        <p14:creationId xmlns:p14="http://schemas.microsoft.com/office/powerpoint/2010/main" val="1201461327"/>
+      </p:ext>
+    </p:extLst>
   </p:cSld>
   <p:clrMapOvr>
     <a:masterClrMapping/>
@@ -2097,38 +4494,43 @@
             <p:ph type="title"/>
           </p:nvPr>
         </p:nvSpPr>
+        <p:spPr>
+          <a:xfrm>
+            <a:off x="2194557" y="1950720"/>
+            <a:ext cx="22851770" cy="4226560"/>
+          </a:xfrm>
+        </p:spPr>
+        <p:txBody>
+          <a:bodyPr/>
+          <a:lstStyle/>
+          <a:p>
+            <a:r>
+              <a:rPr lang="en-US" smtClean="0"/>
+              <a:t>Click to edit Master title style</a:t>
+            </a:r>
+            <a:endParaRPr lang="en-US" dirty="0"/>
+          </a:p>
+        </p:txBody>
+      </p:sp>
+      <p:sp>
+        <p:nvSpPr>
+          <p:cNvPr id="3" name="Date Placeholder 2"/>
+          <p:cNvSpPr>
+            <a:spLocks noGrp="1"/>
+          </p:cNvSpPr>
+          <p:nvPr>
+            <p:ph type="dt" sz="half" idx="10"/>
+          </p:nvPr>
+        </p:nvSpPr>
         <p:spPr/>
         <p:txBody>
           <a:bodyPr/>
           <a:lstStyle/>
           <a:p>
-            <a:r>
-              <a:rPr lang="en-US" smtClean="0"/>
-              <a:t>Click to edit Master title style</a:t>
-            </a:r>
-            <a:endParaRPr lang="en-US"/>
-          </a:p>
-        </p:txBody>
-      </p:sp>
-      <p:sp>
-        <p:nvSpPr>
-          <p:cNvPr id="3" name="Date Placeholder 2"/>
-          <p:cNvSpPr>
-            <a:spLocks noGrp="1"/>
-          </p:cNvSpPr>
-          <p:nvPr>
-            <p:ph type="dt" sz="half" idx="10"/>
-          </p:nvPr>
-        </p:nvSpPr>
-        <p:spPr/>
-        <p:txBody>
-          <a:bodyPr/>
-          <a:lstStyle/>
-          <a:p>
             <a:fld id="{1D8BD707-D9CF-40AE-B4C6-C98DA3205C09}" type="datetimeFigureOut">
               <a:rPr lang="en-US" smtClean="0"/>
               <a:pPr/>
-              <a:t>2/26/2016</a:t>
+              <a:t>03/23/2016</a:t>
             </a:fld>
             <a:endParaRPr lang="en-US"/>
           </a:p>
@@ -2178,6 +4580,11 @@
         </p:txBody>
       </p:sp>
     </p:spTree>
+    <p:extLst>
+      <p:ext uri="{BB962C8B-B14F-4D97-AF65-F5344CB8AC3E}">
+        <p14:creationId xmlns:p14="http://schemas.microsoft.com/office/powerpoint/2010/main" val="694860728"/>
+      </p:ext>
+    </p:extLst>
   </p:cSld>
   <p:clrMapOvr>
     <a:masterClrMapping/>
@@ -2220,7 +4627,7 @@
             <a:fld id="{1D8BD707-D9CF-40AE-B4C6-C98DA3205C09}" type="datetimeFigureOut">
               <a:rPr lang="en-US" smtClean="0"/>
               <a:pPr/>
-              <a:t>2/26/2016</a:t>
+              <a:t>03/23/2016</a:t>
             </a:fld>
             <a:endParaRPr lang="en-US"/>
           </a:p>
@@ -2270,421 +4677,9 @@
         </p:txBody>
       </p:sp>
     </p:spTree>
-  </p:cSld>
-  <p:clrMapOvr>
-    <a:masterClrMapping/>
-  </p:clrMapOvr>
-</p:sldLayout>
-</file>
-
-<file path=ppt/slideLayouts/slideLayout8.xml><?xml version="1.0" encoding="utf-8"?>
-<p:sldLayout xmlns:a="http://schemas.openxmlformats.org/drawingml/2006/main" xmlns:r="http://schemas.openxmlformats.org/officeDocument/2006/relationships" xmlns:p="http://schemas.openxmlformats.org/presentationml/2006/main" preserve="1" userDrawn="1">
-  <p:cSld name="Custom Layout">
-    <p:spTree>
-      <p:nvGrpSpPr>
-        <p:cNvPr id="1" name=""/>
-        <p:cNvGrpSpPr/>
-        <p:nvPr/>
-      </p:nvGrpSpPr>
-      <p:grpSpPr>
-        <a:xfrm>
-          <a:off x="0" y="0"/>
-          <a:ext cx="0" cy="0"/>
-          <a:chOff x="0" y="0"/>
-          <a:chExt cx="0" cy="0"/>
-        </a:xfrm>
-      </p:grpSpPr>
-      <p:sp>
-        <p:nvSpPr>
-          <p:cNvPr id="7" name="Picture Placeholder 6"/>
-          <p:cNvSpPr>
-            <a:spLocks noGrp="1"/>
-          </p:cNvSpPr>
-          <p:nvPr>
-            <p:ph type="pic" sz="quarter" idx="13" hasCustomPrompt="1"/>
-          </p:nvPr>
-        </p:nvSpPr>
-        <p:spPr>
-          <a:xfrm>
-            <a:off x="762000" y="838200"/>
-            <a:ext cx="6934200" cy="3657600"/>
-          </a:xfrm>
-        </p:spPr>
-        <p:txBody>
-          <a:bodyPr>
-            <a:normAutofit/>
-          </a:bodyPr>
-          <a:lstStyle>
-            <a:lvl1pPr marL="0" indent="0" algn="ctr">
-              <a:buNone/>
-              <a:defRPr sz="8800" baseline="0"/>
-            </a:lvl1pPr>
-          </a:lstStyle>
-          <a:p>
-            <a:r>
-              <a:rPr lang="en-US" dirty="0" smtClean="0"/>
-              <a:t>Project Logo</a:t>
-            </a:r>
-            <a:endParaRPr lang="en-US" dirty="0"/>
-          </a:p>
-        </p:txBody>
-      </p:sp>
-      <p:sp>
-        <p:nvSpPr>
-          <p:cNvPr id="8" name="Title 7"/>
-          <p:cNvSpPr>
-            <a:spLocks noGrp="1"/>
-          </p:cNvSpPr>
-          <p:nvPr>
-            <p:ph type="title" hasCustomPrompt="1"/>
-          </p:nvPr>
-        </p:nvSpPr>
-        <p:spPr>
-          <a:xfrm>
-            <a:off x="8001000" y="838200"/>
-            <a:ext cx="24003000" cy="3657600"/>
-          </a:xfrm>
-        </p:spPr>
-        <p:txBody>
-          <a:bodyPr/>
-          <a:lstStyle>
-            <a:lvl1pPr>
-              <a:defRPr b="1" cap="small" baseline="0"/>
-            </a:lvl1pPr>
-          </a:lstStyle>
-          <a:p>
-            <a:r>
-              <a:rPr lang="en-US" dirty="0" smtClean="0"/>
-              <a:t>Click to Edit Project Title</a:t>
-            </a:r>
-            <a:endParaRPr lang="en-US" dirty="0"/>
-          </a:p>
-        </p:txBody>
-      </p:sp>
-      <p:sp>
-        <p:nvSpPr>
-          <p:cNvPr id="12" name="Text Placeholder 11"/>
-          <p:cNvSpPr>
-            <a:spLocks noGrp="1"/>
-          </p:cNvSpPr>
-          <p:nvPr>
-            <p:ph type="body" sz="quarter" idx="14" hasCustomPrompt="1"/>
-          </p:nvPr>
-        </p:nvSpPr>
-        <p:spPr>
-          <a:xfrm>
-            <a:off x="762000" y="6781800"/>
-            <a:ext cx="10210800" cy="6934200"/>
-          </a:xfrm>
-        </p:spPr>
-        <p:txBody>
-          <a:bodyPr>
-            <a:normAutofit/>
-          </a:bodyPr>
-          <a:lstStyle>
-            <a:lvl1pPr marL="0" indent="0">
-              <a:buFont typeface="Arial" pitchFamily="34" charset="0"/>
-              <a:buNone/>
-              <a:defRPr sz="7200" b="1" baseline="0"/>
-            </a:lvl1pPr>
-            <a:lvl2pPr marL="65088" indent="0">
-              <a:spcBef>
-                <a:spcPts val="1800"/>
-              </a:spcBef>
-              <a:buNone/>
-              <a:defRPr sz="6000" baseline="0"/>
-            </a:lvl2pPr>
-            <a:lvl3pPr marL="3135021" indent="0">
-              <a:buNone/>
-              <a:defRPr/>
-            </a:lvl3pPr>
-            <a:lvl4pPr marL="4702531" indent="0">
-              <a:buNone/>
-              <a:defRPr/>
-            </a:lvl4pPr>
-            <a:lvl5pPr marL="6270041" indent="0">
-              <a:buNone/>
-              <a:defRPr/>
-            </a:lvl5pPr>
-          </a:lstStyle>
-          <a:p>
-            <a:pPr lvl="0"/>
-            <a:r>
-              <a:rPr lang="en-US" dirty="0" smtClean="0"/>
-              <a:t>Description: Provide a paragraph-formatted description of the project’s main purpose and bullets of primary goals.</a:t>
-            </a:r>
-          </a:p>
-        </p:txBody>
-      </p:sp>
-      <p:sp>
-        <p:nvSpPr>
-          <p:cNvPr id="3" name="Text Placeholder 2"/>
-          <p:cNvSpPr>
-            <a:spLocks noGrp="1"/>
-          </p:cNvSpPr>
-          <p:nvPr>
-            <p:ph type="body" sz="quarter" idx="15" hasCustomPrompt="1"/>
-          </p:nvPr>
-        </p:nvSpPr>
-        <p:spPr>
-          <a:xfrm>
-            <a:off x="762000" y="4953000"/>
-            <a:ext cx="19659600" cy="1447800"/>
-          </a:xfrm>
-        </p:spPr>
-        <p:txBody>
-          <a:bodyPr>
-            <a:normAutofit/>
-          </a:bodyPr>
-          <a:lstStyle>
-            <a:lvl1pPr marL="0" indent="0">
-              <a:buNone/>
-              <a:defRPr sz="4800" b="0">
-                <a:latin typeface="Arial" pitchFamily="34" charset="0"/>
-                <a:cs typeface="Arial" pitchFamily="34" charset="0"/>
-              </a:defRPr>
-            </a:lvl1pPr>
-          </a:lstStyle>
-          <a:p>
-            <a:pPr lvl="0"/>
-            <a:r>
-              <a:rPr lang="en-US" dirty="0" smtClean="0"/>
-              <a:t>Team: Member Names (Roles)</a:t>
-            </a:r>
-          </a:p>
-        </p:txBody>
-      </p:sp>
-      <p:sp>
-        <p:nvSpPr>
-          <p:cNvPr id="5" name="Text Placeholder 4"/>
-          <p:cNvSpPr>
-            <a:spLocks noGrp="1"/>
-          </p:cNvSpPr>
-          <p:nvPr>
-            <p:ph type="body" sz="quarter" idx="16" hasCustomPrompt="1"/>
-          </p:nvPr>
-        </p:nvSpPr>
-        <p:spPr>
-          <a:xfrm>
-            <a:off x="20726400" y="4953000"/>
-            <a:ext cx="11277600" cy="1447800"/>
-          </a:xfrm>
-        </p:spPr>
-        <p:txBody>
-          <a:bodyPr>
-            <a:noAutofit/>
-          </a:bodyPr>
-          <a:lstStyle>
-            <a:lvl1pPr marL="0" indent="0">
-              <a:buNone/>
-              <a:defRPr sz="4800">
-                <a:latin typeface="Arial" pitchFamily="34" charset="0"/>
-                <a:cs typeface="Arial" pitchFamily="34" charset="0"/>
-              </a:defRPr>
-            </a:lvl1pPr>
-          </a:lstStyle>
-          <a:p>
-            <a:pPr lvl="0"/>
-            <a:r>
-              <a:rPr lang="en-US" dirty="0" smtClean="0"/>
-              <a:t>Client: Name(s), Organization Info</a:t>
-            </a:r>
-            <a:endParaRPr lang="en-US" dirty="0"/>
-          </a:p>
-        </p:txBody>
-      </p:sp>
-      <p:sp>
-        <p:nvSpPr>
-          <p:cNvPr id="9" name="Text Placeholder 11"/>
-          <p:cNvSpPr>
-            <a:spLocks noGrp="1"/>
-          </p:cNvSpPr>
-          <p:nvPr>
-            <p:ph type="body" sz="quarter" idx="17" hasCustomPrompt="1"/>
-          </p:nvPr>
-        </p:nvSpPr>
-        <p:spPr>
-          <a:xfrm>
-            <a:off x="762000" y="14020800"/>
-            <a:ext cx="10210800" cy="7162800"/>
-          </a:xfrm>
-        </p:spPr>
-        <p:txBody>
-          <a:bodyPr/>
-          <a:lstStyle>
-            <a:lvl1pPr marL="0" indent="0">
-              <a:buFont typeface="Arial" pitchFamily="34" charset="0"/>
-              <a:buNone/>
-              <a:defRPr sz="7200" b="1" baseline="0"/>
-            </a:lvl1pPr>
-            <a:lvl2pPr marL="587375" indent="-522288">
-              <a:spcBef>
-                <a:spcPts val="1800"/>
-              </a:spcBef>
-              <a:buFont typeface="Arial" pitchFamily="34" charset="0"/>
-              <a:buChar char="•"/>
-              <a:defRPr sz="6000" baseline="0"/>
-            </a:lvl2pPr>
-            <a:lvl3pPr marL="685800" indent="0">
-              <a:buFont typeface="Arial" pitchFamily="34" charset="0"/>
-              <a:buNone/>
-              <a:defRPr sz="4000" baseline="0"/>
-            </a:lvl3pPr>
-            <a:lvl4pPr marL="4702531" indent="0">
-              <a:buNone/>
-              <a:defRPr/>
-            </a:lvl4pPr>
-            <a:lvl5pPr marL="6270041" indent="0">
-              <a:buNone/>
-              <a:defRPr/>
-            </a:lvl5pPr>
-          </a:lstStyle>
-          <a:p>
-            <a:pPr lvl="0"/>
-            <a:r>
-              <a:rPr lang="en-US" dirty="0" smtClean="0"/>
-              <a:t>Plan : Provide a description of the team’s project plan.</a:t>
-            </a:r>
-          </a:p>
-          <a:p>
-            <a:pPr lvl="2"/>
-            <a:r>
-              <a:rPr lang="en-US" dirty="0" smtClean="0"/>
-              <a:t>This should include such things as sprint frequency,</a:t>
-            </a:r>
-          </a:p>
-          <a:p>
-            <a:pPr lvl="2"/>
-            <a:r>
-              <a:rPr lang="en-US" dirty="0" smtClean="0"/>
-              <a:t>Major tasks to be accomplished, and</a:t>
-            </a:r>
-          </a:p>
-          <a:p>
-            <a:pPr lvl="2"/>
-            <a:r>
-              <a:rPr lang="en-US" dirty="0" smtClean="0"/>
-              <a:t>Estimates to complete the major tasks</a:t>
-            </a:r>
-          </a:p>
-        </p:txBody>
-      </p:sp>
-      <p:sp>
-        <p:nvSpPr>
-          <p:cNvPr id="10" name="Text Placeholder 11"/>
-          <p:cNvSpPr>
-            <a:spLocks noGrp="1"/>
-          </p:cNvSpPr>
-          <p:nvPr>
-            <p:ph type="body" sz="quarter" idx="18" hasCustomPrompt="1"/>
-          </p:nvPr>
-        </p:nvSpPr>
-        <p:spPr>
-          <a:xfrm>
-            <a:off x="11430000" y="6781800"/>
-            <a:ext cx="20574000" cy="13487400"/>
-          </a:xfrm>
-        </p:spPr>
-        <p:txBody>
-          <a:bodyPr/>
-          <a:lstStyle>
-            <a:lvl1pPr marL="0" indent="0">
-              <a:buNone/>
-              <a:defRPr sz="8800" b="1" baseline="0"/>
-            </a:lvl1pPr>
-            <a:lvl2pPr marL="587375" indent="-522288">
-              <a:spcBef>
-                <a:spcPts val="1800"/>
-              </a:spcBef>
-              <a:buFont typeface="Arial" pitchFamily="34" charset="0"/>
-              <a:buChar char="•"/>
-              <a:defRPr sz="6000" baseline="0"/>
-            </a:lvl2pPr>
-            <a:lvl3pPr marL="1371600" indent="-685800">
-              <a:buFont typeface="Arial" pitchFamily="34" charset="0"/>
-              <a:buChar char="•"/>
-              <a:defRPr sz="5400" baseline="0"/>
-            </a:lvl3pPr>
-            <a:lvl4pPr marL="4702531" indent="0">
-              <a:buNone/>
-              <a:defRPr/>
-            </a:lvl4pPr>
-            <a:lvl5pPr marL="6270041" indent="0">
-              <a:buNone/>
-              <a:defRPr/>
-            </a:lvl5pPr>
-          </a:lstStyle>
-          <a:p>
-            <a:pPr lvl="0"/>
-            <a:r>
-              <a:rPr lang="en-US" dirty="0" smtClean="0"/>
-              <a:t>Product : Describe what has been produced.</a:t>
-            </a:r>
-          </a:p>
-          <a:p>
-            <a:pPr lvl="2"/>
-            <a:r>
-              <a:rPr lang="en-US" dirty="0" smtClean="0"/>
-              <a:t>Technologies used</a:t>
-            </a:r>
-          </a:p>
-          <a:p>
-            <a:pPr lvl="2"/>
-            <a:r>
-              <a:rPr lang="en-US" dirty="0" smtClean="0"/>
-              <a:t>Core components,</a:t>
-            </a:r>
-          </a:p>
-          <a:p>
-            <a:pPr lvl="2"/>
-            <a:r>
-              <a:rPr lang="en-US" dirty="0" smtClean="0"/>
-              <a:t>Test plan and results (usability and other; not unit), and</a:t>
-            </a:r>
-          </a:p>
-          <a:p>
-            <a:pPr lvl="2"/>
-            <a:r>
-              <a:rPr lang="en-US" dirty="0" smtClean="0"/>
-              <a:t>Illustrations, if appropriate, to support the prose.</a:t>
-            </a:r>
-          </a:p>
-        </p:txBody>
-      </p:sp>
-      <p:sp>
-        <p:nvSpPr>
-          <p:cNvPr id="2" name="TextBox 1"/>
-          <p:cNvSpPr txBox="1"/>
-          <p:nvPr userDrawn="1"/>
-        </p:nvSpPr>
-        <p:spPr>
-          <a:xfrm>
-            <a:off x="11419114" y="20574000"/>
-            <a:ext cx="20726400" cy="523220"/>
-          </a:xfrm>
-          <a:prstGeom prst="rect">
-            <a:avLst/>
-          </a:prstGeom>
-          <a:noFill/>
-        </p:spPr>
-        <p:txBody>
-          <a:bodyPr wrap="square" rtlCol="0">
-            <a:spAutoFit/>
-          </a:bodyPr>
-          <a:lstStyle/>
-          <a:p>
-            <a:r>
-              <a:rPr lang="en-US" sz="2800" dirty="0" smtClean="0"/>
-              <a:t>Team role abbreviations: SM – Scrum Master; OP – Owner Proxy; QC – Quality Controller</a:t>
-            </a:r>
-            <a:endParaRPr lang="en-US" sz="2800" dirty="0"/>
-          </a:p>
-        </p:txBody>
-      </p:sp>
-    </p:spTree>
     <p:extLst>
       <p:ext uri="{BB962C8B-B14F-4D97-AF65-F5344CB8AC3E}">
-        <p14:creationId xmlns:p14="http://schemas.microsoft.com/office/powerpoint/2010/main" val="905553385"/>
+        <p14:creationId xmlns:p14="http://schemas.microsoft.com/office/powerpoint/2010/main" val="2314597433"/>
       </p:ext>
     </p:extLst>
   </p:cSld>
@@ -2694,7 +4689,7 @@
 </p:sldLayout>
 </file>
 
-<file path=ppt/slideLayouts/slideLayout9.xml><?xml version="1.0" encoding="utf-8"?>
+<file path=ppt/slideLayouts/slideLayout8.xml><?xml version="1.0" encoding="utf-8"?>
 <p:sldLayout xmlns:a="http://schemas.openxmlformats.org/drawingml/2006/main" xmlns:r="http://schemas.openxmlformats.org/officeDocument/2006/relationships" xmlns:p="http://schemas.openxmlformats.org/presentationml/2006/main" type="objTx" preserve="1">
   <p:cSld name="Content with Caption">
     <p:spTree>
@@ -2723,15 +4718,17 @@
         </p:nvSpPr>
         <p:spPr>
           <a:xfrm>
-            <a:off x="1645922" y="873760"/>
-            <a:ext cx="10829927" cy="3718560"/>
+            <a:off x="2194557" y="4795533"/>
+            <a:ext cx="10044655" cy="4091091"/>
           </a:xfrm>
         </p:spPr>
         <p:txBody>
-          <a:bodyPr anchor="b"/>
+          <a:bodyPr anchor="b">
+            <a:normAutofit/>
+          </a:bodyPr>
           <a:lstStyle>
-            <a:lvl1pPr algn="l">
-              <a:defRPr sz="6900" b="1"/>
+            <a:lvl1pPr>
+              <a:defRPr sz="6400"/>
             </a:lvl1pPr>
           </a:lstStyle>
           <a:p>
@@ -2739,7 +4736,7 @@
               <a:rPr lang="en-US" smtClean="0"/>
               <a:t>Click to edit Master title style</a:t>
             </a:r>
-            <a:endParaRPr lang="en-US"/>
+            <a:endParaRPr lang="en-US" dirty="0"/>
           </a:p>
         </p:txBody>
       </p:sp>
@@ -2755,39 +4752,109 @@
         </p:nvSpPr>
         <p:spPr>
           <a:xfrm>
-            <a:off x="12870180" y="873761"/>
-            <a:ext cx="18402300" cy="18729962"/>
+            <a:off x="12856592" y="1647762"/>
+            <a:ext cx="12189733" cy="17684598"/>
           </a:xfrm>
         </p:spPr>
         <p:txBody>
-          <a:bodyPr/>
+          <a:bodyPr>
+            <a:normAutofit/>
+          </a:bodyPr>
+          <a:lstStyle/>
+          <a:p>
+            <a:pPr lvl="0"/>
+            <a:r>
+              <a:rPr lang="en-US" smtClean="0"/>
+              <a:t>Click to edit Master text styles</a:t>
+            </a:r>
+          </a:p>
+          <a:p>
+            <a:pPr lvl="1"/>
+            <a:r>
+              <a:rPr lang="en-US" smtClean="0"/>
+              <a:t>Second level</a:t>
+            </a:r>
+          </a:p>
+          <a:p>
+            <a:pPr lvl="2"/>
+            <a:r>
+              <a:rPr lang="en-US" smtClean="0"/>
+              <a:t>Third level</a:t>
+            </a:r>
+          </a:p>
+          <a:p>
+            <a:pPr lvl="3"/>
+            <a:r>
+              <a:rPr lang="en-US" smtClean="0"/>
+              <a:t>Fourth level</a:t>
+            </a:r>
+          </a:p>
+          <a:p>
+            <a:pPr lvl="4"/>
+            <a:r>
+              <a:rPr lang="en-US" smtClean="0"/>
+              <a:t>Fifth level</a:t>
+            </a:r>
+            <a:endParaRPr lang="en-US" dirty="0"/>
+          </a:p>
+        </p:txBody>
+      </p:sp>
+      <p:sp>
+        <p:nvSpPr>
+          <p:cNvPr id="4" name="Text Placeholder 3"/>
+          <p:cNvSpPr>
+            <a:spLocks noGrp="1"/>
+          </p:cNvSpPr>
+          <p:nvPr>
+            <p:ph type="body" sz="half" idx="2"/>
+          </p:nvPr>
+        </p:nvSpPr>
+        <p:spPr>
+          <a:xfrm>
+            <a:off x="2194557" y="8886622"/>
+            <a:ext cx="10044655" cy="8270237"/>
+          </a:xfrm>
+        </p:spPr>
+        <p:txBody>
+          <a:bodyPr>
+            <a:normAutofit/>
+          </a:bodyPr>
           <a:lstStyle>
-            <a:lvl1pPr>
-              <a:defRPr sz="11000"/>
+            <a:lvl1pPr marL="0" indent="0">
+              <a:buNone/>
+              <a:defRPr sz="4480"/>
             </a:lvl1pPr>
-            <a:lvl2pPr>
-              <a:defRPr sz="9600"/>
+            <a:lvl2pPr marL="1097280" indent="0">
+              <a:buNone/>
+              <a:defRPr sz="3360"/>
             </a:lvl2pPr>
-            <a:lvl3pPr>
-              <a:defRPr sz="8200"/>
+            <a:lvl3pPr marL="2194560" indent="0">
+              <a:buNone/>
+              <a:defRPr sz="2880"/>
             </a:lvl3pPr>
-            <a:lvl4pPr>
-              <a:defRPr sz="6900"/>
+            <a:lvl4pPr marL="3291840" indent="0">
+              <a:buNone/>
+              <a:defRPr sz="2400"/>
             </a:lvl4pPr>
-            <a:lvl5pPr>
-              <a:defRPr sz="6900"/>
+            <a:lvl5pPr marL="4389120" indent="0">
+              <a:buNone/>
+              <a:defRPr sz="2400"/>
             </a:lvl5pPr>
-            <a:lvl6pPr>
-              <a:defRPr sz="6900"/>
+            <a:lvl6pPr marL="5486400" indent="0">
+              <a:buNone/>
+              <a:defRPr sz="2400"/>
             </a:lvl6pPr>
-            <a:lvl7pPr>
-              <a:defRPr sz="6900"/>
+            <a:lvl7pPr marL="6583680" indent="0">
+              <a:buNone/>
+              <a:defRPr sz="2400"/>
             </a:lvl7pPr>
-            <a:lvl8pPr>
-              <a:defRPr sz="6900"/>
+            <a:lvl8pPr marL="7680960" indent="0">
+              <a:buNone/>
+              <a:defRPr sz="2400"/>
             </a:lvl8pPr>
-            <a:lvl9pPr>
-              <a:defRPr sz="6900"/>
+            <a:lvl9pPr marL="8778240" indent="0">
+              <a:buNone/>
+              <a:defRPr sz="2400"/>
             </a:lvl9pPr>
           </a:lstStyle>
           <a:p>
@@ -2797,121 +4864,27 @@
               <a:t>Click to edit Master text styles</a:t>
             </a:r>
           </a:p>
-          <a:p>
-            <a:pPr lvl="1"/>
-            <a:r>
-              <a:rPr lang="en-US" smtClean="0"/>
-              <a:t>Second level</a:t>
-            </a:r>
-          </a:p>
-          <a:p>
-            <a:pPr lvl="2"/>
-            <a:r>
-              <a:rPr lang="en-US" smtClean="0"/>
-              <a:t>Third level</a:t>
-            </a:r>
-          </a:p>
-          <a:p>
-            <a:pPr lvl="3"/>
-            <a:r>
-              <a:rPr lang="en-US" smtClean="0"/>
-              <a:t>Fourth level</a:t>
-            </a:r>
-          </a:p>
-          <a:p>
-            <a:pPr lvl="4"/>
-            <a:r>
-              <a:rPr lang="en-US" smtClean="0"/>
-              <a:t>Fifth level</a:t>
-            </a:r>
-            <a:endParaRPr lang="en-US"/>
-          </a:p>
-        </p:txBody>
-      </p:sp>
-      <p:sp>
-        <p:nvSpPr>
-          <p:cNvPr id="4" name="Text Placeholder 3"/>
-          <p:cNvSpPr>
-            <a:spLocks noGrp="1"/>
-          </p:cNvSpPr>
-          <p:nvPr>
-            <p:ph type="body" sz="half" idx="2"/>
-          </p:nvPr>
-        </p:nvSpPr>
-        <p:spPr>
-          <a:xfrm>
-            <a:off x="1645922" y="4592321"/>
-            <a:ext cx="10829927" cy="15011402"/>
-          </a:xfrm>
-        </p:spPr>
+        </p:txBody>
+      </p:sp>
+      <p:sp>
+        <p:nvSpPr>
+          <p:cNvPr id="5" name="Date Placeholder 4"/>
+          <p:cNvSpPr>
+            <a:spLocks noGrp="1"/>
+          </p:cNvSpPr>
+          <p:nvPr>
+            <p:ph type="dt" sz="half" idx="10"/>
+          </p:nvPr>
+        </p:nvSpPr>
+        <p:spPr/>
         <p:txBody>
           <a:bodyPr/>
-          <a:lstStyle>
-            <a:lvl1pPr marL="0" indent="0">
-              <a:buNone/>
-              <a:defRPr sz="4800"/>
-            </a:lvl1pPr>
-            <a:lvl2pPr marL="1567510" indent="0">
-              <a:buNone/>
-              <a:defRPr sz="4100"/>
-            </a:lvl2pPr>
-            <a:lvl3pPr marL="3135020" indent="0">
-              <a:buNone/>
-              <a:defRPr sz="3400"/>
-            </a:lvl3pPr>
-            <a:lvl4pPr marL="4702531" indent="0">
-              <a:buNone/>
-              <a:defRPr sz="3100"/>
-            </a:lvl4pPr>
-            <a:lvl5pPr marL="6270041" indent="0">
-              <a:buNone/>
-              <a:defRPr sz="3100"/>
-            </a:lvl5pPr>
-            <a:lvl6pPr marL="7837551" indent="0">
-              <a:buNone/>
-              <a:defRPr sz="3100"/>
-            </a:lvl6pPr>
-            <a:lvl7pPr marL="9405061" indent="0">
-              <a:buNone/>
-              <a:defRPr sz="3100"/>
-            </a:lvl7pPr>
-            <a:lvl8pPr marL="10972571" indent="0">
-              <a:buNone/>
-              <a:defRPr sz="3100"/>
-            </a:lvl8pPr>
-            <a:lvl9pPr marL="12540082" indent="0">
-              <a:buNone/>
-              <a:defRPr sz="3100"/>
-            </a:lvl9pPr>
-          </a:lstStyle>
-          <a:p>
-            <a:pPr lvl="0"/>
-            <a:r>
-              <a:rPr lang="en-US" smtClean="0"/>
-              <a:t>Click to edit Master text styles</a:t>
-            </a:r>
-          </a:p>
-        </p:txBody>
-      </p:sp>
-      <p:sp>
-        <p:nvSpPr>
-          <p:cNvPr id="5" name="Date Placeholder 4"/>
-          <p:cNvSpPr>
-            <a:spLocks noGrp="1"/>
-          </p:cNvSpPr>
-          <p:nvPr>
-            <p:ph type="dt" sz="half" idx="10"/>
-          </p:nvPr>
-        </p:nvSpPr>
-        <p:spPr/>
-        <p:txBody>
-          <a:bodyPr/>
           <a:lstStyle/>
           <a:p>
             <a:fld id="{1D8BD707-D9CF-40AE-B4C6-C98DA3205C09}" type="datetimeFigureOut">
               <a:rPr lang="en-US" smtClean="0"/>
               <a:pPr/>
-              <a:t>2/26/2016</a:t>
+              <a:t>03/23/2016</a:t>
             </a:fld>
             <a:endParaRPr lang="en-US"/>
           </a:p>
@@ -2961,6 +4934,276 @@
         </p:txBody>
       </p:sp>
     </p:spTree>
+    <p:extLst>
+      <p:ext uri="{BB962C8B-B14F-4D97-AF65-F5344CB8AC3E}">
+        <p14:creationId xmlns:p14="http://schemas.microsoft.com/office/powerpoint/2010/main" val="1788033770"/>
+      </p:ext>
+    </p:extLst>
+  </p:cSld>
+  <p:clrMapOvr>
+    <a:masterClrMapping/>
+  </p:clrMapOvr>
+</p:sldLayout>
+</file>
+
+<file path=ppt/slideLayouts/slideLayout9.xml><?xml version="1.0" encoding="utf-8"?>
+<p:sldLayout xmlns:a="http://schemas.openxmlformats.org/drawingml/2006/main" xmlns:r="http://schemas.openxmlformats.org/officeDocument/2006/relationships" xmlns:p="http://schemas.openxmlformats.org/presentationml/2006/main" type="picTx" preserve="1">
+  <p:cSld name="Picture with Caption">
+    <p:spTree>
+      <p:nvGrpSpPr>
+        <p:cNvPr id="1" name=""/>
+        <p:cNvGrpSpPr/>
+        <p:nvPr/>
+      </p:nvGrpSpPr>
+      <p:grpSpPr>
+        <a:xfrm>
+          <a:off x="0" y="0"/>
+          <a:ext cx="0" cy="0"/>
+          <a:chOff x="0" y="0"/>
+          <a:chExt cx="0" cy="0"/>
+        </a:xfrm>
+      </p:grpSpPr>
+      <p:sp>
+        <p:nvSpPr>
+          <p:cNvPr id="2" name="Title 1"/>
+          <p:cNvSpPr>
+            <a:spLocks noGrp="1"/>
+          </p:cNvSpPr>
+          <p:nvPr>
+            <p:ph type="title"/>
+          </p:nvPr>
+        </p:nvSpPr>
+        <p:spPr>
+          <a:xfrm>
+            <a:off x="2194557" y="15361920"/>
+            <a:ext cx="22851770" cy="1813562"/>
+          </a:xfrm>
+        </p:spPr>
+        <p:txBody>
+          <a:bodyPr anchor="b">
+            <a:normAutofit/>
+          </a:bodyPr>
+          <a:lstStyle>
+            <a:lvl1pPr algn="l">
+              <a:defRPr sz="7680" b="0"/>
+            </a:lvl1pPr>
+          </a:lstStyle>
+          <a:p>
+            <a:r>
+              <a:rPr lang="en-US" smtClean="0"/>
+              <a:t>Click to edit Master title style</a:t>
+            </a:r>
+            <a:endParaRPr lang="en-US" dirty="0"/>
+          </a:p>
+        </p:txBody>
+      </p:sp>
+      <p:sp>
+        <p:nvSpPr>
+          <p:cNvPr id="3" name="Picture Placeholder 2"/>
+          <p:cNvSpPr>
+            <a:spLocks noGrp="1" noChangeAspect="1"/>
+          </p:cNvSpPr>
+          <p:nvPr>
+            <p:ph type="pic" idx="1"/>
+          </p:nvPr>
+        </p:nvSpPr>
+        <p:spPr>
+          <a:xfrm>
+            <a:off x="2194557" y="1950720"/>
+            <a:ext cx="22851770" cy="12306298"/>
+          </a:xfrm>
+        </p:spPr>
+        <p:txBody>
+          <a:bodyPr anchor="t">
+            <a:normAutofit/>
+          </a:bodyPr>
+          <a:lstStyle>
+            <a:lvl1pPr marL="0" indent="0" algn="ctr">
+              <a:buNone/>
+              <a:defRPr sz="5120"/>
+            </a:lvl1pPr>
+            <a:lvl2pPr marL="1463040" indent="0">
+              <a:buNone/>
+              <a:defRPr sz="5120"/>
+            </a:lvl2pPr>
+            <a:lvl3pPr marL="2926080" indent="0">
+              <a:buNone/>
+              <a:defRPr sz="5120"/>
+            </a:lvl3pPr>
+            <a:lvl4pPr marL="4389120" indent="0">
+              <a:buNone/>
+              <a:defRPr sz="5120"/>
+            </a:lvl4pPr>
+            <a:lvl5pPr marL="5852160" indent="0">
+              <a:buNone/>
+              <a:defRPr sz="5120"/>
+            </a:lvl5pPr>
+            <a:lvl6pPr marL="7315200" indent="0">
+              <a:buNone/>
+              <a:defRPr sz="5120"/>
+            </a:lvl6pPr>
+            <a:lvl7pPr marL="8778240" indent="0">
+              <a:buNone/>
+              <a:defRPr sz="5120"/>
+            </a:lvl7pPr>
+            <a:lvl8pPr marL="10241280" indent="0">
+              <a:buNone/>
+              <a:defRPr sz="5120"/>
+            </a:lvl8pPr>
+            <a:lvl9pPr marL="11704320" indent="0">
+              <a:buNone/>
+              <a:defRPr sz="5120"/>
+            </a:lvl9pPr>
+          </a:lstStyle>
+          <a:p>
+            <a:r>
+              <a:rPr lang="en-US" smtClean="0"/>
+              <a:t>Click icon to add picture</a:t>
+            </a:r>
+            <a:endParaRPr lang="en-US" dirty="0"/>
+          </a:p>
+        </p:txBody>
+      </p:sp>
+      <p:sp>
+        <p:nvSpPr>
+          <p:cNvPr id="4" name="Text Placeholder 3"/>
+          <p:cNvSpPr>
+            <a:spLocks noGrp="1"/>
+          </p:cNvSpPr>
+          <p:nvPr>
+            <p:ph type="body" sz="half" idx="2"/>
+          </p:nvPr>
+        </p:nvSpPr>
+        <p:spPr>
+          <a:xfrm>
+            <a:off x="2194557" y="17175482"/>
+            <a:ext cx="22851770" cy="2156877"/>
+          </a:xfrm>
+        </p:spPr>
+        <p:txBody>
+          <a:bodyPr>
+            <a:normAutofit/>
+          </a:bodyPr>
+          <a:lstStyle>
+            <a:lvl1pPr marL="0" indent="0">
+              <a:buNone/>
+              <a:defRPr sz="3840"/>
+            </a:lvl1pPr>
+            <a:lvl2pPr marL="1463040" indent="0">
+              <a:buNone/>
+              <a:defRPr sz="3840"/>
+            </a:lvl2pPr>
+            <a:lvl3pPr marL="2926080" indent="0">
+              <a:buNone/>
+              <a:defRPr sz="3200"/>
+            </a:lvl3pPr>
+            <a:lvl4pPr marL="4389120" indent="0">
+              <a:buNone/>
+              <a:defRPr sz="2880"/>
+            </a:lvl4pPr>
+            <a:lvl5pPr marL="5852160" indent="0">
+              <a:buNone/>
+              <a:defRPr sz="2880"/>
+            </a:lvl5pPr>
+            <a:lvl6pPr marL="7315200" indent="0">
+              <a:buNone/>
+              <a:defRPr sz="2880"/>
+            </a:lvl6pPr>
+            <a:lvl7pPr marL="8778240" indent="0">
+              <a:buNone/>
+              <a:defRPr sz="2880"/>
+            </a:lvl7pPr>
+            <a:lvl8pPr marL="10241280" indent="0">
+              <a:buNone/>
+              <a:defRPr sz="2880"/>
+            </a:lvl8pPr>
+            <a:lvl9pPr marL="11704320" indent="0">
+              <a:buNone/>
+              <a:defRPr sz="2880"/>
+            </a:lvl9pPr>
+          </a:lstStyle>
+          <a:p>
+            <a:pPr lvl="0"/>
+            <a:r>
+              <a:rPr lang="en-US" smtClean="0"/>
+              <a:t>Click to edit Master text styles</a:t>
+            </a:r>
+          </a:p>
+        </p:txBody>
+      </p:sp>
+      <p:sp>
+        <p:nvSpPr>
+          <p:cNvPr id="5" name="Date Placeholder 4"/>
+          <p:cNvSpPr>
+            <a:spLocks noGrp="1"/>
+          </p:cNvSpPr>
+          <p:nvPr>
+            <p:ph type="dt" sz="half" idx="10"/>
+          </p:nvPr>
+        </p:nvSpPr>
+        <p:spPr/>
+        <p:txBody>
+          <a:bodyPr/>
+          <a:lstStyle/>
+          <a:p>
+            <a:fld id="{1D8BD707-D9CF-40AE-B4C6-C98DA3205C09}" type="datetimeFigureOut">
+              <a:rPr lang="en-US" smtClean="0"/>
+              <a:pPr/>
+              <a:t>03/23/2016</a:t>
+            </a:fld>
+            <a:endParaRPr lang="en-US"/>
+          </a:p>
+        </p:txBody>
+      </p:sp>
+      <p:sp>
+        <p:nvSpPr>
+          <p:cNvPr id="6" name="Footer Placeholder 5"/>
+          <p:cNvSpPr>
+            <a:spLocks noGrp="1"/>
+          </p:cNvSpPr>
+          <p:nvPr>
+            <p:ph type="ftr" sz="quarter" idx="11"/>
+          </p:nvPr>
+        </p:nvSpPr>
+        <p:spPr/>
+        <p:txBody>
+          <a:bodyPr/>
+          <a:lstStyle/>
+          <a:p>
+            <a:endParaRPr lang="en-US"/>
+          </a:p>
+        </p:txBody>
+      </p:sp>
+      <p:sp>
+        <p:nvSpPr>
+          <p:cNvPr id="7" name="Slide Number Placeholder 6"/>
+          <p:cNvSpPr>
+            <a:spLocks noGrp="1"/>
+          </p:cNvSpPr>
+          <p:nvPr>
+            <p:ph type="sldNum" sz="quarter" idx="12"/>
+          </p:nvPr>
+        </p:nvSpPr>
+        <p:spPr/>
+        <p:txBody>
+          <a:bodyPr/>
+          <a:lstStyle/>
+          <a:p>
+            <a:fld id="{B6F15528-21DE-4FAA-801E-634DDDAF4B2B}" type="slidenum">
+              <a:rPr lang="en-US" smtClean="0"/>
+              <a:pPr/>
+              <a:t>‹#›</a:t>
+            </a:fld>
+            <a:endParaRPr lang="en-US"/>
+          </a:p>
+        </p:txBody>
+      </p:sp>
+    </p:spTree>
+    <p:extLst>
+      <p:ext uri="{BB962C8B-B14F-4D97-AF65-F5344CB8AC3E}">
+        <p14:creationId xmlns:p14="http://schemas.microsoft.com/office/powerpoint/2010/main" val="1515801218"/>
+      </p:ext>
+    </p:extLst>
   </p:cSld>
   <p:clrMapOvr>
     <a:masterClrMapping/>
@@ -2990,6 +5233,607 @@
           <a:chExt cx="0" cy="0"/>
         </a:xfrm>
       </p:grpSpPr>
+      <p:grpSp>
+        <p:nvGrpSpPr>
+          <p:cNvPr id="17" name="Group 16"/>
+          <p:cNvGrpSpPr/>
+          <p:nvPr/>
+        </p:nvGrpSpPr>
+        <p:grpSpPr>
+          <a:xfrm>
+            <a:off x="-30479" y="-27096"/>
+            <a:ext cx="33011298" cy="21999792"/>
+            <a:chOff x="-8467" y="-8468"/>
+            <a:chExt cx="9169805" cy="6874935"/>
+          </a:xfrm>
+        </p:grpSpPr>
+        <p:sp>
+          <p:nvSpPr>
+            <p:cNvPr id="7" name="Freeform 6"/>
+            <p:cNvSpPr/>
+            <p:nvPr/>
+          </p:nvSpPr>
+          <p:spPr>
+            <a:xfrm>
+              <a:off x="-8467" y="4013200"/>
+              <a:ext cx="457200" cy="2853267"/>
+            </a:xfrm>
+            <a:custGeom>
+              <a:avLst/>
+              <a:gdLst/>
+              <a:ahLst/>
+              <a:cxnLst/>
+              <a:rect l="l" t="t" r="r" b="b"/>
+              <a:pathLst>
+                <a:path w="457200" h="2853267">
+                  <a:moveTo>
+                    <a:pt x="0" y="0"/>
+                  </a:moveTo>
+                  <a:lnTo>
+                    <a:pt x="457200" y="2853267"/>
+                  </a:lnTo>
+                  <a:lnTo>
+                    <a:pt x="0" y="2844800"/>
+                  </a:lnTo>
+                  <a:cubicBezTo>
+                    <a:pt x="2822" y="1905000"/>
+                    <a:pt x="5645" y="965200"/>
+                    <a:pt x="0" y="0"/>
+                  </a:cubicBezTo>
+                  <a:close/>
+                </a:path>
+              </a:pathLst>
+            </a:custGeom>
+            <a:solidFill>
+              <a:schemeClr val="accent1">
+                <a:alpha val="85000"/>
+              </a:schemeClr>
+            </a:solidFill>
+            <a:ln>
+              <a:noFill/>
+            </a:ln>
+            <a:effectLst/>
+          </p:spPr>
+          <p:style>
+            <a:lnRef idx="1">
+              <a:schemeClr val="accent1"/>
+            </a:lnRef>
+            <a:fillRef idx="3">
+              <a:schemeClr val="accent1"/>
+            </a:fillRef>
+            <a:effectRef idx="2">
+              <a:schemeClr val="accent1"/>
+            </a:effectRef>
+            <a:fontRef idx="minor">
+              <a:schemeClr val="lt1"/>
+            </a:fontRef>
+          </p:style>
+        </p:sp>
+        <p:cxnSp>
+          <p:nvCxnSpPr>
+            <p:cNvPr id="8" name="Straight Connector 7"/>
+            <p:cNvCxnSpPr/>
+            <p:nvPr/>
+          </p:nvCxnSpPr>
+          <p:spPr>
+            <a:xfrm flipV="1">
+              <a:off x="5130830" y="4175605"/>
+              <a:ext cx="4022475" cy="2682396"/>
+            </a:xfrm>
+            <a:prstGeom prst="line">
+              <a:avLst/>
+            </a:prstGeom>
+            <a:ln w="9525">
+              <a:solidFill>
+                <a:schemeClr val="bg1">
+                  <a:lumMod val="85000"/>
+                </a:schemeClr>
+              </a:solidFill>
+            </a:ln>
+          </p:spPr>
+          <p:style>
+            <a:lnRef idx="2">
+              <a:schemeClr val="accent1"/>
+            </a:lnRef>
+            <a:fillRef idx="0">
+              <a:schemeClr val="accent1"/>
+            </a:fillRef>
+            <a:effectRef idx="1">
+              <a:schemeClr val="accent1"/>
+            </a:effectRef>
+            <a:fontRef idx="minor">
+              <a:schemeClr val="tx1"/>
+            </a:fontRef>
+          </p:style>
+        </p:cxnSp>
+        <p:cxnSp>
+          <p:nvCxnSpPr>
+            <p:cNvPr id="9" name="Straight Connector 8"/>
+            <p:cNvCxnSpPr/>
+            <p:nvPr/>
+          </p:nvCxnSpPr>
+          <p:spPr>
+            <a:xfrm>
+              <a:off x="7042707" y="0"/>
+              <a:ext cx="1219200" cy="6858000"/>
+            </a:xfrm>
+            <a:prstGeom prst="line">
+              <a:avLst/>
+            </a:prstGeom>
+            <a:ln w="9525">
+              <a:solidFill>
+                <a:schemeClr val="bg1">
+                  <a:lumMod val="75000"/>
+                </a:schemeClr>
+              </a:solidFill>
+            </a:ln>
+          </p:spPr>
+          <p:style>
+            <a:lnRef idx="2">
+              <a:schemeClr val="accent1"/>
+            </a:lnRef>
+            <a:fillRef idx="0">
+              <a:schemeClr val="accent1"/>
+            </a:fillRef>
+            <a:effectRef idx="1">
+              <a:schemeClr val="accent1"/>
+            </a:effectRef>
+            <a:fontRef idx="minor">
+              <a:schemeClr val="tx1"/>
+            </a:fontRef>
+          </p:style>
+        </p:cxnSp>
+        <p:sp>
+          <p:nvSpPr>
+            <p:cNvPr id="10" name="Freeform 9"/>
+            <p:cNvSpPr/>
+            <p:nvPr/>
+          </p:nvSpPr>
+          <p:spPr>
+            <a:xfrm>
+              <a:off x="6891896" y="1"/>
+              <a:ext cx="2269442" cy="6866466"/>
+            </a:xfrm>
+            <a:custGeom>
+              <a:avLst/>
+              <a:gdLst/>
+              <a:ahLst/>
+              <a:cxnLst/>
+              <a:rect l="l" t="t" r="r" b="b"/>
+              <a:pathLst>
+                <a:path w="2269442" h="6866466">
+                  <a:moveTo>
+                    <a:pt x="2023534" y="0"/>
+                  </a:moveTo>
+                  <a:lnTo>
+                    <a:pt x="0" y="6858000"/>
+                  </a:lnTo>
+                  <a:lnTo>
+                    <a:pt x="2269067" y="6866466"/>
+                  </a:lnTo>
+                  <a:cubicBezTo>
+                    <a:pt x="2271889" y="4580466"/>
+                    <a:pt x="2257778" y="2294466"/>
+                    <a:pt x="2260600" y="8466"/>
+                  </a:cubicBezTo>
+                  <a:lnTo>
+                    <a:pt x="2023534" y="0"/>
+                  </a:lnTo>
+                  <a:close/>
+                </a:path>
+              </a:pathLst>
+            </a:custGeom>
+            <a:solidFill>
+              <a:schemeClr val="accent1">
+                <a:alpha val="30000"/>
+              </a:schemeClr>
+            </a:solidFill>
+            <a:ln>
+              <a:noFill/>
+            </a:ln>
+            <a:effectLst/>
+          </p:spPr>
+          <p:style>
+            <a:lnRef idx="1">
+              <a:schemeClr val="accent1"/>
+            </a:lnRef>
+            <a:fillRef idx="3">
+              <a:schemeClr val="accent1"/>
+            </a:fillRef>
+            <a:effectRef idx="2">
+              <a:schemeClr val="accent1"/>
+            </a:effectRef>
+            <a:fontRef idx="minor">
+              <a:schemeClr val="lt1"/>
+            </a:fontRef>
+          </p:style>
+        </p:sp>
+        <p:sp>
+          <p:nvSpPr>
+            <p:cNvPr id="11" name="Freeform 10"/>
+            <p:cNvSpPr/>
+            <p:nvPr/>
+          </p:nvSpPr>
+          <p:spPr>
+            <a:xfrm>
+              <a:off x="7205158" y="-8467"/>
+              <a:ext cx="1948147" cy="6866467"/>
+            </a:xfrm>
+            <a:custGeom>
+              <a:avLst/>
+              <a:gdLst/>
+              <a:ahLst/>
+              <a:cxnLst/>
+              <a:rect l="l" t="t" r="r" b="b"/>
+              <a:pathLst>
+                <a:path w="1948147" h="6866467">
+                  <a:moveTo>
+                    <a:pt x="0" y="0"/>
+                  </a:moveTo>
+                  <a:lnTo>
+                    <a:pt x="1202267" y="6866467"/>
+                  </a:lnTo>
+                  <a:lnTo>
+                    <a:pt x="1947333" y="6866467"/>
+                  </a:lnTo>
+                  <a:cubicBezTo>
+                    <a:pt x="1944511" y="4577645"/>
+                    <a:pt x="1950155" y="2288822"/>
+                    <a:pt x="1947333" y="0"/>
+                  </a:cubicBezTo>
+                  <a:lnTo>
+                    <a:pt x="0" y="0"/>
+                  </a:lnTo>
+                  <a:close/>
+                </a:path>
+              </a:pathLst>
+            </a:custGeom>
+            <a:solidFill>
+              <a:schemeClr val="accent1">
+                <a:alpha val="20000"/>
+              </a:schemeClr>
+            </a:solidFill>
+            <a:ln>
+              <a:noFill/>
+            </a:ln>
+            <a:effectLst/>
+          </p:spPr>
+          <p:style>
+            <a:lnRef idx="1">
+              <a:schemeClr val="accent1"/>
+            </a:lnRef>
+            <a:fillRef idx="3">
+              <a:schemeClr val="accent1"/>
+            </a:fillRef>
+            <a:effectRef idx="2">
+              <a:schemeClr val="accent1"/>
+            </a:effectRef>
+            <a:fontRef idx="minor">
+              <a:schemeClr val="lt1"/>
+            </a:fontRef>
+          </p:style>
+        </p:sp>
+        <p:sp>
+          <p:nvSpPr>
+            <p:cNvPr id="12" name="Freeform 11"/>
+            <p:cNvSpPr/>
+            <p:nvPr/>
+          </p:nvSpPr>
+          <p:spPr>
+            <a:xfrm>
+              <a:off x="6637896" y="3920066"/>
+              <a:ext cx="2513565" cy="2937933"/>
+            </a:xfrm>
+            <a:custGeom>
+              <a:avLst/>
+              <a:gdLst/>
+              <a:ahLst/>
+              <a:cxnLst/>
+              <a:rect l="l" t="t" r="r" b="b"/>
+              <a:pathLst>
+                <a:path w="3259667" h="3810000">
+                  <a:moveTo>
+                    <a:pt x="0" y="3810000"/>
+                  </a:moveTo>
+                  <a:lnTo>
+                    <a:pt x="3251200" y="0"/>
+                  </a:lnTo>
+                  <a:cubicBezTo>
+                    <a:pt x="3254022" y="1270000"/>
+                    <a:pt x="3256845" y="2540000"/>
+                    <a:pt x="3259667" y="3810000"/>
+                  </a:cubicBezTo>
+                  <a:lnTo>
+                    <a:pt x="0" y="3810000"/>
+                  </a:lnTo>
+                  <a:close/>
+                </a:path>
+              </a:pathLst>
+            </a:custGeom>
+            <a:solidFill>
+              <a:schemeClr val="accent2">
+                <a:alpha val="72000"/>
+              </a:schemeClr>
+            </a:solidFill>
+            <a:ln>
+              <a:noFill/>
+            </a:ln>
+            <a:effectLst/>
+          </p:spPr>
+          <p:style>
+            <a:lnRef idx="1">
+              <a:schemeClr val="accent1"/>
+            </a:lnRef>
+            <a:fillRef idx="3">
+              <a:schemeClr val="accent1"/>
+            </a:fillRef>
+            <a:effectRef idx="2">
+              <a:schemeClr val="accent1"/>
+            </a:effectRef>
+            <a:fontRef idx="minor">
+              <a:schemeClr val="lt1"/>
+            </a:fontRef>
+          </p:style>
+        </p:sp>
+        <p:sp>
+          <p:nvSpPr>
+            <p:cNvPr id="13" name="Freeform 12"/>
+            <p:cNvSpPr/>
+            <p:nvPr/>
+          </p:nvSpPr>
+          <p:spPr>
+            <a:xfrm>
+              <a:off x="7010429" y="-8467"/>
+              <a:ext cx="2142876" cy="6866467"/>
+            </a:xfrm>
+            <a:custGeom>
+              <a:avLst/>
+              <a:gdLst/>
+              <a:ahLst/>
+              <a:cxnLst/>
+              <a:rect l="l" t="t" r="r" b="b"/>
+              <a:pathLst>
+                <a:path w="2853267" h="6866467">
+                  <a:moveTo>
+                    <a:pt x="0" y="0"/>
+                  </a:moveTo>
+                  <a:lnTo>
+                    <a:pt x="2472267" y="6866467"/>
+                  </a:lnTo>
+                  <a:lnTo>
+                    <a:pt x="2853267" y="6858000"/>
+                  </a:lnTo>
+                  <a:lnTo>
+                    <a:pt x="2853267" y="0"/>
+                  </a:lnTo>
+                  <a:lnTo>
+                    <a:pt x="0" y="0"/>
+                  </a:lnTo>
+                  <a:close/>
+                </a:path>
+              </a:pathLst>
+            </a:custGeom>
+            <a:solidFill>
+              <a:schemeClr val="accent2">
+                <a:lumMod val="75000"/>
+                <a:alpha val="70000"/>
+              </a:schemeClr>
+            </a:solidFill>
+            <a:ln>
+              <a:noFill/>
+            </a:ln>
+            <a:effectLst/>
+          </p:spPr>
+          <p:style>
+            <a:lnRef idx="1">
+              <a:schemeClr val="accent1"/>
+            </a:lnRef>
+            <a:fillRef idx="3">
+              <a:schemeClr val="accent1"/>
+            </a:fillRef>
+            <a:effectRef idx="2">
+              <a:schemeClr val="accent1"/>
+            </a:effectRef>
+            <a:fontRef idx="minor">
+              <a:schemeClr val="lt1"/>
+            </a:fontRef>
+          </p:style>
+        </p:sp>
+        <p:sp>
+          <p:nvSpPr>
+            <p:cNvPr id="14" name="Freeform 13"/>
+            <p:cNvSpPr/>
+            <p:nvPr/>
+          </p:nvSpPr>
+          <p:spPr>
+            <a:xfrm>
+              <a:off x="8295776" y="-8467"/>
+              <a:ext cx="857530" cy="6866467"/>
+            </a:xfrm>
+            <a:custGeom>
+              <a:avLst/>
+              <a:gdLst/>
+              <a:ahLst/>
+              <a:cxnLst/>
+              <a:rect l="l" t="t" r="r" b="b"/>
+              <a:pathLst>
+                <a:path w="1286933" h="6866467">
+                  <a:moveTo>
+                    <a:pt x="1016000" y="0"/>
+                  </a:moveTo>
+                  <a:lnTo>
+                    <a:pt x="0" y="6866467"/>
+                  </a:lnTo>
+                  <a:lnTo>
+                    <a:pt x="1286933" y="6866467"/>
+                  </a:lnTo>
+                  <a:cubicBezTo>
+                    <a:pt x="1284111" y="4577645"/>
+                    <a:pt x="1281288" y="2288822"/>
+                    <a:pt x="1278466" y="0"/>
+                  </a:cubicBezTo>
+                  <a:lnTo>
+                    <a:pt x="1016000" y="0"/>
+                  </a:lnTo>
+                  <a:close/>
+                </a:path>
+              </a:pathLst>
+            </a:custGeom>
+            <a:solidFill>
+              <a:schemeClr val="accent1">
+                <a:lumMod val="60000"/>
+                <a:lumOff val="40000"/>
+                <a:alpha val="70000"/>
+              </a:schemeClr>
+            </a:solidFill>
+            <a:ln>
+              <a:noFill/>
+            </a:ln>
+            <a:effectLst/>
+          </p:spPr>
+          <p:style>
+            <a:lnRef idx="1">
+              <a:schemeClr val="accent1"/>
+            </a:lnRef>
+            <a:fillRef idx="3">
+              <a:schemeClr val="accent1"/>
+            </a:fillRef>
+            <a:effectRef idx="2">
+              <a:schemeClr val="accent1"/>
+            </a:effectRef>
+            <a:fontRef idx="minor">
+              <a:schemeClr val="lt1"/>
+            </a:fontRef>
+          </p:style>
+        </p:sp>
+        <p:sp>
+          <p:nvSpPr>
+            <p:cNvPr id="15" name="Freeform 14"/>
+            <p:cNvSpPr/>
+            <p:nvPr/>
+          </p:nvSpPr>
+          <p:spPr>
+            <a:xfrm>
+              <a:off x="8077231" y="-8468"/>
+              <a:ext cx="1066770" cy="6866467"/>
+            </a:xfrm>
+            <a:custGeom>
+              <a:avLst/>
+              <a:gdLst/>
+              <a:ahLst/>
+              <a:cxnLst/>
+              <a:rect l="l" t="t" r="r" b="b"/>
+              <a:pathLst>
+                <a:path w="1270244" h="6866467">
+                  <a:moveTo>
+                    <a:pt x="0" y="0"/>
+                  </a:moveTo>
+                  <a:lnTo>
+                    <a:pt x="1117600" y="6866467"/>
+                  </a:lnTo>
+                  <a:lnTo>
+                    <a:pt x="1270000" y="6866467"/>
+                  </a:lnTo>
+                  <a:cubicBezTo>
+                    <a:pt x="1272822" y="4574822"/>
+                    <a:pt x="1250245" y="2291645"/>
+                    <a:pt x="1253067" y="0"/>
+                  </a:cubicBezTo>
+                  <a:lnTo>
+                    <a:pt x="0" y="0"/>
+                  </a:lnTo>
+                  <a:close/>
+                </a:path>
+              </a:pathLst>
+            </a:custGeom>
+            <a:solidFill>
+              <a:schemeClr val="accent1">
+                <a:alpha val="65000"/>
+              </a:schemeClr>
+            </a:solidFill>
+            <a:ln>
+              <a:noFill/>
+            </a:ln>
+            <a:effectLst/>
+          </p:spPr>
+          <p:style>
+            <a:lnRef idx="1">
+              <a:schemeClr val="accent1"/>
+            </a:lnRef>
+            <a:fillRef idx="3">
+              <a:schemeClr val="accent1"/>
+            </a:fillRef>
+            <a:effectRef idx="2">
+              <a:schemeClr val="accent1"/>
+            </a:effectRef>
+            <a:fontRef idx="minor">
+              <a:schemeClr val="lt1"/>
+            </a:fontRef>
+          </p:style>
+        </p:sp>
+        <p:sp>
+          <p:nvSpPr>
+            <p:cNvPr id="16" name="Freeform 15"/>
+            <p:cNvSpPr/>
+            <p:nvPr/>
+          </p:nvSpPr>
+          <p:spPr>
+            <a:xfrm>
+              <a:off x="8060297" y="4893733"/>
+              <a:ext cx="1094086" cy="1964267"/>
+            </a:xfrm>
+            <a:custGeom>
+              <a:avLst/>
+              <a:gdLst/>
+              <a:ahLst/>
+              <a:cxnLst/>
+              <a:rect l="l" t="t" r="r" b="b"/>
+              <a:pathLst>
+                <a:path w="1820333" h="3268133">
+                  <a:moveTo>
+                    <a:pt x="0" y="3268133"/>
+                  </a:moveTo>
+                  <a:lnTo>
+                    <a:pt x="1811866" y="0"/>
+                  </a:lnTo>
+                  <a:cubicBezTo>
+                    <a:pt x="1814688" y="1086555"/>
+                    <a:pt x="1817511" y="2173111"/>
+                    <a:pt x="1820333" y="3259666"/>
+                  </a:cubicBezTo>
+                  <a:lnTo>
+                    <a:pt x="0" y="3268133"/>
+                  </a:lnTo>
+                  <a:close/>
+                </a:path>
+              </a:pathLst>
+            </a:custGeom>
+            <a:solidFill>
+              <a:schemeClr val="accent1">
+                <a:alpha val="80000"/>
+              </a:schemeClr>
+            </a:solidFill>
+            <a:ln>
+              <a:noFill/>
+            </a:ln>
+            <a:effectLst/>
+          </p:spPr>
+          <p:style>
+            <a:lnRef idx="1">
+              <a:schemeClr val="accent1"/>
+            </a:lnRef>
+            <a:fillRef idx="3">
+              <a:schemeClr val="accent1"/>
+            </a:fillRef>
+            <a:effectRef idx="2">
+              <a:schemeClr val="accent1"/>
+            </a:effectRef>
+            <a:fontRef idx="minor">
+              <a:schemeClr val="lt1"/>
+            </a:fontRef>
+          </p:style>
+        </p:sp>
+      </p:grpSp>
       <p:sp>
         <p:nvSpPr>
           <p:cNvPr id="2" name="Title Placeholder 1"/>
@@ -3002,15 +5846,15 @@
         </p:nvSpPr>
         <p:spPr>
           <a:xfrm>
-            <a:off x="1645920" y="878842"/>
-            <a:ext cx="29626560" cy="3657600"/>
+            <a:off x="2194558" y="1950720"/>
+            <a:ext cx="22851767" cy="4226560"/>
           </a:xfrm>
           <a:prstGeom prst="rect">
             <a:avLst/>
           </a:prstGeom>
         </p:spPr>
         <p:txBody>
-          <a:bodyPr vert="horz" lIns="313502" tIns="156751" rIns="313502" bIns="156751" rtlCol="0" anchor="ctr">
+          <a:bodyPr vert="horz" lIns="91440" tIns="45720" rIns="91440" bIns="45720" rtlCol="0" anchor="t">
             <a:normAutofit/>
           </a:bodyPr>
           <a:lstStyle/>
@@ -3019,7 +5863,7 @@
               <a:rPr lang="en-US" smtClean="0"/>
               <a:t>Click to edit Master title style</a:t>
             </a:r>
-            <a:endParaRPr lang="en-US"/>
+            <a:endParaRPr lang="en-US" dirty="0"/>
           </a:p>
         </p:txBody>
       </p:sp>
@@ -3035,15 +5879,15 @@
         </p:nvSpPr>
         <p:spPr>
           <a:xfrm>
-            <a:off x="1645920" y="5120641"/>
-            <a:ext cx="29626560" cy="14483082"/>
+            <a:off x="2194557" y="6913889"/>
+            <a:ext cx="22851770" cy="12418474"/>
           </a:xfrm>
           <a:prstGeom prst="rect">
             <a:avLst/>
           </a:prstGeom>
         </p:spPr>
         <p:txBody>
-          <a:bodyPr vert="horz" lIns="313502" tIns="156751" rIns="313502" bIns="156751" rtlCol="0">
+          <a:bodyPr vert="horz" lIns="91440" tIns="45720" rIns="91440" bIns="45720" rtlCol="0">
             <a:normAutofit/>
           </a:bodyPr>
           <a:lstStyle/>
@@ -3081,7 +5925,7 @@
               <a:rPr lang="en-US" smtClean="0"/>
               <a:t>Fifth level</a:t>
             </a:r>
-            <a:endParaRPr lang="en-US"/>
+            <a:endParaRPr lang="en-US" dirty="0"/>
           </a:p>
         </p:txBody>
       </p:sp>
@@ -3097,18 +5941,18 @@
         </p:nvSpPr>
         <p:spPr>
           <a:xfrm>
-            <a:off x="1645920" y="20340322"/>
-            <a:ext cx="7680960" cy="1168400"/>
+            <a:off x="19458929" y="19332363"/>
+            <a:ext cx="2462875" cy="1168400"/>
           </a:xfrm>
           <a:prstGeom prst="rect">
             <a:avLst/>
           </a:prstGeom>
         </p:spPr>
         <p:txBody>
-          <a:bodyPr vert="horz" lIns="313502" tIns="156751" rIns="313502" bIns="156751" rtlCol="0" anchor="ctr"/>
+          <a:bodyPr vert="horz" lIns="91440" tIns="45720" rIns="91440" bIns="45720" rtlCol="0" anchor="ctr"/>
           <a:lstStyle>
-            <a:lvl1pPr algn="l">
-              <a:defRPr sz="4100">
+            <a:lvl1pPr algn="r">
+              <a:defRPr sz="2880">
                 <a:solidFill>
                   <a:schemeClr val="tx1">
                     <a:tint val="75000"/>
@@ -3121,7 +5965,7 @@
             <a:fld id="{1D8BD707-D9CF-40AE-B4C6-C98DA3205C09}" type="datetimeFigureOut">
               <a:rPr lang="en-US" smtClean="0"/>
               <a:pPr/>
-              <a:t>2/26/2016</a:t>
+              <a:t>03/23/2016</a:t>
             </a:fld>
             <a:endParaRPr lang="en-US"/>
           </a:p>
@@ -3139,18 +5983,18 @@
         </p:nvSpPr>
         <p:spPr>
           <a:xfrm>
-            <a:off x="11247120" y="20340322"/>
-            <a:ext cx="10424160" cy="1168400"/>
+            <a:off x="2194558" y="19332363"/>
+            <a:ext cx="16642703" cy="1168400"/>
           </a:xfrm>
           <a:prstGeom prst="rect">
             <a:avLst/>
           </a:prstGeom>
         </p:spPr>
         <p:txBody>
-          <a:bodyPr vert="horz" lIns="313502" tIns="156751" rIns="313502" bIns="156751" rtlCol="0" anchor="ctr"/>
+          <a:bodyPr vert="horz" lIns="91440" tIns="45720" rIns="91440" bIns="45720" rtlCol="0" anchor="ctr"/>
           <a:lstStyle>
-            <a:lvl1pPr algn="ctr">
-              <a:defRPr sz="4100">
+            <a:lvl1pPr algn="l">
+              <a:defRPr sz="2880">
                 <a:solidFill>
                   <a:schemeClr val="tx1">
                     <a:tint val="75000"/>
@@ -3176,22 +6020,20 @@
         </p:nvSpPr>
         <p:spPr>
           <a:xfrm>
-            <a:off x="23591520" y="20340322"/>
-            <a:ext cx="7680960" cy="1168400"/>
+            <a:off x="23200834" y="19332363"/>
+            <a:ext cx="1845497" cy="1168400"/>
           </a:xfrm>
           <a:prstGeom prst="rect">
             <a:avLst/>
           </a:prstGeom>
         </p:spPr>
         <p:txBody>
-          <a:bodyPr vert="horz" lIns="313502" tIns="156751" rIns="313502" bIns="156751" rtlCol="0" anchor="ctr"/>
+          <a:bodyPr vert="horz" lIns="91440" tIns="45720" rIns="91440" bIns="45720" rtlCol="0" anchor="ctr"/>
           <a:lstStyle>
             <a:lvl1pPr algn="r">
-              <a:defRPr sz="4100">
+              <a:defRPr sz="2880">
                 <a:solidFill>
-                  <a:schemeClr val="tx1">
-                    <a:tint val="75000"/>
-                  </a:schemeClr>
+                  <a:schemeClr val="accent1"/>
                 </a:solidFill>
               </a:defRPr>
             </a:lvl1pPr>
@@ -3207,169 +6049,325 @@
         </p:txBody>
       </p:sp>
     </p:spTree>
+    <p:extLst>
+      <p:ext uri="{BB962C8B-B14F-4D97-AF65-F5344CB8AC3E}">
+        <p14:creationId xmlns:p14="http://schemas.microsoft.com/office/powerpoint/2010/main" val="3473311130"/>
+      </p:ext>
+    </p:extLst>
   </p:cSld>
   <p:clrMap bg1="lt1" tx1="dk1" bg2="lt2" tx2="dk2" accent1="accent1" accent2="accent2" accent3="accent3" accent4="accent4" accent5="accent5" accent6="accent6" hlink="hlink" folHlink="folHlink"/>
   <p:sldLayoutIdLst>
-    <p:sldLayoutId id="2147483649" r:id="rId1"/>
-    <p:sldLayoutId id="2147483650" r:id="rId2"/>
-    <p:sldLayoutId id="2147483651" r:id="rId3"/>
-    <p:sldLayoutId id="2147483652" r:id="rId4"/>
-    <p:sldLayoutId id="2147483653" r:id="rId5"/>
-    <p:sldLayoutId id="2147483654" r:id="rId6"/>
-    <p:sldLayoutId id="2147483655" r:id="rId7"/>
-    <p:sldLayoutId id="2147483660" r:id="rId8"/>
-    <p:sldLayoutId id="2147483656" r:id="rId9"/>
-    <p:sldLayoutId id="2147483657" r:id="rId10"/>
-    <p:sldLayoutId id="2147483658" r:id="rId11"/>
-    <p:sldLayoutId id="2147483659" r:id="rId12"/>
+    <p:sldLayoutId id="2147483808" r:id="rId1"/>
+    <p:sldLayoutId id="2147483809" r:id="rId2"/>
+    <p:sldLayoutId id="2147483810" r:id="rId3"/>
+    <p:sldLayoutId id="2147483811" r:id="rId4"/>
+    <p:sldLayoutId id="2147483812" r:id="rId5"/>
+    <p:sldLayoutId id="2147483813" r:id="rId6"/>
+    <p:sldLayoutId id="2147483814" r:id="rId7"/>
+    <p:sldLayoutId id="2147483815" r:id="rId8"/>
+    <p:sldLayoutId id="2147483816" r:id="rId9"/>
+    <p:sldLayoutId id="2147483817" r:id="rId10"/>
+    <p:sldLayoutId id="2147483818" r:id="rId11"/>
+    <p:sldLayoutId id="2147483819" r:id="rId12"/>
+    <p:sldLayoutId id="2147483820" r:id="rId13"/>
+    <p:sldLayoutId id="2147483821" r:id="rId14"/>
+    <p:sldLayoutId id="2147483822" r:id="rId15"/>
+    <p:sldLayoutId id="2147483823" r:id="rId16"/>
+    <p:sldLayoutId id="2147483824" r:id="rId17"/>
   </p:sldLayoutIdLst>
   <p:txStyles>
     <p:titleStyle>
-      <a:lvl1pPr algn="ctr" defTabSz="3135020" rtl="0" eaLnBrk="1" latinLnBrk="0" hangingPunct="1">
+      <a:lvl1pPr algn="l" defTabSz="1463040" rtl="0" eaLnBrk="1" latinLnBrk="0" hangingPunct="1">
         <a:spcBef>
           <a:spcPct val="0"/>
         </a:spcBef>
         <a:buNone/>
-        <a:defRPr sz="15100" kern="1200">
+        <a:defRPr sz="11520" kern="1200">
           <a:solidFill>
-            <a:schemeClr val="tx1"/>
+            <a:schemeClr val="accent1"/>
           </a:solidFill>
           <a:latin typeface="+mj-lt"/>
           <a:ea typeface="+mj-ea"/>
           <a:cs typeface="+mj-cs"/>
         </a:defRPr>
       </a:lvl1pPr>
+      <a:lvl2pPr eaLnBrk="1" hangingPunct="1">
+        <a:defRPr>
+          <a:solidFill>
+            <a:schemeClr val="tx2"/>
+          </a:solidFill>
+        </a:defRPr>
+      </a:lvl2pPr>
+      <a:lvl3pPr eaLnBrk="1" hangingPunct="1">
+        <a:defRPr>
+          <a:solidFill>
+            <a:schemeClr val="tx2"/>
+          </a:solidFill>
+        </a:defRPr>
+      </a:lvl3pPr>
+      <a:lvl4pPr eaLnBrk="1" hangingPunct="1">
+        <a:defRPr>
+          <a:solidFill>
+            <a:schemeClr val="tx2"/>
+          </a:solidFill>
+        </a:defRPr>
+      </a:lvl4pPr>
+      <a:lvl5pPr eaLnBrk="1" hangingPunct="1">
+        <a:defRPr>
+          <a:solidFill>
+            <a:schemeClr val="tx2"/>
+          </a:solidFill>
+        </a:defRPr>
+      </a:lvl5pPr>
+      <a:lvl6pPr eaLnBrk="1" hangingPunct="1">
+        <a:defRPr>
+          <a:solidFill>
+            <a:schemeClr val="tx2"/>
+          </a:solidFill>
+        </a:defRPr>
+      </a:lvl6pPr>
+      <a:lvl7pPr eaLnBrk="1" hangingPunct="1">
+        <a:defRPr>
+          <a:solidFill>
+            <a:schemeClr val="tx2"/>
+          </a:solidFill>
+        </a:defRPr>
+      </a:lvl7pPr>
+      <a:lvl8pPr eaLnBrk="1" hangingPunct="1">
+        <a:defRPr>
+          <a:solidFill>
+            <a:schemeClr val="tx2"/>
+          </a:solidFill>
+        </a:defRPr>
+      </a:lvl8pPr>
+      <a:lvl9pPr eaLnBrk="1" hangingPunct="1">
+        <a:defRPr>
+          <a:solidFill>
+            <a:schemeClr val="tx2"/>
+          </a:solidFill>
+        </a:defRPr>
+      </a:lvl9pPr>
     </p:titleStyle>
     <p:bodyStyle>
-      <a:lvl1pPr marL="1175633" indent="-1175633" algn="l" defTabSz="3135020" rtl="0" eaLnBrk="1" latinLnBrk="0" hangingPunct="1">
+      <a:lvl1pPr marL="1097280" indent="-1097280" algn="l" defTabSz="1463040" rtl="0" eaLnBrk="1" latinLnBrk="0" hangingPunct="1">
         <a:spcBef>
-          <a:spcPct val="20000"/>
+          <a:spcPts val="3200"/>
         </a:spcBef>
-        <a:buFont typeface="Arial" pitchFamily="34" charset="0"/>
-        <a:buChar char="•"/>
-        <a:defRPr sz="11000" kern="1200">
+        <a:spcAft>
+          <a:spcPts val="0"/>
+        </a:spcAft>
+        <a:buClr>
+          <a:schemeClr val="accent1"/>
+        </a:buClr>
+        <a:buSzPct val="80000"/>
+        <a:buFont typeface="Wingdings 3" charset="2"/>
+        <a:buChar char=""/>
+        <a:defRPr sz="5760" kern="1200">
           <a:solidFill>
-            <a:schemeClr val="tx1"/>
+            <a:schemeClr val="tx1">
+              <a:lumMod val="75000"/>
+              <a:lumOff val="25000"/>
+            </a:schemeClr>
           </a:solidFill>
           <a:latin typeface="+mn-lt"/>
           <a:ea typeface="+mn-ea"/>
           <a:cs typeface="+mn-cs"/>
         </a:defRPr>
       </a:lvl1pPr>
-      <a:lvl2pPr marL="2547204" indent="-979694" algn="l" defTabSz="3135020" rtl="0" eaLnBrk="1" latinLnBrk="0" hangingPunct="1">
+      <a:lvl2pPr marL="2377440" indent="-914400" algn="l" defTabSz="1463040" rtl="0" eaLnBrk="1" latinLnBrk="0" hangingPunct="1">
         <a:spcBef>
-          <a:spcPct val="20000"/>
+          <a:spcPts val="3200"/>
         </a:spcBef>
-        <a:buFont typeface="Arial" pitchFamily="34" charset="0"/>
-        <a:buChar char="–"/>
-        <a:defRPr sz="9600" kern="1200">
+        <a:spcAft>
+          <a:spcPts val="0"/>
+        </a:spcAft>
+        <a:buClr>
+          <a:schemeClr val="accent1"/>
+        </a:buClr>
+        <a:buSzPct val="80000"/>
+        <a:buFont typeface="Wingdings 3" charset="2"/>
+        <a:buChar char=""/>
+        <a:defRPr sz="5120" kern="1200">
           <a:solidFill>
-            <a:schemeClr val="tx1"/>
+            <a:schemeClr val="tx1">
+              <a:lumMod val="75000"/>
+              <a:lumOff val="25000"/>
+            </a:schemeClr>
           </a:solidFill>
           <a:latin typeface="+mn-lt"/>
           <a:ea typeface="+mn-ea"/>
           <a:cs typeface="+mn-cs"/>
         </a:defRPr>
       </a:lvl2pPr>
-      <a:lvl3pPr marL="3918776" indent="-783755" algn="l" defTabSz="3135020" rtl="0" eaLnBrk="1" latinLnBrk="0" hangingPunct="1">
+      <a:lvl3pPr marL="3657600" indent="-731520" algn="l" defTabSz="1463040" rtl="0" eaLnBrk="1" latinLnBrk="0" hangingPunct="1">
         <a:spcBef>
-          <a:spcPct val="20000"/>
+          <a:spcPts val="3200"/>
         </a:spcBef>
-        <a:buFont typeface="Arial" pitchFamily="34" charset="0"/>
-        <a:buChar char="•"/>
-        <a:defRPr sz="8200" kern="1200">
+        <a:spcAft>
+          <a:spcPts val="0"/>
+        </a:spcAft>
+        <a:buClr>
+          <a:schemeClr val="accent1"/>
+        </a:buClr>
+        <a:buSzPct val="80000"/>
+        <a:buFont typeface="Wingdings 3" charset="2"/>
+        <a:buChar char=""/>
+        <a:defRPr sz="4480" kern="1200">
           <a:solidFill>
-            <a:schemeClr val="tx1"/>
+            <a:schemeClr val="tx1">
+              <a:lumMod val="75000"/>
+              <a:lumOff val="25000"/>
+            </a:schemeClr>
           </a:solidFill>
           <a:latin typeface="+mn-lt"/>
           <a:ea typeface="+mn-ea"/>
           <a:cs typeface="+mn-cs"/>
         </a:defRPr>
       </a:lvl3pPr>
-      <a:lvl4pPr marL="5486286" indent="-783755" algn="l" defTabSz="3135020" rtl="0" eaLnBrk="1" latinLnBrk="0" hangingPunct="1">
+      <a:lvl4pPr marL="5120640" indent="-731520" algn="l" defTabSz="1463040" rtl="0" eaLnBrk="1" latinLnBrk="0" hangingPunct="1">
         <a:spcBef>
-          <a:spcPct val="20000"/>
+          <a:spcPts val="3200"/>
         </a:spcBef>
-        <a:buFont typeface="Arial" pitchFamily="34" charset="0"/>
-        <a:buChar char="–"/>
-        <a:defRPr sz="6900" kern="1200">
+        <a:spcAft>
+          <a:spcPts val="0"/>
+        </a:spcAft>
+        <a:buClr>
+          <a:schemeClr val="accent1"/>
+        </a:buClr>
+        <a:buSzPct val="80000"/>
+        <a:buFont typeface="Wingdings 3" charset="2"/>
+        <a:buChar char=""/>
+        <a:defRPr sz="3840" kern="1200">
           <a:solidFill>
-            <a:schemeClr val="tx1"/>
+            <a:schemeClr val="tx1">
+              <a:lumMod val="75000"/>
+              <a:lumOff val="25000"/>
+            </a:schemeClr>
           </a:solidFill>
           <a:latin typeface="+mn-lt"/>
           <a:ea typeface="+mn-ea"/>
           <a:cs typeface="+mn-cs"/>
         </a:defRPr>
       </a:lvl4pPr>
-      <a:lvl5pPr marL="7053796" indent="-783755" algn="l" defTabSz="3135020" rtl="0" eaLnBrk="1" latinLnBrk="0" hangingPunct="1">
+      <a:lvl5pPr marL="6583680" indent="-731520" algn="l" defTabSz="1463040" rtl="0" eaLnBrk="1" latinLnBrk="0" hangingPunct="1">
         <a:spcBef>
-          <a:spcPct val="20000"/>
+          <a:spcPts val="3200"/>
         </a:spcBef>
-        <a:buFont typeface="Arial" pitchFamily="34" charset="0"/>
-        <a:buChar char="»"/>
-        <a:defRPr sz="6900" kern="1200">
+        <a:spcAft>
+          <a:spcPts val="0"/>
+        </a:spcAft>
+        <a:buClr>
+          <a:schemeClr val="accent1"/>
+        </a:buClr>
+        <a:buSzPct val="80000"/>
+        <a:buFont typeface="Wingdings 3" charset="2"/>
+        <a:buChar char=""/>
+        <a:defRPr sz="3840" kern="1200">
           <a:solidFill>
-            <a:schemeClr val="tx1"/>
+            <a:schemeClr val="tx1">
+              <a:lumMod val="75000"/>
+              <a:lumOff val="25000"/>
+            </a:schemeClr>
           </a:solidFill>
           <a:latin typeface="+mn-lt"/>
           <a:ea typeface="+mn-ea"/>
           <a:cs typeface="+mn-cs"/>
         </a:defRPr>
       </a:lvl5pPr>
-      <a:lvl6pPr marL="8621306" indent="-783755" algn="l" defTabSz="3135020" rtl="0" eaLnBrk="1" latinLnBrk="0" hangingPunct="1">
+      <a:lvl6pPr marL="8046720" indent="-731520" algn="l" defTabSz="1463040" rtl="0" eaLnBrk="1" latinLnBrk="0" hangingPunct="1">
         <a:spcBef>
-          <a:spcPct val="20000"/>
+          <a:spcPts val="3200"/>
         </a:spcBef>
-        <a:buFont typeface="Arial" pitchFamily="34" charset="0"/>
-        <a:buChar char="•"/>
-        <a:defRPr sz="6900" kern="1200">
+        <a:spcAft>
+          <a:spcPts val="0"/>
+        </a:spcAft>
+        <a:buClr>
+          <a:schemeClr val="accent1"/>
+        </a:buClr>
+        <a:buSzPct val="80000"/>
+        <a:buFont typeface="Wingdings 3" charset="2"/>
+        <a:buChar char=""/>
+        <a:defRPr sz="3840" kern="1200">
           <a:solidFill>
-            <a:schemeClr val="tx1"/>
+            <a:schemeClr val="tx1">
+              <a:lumMod val="75000"/>
+              <a:lumOff val="25000"/>
+            </a:schemeClr>
           </a:solidFill>
           <a:latin typeface="+mn-lt"/>
           <a:ea typeface="+mn-ea"/>
           <a:cs typeface="+mn-cs"/>
         </a:defRPr>
       </a:lvl6pPr>
-      <a:lvl7pPr marL="10188816" indent="-783755" algn="l" defTabSz="3135020" rtl="0" eaLnBrk="1" latinLnBrk="0" hangingPunct="1">
+      <a:lvl7pPr marL="9509760" indent="-731520" algn="l" defTabSz="1463040" rtl="0" eaLnBrk="1" latinLnBrk="0" hangingPunct="1">
         <a:spcBef>
-          <a:spcPct val="20000"/>
+          <a:spcPts val="3200"/>
         </a:spcBef>
-        <a:buFont typeface="Arial" pitchFamily="34" charset="0"/>
-        <a:buChar char="•"/>
-        <a:defRPr sz="6900" kern="1200">
+        <a:spcAft>
+          <a:spcPts val="0"/>
+        </a:spcAft>
+        <a:buClr>
+          <a:schemeClr val="accent1"/>
+        </a:buClr>
+        <a:buSzPct val="80000"/>
+        <a:buFont typeface="Wingdings 3" charset="2"/>
+        <a:buChar char=""/>
+        <a:defRPr sz="3840" kern="1200">
           <a:solidFill>
-            <a:schemeClr val="tx1"/>
+            <a:schemeClr val="tx1">
+              <a:lumMod val="75000"/>
+              <a:lumOff val="25000"/>
+            </a:schemeClr>
           </a:solidFill>
           <a:latin typeface="+mn-lt"/>
           <a:ea typeface="+mn-ea"/>
           <a:cs typeface="+mn-cs"/>
         </a:defRPr>
       </a:lvl7pPr>
-      <a:lvl8pPr marL="11756327" indent="-783755" algn="l" defTabSz="3135020" rtl="0" eaLnBrk="1" latinLnBrk="0" hangingPunct="1">
+      <a:lvl8pPr marL="10972800" indent="-731520" algn="l" defTabSz="1463040" rtl="0" eaLnBrk="1" latinLnBrk="0" hangingPunct="1">
         <a:spcBef>
-          <a:spcPct val="20000"/>
+          <a:spcPts val="3200"/>
         </a:spcBef>
-        <a:buFont typeface="Arial" pitchFamily="34" charset="0"/>
-        <a:buChar char="•"/>
-        <a:defRPr sz="6900" kern="1200">
+        <a:spcAft>
+          <a:spcPts val="0"/>
+        </a:spcAft>
+        <a:buClr>
+          <a:schemeClr val="accent1"/>
+        </a:buClr>
+        <a:buSzPct val="80000"/>
+        <a:buFont typeface="Wingdings 3" charset="2"/>
+        <a:buChar char=""/>
+        <a:defRPr sz="3840" kern="1200">
           <a:solidFill>
-            <a:schemeClr val="tx1"/>
+            <a:schemeClr val="tx1">
+              <a:lumMod val="75000"/>
+              <a:lumOff val="25000"/>
+            </a:schemeClr>
           </a:solidFill>
           <a:latin typeface="+mn-lt"/>
           <a:ea typeface="+mn-ea"/>
           <a:cs typeface="+mn-cs"/>
         </a:defRPr>
       </a:lvl8pPr>
-      <a:lvl9pPr marL="13323837" indent="-783755" algn="l" defTabSz="3135020" rtl="0" eaLnBrk="1" latinLnBrk="0" hangingPunct="1">
+      <a:lvl9pPr marL="12435840" indent="-731520" algn="l" defTabSz="1463040" rtl="0" eaLnBrk="1" latinLnBrk="0" hangingPunct="1">
         <a:spcBef>
-          <a:spcPct val="20000"/>
+          <a:spcPts val="3200"/>
         </a:spcBef>
-        <a:buFont typeface="Arial" pitchFamily="34" charset="0"/>
-        <a:buChar char="•"/>
-        <a:defRPr sz="6900" kern="1200">
+        <a:spcAft>
+          <a:spcPts val="0"/>
+        </a:spcAft>
+        <a:buClr>
+          <a:schemeClr val="accent1"/>
+        </a:buClr>
+        <a:buSzPct val="80000"/>
+        <a:buFont typeface="Wingdings 3" charset="2"/>
+        <a:buChar char=""/>
+        <a:defRPr sz="3840" kern="1200">
           <a:solidFill>
-            <a:schemeClr val="tx1"/>
+            <a:schemeClr val="tx1">
+              <a:lumMod val="75000"/>
+              <a:lumOff val="25000"/>
+            </a:schemeClr>
           </a:solidFill>
           <a:latin typeface="+mn-lt"/>
           <a:ea typeface="+mn-ea"/>
@@ -3381,8 +6379,8 @@
       <a:defPPr>
         <a:defRPr lang="en-US"/>
       </a:defPPr>
-      <a:lvl1pPr marL="0" algn="l" defTabSz="3135020" rtl="0" eaLnBrk="1" latinLnBrk="0" hangingPunct="1">
-        <a:defRPr sz="6200" kern="1200">
+      <a:lvl1pPr marL="0" algn="l" defTabSz="1463040" rtl="0" eaLnBrk="1" latinLnBrk="0" hangingPunct="1">
+        <a:defRPr sz="5760" kern="1200">
           <a:solidFill>
             <a:schemeClr val="tx1"/>
           </a:solidFill>
@@ -3391,8 +6389,8 @@
           <a:cs typeface="+mn-cs"/>
         </a:defRPr>
       </a:lvl1pPr>
-      <a:lvl2pPr marL="1567510" algn="l" defTabSz="3135020" rtl="0" eaLnBrk="1" latinLnBrk="0" hangingPunct="1">
-        <a:defRPr sz="6200" kern="1200">
+      <a:lvl2pPr marL="1463040" algn="l" defTabSz="1463040" rtl="0" eaLnBrk="1" latinLnBrk="0" hangingPunct="1">
+        <a:defRPr sz="5760" kern="1200">
           <a:solidFill>
             <a:schemeClr val="tx1"/>
           </a:solidFill>
@@ -3401,8 +6399,8 @@
           <a:cs typeface="+mn-cs"/>
         </a:defRPr>
       </a:lvl2pPr>
-      <a:lvl3pPr marL="3135020" algn="l" defTabSz="3135020" rtl="0" eaLnBrk="1" latinLnBrk="0" hangingPunct="1">
-        <a:defRPr sz="6200" kern="1200">
+      <a:lvl3pPr marL="2926080" algn="l" defTabSz="1463040" rtl="0" eaLnBrk="1" latinLnBrk="0" hangingPunct="1">
+        <a:defRPr sz="5760" kern="1200">
           <a:solidFill>
             <a:schemeClr val="tx1"/>
           </a:solidFill>
@@ -3411,8 +6409,8 @@
           <a:cs typeface="+mn-cs"/>
         </a:defRPr>
       </a:lvl3pPr>
-      <a:lvl4pPr marL="4702531" algn="l" defTabSz="3135020" rtl="0" eaLnBrk="1" latinLnBrk="0" hangingPunct="1">
-        <a:defRPr sz="6200" kern="1200">
+      <a:lvl4pPr marL="4389120" algn="l" defTabSz="1463040" rtl="0" eaLnBrk="1" latinLnBrk="0" hangingPunct="1">
+        <a:defRPr sz="5760" kern="1200">
           <a:solidFill>
             <a:schemeClr val="tx1"/>
           </a:solidFill>
@@ -3421,8 +6419,8 @@
           <a:cs typeface="+mn-cs"/>
         </a:defRPr>
       </a:lvl4pPr>
-      <a:lvl5pPr marL="6270041" algn="l" defTabSz="3135020" rtl="0" eaLnBrk="1" latinLnBrk="0" hangingPunct="1">
-        <a:defRPr sz="6200" kern="1200">
+      <a:lvl5pPr marL="5852160" algn="l" defTabSz="1463040" rtl="0" eaLnBrk="1" latinLnBrk="0" hangingPunct="1">
+        <a:defRPr sz="5760" kern="1200">
           <a:solidFill>
             <a:schemeClr val="tx1"/>
           </a:solidFill>
@@ -3431,8 +6429,8 @@
           <a:cs typeface="+mn-cs"/>
         </a:defRPr>
       </a:lvl5pPr>
-      <a:lvl6pPr marL="7837551" algn="l" defTabSz="3135020" rtl="0" eaLnBrk="1" latinLnBrk="0" hangingPunct="1">
-        <a:defRPr sz="6200" kern="1200">
+      <a:lvl6pPr marL="7315200" algn="l" defTabSz="1463040" rtl="0" eaLnBrk="1" latinLnBrk="0" hangingPunct="1">
+        <a:defRPr sz="5760" kern="1200">
           <a:solidFill>
             <a:schemeClr val="tx1"/>
           </a:solidFill>
@@ -3441,8 +6439,8 @@
           <a:cs typeface="+mn-cs"/>
         </a:defRPr>
       </a:lvl6pPr>
-      <a:lvl7pPr marL="9405061" algn="l" defTabSz="3135020" rtl="0" eaLnBrk="1" latinLnBrk="0" hangingPunct="1">
-        <a:defRPr sz="6200" kern="1200">
+      <a:lvl7pPr marL="8778240" algn="l" defTabSz="1463040" rtl="0" eaLnBrk="1" latinLnBrk="0" hangingPunct="1">
+        <a:defRPr sz="5760" kern="1200">
           <a:solidFill>
             <a:schemeClr val="tx1"/>
           </a:solidFill>
@@ -3451,8 +6449,8 @@
           <a:cs typeface="+mn-cs"/>
         </a:defRPr>
       </a:lvl7pPr>
-      <a:lvl8pPr marL="10972571" algn="l" defTabSz="3135020" rtl="0" eaLnBrk="1" latinLnBrk="0" hangingPunct="1">
-        <a:defRPr sz="6200" kern="1200">
+      <a:lvl8pPr marL="10241280" algn="l" defTabSz="1463040" rtl="0" eaLnBrk="1" latinLnBrk="0" hangingPunct="1">
+        <a:defRPr sz="5760" kern="1200">
           <a:solidFill>
             <a:schemeClr val="tx1"/>
           </a:solidFill>
@@ -3461,8 +6459,8 @@
           <a:cs typeface="+mn-cs"/>
         </a:defRPr>
       </a:lvl8pPr>
-      <a:lvl9pPr marL="12540082" algn="l" defTabSz="3135020" rtl="0" eaLnBrk="1" latinLnBrk="0" hangingPunct="1">
-        <a:defRPr sz="6200" kern="1200">
+      <a:lvl9pPr marL="11704320" algn="l" defTabSz="1463040" rtl="0" eaLnBrk="1" latinLnBrk="0" hangingPunct="1">
+        <a:defRPr sz="5760" kern="1200">
           <a:solidFill>
             <a:schemeClr val="tx1"/>
           </a:solidFill>
@@ -3493,18 +6491,36 @@
           <a:chExt cx="0" cy="0"/>
         </a:xfrm>
       </p:grpSpPr>
-      <p:sp>
-        <p:nvSpPr>
-          <p:cNvPr id="18" name="Picture Placeholder 17"/>
-          <p:cNvSpPr>
-            <a:spLocks noGrp="1"/>
-          </p:cNvSpPr>
+      <p:pic>
+        <p:nvPicPr>
+          <p:cNvPr id="2" name="Picture Placeholder 1"/>
+          <p:cNvPicPr>
+            <a:picLocks noGrp="1" noChangeAspect="1"/>
+          </p:cNvPicPr>
           <p:nvPr>
             <p:ph type="pic" sz="quarter" idx="13"/>
           </p:nvPr>
-        </p:nvSpPr>
-        <p:spPr/>
-      </p:sp>
+        </p:nvPicPr>
+        <p:blipFill>
+          <a:blip r:embed="rId2">
+            <a:extLst>
+              <a:ext uri="{28A0092B-C50C-407E-A947-70E740481C1C}">
+                <a14:useLocalDpi xmlns:a14="http://schemas.microsoft.com/office/drawing/2010/main" val="0"/>
+              </a:ext>
+            </a:extLst>
+          </a:blip>
+          <a:srcRect t="5471" b="5471"/>
+          <a:stretch>
+            <a:fillRect/>
+          </a:stretch>
+        </p:blipFill>
+        <p:spPr>
+          <a:xfrm>
+            <a:off x="0" y="609600"/>
+            <a:ext cx="6934200" cy="3657600"/>
+          </a:xfrm>
+        </p:spPr>
+      </p:pic>
       <p:sp>
         <p:nvSpPr>
           <p:cNvPr id="17" name="Title 16"/>
@@ -3515,107 +6531,605 @@
             <p:ph type="title"/>
           </p:nvPr>
         </p:nvSpPr>
-        <p:spPr/>
+        <p:spPr>
+          <a:xfrm>
+            <a:off x="9715500" y="803564"/>
+            <a:ext cx="24003000" cy="3657600"/>
+          </a:xfrm>
+        </p:spPr>
+        <p:txBody>
+          <a:bodyPr>
+            <a:normAutofit/>
+          </a:bodyPr>
+          <a:lstStyle/>
+          <a:p>
+            <a:r>
+              <a:rPr lang="en-US" sz="20000" dirty="0" smtClean="0"/>
+              <a:t>Hotspotter</a:t>
+            </a:r>
+            <a:endParaRPr lang="en-US" sz="20000" dirty="0"/>
+          </a:p>
+        </p:txBody>
+      </p:sp>
+      <p:sp>
+        <p:nvSpPr>
+          <p:cNvPr id="19" name="Text Placeholder 18"/>
+          <p:cNvSpPr>
+            <a:spLocks noGrp="1"/>
+          </p:cNvSpPr>
+          <p:nvPr>
+            <p:ph type="body" sz="quarter" idx="14"/>
+          </p:nvPr>
+        </p:nvSpPr>
+        <p:spPr>
+          <a:xfrm>
+            <a:off x="762000" y="6781800"/>
+            <a:ext cx="11811000" cy="6934200"/>
+          </a:xfrm>
+        </p:spPr>
+        <p:txBody>
+          <a:bodyPr>
+            <a:normAutofit/>
+          </a:bodyPr>
+          <a:lstStyle/>
+          <a:p>
+            <a:r>
+              <a:rPr lang="en-US" sz="5000" b="0" dirty="0"/>
+              <a:t>Hotspotter is a web application used for early prediction of bugs in software. </a:t>
+            </a:r>
+            <a:endParaRPr lang="en-US" sz="5000" b="0" dirty="0" smtClean="0"/>
+          </a:p>
+          <a:p>
+            <a:r>
+              <a:rPr lang="en-US" sz="5000" b="0" dirty="0" smtClean="0"/>
+              <a:t>This is accomplished</a:t>
+            </a:r>
+            <a:r>
+              <a:rPr lang="en-US" sz="5000" b="0" dirty="0"/>
+              <a:t> by detecting areas of instability called 'hotspots'. Hotspots are determined by analyzing the type and frequency of changes made to the project's files.</a:t>
+            </a:r>
+            <a:endParaRPr lang="en-US" sz="5000" dirty="0"/>
+          </a:p>
+        </p:txBody>
+      </p:sp>
+      <p:sp>
+        <p:nvSpPr>
+          <p:cNvPr id="20" name="Text Placeholder 19"/>
+          <p:cNvSpPr>
+            <a:spLocks noGrp="1"/>
+          </p:cNvSpPr>
+          <p:nvPr>
+            <p:ph type="body" sz="quarter" idx="15"/>
+          </p:nvPr>
+        </p:nvSpPr>
+        <p:spPr>
+          <a:xfrm>
+            <a:off x="762000" y="4994564"/>
+            <a:ext cx="19659600" cy="1447800"/>
+          </a:xfrm>
+        </p:spPr>
         <p:txBody>
           <a:bodyPr/>
           <a:lstStyle/>
           <a:p>
-            <a:endParaRPr lang="en-US"/>
-          </a:p>
-        </p:txBody>
-      </p:sp>
-      <p:sp>
-        <p:nvSpPr>
-          <p:cNvPr id="19" name="Text Placeholder 18"/>
-          <p:cNvSpPr>
-            <a:spLocks noGrp="1"/>
-          </p:cNvSpPr>
-          <p:nvPr>
-            <p:ph type="body" sz="quarter" idx="14"/>
-          </p:nvPr>
-        </p:nvSpPr>
-        <p:spPr/>
+            <a:r>
+              <a:rPr lang="en-US" b="1" dirty="0" smtClean="0"/>
+              <a:t>Nate Reinhardt</a:t>
+            </a:r>
+            <a:r>
+              <a:rPr lang="en-US" dirty="0" smtClean="0"/>
+              <a:t>-</a:t>
+            </a:r>
+            <a:r>
+              <a:rPr lang="en-US" i="1" dirty="0" smtClean="0"/>
+              <a:t>SM</a:t>
+            </a:r>
+            <a:r>
+              <a:rPr lang="en-US" dirty="0" smtClean="0"/>
+              <a:t> </a:t>
+            </a:r>
+            <a:r>
+              <a:rPr lang="en-US" b="1" dirty="0" smtClean="0"/>
+              <a:t>Spencer Smith</a:t>
+            </a:r>
+            <a:r>
+              <a:rPr lang="en-US" dirty="0" smtClean="0"/>
+              <a:t>-</a:t>
+            </a:r>
+            <a:r>
+              <a:rPr lang="en-US" i="1" dirty="0" smtClean="0"/>
+              <a:t>OP</a:t>
+            </a:r>
+            <a:r>
+              <a:rPr lang="en-US" dirty="0" smtClean="0"/>
+              <a:t> </a:t>
+            </a:r>
+            <a:r>
+              <a:rPr lang="en-US" b="1" dirty="0" smtClean="0"/>
+              <a:t>Dylan Williams</a:t>
+            </a:r>
+            <a:r>
+              <a:rPr lang="en-US" dirty="0" smtClean="0"/>
+              <a:t>-</a:t>
+            </a:r>
+            <a:r>
+              <a:rPr lang="en-US" i="1" dirty="0" smtClean="0"/>
+              <a:t>QC</a:t>
+            </a:r>
+            <a:endParaRPr lang="en-US" i="1" dirty="0"/>
+          </a:p>
+        </p:txBody>
+      </p:sp>
+      <p:sp>
+        <p:nvSpPr>
+          <p:cNvPr id="21" name="Text Placeholder 20"/>
+          <p:cNvSpPr>
+            <a:spLocks noGrp="1"/>
+          </p:cNvSpPr>
+          <p:nvPr>
+            <p:ph type="body" sz="quarter" idx="16"/>
+          </p:nvPr>
+        </p:nvSpPr>
+        <p:spPr>
+          <a:xfrm>
+            <a:off x="18419617" y="4986841"/>
+            <a:ext cx="13563600" cy="1447800"/>
+          </a:xfrm>
+        </p:spPr>
         <p:txBody>
           <a:bodyPr/>
           <a:lstStyle/>
           <a:p>
+            <a:r>
+              <a:rPr lang="en-US" dirty="0" smtClean="0"/>
+              <a:t>Dr. Igor </a:t>
+            </a:r>
+            <a:r>
+              <a:rPr lang="en-US" dirty="0" err="1" smtClean="0"/>
+              <a:t>Crk</a:t>
+            </a:r>
+            <a:r>
+              <a:rPr lang="en-US" dirty="0" smtClean="0"/>
+              <a:t>: </a:t>
+            </a:r>
+            <a:r>
+              <a:rPr lang="en-US" dirty="0"/>
+              <a:t>Department of Computer Science</a:t>
+            </a:r>
             <a:endParaRPr lang="en-US" dirty="0"/>
           </a:p>
         </p:txBody>
       </p:sp>
       <p:sp>
         <p:nvSpPr>
-          <p:cNvPr id="20" name="Text Placeholder 19"/>
-          <p:cNvSpPr>
-            <a:spLocks noGrp="1"/>
-          </p:cNvSpPr>
-          <p:nvPr>
-            <p:ph type="body" sz="quarter" idx="15"/>
-          </p:nvPr>
-        </p:nvSpPr>
-        <p:spPr/>
-        <p:txBody>
-          <a:bodyPr/>
-          <a:lstStyle/>
-          <a:p>
-            <a:endParaRPr lang="en-US"/>
-          </a:p>
-        </p:txBody>
-      </p:sp>
-      <p:sp>
-        <p:nvSpPr>
-          <p:cNvPr id="21" name="Text Placeholder 20"/>
-          <p:cNvSpPr>
-            <a:spLocks noGrp="1"/>
-          </p:cNvSpPr>
-          <p:nvPr>
-            <p:ph type="body" sz="quarter" idx="16"/>
-          </p:nvPr>
-        </p:nvSpPr>
-        <p:spPr/>
-        <p:txBody>
-          <a:bodyPr/>
-          <a:lstStyle/>
-          <a:p>
+          <p:cNvPr id="22" name="Text Placeholder 21"/>
+          <p:cNvSpPr>
+            <a:spLocks noGrp="1"/>
+          </p:cNvSpPr>
+          <p:nvPr>
+            <p:ph type="body" sz="quarter" idx="17"/>
+          </p:nvPr>
+        </p:nvSpPr>
+        <p:spPr>
+          <a:xfrm>
+            <a:off x="1828800" y="13651937"/>
+            <a:ext cx="10210800" cy="7162800"/>
+          </a:xfrm>
+        </p:spPr>
+        <p:txBody>
+          <a:bodyPr>
+            <a:normAutofit fontScale="70000" lnSpcReduction="20000"/>
+          </a:bodyPr>
+          <a:lstStyle/>
+          <a:p>
+            <a:pPr marL="857250" indent="-857250">
+              <a:buFont typeface="Arial" panose="020B0604020202020204" pitchFamily="34" charset="0"/>
+              <a:buChar char="•"/>
+            </a:pPr>
+            <a:r>
+              <a:rPr lang="en-US" dirty="0"/>
+              <a:t>Using the Semi-Agile Software Engineering (SAGE) process, a Scrum-like process with ten two-week </a:t>
+            </a:r>
+            <a:r>
+              <a:rPr lang="en-US" dirty="0" smtClean="0"/>
+              <a:t>sprints.</a:t>
+            </a:r>
+          </a:p>
+          <a:p>
+            <a:pPr marL="857250" indent="-857250">
+              <a:buFont typeface="Arial" panose="020B0604020202020204" pitchFamily="34" charset="0"/>
+              <a:buChar char="•"/>
+            </a:pPr>
+            <a:r>
+              <a:rPr lang="en-US" dirty="0" smtClean="0"/>
+              <a:t>Development Operations: Automated build and deploying mechanisms.</a:t>
+            </a:r>
+          </a:p>
+          <a:p>
+            <a:pPr marL="857250" indent="-857250">
+              <a:buFont typeface="Arial" panose="020B0604020202020204" pitchFamily="34" charset="0"/>
+              <a:buChar char="•"/>
+            </a:pPr>
+            <a:r>
+              <a:rPr lang="en-US" dirty="0" smtClean="0"/>
+              <a:t>Total Estimated Hours Until Completion: 23</a:t>
+            </a:r>
+          </a:p>
+          <a:p>
+            <a:endParaRPr lang="en-US" dirty="0" smtClean="0"/>
+          </a:p>
+          <a:p>
+            <a:pPr marL="857250" indent="-857250">
+              <a:buFont typeface="Arial" panose="020B0604020202020204" pitchFamily="34" charset="0"/>
+              <a:buChar char="•"/>
+            </a:pPr>
             <a:endParaRPr lang="en-US" dirty="0"/>
           </a:p>
         </p:txBody>
       </p:sp>
       <p:sp>
         <p:nvSpPr>
-          <p:cNvPr id="22" name="Text Placeholder 21"/>
-          <p:cNvSpPr>
-            <a:spLocks noGrp="1"/>
-          </p:cNvSpPr>
-          <p:nvPr>
-            <p:ph type="body" sz="quarter" idx="17"/>
-          </p:nvPr>
-        </p:nvSpPr>
-        <p:spPr/>
-        <p:txBody>
-          <a:bodyPr/>
-          <a:lstStyle/>
-          <a:p>
+          <p:cNvPr id="23" name="Text Placeholder 22"/>
+          <p:cNvSpPr>
+            <a:spLocks noGrp="1"/>
+          </p:cNvSpPr>
+          <p:nvPr>
+            <p:ph type="body" sz="quarter" idx="18"/>
+          </p:nvPr>
+        </p:nvSpPr>
+        <p:spPr>
+          <a:xfrm>
+            <a:off x="13182600" y="6781800"/>
+            <a:ext cx="17373600" cy="6934200"/>
+          </a:xfrm>
+        </p:spPr>
+        <p:txBody>
+          <a:bodyPr>
+            <a:normAutofit/>
+          </a:bodyPr>
+          <a:lstStyle/>
+          <a:p>
+            <a:r>
+              <a:rPr lang="en-US" sz="5400" dirty="0" smtClean="0"/>
+              <a:t>A full web application built with the MEAN stack that allows a user to checkout any public </a:t>
+            </a:r>
+            <a:r>
+              <a:rPr lang="en-US" sz="5400" dirty="0" err="1" smtClean="0"/>
+              <a:t>git</a:t>
+            </a:r>
+            <a:r>
+              <a:rPr lang="en-US" sz="5400" dirty="0" smtClean="0"/>
+              <a:t> repository and scan it to find potential problematic areas. </a:t>
+            </a:r>
+          </a:p>
+          <a:p>
+            <a:r>
+              <a:rPr lang="en-US" sz="5400" dirty="0" smtClean="0"/>
+              <a:t>The user will be able to export their results to better correlate their data.</a:t>
+            </a:r>
+          </a:p>
+          <a:p>
+            <a:r>
+              <a:rPr lang="en-US" sz="5400" dirty="0" smtClean="0"/>
+              <a:t>The objective of this tool is to add confidence to the quality of a repository and prevent future bugs.</a:t>
+            </a:r>
+            <a:endParaRPr lang="en-US" sz="5400" dirty="0"/>
+          </a:p>
+        </p:txBody>
+      </p:sp>
+      <p:sp>
+        <p:nvSpPr>
+          <p:cNvPr id="3" name="TextBox 2"/>
+          <p:cNvSpPr txBox="1"/>
+          <p:nvPr/>
+        </p:nvSpPr>
+        <p:spPr>
+          <a:xfrm rot="721562">
+            <a:off x="1555571" y="1702352"/>
+            <a:ext cx="5867400" cy="1046440"/>
+          </a:xfrm>
+          <a:prstGeom prst="rect">
+            <a:avLst/>
+          </a:prstGeom>
+          <a:noFill/>
+        </p:spPr>
+        <p:txBody>
+          <a:bodyPr wrap="square" rtlCol="0">
+            <a:spAutoFit/>
+          </a:bodyPr>
+          <a:lstStyle/>
+          <a:p>
+            <a:r>
+              <a:rPr lang="en-US" dirty="0" smtClean="0">
+                <a:solidFill>
+                  <a:schemeClr val="bg1">
+                    <a:lumMod val="75000"/>
+                  </a:schemeClr>
+                </a:solidFill>
+              </a:rPr>
+              <a:t>Temporary Logo</a:t>
+            </a:r>
+            <a:endParaRPr lang="en-US" dirty="0">
+              <a:solidFill>
+                <a:schemeClr val="bg1">
+                  <a:lumMod val="75000"/>
+                </a:schemeClr>
+              </a:solidFill>
+            </a:endParaRPr>
+          </a:p>
+        </p:txBody>
+      </p:sp>
+      <p:sp>
+        <p:nvSpPr>
+          <p:cNvPr id="4" name="TextBox 3"/>
+          <p:cNvSpPr txBox="1"/>
+          <p:nvPr/>
+        </p:nvSpPr>
+        <p:spPr>
+          <a:xfrm>
+            <a:off x="15625478" y="14020800"/>
+            <a:ext cx="10515600" cy="1046440"/>
+          </a:xfrm>
+          <a:prstGeom prst="rect">
+            <a:avLst/>
+          </a:prstGeom>
+          <a:noFill/>
+        </p:spPr>
+        <p:txBody>
+          <a:bodyPr wrap="square" rtlCol="0">
+            <a:spAutoFit/>
+          </a:bodyPr>
+          <a:lstStyle/>
+          <a:p>
+            <a:pPr algn="ctr"/>
+            <a:r>
+              <a:rPr lang="en-US" dirty="0" smtClean="0"/>
+              <a:t>The MEAN Tech Stack</a:t>
+            </a:r>
             <a:endParaRPr lang="en-US" dirty="0"/>
           </a:p>
         </p:txBody>
       </p:sp>
-      <p:sp>
-        <p:nvSpPr>
-          <p:cNvPr id="23" name="Text Placeholder 22"/>
-          <p:cNvSpPr>
-            <a:spLocks noGrp="1"/>
-          </p:cNvSpPr>
-          <p:nvPr>
-            <p:ph type="body" sz="quarter" idx="18"/>
-          </p:nvPr>
-        </p:nvSpPr>
-        <p:spPr/>
-        <p:txBody>
-          <a:bodyPr/>
-          <a:lstStyle/>
-          <a:p>
-            <a:endParaRPr lang="en-US" dirty="0"/>
+      <p:pic>
+        <p:nvPicPr>
+          <p:cNvPr id="13" name="Picture 12"/>
+          <p:cNvPicPr>
+            <a:picLocks noChangeAspect="1"/>
+          </p:cNvPicPr>
+          <p:nvPr/>
+        </p:nvPicPr>
+        <p:blipFill>
+          <a:blip r:embed="rId3">
+            <a:extLst>
+              <a:ext uri="{28A0092B-C50C-407E-A947-70E740481C1C}">
+                <a14:useLocalDpi xmlns:a14="http://schemas.microsoft.com/office/drawing/2010/main" val="0"/>
+              </a:ext>
+            </a:extLst>
+          </a:blip>
+          <a:stretch>
+            <a:fillRect/>
+          </a:stretch>
+        </p:blipFill>
+        <p:spPr>
+          <a:xfrm>
+            <a:off x="15952762" y="15068052"/>
+            <a:ext cx="3713018" cy="1094174"/>
+          </a:xfrm>
+          <a:prstGeom prst="rect">
+            <a:avLst/>
+          </a:prstGeom>
+        </p:spPr>
+      </p:pic>
+      <p:pic>
+        <p:nvPicPr>
+          <p:cNvPr id="14" name="Picture 13"/>
+          <p:cNvPicPr>
+            <a:picLocks noChangeAspect="1"/>
+          </p:cNvPicPr>
+          <p:nvPr/>
+        </p:nvPicPr>
+        <p:blipFill>
+          <a:blip r:embed="rId4">
+            <a:extLst>
+              <a:ext uri="{28A0092B-C50C-407E-A947-70E740481C1C}">
+                <a14:useLocalDpi xmlns:a14="http://schemas.microsoft.com/office/drawing/2010/main" val="0"/>
+              </a:ext>
+            </a:extLst>
+          </a:blip>
+          <a:stretch>
+            <a:fillRect/>
+          </a:stretch>
+        </p:blipFill>
+        <p:spPr>
+          <a:xfrm>
+            <a:off x="15932727" y="16202764"/>
+            <a:ext cx="3733053" cy="1054695"/>
+          </a:xfrm>
+          <a:prstGeom prst="rect">
+            <a:avLst/>
+          </a:prstGeom>
+        </p:spPr>
+      </p:pic>
+      <p:pic>
+        <p:nvPicPr>
+          <p:cNvPr id="15" name="Picture 14"/>
+          <p:cNvPicPr>
+            <a:picLocks noChangeAspect="1"/>
+          </p:cNvPicPr>
+          <p:nvPr/>
+        </p:nvPicPr>
+        <p:blipFill>
+          <a:blip r:embed="rId5">
+            <a:extLst>
+              <a:ext uri="{28A0092B-C50C-407E-A947-70E740481C1C}">
+                <a14:useLocalDpi xmlns:a14="http://schemas.microsoft.com/office/drawing/2010/main" val="0"/>
+              </a:ext>
+            </a:extLst>
+          </a:blip>
+          <a:stretch>
+            <a:fillRect/>
+          </a:stretch>
+        </p:blipFill>
+        <p:spPr>
+          <a:xfrm>
+            <a:off x="16116661" y="17437552"/>
+            <a:ext cx="3226427" cy="858407"/>
+          </a:xfrm>
+          <a:prstGeom prst="rect">
+            <a:avLst/>
+          </a:prstGeom>
+        </p:spPr>
+      </p:pic>
+      <p:pic>
+        <p:nvPicPr>
+          <p:cNvPr id="16" name="Picture 15"/>
+          <p:cNvPicPr>
+            <a:picLocks noChangeAspect="1"/>
+          </p:cNvPicPr>
+          <p:nvPr/>
+        </p:nvPicPr>
+        <p:blipFill>
+          <a:blip r:embed="rId6">
+            <a:extLst>
+              <a:ext uri="{28A0092B-C50C-407E-A947-70E740481C1C}">
+                <a14:useLocalDpi xmlns:a14="http://schemas.microsoft.com/office/drawing/2010/main" val="0"/>
+              </a:ext>
+            </a:extLst>
+          </a:blip>
+          <a:stretch>
+            <a:fillRect/>
+          </a:stretch>
+        </p:blipFill>
+        <p:spPr>
+          <a:xfrm>
+            <a:off x="16082025" y="18476052"/>
+            <a:ext cx="3628628" cy="1172700"/>
+          </a:xfrm>
+          <a:prstGeom prst="rect">
+            <a:avLst/>
+          </a:prstGeom>
+        </p:spPr>
+      </p:pic>
+      <p:sp>
+        <p:nvSpPr>
+          <p:cNvPr id="24" name="TextBox 23"/>
+          <p:cNvSpPr txBox="1"/>
+          <p:nvPr/>
+        </p:nvSpPr>
+        <p:spPr>
+          <a:xfrm>
+            <a:off x="21336430" y="15109138"/>
+            <a:ext cx="7729975" cy="923330"/>
+          </a:xfrm>
+          <a:prstGeom prst="rect">
+            <a:avLst/>
+          </a:prstGeom>
+          <a:noFill/>
+        </p:spPr>
+        <p:txBody>
+          <a:bodyPr wrap="square" rtlCol="0">
+            <a:spAutoFit/>
+          </a:bodyPr>
+          <a:lstStyle/>
+          <a:p>
+            <a:r>
+              <a:rPr lang="en-US" sz="5400" dirty="0" smtClean="0"/>
+              <a:t>MongoDB- Database</a:t>
+            </a:r>
+            <a:endParaRPr lang="en-US" sz="5400" dirty="0"/>
+          </a:p>
+        </p:txBody>
+      </p:sp>
+      <p:sp>
+        <p:nvSpPr>
+          <p:cNvPr id="25" name="TextBox 24"/>
+          <p:cNvSpPr txBox="1"/>
+          <p:nvPr/>
+        </p:nvSpPr>
+        <p:spPr>
+          <a:xfrm>
+            <a:off x="21336430" y="16310007"/>
+            <a:ext cx="8497888" cy="923330"/>
+          </a:xfrm>
+          <a:prstGeom prst="rect">
+            <a:avLst/>
+          </a:prstGeom>
+          <a:noFill/>
+        </p:spPr>
+        <p:txBody>
+          <a:bodyPr wrap="square" rtlCol="0">
+            <a:spAutoFit/>
+          </a:bodyPr>
+          <a:lstStyle/>
+          <a:p>
+            <a:r>
+              <a:rPr lang="en-US" sz="5400" dirty="0" smtClean="0"/>
+              <a:t>Express -Middleware</a:t>
+            </a:r>
+            <a:endParaRPr lang="en-US" sz="5400" dirty="0"/>
+          </a:p>
+        </p:txBody>
+      </p:sp>
+      <p:sp>
+        <p:nvSpPr>
+          <p:cNvPr id="27" name="TextBox 26"/>
+          <p:cNvSpPr txBox="1"/>
+          <p:nvPr/>
+        </p:nvSpPr>
+        <p:spPr>
+          <a:xfrm>
+            <a:off x="21336430" y="18458328"/>
+            <a:ext cx="11050588" cy="923330"/>
+          </a:xfrm>
+          <a:prstGeom prst="rect">
+            <a:avLst/>
+          </a:prstGeom>
+          <a:noFill/>
+        </p:spPr>
+        <p:txBody>
+          <a:bodyPr wrap="square" rtlCol="0">
+            <a:spAutoFit/>
+          </a:bodyPr>
+          <a:lstStyle/>
+          <a:p>
+            <a:r>
+              <a:rPr lang="en-US" sz="5400" dirty="0" err="1" smtClean="0"/>
+              <a:t>NodeJS</a:t>
+            </a:r>
+            <a:r>
+              <a:rPr lang="en-US" sz="5400" dirty="0" smtClean="0"/>
+              <a:t>- Server Side</a:t>
+            </a:r>
+            <a:endParaRPr lang="en-US" sz="5400" dirty="0"/>
+          </a:p>
+        </p:txBody>
+      </p:sp>
+      <p:sp>
+        <p:nvSpPr>
+          <p:cNvPr id="5" name="Rectangle 4"/>
+          <p:cNvSpPr/>
+          <p:nvPr/>
+        </p:nvSpPr>
+        <p:spPr>
+          <a:xfrm>
+            <a:off x="21200319" y="17257459"/>
+            <a:ext cx="7218643" cy="923330"/>
+          </a:xfrm>
+          <a:prstGeom prst="rect">
+            <a:avLst/>
+          </a:prstGeom>
+        </p:spPr>
+        <p:txBody>
+          <a:bodyPr wrap="none">
+            <a:spAutoFit/>
+          </a:bodyPr>
+          <a:lstStyle/>
+          <a:p>
+            <a:r>
+              <a:rPr lang="en-US" sz="5400" dirty="0"/>
+              <a:t>AngularJS – Client Side</a:t>
+            </a:r>
+            <a:endParaRPr lang="en-US" sz="5400" dirty="0"/>
           </a:p>
         </p:txBody>
       </p:sp>
@@ -3633,9 +7147,9 @@
 </file>
 
 <file path=ppt/theme/theme1.xml><?xml version="1.0" encoding="utf-8"?>
-<a:theme xmlns:a="http://schemas.openxmlformats.org/drawingml/2006/main" name="Office Theme">
+<a:theme xmlns:a="http://schemas.openxmlformats.org/drawingml/2006/main" name="Facet">
   <a:themeElements>
-    <a:clrScheme name="Office">
+    <a:clrScheme name="Custom 3">
       <a:dk1>
         <a:sysClr val="windowText" lastClr="000000"/>
       </a:dk1>
@@ -3643,80 +7157,46 @@
         <a:sysClr val="window" lastClr="FFFFFF"/>
       </a:lt1>
       <a:dk2>
-        <a:srgbClr val="1F497D"/>
+        <a:srgbClr val="DC5E00"/>
       </a:dk2>
       <a:lt2>
         <a:srgbClr val="EEECE1"/>
       </a:lt2>
       <a:accent1>
-        <a:srgbClr val="4F81BD"/>
+        <a:srgbClr val="E84C22"/>
       </a:accent1>
       <a:accent2>
-        <a:srgbClr val="C0504D"/>
+        <a:srgbClr val="FFBD47"/>
       </a:accent2>
       <a:accent3>
-        <a:srgbClr val="9BBB59"/>
+        <a:srgbClr val="B64926"/>
       </a:accent3>
       <a:accent4>
-        <a:srgbClr val="8064A2"/>
+        <a:srgbClr val="FF8427"/>
       </a:accent4>
       <a:accent5>
-        <a:srgbClr val="4BACC6"/>
+        <a:srgbClr val="CC9900"/>
       </a:accent5>
       <a:accent6>
-        <a:srgbClr val="F79646"/>
+        <a:srgbClr val="B22600"/>
       </a:accent6>
       <a:hlink>
-        <a:srgbClr val="0000FF"/>
+        <a:srgbClr val="CC9900"/>
       </a:hlink>
       <a:folHlink>
-        <a:srgbClr val="800080"/>
+        <a:srgbClr val="666699"/>
       </a:folHlink>
     </a:clrScheme>
-    <a:fontScheme name="Office">
+    <a:fontScheme name="Facet">
       <a:majorFont>
-        <a:latin typeface="Calibri"/>
+        <a:latin typeface="Trebuchet MS" panose="020B0603020202020204"/>
         <a:ea typeface=""/>
         <a:cs typeface=""/>
-        <a:font script="Jpan" typeface="ＭＳ Ｐゴシック"/>
+        <a:font script="Jpan" typeface="メイリオ"/>
         <a:font script="Hang" typeface="맑은 고딕"/>
-        <a:font script="Hans" typeface="宋体"/>
-        <a:font script="Hant" typeface="新細明體"/>
-        <a:font script="Arab" typeface="Times New Roman"/>
-        <a:font script="Hebr" typeface="Times New Roman"/>
-        <a:font script="Thai" typeface="Angsana New"/>
-        <a:font script="Ethi" typeface="Nyala"/>
-        <a:font script="Beng" typeface="Vrinda"/>
-        <a:font script="Gujr" typeface="Shruti"/>
-        <a:font script="Khmr" typeface="MoolBoran"/>
-        <a:font script="Knda" typeface="Tunga"/>
-        <a:font script="Guru" typeface="Raavi"/>
-        <a:font script="Cans" typeface="Euphemia"/>
-        <a:font script="Cher" typeface="Plantagenet Cherokee"/>
-        <a:font script="Yiii" typeface="Microsoft Yi Baiti"/>
-        <a:font script="Tibt" typeface="Microsoft Himalaya"/>
-        <a:font script="Thaa" typeface="MV Boli"/>
-        <a:font script="Deva" typeface="Mangal"/>
-        <a:font script="Telu" typeface="Gautami"/>
-        <a:font script="Taml" typeface="Latha"/>
-        <a:font script="Syrc" typeface="Estrangelo Edessa"/>
-        <a:font script="Orya" typeface="Kalinga"/>
-        <a:font script="Mlym" typeface="Kartika"/>
-        <a:font script="Laoo" typeface="DokChampa"/>
-        <a:font script="Sinh" typeface="Iskoola Pota"/>
-        <a:font script="Mong" typeface="Mongolian Baiti"/>
-        <a:font script="Viet" typeface="Times New Roman"/>
-        <a:font script="Uigh" typeface="Microsoft Uighur"/>
-      </a:majorFont>
-      <a:minorFont>
-        <a:latin typeface="Calibri"/>
-        <a:ea typeface=""/>
-        <a:cs typeface=""/>
-        <a:font script="Jpan" typeface="ＭＳ Ｐゴシック"/>
-        <a:font script="Hang" typeface="맑은 고딕"/>
-        <a:font script="Hans" typeface="宋体"/>
-        <a:font script="Hant" typeface="新細明體"/>
-        <a:font script="Arab" typeface="Arial"/>
+        <a:font script="Hans" typeface="方正姚体"/>
+        <a:font script="Hant" typeface="微軟正黑體"/>
+        <a:font script="Arab" typeface="Tahoma"/>
         <a:font script="Hebr" typeface="Arial"/>
         <a:font script="Thai" typeface="Cordia New"/>
         <a:font script="Ethi" typeface="Nyala"/>
@@ -3739,11 +7219,47 @@
         <a:font script="Laoo" typeface="DokChampa"/>
         <a:font script="Sinh" typeface="Iskoola Pota"/>
         <a:font script="Mong" typeface="Mongolian Baiti"/>
+        <a:font script="Viet" typeface="Tahoma"/>
+        <a:font script="Uigh" typeface="Microsoft Uighur"/>
+        <a:font script="Geor" typeface="Sylfaen"/>
+      </a:majorFont>
+      <a:minorFont>
+        <a:latin typeface="Trebuchet MS" panose="020B0603020202020204"/>
+        <a:ea typeface=""/>
+        <a:cs typeface=""/>
+        <a:font script="Jpan" typeface="メイリオ"/>
+        <a:font script="Hang" typeface="HY그래픽M"/>
+        <a:font script="Hans" typeface="华文新魏"/>
+        <a:font script="Hant" typeface="微軟正黑體"/>
+        <a:font script="Arab" typeface="Tahoma"/>
+        <a:font script="Hebr" typeface="Gisha"/>
+        <a:font script="Thai" typeface="IrisUPC"/>
+        <a:font script="Ethi" typeface="Nyala"/>
+        <a:font script="Beng" typeface="Vrinda"/>
+        <a:font script="Gujr" typeface="Shruti"/>
+        <a:font script="Khmr" typeface="DaunPenh"/>
+        <a:font script="Knda" typeface="Tunga"/>
+        <a:font script="Guru" typeface="Raavi"/>
+        <a:font script="Cans" typeface="Euphemia"/>
+        <a:font script="Cher" typeface="Plantagenet Cherokee"/>
+        <a:font script="Yiii" typeface="Microsoft Yi Baiti"/>
+        <a:font script="Tibt" typeface="Microsoft Himalaya"/>
+        <a:font script="Thaa" typeface="MV Boli"/>
+        <a:font script="Deva" typeface="Mangal"/>
+        <a:font script="Telu" typeface="Gautami"/>
+        <a:font script="Taml" typeface="Latha"/>
+        <a:font script="Syrc" typeface="Estrangelo Edessa"/>
+        <a:font script="Orya" typeface="Kalinga"/>
+        <a:font script="Mlym" typeface="Kartika"/>
+        <a:font script="Laoo" typeface="DokChampa"/>
+        <a:font script="Sinh" typeface="Iskoola Pota"/>
+        <a:font script="Mong" typeface="Mongolian Baiti"/>
         <a:font script="Viet" typeface="Arial"/>
         <a:font script="Uigh" typeface="Microsoft Uighur"/>
+        <a:font script="Geor" typeface="Sylfaen"/>
       </a:minorFont>
     </a:fontScheme>
-    <a:fmtScheme name="Office">
+    <a:fmtScheme name="Facet">
       <a:fillStyleLst>
         <a:solidFill>
           <a:schemeClr val="phClr"/>
@@ -3752,66 +7268,50 @@
           <a:gsLst>
             <a:gs pos="0">
               <a:schemeClr val="phClr">
-                <a:tint val="50000"/>
-                <a:satMod val="300000"/>
+                <a:tint val="65000"/>
+                <a:lumMod val="110000"/>
               </a:schemeClr>
             </a:gs>
-            <a:gs pos="35000">
+            <a:gs pos="88000">
               <a:schemeClr val="phClr">
-                <a:tint val="37000"/>
-                <a:satMod val="300000"/>
-              </a:schemeClr>
-            </a:gs>
-            <a:gs pos="100000">
-              <a:schemeClr val="phClr">
-                <a:tint val="15000"/>
-                <a:satMod val="350000"/>
+                <a:tint val="90000"/>
               </a:schemeClr>
             </a:gs>
           </a:gsLst>
-          <a:lin ang="16200000" scaled="1"/>
+          <a:lin ang="5400000" scaled="0"/>
         </a:gradFill>
         <a:gradFill rotWithShape="1">
           <a:gsLst>
             <a:gs pos="0">
               <a:schemeClr val="phClr">
-                <a:shade val="51000"/>
-                <a:satMod val="130000"/>
+                <a:tint val="96000"/>
+                <a:lumMod val="100000"/>
               </a:schemeClr>
             </a:gs>
-            <a:gs pos="80000">
-              <a:schemeClr val="phClr">
-                <a:shade val="93000"/>
-                <a:satMod val="130000"/>
-              </a:schemeClr>
-            </a:gs>
-            <a:gs pos="100000">
+            <a:gs pos="78000">
               <a:schemeClr val="phClr">
                 <a:shade val="94000"/>
-                <a:satMod val="135000"/>
+                <a:lumMod val="94000"/>
               </a:schemeClr>
             </a:gs>
           </a:gsLst>
-          <a:lin ang="16200000" scaled="0"/>
+          <a:lin ang="5400000" scaled="0"/>
         </a:gradFill>
       </a:fillStyleLst>
       <a:lnStyleLst>
-        <a:ln w="9525" cap="flat" cmpd="sng" algn="ctr">
-          <a:solidFill>
-            <a:schemeClr val="phClr">
-              <a:shade val="95000"/>
-              <a:satMod val="105000"/>
-            </a:schemeClr>
-          </a:solidFill>
-          <a:prstDash val="solid"/>
-        </a:ln>
-        <a:ln w="25400" cap="flat" cmpd="sng" algn="ctr">
+        <a:ln w="12700" cap="rnd" cmpd="sng" algn="ctr">
           <a:solidFill>
             <a:schemeClr val="phClr"/>
           </a:solidFill>
           <a:prstDash val="solid"/>
         </a:ln>
-        <a:ln w="38100" cap="flat" cmpd="sng" algn="ctr">
+        <a:ln w="19050" cap="rnd" cmpd="sng" algn="ctr">
+          <a:solidFill>
+            <a:schemeClr val="phClr"/>
+          </a:solidFill>
+          <a:prstDash val="solid"/>
+        </a:ln>
+        <a:ln w="25400" cap="rnd" cmpd="sng" algn="ctr">
           <a:solidFill>
             <a:schemeClr val="phClr"/>
           </a:solidFill>
@@ -3820,17 +7320,11 @@
       </a:lnStyleLst>
       <a:effectStyleLst>
         <a:effectStyle>
-          <a:effectLst>
-            <a:outerShdw blurRad="40000" dist="20000" dir="5400000" rotWithShape="0">
-              <a:srgbClr val="000000">
-                <a:alpha val="38000"/>
-              </a:srgbClr>
-            </a:outerShdw>
-          </a:effectLst>
+          <a:effectLst/>
         </a:effectStyle>
         <a:effectStyle>
           <a:effectLst>
-            <a:outerShdw blurRad="40000" dist="23000" dir="5400000" rotWithShape="0">
+            <a:outerShdw blurRad="38100" dist="25400" dir="5400000" rotWithShape="0">
               <a:srgbClr val="000000">
                 <a:alpha val="35000"/>
               </a:srgbClr>
@@ -3839,7 +7333,7 @@
         </a:effectStyle>
         <a:effectStyle>
           <a:effectLst>
-            <a:outerShdw blurRad="40000" dist="23000" dir="5400000" rotWithShape="0">
+            <a:outerShdw blurRad="50800" dist="38100" dir="5400000" rotWithShape="0">
               <a:srgbClr val="000000">
                 <a:alpha val="35000"/>
               </a:srgbClr>
@@ -3849,12 +7343,10 @@
             <a:camera prst="orthographicFront">
               <a:rot lat="0" lon="0" rev="0"/>
             </a:camera>
-            <a:lightRig rig="threePt" dir="t">
-              <a:rot lat="0" lon="0" rev="1200000"/>
-            </a:lightRig>
+            <a:lightRig rig="threePt" dir="tl"/>
           </a:scene3d>
-          <a:sp3d>
-            <a:bevelT w="63500" h="25400"/>
+          <a:sp3d prstMaterial="plastic">
+            <a:bevelT w="0" h="0"/>
           </a:sp3d>
         </a:effectStyle>
       </a:effectStyleLst>
@@ -3866,45 +7358,36 @@
           <a:gsLst>
             <a:gs pos="0">
               <a:schemeClr val="phClr">
-                <a:tint val="40000"/>
-                <a:satMod val="350000"/>
+                <a:tint val="90000"/>
+                <a:lumMod val="104000"/>
               </a:schemeClr>
             </a:gs>
-            <a:gs pos="40000">
+            <a:gs pos="94000">
               <a:schemeClr val="phClr">
-                <a:tint val="45000"/>
-                <a:shade val="99000"/>
-                <a:satMod val="350000"/>
-              </a:schemeClr>
-            </a:gs>
-            <a:gs pos="100000">
-              <a:schemeClr val="phClr">
-                <a:shade val="20000"/>
-                <a:satMod val="255000"/>
+                <a:shade val="96000"/>
+                <a:lumMod val="82000"/>
               </a:schemeClr>
             </a:gs>
           </a:gsLst>
-          <a:path path="circle">
-            <a:fillToRect l="50000" t="-80000" r="50000" b="180000"/>
-          </a:path>
+          <a:lin ang="5400000" scaled="0"/>
         </a:gradFill>
         <a:gradFill rotWithShape="1">
           <a:gsLst>
             <a:gs pos="0">
               <a:schemeClr val="phClr">
-                <a:tint val="80000"/>
-                <a:satMod val="300000"/>
+                <a:tint val="90000"/>
+                <a:lumMod val="110000"/>
               </a:schemeClr>
             </a:gs>
             <a:gs pos="100000">
               <a:schemeClr val="phClr">
-                <a:shade val="30000"/>
-                <a:satMod val="200000"/>
+                <a:shade val="94000"/>
+                <a:lumMod val="96000"/>
               </a:schemeClr>
             </a:gs>
           </a:gsLst>
           <a:path path="circle">
-            <a:fillToRect l="50000" t="50000" r="50000" b="50000"/>
+            <a:fillToRect l="50000" t="50000" r="100000" b="100000"/>
           </a:path>
         </a:gradFill>
       </a:bgFillStyleLst>
@@ -3912,5 +7395,10 @@
   </a:themeElements>
   <a:objectDefaults/>
   <a:extraClrSchemeLst/>
+  <a:extLst>
+    <a:ext uri="{05A4C25C-085E-4340-85A3-A5531E510DB2}">
+      <thm15:themeFamily xmlns:thm15="http://schemas.microsoft.com/office/thememl/2012/main" name="Facet" id="{C0C680CD-088A-49FC-A102-D699147F32B2}" vid="{CFBC31BA-B70F-4F30-BCAA-4F3011E16C4D}"/>
+    </a:ext>
+  </a:extLst>
 </a:theme>
 </file>
--- a/Documentation/Presentations/CS499_16Sp_Poster_Hotspotter.pptx
+++ b/Documentation/Presentations/CS499_16Sp_Poster_Hotspotter.pptx
@@ -13,7 +13,7 @@
     <a:defPPr>
       <a:defRPr lang="en-US"/>
     </a:defPPr>
-    <a:lvl1pPr marL="0" algn="l" defTabSz="3135020" rtl="0" eaLnBrk="1" latinLnBrk="0" hangingPunct="1">
+    <a:lvl1pPr marL="0" algn="l" defTabSz="3133457" rtl="0" eaLnBrk="1" latinLnBrk="0" hangingPunct="1">
       <a:defRPr sz="6200" kern="1200">
         <a:solidFill>
           <a:schemeClr val="tx1"/>
@@ -23,7 +23,7 @@
         <a:cs typeface="+mn-cs"/>
       </a:defRPr>
     </a:lvl1pPr>
-    <a:lvl2pPr marL="1567510" algn="l" defTabSz="3135020" rtl="0" eaLnBrk="1" latinLnBrk="0" hangingPunct="1">
+    <a:lvl2pPr marL="1566729" algn="l" defTabSz="3133457" rtl="0" eaLnBrk="1" latinLnBrk="0" hangingPunct="1">
       <a:defRPr sz="6200" kern="1200">
         <a:solidFill>
           <a:schemeClr val="tx1"/>
@@ -33,7 +33,7 @@
         <a:cs typeface="+mn-cs"/>
       </a:defRPr>
     </a:lvl2pPr>
-    <a:lvl3pPr marL="3135020" algn="l" defTabSz="3135020" rtl="0" eaLnBrk="1" latinLnBrk="0" hangingPunct="1">
+    <a:lvl3pPr marL="3133457" algn="l" defTabSz="3133457" rtl="0" eaLnBrk="1" latinLnBrk="0" hangingPunct="1">
       <a:defRPr sz="6200" kern="1200">
         <a:solidFill>
           <a:schemeClr val="tx1"/>
@@ -43,7 +43,7 @@
         <a:cs typeface="+mn-cs"/>
       </a:defRPr>
     </a:lvl3pPr>
-    <a:lvl4pPr marL="4702531" algn="l" defTabSz="3135020" rtl="0" eaLnBrk="1" latinLnBrk="0" hangingPunct="1">
+    <a:lvl4pPr marL="4700186" algn="l" defTabSz="3133457" rtl="0" eaLnBrk="1" latinLnBrk="0" hangingPunct="1">
       <a:defRPr sz="6200" kern="1200">
         <a:solidFill>
           <a:schemeClr val="tx1"/>
@@ -53,7 +53,7 @@
         <a:cs typeface="+mn-cs"/>
       </a:defRPr>
     </a:lvl4pPr>
-    <a:lvl5pPr marL="6270041" algn="l" defTabSz="3135020" rtl="0" eaLnBrk="1" latinLnBrk="0" hangingPunct="1">
+    <a:lvl5pPr marL="6266914" algn="l" defTabSz="3133457" rtl="0" eaLnBrk="1" latinLnBrk="0" hangingPunct="1">
       <a:defRPr sz="6200" kern="1200">
         <a:solidFill>
           <a:schemeClr val="tx1"/>
@@ -63,7 +63,7 @@
         <a:cs typeface="+mn-cs"/>
       </a:defRPr>
     </a:lvl5pPr>
-    <a:lvl6pPr marL="7837551" algn="l" defTabSz="3135020" rtl="0" eaLnBrk="1" latinLnBrk="0" hangingPunct="1">
+    <a:lvl6pPr marL="7833643" algn="l" defTabSz="3133457" rtl="0" eaLnBrk="1" latinLnBrk="0" hangingPunct="1">
       <a:defRPr sz="6200" kern="1200">
         <a:solidFill>
           <a:schemeClr val="tx1"/>
@@ -73,7 +73,7 @@
         <a:cs typeface="+mn-cs"/>
       </a:defRPr>
     </a:lvl6pPr>
-    <a:lvl7pPr marL="9405061" algn="l" defTabSz="3135020" rtl="0" eaLnBrk="1" latinLnBrk="0" hangingPunct="1">
+    <a:lvl7pPr marL="9400371" algn="l" defTabSz="3133457" rtl="0" eaLnBrk="1" latinLnBrk="0" hangingPunct="1">
       <a:defRPr sz="6200" kern="1200">
         <a:solidFill>
           <a:schemeClr val="tx1"/>
@@ -83,7 +83,7 @@
         <a:cs typeface="+mn-cs"/>
       </a:defRPr>
     </a:lvl7pPr>
-    <a:lvl8pPr marL="10972571" algn="l" defTabSz="3135020" rtl="0" eaLnBrk="1" latinLnBrk="0" hangingPunct="1">
+    <a:lvl8pPr marL="10967100" algn="l" defTabSz="3133457" rtl="0" eaLnBrk="1" latinLnBrk="0" hangingPunct="1">
       <a:defRPr sz="6200" kern="1200">
         <a:solidFill>
           <a:schemeClr val="tx1"/>
@@ -93,7 +93,7 @@
         <a:cs typeface="+mn-cs"/>
       </a:defRPr>
     </a:lvl8pPr>
-    <a:lvl9pPr marL="12540082" algn="l" defTabSz="3135020" rtl="0" eaLnBrk="1" latinLnBrk="0" hangingPunct="1">
+    <a:lvl9pPr marL="12533828" algn="l" defTabSz="3133457" rtl="0" eaLnBrk="1" latinLnBrk="0" hangingPunct="1">
       <a:defRPr sz="6200" kern="1200">
         <a:solidFill>
           <a:schemeClr val="tx1"/>
@@ -106,7 +106,7 @@
   </p:defaultTextStyle>
   <p:extLst>
     <p:ext uri="{EFAFB233-063F-42B5-8137-9DF3F51BA10A}">
-      <p15:sldGuideLst xmlns:p15="http://schemas.microsoft.com/office/powerpoint/2012/main">
+      <p15:sldGuideLst xmlns:p15="http://schemas.microsoft.com/office/powerpoint/2012/main" xmlns="">
         <p15:guide id="1" orient="horz" pos="6912">
           <p15:clr>
             <a:srgbClr val="A4A3A4"/>
@@ -918,7 +918,7 @@
             <a:fld id="{1D8BD707-D9CF-40AE-B4C6-C98DA3205C09}" type="datetimeFigureOut">
               <a:rPr lang="en-US" smtClean="0"/>
               <a:pPr/>
-              <a:t>03/23/2016</a:t>
+              <a:t>3/24/16</a:t>
             </a:fld>
             <a:endParaRPr lang="en-US"/>
           </a:p>
@@ -1171,7 +1171,7 @@
             <a:fld id="{1D8BD707-D9CF-40AE-B4C6-C98DA3205C09}" type="datetimeFigureOut">
               <a:rPr lang="en-US" smtClean="0"/>
               <a:pPr/>
-              <a:t>03/23/2016</a:t>
+              <a:t>3/24/16</a:t>
             </a:fld>
             <a:endParaRPr lang="en-US"/>
           </a:p>
@@ -1487,7 +1487,7 @@
             <a:fld id="{1D8BD707-D9CF-40AE-B4C6-C98DA3205C09}" type="datetimeFigureOut">
               <a:rPr lang="en-US" smtClean="0"/>
               <a:pPr/>
-              <a:t>03/23/2016</a:t>
+              <a:t>3/24/16</a:t>
             </a:fld>
             <a:endParaRPr lang="en-US"/>
           </a:p>
@@ -1822,7 +1822,7 @@
             <a:fld id="{1D8BD707-D9CF-40AE-B4C6-C98DA3205C09}" type="datetimeFigureOut">
               <a:rPr lang="en-US" smtClean="0"/>
               <a:pPr/>
-              <a:t>03/23/2016</a:t>
+              <a:t>3/24/16</a:t>
             </a:fld>
             <a:endParaRPr lang="en-US"/>
           </a:p>
@@ -2138,7 +2138,7 @@
             <a:fld id="{1D8BD707-D9CF-40AE-B4C6-C98DA3205C09}" type="datetimeFigureOut">
               <a:rPr lang="en-US" smtClean="0"/>
               <a:pPr/>
-              <a:t>03/23/2016</a:t>
+              <a:t>3/24/16</a:t>
             </a:fld>
             <a:endParaRPr lang="en-US"/>
           </a:p>
@@ -2533,7 +2533,7 @@
             <a:fld id="{1D8BD707-D9CF-40AE-B4C6-C98DA3205C09}" type="datetimeFigureOut">
               <a:rPr lang="en-US" smtClean="0"/>
               <a:pPr/>
-              <a:t>03/23/2016</a:t>
+              <a:t>3/24/16</a:t>
             </a:fld>
             <a:endParaRPr lang="en-US"/>
           </a:p>
@@ -2705,7 +2705,7 @@
             <a:fld id="{1D8BD707-D9CF-40AE-B4C6-C98DA3205C09}" type="datetimeFigureOut">
               <a:rPr lang="en-US" smtClean="0"/>
               <a:pPr/>
-              <a:t>03/23/2016</a:t>
+              <a:t>3/24/16</a:t>
             </a:fld>
             <a:endParaRPr lang="en-US"/>
           </a:p>
@@ -2887,7 +2887,7 @@
             <a:fld id="{1D8BD707-D9CF-40AE-B4C6-C98DA3205C09}" type="datetimeFigureOut">
               <a:rPr lang="en-US" smtClean="0"/>
               <a:pPr/>
-              <a:t>03/23/2016</a:t>
+              <a:t>3/24/16</a:t>
             </a:fld>
             <a:endParaRPr lang="en-US"/>
           </a:p>
@@ -3476,7 +3476,7 @@
             <a:fld id="{1D8BD707-D9CF-40AE-B4C6-C98DA3205C09}" type="datetimeFigureOut">
               <a:rPr lang="en-US" smtClean="0"/>
               <a:pPr/>
-              <a:t>03/23/2016</a:t>
+              <a:t>3/24/16</a:t>
             </a:fld>
             <a:endParaRPr lang="en-US"/>
           </a:p>
@@ -3725,7 +3725,7 @@
             <a:fld id="{1D8BD707-D9CF-40AE-B4C6-C98DA3205C09}" type="datetimeFigureOut">
               <a:rPr lang="en-US" smtClean="0"/>
               <a:pPr/>
-              <a:t>03/23/2016</a:t>
+              <a:t>3/24/16</a:t>
             </a:fld>
             <a:endParaRPr lang="en-US"/>
           </a:p>
@@ -4024,7 +4024,7 @@
             <a:fld id="{1D8BD707-D9CF-40AE-B4C6-C98DA3205C09}" type="datetimeFigureOut">
               <a:rPr lang="en-US" smtClean="0"/>
               <a:pPr/>
-              <a:t>03/23/2016</a:t>
+              <a:t>3/24/16</a:t>
             </a:fld>
             <a:endParaRPr lang="en-US"/>
           </a:p>
@@ -4405,7 +4405,7 @@
             <a:fld id="{1D8BD707-D9CF-40AE-B4C6-C98DA3205C09}" type="datetimeFigureOut">
               <a:rPr lang="en-US" smtClean="0"/>
               <a:pPr/>
-              <a:t>03/23/2016</a:t>
+              <a:t>3/24/16</a:t>
             </a:fld>
             <a:endParaRPr lang="en-US"/>
           </a:p>
@@ -4530,7 +4530,7 @@
             <a:fld id="{1D8BD707-D9CF-40AE-B4C6-C98DA3205C09}" type="datetimeFigureOut">
               <a:rPr lang="en-US" smtClean="0"/>
               <a:pPr/>
-              <a:t>03/23/2016</a:t>
+              <a:t>3/24/16</a:t>
             </a:fld>
             <a:endParaRPr lang="en-US"/>
           </a:p>
@@ -4627,7 +4627,7 @@
             <a:fld id="{1D8BD707-D9CF-40AE-B4C6-C98DA3205C09}" type="datetimeFigureOut">
               <a:rPr lang="en-US" smtClean="0"/>
               <a:pPr/>
-              <a:t>03/23/2016</a:t>
+              <a:t>3/24/16</a:t>
             </a:fld>
             <a:endParaRPr lang="en-US"/>
           </a:p>
@@ -4884,7 +4884,7 @@
             <a:fld id="{1D8BD707-D9CF-40AE-B4C6-C98DA3205C09}" type="datetimeFigureOut">
               <a:rPr lang="en-US" smtClean="0"/>
               <a:pPr/>
-              <a:t>03/23/2016</a:t>
+              <a:t>3/24/16</a:t>
             </a:fld>
             <a:endParaRPr lang="en-US"/>
           </a:p>
@@ -5149,7 +5149,7 @@
             <a:fld id="{1D8BD707-D9CF-40AE-B4C6-C98DA3205C09}" type="datetimeFigureOut">
               <a:rPr lang="en-US" smtClean="0"/>
               <a:pPr/>
-              <a:t>03/23/2016</a:t>
+              <a:t>3/24/16</a:t>
             </a:fld>
             <a:endParaRPr lang="en-US"/>
           </a:p>
@@ -5965,7 +5965,7 @@
             <a:fld id="{1D8BD707-D9CF-40AE-B4C6-C98DA3205C09}" type="datetimeFigureOut">
               <a:rPr lang="en-US" smtClean="0"/>
               <a:pPr/>
-              <a:t>03/23/2016</a:t>
+              <a:t>3/24/16</a:t>
             </a:fld>
             <a:endParaRPr lang="en-US"/>
           </a:p>
@@ -6516,8 +6516,8 @@
         </p:blipFill>
         <p:spPr>
           <a:xfrm>
-            <a:off x="0" y="609600"/>
-            <a:ext cx="6934200" cy="3657600"/>
+            <a:off x="6" y="609600"/>
+            <a:ext cx="6934201" cy="3657600"/>
           </a:xfrm>
         </p:spPr>
       </p:pic>
@@ -6533,7 +6533,7 @@
         </p:nvSpPr>
         <p:spPr>
           <a:xfrm>
-            <a:off x="9715500" y="803564"/>
+            <a:off x="9715500" y="803565"/>
             <a:ext cx="24003000" cy="3657600"/>
           </a:xfrm>
         </p:spPr>
@@ -6544,10 +6544,24 @@
           <a:lstStyle/>
           <a:p>
             <a:r>
-              <a:rPr lang="en-US" sz="20000" dirty="0" smtClean="0"/>
+              <a:rPr lang="en-US" sz="19900" dirty="0">
+                <a:solidFill>
+                  <a:schemeClr val="tx1">
+                    <a:lumMod val="85000"/>
+                    <a:lumOff val="15000"/>
+                  </a:schemeClr>
+                </a:solidFill>
+              </a:rPr>
               <a:t>Hotspotter</a:t>
             </a:r>
-            <a:endParaRPr lang="en-US" sz="20000" dirty="0"/>
+            <a:endParaRPr lang="en-US" sz="19900" dirty="0">
+              <a:solidFill>
+                <a:schemeClr val="tx1">
+                  <a:lumMod val="85000"/>
+                  <a:lumOff val="15000"/>
+                </a:schemeClr>
+              </a:solidFill>
+            </a:endParaRPr>
           </a:p>
         </p:txBody>
       </p:sp>
@@ -6563,32 +6577,90 @@
         </p:nvSpPr>
         <p:spPr>
           <a:xfrm>
-            <a:off x="762000" y="6781800"/>
-            <a:ext cx="11811000" cy="6934200"/>
+            <a:off x="762007" y="6324603"/>
+            <a:ext cx="11810999" cy="7772400"/>
           </a:xfrm>
         </p:spPr>
         <p:txBody>
           <a:bodyPr>
-            <a:normAutofit/>
+            <a:normAutofit fontScale="92500"/>
           </a:bodyPr>
           <a:lstStyle/>
           <a:p>
             <a:r>
-              <a:rPr lang="en-US" sz="5000" b="0" dirty="0"/>
+              <a:rPr lang="en-US" sz="4100" b="0" dirty="0"/>
               <a:t>Hotspotter is a web application used for early prediction of bugs in software. </a:t>
             </a:r>
-            <a:endParaRPr lang="en-US" sz="5000" b="0" dirty="0" smtClean="0"/>
-          </a:p>
-          <a:p>
-            <a:r>
-              <a:rPr lang="en-US" sz="5000" b="0" dirty="0" smtClean="0"/>
+            <a:endParaRPr lang="en-US" sz="4100" b="0" dirty="0"/>
+          </a:p>
+          <a:p>
+            <a:r>
+              <a:rPr lang="en-US" sz="4100" b="0" dirty="0"/>
               <a:t>This is accomplished</a:t>
             </a:r>
             <a:r>
-              <a:rPr lang="en-US" sz="5000" b="0" dirty="0"/>
-              <a:t> by detecting areas of instability called 'hotspots'. Hotspots are determined by analyzing the type and frequency of changes made to the project's files.</a:t>
-            </a:r>
-            <a:endParaRPr lang="en-US" sz="5000" dirty="0"/>
+              <a:rPr lang="en-US" sz="4100" b="0" dirty="0"/>
+              <a:t> by detecting areas of instability called 'hotspots'. Hotspots are determined by analyzing the type and frequency of changes made to the project's </a:t>
+            </a:r>
+            <a:r>
+              <a:rPr lang="en-US" sz="4100" b="0" dirty="0"/>
+              <a:t>repository.</a:t>
+            </a:r>
+          </a:p>
+          <a:p>
+            <a:r>
+              <a:rPr lang="en-US" sz="4100" b="0" dirty="0"/>
+              <a:t>Objectives</a:t>
+            </a:r>
+          </a:p>
+          <a:p>
+            <a:pPr marL="571212" indent="-571212">
+              <a:lnSpc>
+                <a:spcPct val="80000"/>
+              </a:lnSpc>
+              <a:buFont typeface="Arial"/>
+              <a:buChar char="•"/>
+            </a:pPr>
+            <a:r>
+              <a:rPr lang="en-US" sz="4100" b="0" dirty="0"/>
+              <a:t>Give predictions of problematic areas of code.</a:t>
+            </a:r>
+          </a:p>
+          <a:p>
+            <a:pPr marL="571212" indent="-571212">
+              <a:lnSpc>
+                <a:spcPct val="80000"/>
+              </a:lnSpc>
+              <a:buFont typeface="Arial"/>
+              <a:buChar char="•"/>
+            </a:pPr>
+            <a:r>
+              <a:rPr lang="en-US" sz="4100" b="0" dirty="0"/>
+              <a:t>Repository quality improvements.</a:t>
+            </a:r>
+          </a:p>
+          <a:p>
+            <a:pPr marL="571212" indent="-571212">
+              <a:lnSpc>
+                <a:spcPct val="80000"/>
+              </a:lnSpc>
+              <a:buFont typeface="Arial"/>
+              <a:buChar char="•"/>
+            </a:pPr>
+            <a:r>
+              <a:rPr lang="en-US" sz="4100" b="0" dirty="0"/>
+              <a:t>Repository metadata scanner for future analyzing.</a:t>
+            </a:r>
+          </a:p>
+          <a:p>
+            <a:pPr marL="571212" indent="-571212">
+              <a:buFont typeface="Arial"/>
+              <a:buChar char="•"/>
+            </a:pPr>
+            <a:endParaRPr lang="en-US" sz="4100" b="0" dirty="0"/>
+          </a:p>
+          <a:p>
+            <a:endParaRPr lang="en-US" sz="5100" dirty="0"/>
           </a:p>
         </p:txBody>
       </p:sp>
@@ -6604,8 +6676,8 @@
         </p:nvSpPr>
         <p:spPr>
           <a:xfrm>
-            <a:off x="762000" y="4994564"/>
-            <a:ext cx="19659600" cy="1447800"/>
+            <a:off x="762001" y="4994563"/>
+            <a:ext cx="19659600" cy="1447802"/>
           </a:xfrm>
         </p:spPr>
         <p:txBody>
@@ -6672,8 +6744,8 @@
         </p:nvSpPr>
         <p:spPr>
           <a:xfrm>
-            <a:off x="18419617" y="4986841"/>
-            <a:ext cx="13563600" cy="1447800"/>
+            <a:off x="18419622" y="4986841"/>
+            <a:ext cx="13563601" cy="1447802"/>
           </a:xfrm>
         </p:spPr>
         <p:txBody>
@@ -6696,7 +6768,6 @@
               <a:rPr lang="en-US" dirty="0"/>
               <a:t>Department of Computer Science</a:t>
             </a:r>
-            <a:endParaRPr lang="en-US" dirty="0"/>
           </a:p>
         </p:txBody>
       </p:sp>
@@ -6712,8 +6783,8 @@
         </p:nvSpPr>
         <p:spPr>
           <a:xfrm>
-            <a:off x="1828800" y="13651937"/>
-            <a:ext cx="10210800" cy="7162800"/>
+            <a:off x="1676407" y="14766408"/>
+            <a:ext cx="10210799" cy="7162800"/>
           </a:xfrm>
         </p:spPr>
         <p:txBody>
@@ -6722,36 +6793,36 @@
           </a:bodyPr>
           <a:lstStyle/>
           <a:p>
-            <a:pPr marL="857250" indent="-857250">
+            <a:pPr marL="856823" indent="-856823">
               <a:buFont typeface="Arial" panose="020B0604020202020204" pitchFamily="34" charset="0"/>
               <a:buChar char="•"/>
             </a:pPr>
             <a:r>
-              <a:rPr lang="en-US" dirty="0"/>
+              <a:rPr lang="en-US" sz="6900" dirty="0"/>
               <a:t>Using the Semi-Agile Software Engineering (SAGE) process, a Scrum-like process with ten two-week </a:t>
             </a:r>
             <a:r>
-              <a:rPr lang="en-US" dirty="0" smtClean="0"/>
+              <a:rPr lang="en-US" sz="6900" dirty="0" smtClean="0"/>
               <a:t>sprints.</a:t>
             </a:r>
           </a:p>
           <a:p>
-            <a:pPr marL="857250" indent="-857250">
+            <a:pPr marL="856823" indent="-856823">
               <a:buFont typeface="Arial" panose="020B0604020202020204" pitchFamily="34" charset="0"/>
               <a:buChar char="•"/>
             </a:pPr>
             <a:r>
-              <a:rPr lang="en-US" dirty="0" smtClean="0"/>
+              <a:rPr lang="en-US" sz="6900" dirty="0" smtClean="0"/>
               <a:t>Development Operations: Automated build and deploying mechanisms.</a:t>
             </a:r>
           </a:p>
           <a:p>
-            <a:pPr marL="857250" indent="-857250">
+            <a:pPr marL="856823" indent="-856823">
               <a:buFont typeface="Arial" panose="020B0604020202020204" pitchFamily="34" charset="0"/>
               <a:buChar char="•"/>
             </a:pPr>
             <a:r>
-              <a:rPr lang="en-US" dirty="0" smtClean="0"/>
+              <a:rPr lang="en-US" sz="6900" dirty="0" smtClean="0"/>
               <a:t>Total Estimated Hours Until Completion: 23</a:t>
             </a:r>
           </a:p>
@@ -6759,7 +6830,7 @@
             <a:endParaRPr lang="en-US" dirty="0" smtClean="0"/>
           </a:p>
           <a:p>
-            <a:pPr marL="857250" indent="-857250">
+            <a:pPr marL="856823" indent="-856823">
               <a:buFont typeface="Arial" panose="020B0604020202020204" pitchFamily="34" charset="0"/>
               <a:buChar char="•"/>
             </a:pPr>
@@ -6779,8 +6850,8 @@
         </p:nvSpPr>
         <p:spPr>
           <a:xfrm>
-            <a:off x="13182600" y="6781800"/>
-            <a:ext cx="17373600" cy="6934200"/>
+            <a:off x="12573000" y="6629398"/>
+            <a:ext cx="17373600" cy="6934202"/>
           </a:xfrm>
         </p:spPr>
         <p:txBody>
@@ -6790,30 +6861,35 @@
           <a:lstStyle/>
           <a:p>
             <a:r>
-              <a:rPr lang="en-US" sz="5400" dirty="0" smtClean="0"/>
-              <a:t>A full web application built with the MEAN stack that allows a user to checkout any public </a:t>
-            </a:r>
-            <a:r>
-              <a:rPr lang="en-US" sz="5400" dirty="0" err="1" smtClean="0"/>
-              <a:t>git</a:t>
-            </a:r>
-            <a:r>
-              <a:rPr lang="en-US" sz="5400" dirty="0" smtClean="0"/>
-              <a:t> repository and scan it to find potential problematic areas. </a:t>
-            </a:r>
-          </a:p>
-          <a:p>
-            <a:r>
-              <a:rPr lang="en-US" sz="5400" dirty="0" smtClean="0"/>
-              <a:t>The user will be able to export their results to better correlate their data.</a:t>
-            </a:r>
-          </a:p>
-          <a:p>
-            <a:r>
-              <a:rPr lang="en-US" sz="5400" dirty="0" smtClean="0"/>
-              <a:t>The objective of this tool is to add confidence to the quality of a repository and prevent future bugs.</a:t>
-            </a:r>
-            <a:endParaRPr lang="en-US" sz="5400" dirty="0"/>
+              <a:rPr lang="en-US" sz="4800" dirty="0" err="1"/>
+              <a:t>Hotspotter</a:t>
+            </a:r>
+            <a:r>
+              <a:rPr lang="en-US" sz="4800" dirty="0"/>
+              <a:t> is a full web application built with the MEAN stack. Which uses a client/server architecture with </a:t>
+            </a:r>
+            <a:r>
+              <a:rPr lang="en-US" sz="4800" dirty="0" err="1"/>
+              <a:t>MongoDB</a:t>
+            </a:r>
+            <a:r>
+              <a:rPr lang="en-US" sz="4800" dirty="0"/>
+              <a:t> as its </a:t>
+            </a:r>
+            <a:r>
+              <a:rPr lang="en-US" sz="4800" dirty="0" err="1"/>
+              <a:t>datastore</a:t>
+            </a:r>
+            <a:r>
+              <a:rPr lang="en-US" sz="4800" dirty="0"/>
+              <a:t>. </a:t>
+            </a:r>
+          </a:p>
+          <a:p>
+            <a:endParaRPr lang="en-US" sz="5500" dirty="0"/>
+          </a:p>
+          <a:p>
+            <a:endParaRPr lang="en-US" sz="5500" dirty="0"/>
           </a:p>
         </p:txBody>
       </p:sp>
@@ -6825,8 +6901,8 @@
         </p:nvSpPr>
         <p:spPr>
           <a:xfrm rot="721562">
-            <a:off x="1555571" y="1702352"/>
-            <a:ext cx="5867400" cy="1046440"/>
+            <a:off x="1555576" y="1702376"/>
+            <a:ext cx="5867399" cy="1046396"/>
           </a:xfrm>
           <a:prstGeom prst="rect">
             <a:avLst/>
@@ -6834,7 +6910,7 @@
           <a:noFill/>
         </p:spPr>
         <p:txBody>
-          <a:bodyPr wrap="square" rtlCol="0">
+          <a:bodyPr wrap="square" lIns="91394" tIns="45698" rIns="91394" bIns="45698" rtlCol="0">
             <a:spAutoFit/>
           </a:bodyPr>
           <a:lstStyle/>
@@ -6867,8 +6943,8 @@
         </p:nvSpPr>
         <p:spPr>
           <a:xfrm>
-            <a:off x="15625478" y="14020800"/>
-            <a:ext cx="10515600" cy="1046440"/>
+            <a:off x="14554200" y="15925800"/>
+            <a:ext cx="10515600" cy="830952"/>
           </a:xfrm>
           <a:prstGeom prst="rect">
             <a:avLst/>
@@ -6876,17 +6952,17 @@
           <a:noFill/>
         </p:spPr>
         <p:txBody>
-          <a:bodyPr wrap="square" rtlCol="0">
+          <a:bodyPr wrap="square" lIns="91394" tIns="45698" rIns="91394" bIns="45698" rtlCol="0">
             <a:spAutoFit/>
           </a:bodyPr>
           <a:lstStyle/>
           <a:p>
             <a:pPr algn="ctr"/>
             <a:r>
-              <a:rPr lang="en-US" dirty="0" smtClean="0"/>
+              <a:rPr lang="en-US" sz="4800" dirty="0" smtClean="0"/>
               <a:t>The MEAN Tech Stack</a:t>
             </a:r>
-            <a:endParaRPr lang="en-US" dirty="0"/>
+            <a:endParaRPr lang="en-US" sz="4800" dirty="0"/>
           </a:p>
         </p:txBody>
       </p:sp>
@@ -6912,8 +6988,8 @@
         </p:blipFill>
         <p:spPr>
           <a:xfrm>
-            <a:off x="15952762" y="15068052"/>
-            <a:ext cx="3713018" cy="1094174"/>
+            <a:off x="15468600" y="16611600"/>
+            <a:ext cx="3721680" cy="1096726"/>
           </a:xfrm>
           <a:prstGeom prst="rect">
             <a:avLst/>
@@ -6942,8 +7018,8 @@
         </p:blipFill>
         <p:spPr>
           <a:xfrm>
-            <a:off x="15932727" y="16202764"/>
-            <a:ext cx="3733053" cy="1054695"/>
+            <a:off x="15468600" y="17754600"/>
+            <a:ext cx="3741764" cy="1057155"/>
           </a:xfrm>
           <a:prstGeom prst="rect">
             <a:avLst/>
@@ -6972,8 +7048,8 @@
         </p:blipFill>
         <p:spPr>
           <a:xfrm>
-            <a:off x="16116661" y="17437552"/>
-            <a:ext cx="3226427" cy="858407"/>
+            <a:off x="15468600" y="18821401"/>
+            <a:ext cx="3233956" cy="860410"/>
           </a:xfrm>
           <a:prstGeom prst="rect">
             <a:avLst/>
@@ -7002,8 +7078,8 @@
         </p:blipFill>
         <p:spPr>
           <a:xfrm>
-            <a:off x="16082025" y="18476052"/>
-            <a:ext cx="3628628" cy="1172700"/>
+            <a:off x="15544800" y="19659600"/>
+            <a:ext cx="3637094" cy="1175437"/>
           </a:xfrm>
           <a:prstGeom prst="rect">
             <a:avLst/>
@@ -7018,8 +7094,8 @@
         </p:nvSpPr>
         <p:spPr>
           <a:xfrm>
-            <a:off x="21336430" y="15109138"/>
-            <a:ext cx="7729975" cy="923330"/>
+            <a:off x="20421600" y="16992600"/>
+            <a:ext cx="7748010" cy="830952"/>
           </a:xfrm>
           <a:prstGeom prst="rect">
             <a:avLst/>
@@ -7027,16 +7103,16 @@
           <a:noFill/>
         </p:spPr>
         <p:txBody>
-          <a:bodyPr wrap="square" rtlCol="0">
+          <a:bodyPr wrap="square" lIns="91394" tIns="45698" rIns="91394" bIns="45698" rtlCol="0">
             <a:spAutoFit/>
           </a:bodyPr>
           <a:lstStyle/>
           <a:p>
             <a:r>
-              <a:rPr lang="en-US" sz="5400" dirty="0" smtClean="0"/>
+              <a:rPr lang="en-US" sz="4800" dirty="0"/>
               <a:t>MongoDB- Database</a:t>
             </a:r>
-            <a:endParaRPr lang="en-US" sz="5400" dirty="0"/>
+            <a:endParaRPr lang="en-US" sz="4800" dirty="0"/>
           </a:p>
         </p:txBody>
       </p:sp>
@@ -7048,8 +7124,8 @@
         </p:nvSpPr>
         <p:spPr>
           <a:xfrm>
-            <a:off x="21336430" y="16310007"/>
-            <a:ext cx="8497888" cy="923330"/>
+            <a:off x="20421600" y="17907000"/>
+            <a:ext cx="8517715" cy="830952"/>
           </a:xfrm>
           <a:prstGeom prst="rect">
             <a:avLst/>
@@ -7057,16 +7133,16 @@
           <a:noFill/>
         </p:spPr>
         <p:txBody>
-          <a:bodyPr wrap="square" rtlCol="0">
+          <a:bodyPr wrap="square" lIns="91394" tIns="45698" rIns="91394" bIns="45698" rtlCol="0">
             <a:spAutoFit/>
           </a:bodyPr>
           <a:lstStyle/>
           <a:p>
             <a:r>
-              <a:rPr lang="en-US" sz="5400" dirty="0" smtClean="0"/>
+              <a:rPr lang="en-US" sz="4800" dirty="0"/>
               <a:t>Express -Middleware</a:t>
             </a:r>
-            <a:endParaRPr lang="en-US" sz="5400" dirty="0"/>
+            <a:endParaRPr lang="en-US" sz="4800" dirty="0"/>
           </a:p>
         </p:txBody>
       </p:sp>
@@ -7078,8 +7154,8 @@
         </p:nvSpPr>
         <p:spPr>
           <a:xfrm>
-            <a:off x="21336430" y="18458328"/>
-            <a:ext cx="11050588" cy="923330"/>
+            <a:off x="20421601" y="19659600"/>
+            <a:ext cx="11076372" cy="830952"/>
           </a:xfrm>
           <a:prstGeom prst="rect">
             <a:avLst/>
@@ -7087,20 +7163,20 @@
           <a:noFill/>
         </p:spPr>
         <p:txBody>
-          <a:bodyPr wrap="square" rtlCol="0">
+          <a:bodyPr wrap="square" lIns="91394" tIns="45698" rIns="91394" bIns="45698" rtlCol="0">
             <a:spAutoFit/>
           </a:bodyPr>
           <a:lstStyle/>
           <a:p>
             <a:r>
-              <a:rPr lang="en-US" sz="5400" dirty="0" err="1" smtClean="0"/>
+              <a:rPr lang="en-US" sz="4800" dirty="0" err="1"/>
               <a:t>NodeJS</a:t>
             </a:r>
             <a:r>
-              <a:rPr lang="en-US" sz="5400" dirty="0" smtClean="0"/>
+              <a:rPr lang="en-US" sz="4800" dirty="0"/>
               <a:t>- Server Side</a:t>
             </a:r>
-            <a:endParaRPr lang="en-US" sz="5400" dirty="0"/>
+            <a:endParaRPr lang="en-US" sz="4800" dirty="0"/>
           </a:p>
         </p:txBody>
       </p:sp>
@@ -7112,27 +7188,61 @@
         </p:nvSpPr>
         <p:spPr>
           <a:xfrm>
-            <a:off x="21200319" y="17257459"/>
-            <a:ext cx="7218643" cy="923330"/>
+            <a:off x="20421600" y="18745200"/>
+            <a:ext cx="9220193" cy="830952"/>
           </a:xfrm>
           <a:prstGeom prst="rect">
             <a:avLst/>
           </a:prstGeom>
         </p:spPr>
         <p:txBody>
-          <a:bodyPr wrap="none">
+          <a:bodyPr wrap="square" lIns="91394" tIns="45698" rIns="91394" bIns="45698">
             <a:spAutoFit/>
           </a:bodyPr>
           <a:lstStyle/>
           <a:p>
             <a:r>
-              <a:rPr lang="en-US" sz="5400" dirty="0"/>
+              <a:rPr lang="en-US" sz="4800" dirty="0"/>
               <a:t>AngularJS – Client Side</a:t>
             </a:r>
-            <a:endParaRPr lang="en-US" sz="5400" dirty="0"/>
-          </a:p>
-        </p:txBody>
-      </p:sp>
+          </a:p>
+        </p:txBody>
+      </p:sp>
+      <p:pic>
+        <p:nvPicPr>
+          <p:cNvPr id="26" name="Content Placeholder 5" descr="C:\Users\Dylan\Downloads\new_architecture.png"/>
+          <p:cNvPicPr>
+            <a:picLocks/>
+          </p:cNvPicPr>
+          <p:nvPr/>
+        </p:nvPicPr>
+        <p:blipFill>
+          <a:blip r:embed="rId7">
+            <a:extLst>
+              <a:ext uri="{28A0092B-C50C-407E-A947-70E740481C1C}">
+                <a14:useLocalDpi xmlns:a14="http://schemas.microsoft.com/office/drawing/2010/main" val="0"/>
+              </a:ext>
+            </a:extLst>
+          </a:blip>
+          <a:srcRect/>
+          <a:stretch>
+            <a:fillRect/>
+          </a:stretch>
+        </p:blipFill>
+        <p:spPr bwMode="auto">
+          <a:xfrm>
+            <a:off x="14401800" y="8991600"/>
+            <a:ext cx="12344408" cy="7010400"/>
+          </a:xfrm>
+          <a:prstGeom prst="rect">
+            <a:avLst/>
+          </a:prstGeom>
+          <a:noFill/>
+          <a:ln>
+            <a:noFill/>
+          </a:ln>
+        </p:spPr>
+      </p:pic>
     </p:spTree>
     <p:extLst>
       <p:ext uri="{BB962C8B-B14F-4D97-AF65-F5344CB8AC3E}">
@@ -7149,7 +7259,7 @@
 <file path=ppt/theme/theme1.xml><?xml version="1.0" encoding="utf-8"?>
 <a:theme xmlns:a="http://schemas.openxmlformats.org/drawingml/2006/main" name="Facet">
   <a:themeElements>
-    <a:clrScheme name="Custom 3">
+    <a:clrScheme name="Grayscale">
       <a:dk1>
         <a:sysClr val="windowText" lastClr="000000"/>
       </a:dk1>
@@ -7157,39 +7267,39 @@
         <a:sysClr val="window" lastClr="FFFFFF"/>
       </a:lt1>
       <a:dk2>
-        <a:srgbClr val="DC5E00"/>
+        <a:srgbClr val="000000"/>
       </a:dk2>
       <a:lt2>
-        <a:srgbClr val="EEECE1"/>
+        <a:srgbClr val="F8F8F8"/>
       </a:lt2>
       <a:accent1>
-        <a:srgbClr val="E84C22"/>
+        <a:srgbClr val="DDDDDD"/>
       </a:accent1>
       <a:accent2>
-        <a:srgbClr val="FFBD47"/>
+        <a:srgbClr val="B2B2B2"/>
       </a:accent2>
       <a:accent3>
-        <a:srgbClr val="B64926"/>
+        <a:srgbClr val="969696"/>
       </a:accent3>
       <a:accent4>
-        <a:srgbClr val="FF8427"/>
+        <a:srgbClr val="808080"/>
       </a:accent4>
       <a:accent5>
-        <a:srgbClr val="CC9900"/>
+        <a:srgbClr val="5F5F5F"/>
       </a:accent5>
       <a:accent6>
-        <a:srgbClr val="B22600"/>
+        <a:srgbClr val="4D4D4D"/>
       </a:accent6>
       <a:hlink>
-        <a:srgbClr val="CC9900"/>
+        <a:srgbClr val="5F5F5F"/>
       </a:hlink>
       <a:folHlink>
-        <a:srgbClr val="666699"/>
+        <a:srgbClr val="919191"/>
       </a:folHlink>
     </a:clrScheme>
     <a:fontScheme name="Facet">
       <a:majorFont>
-        <a:latin typeface="Trebuchet MS" panose="020B0603020202020204"/>
+        <a:latin typeface="Trebuchet MS"/>
         <a:ea typeface=""/>
         <a:cs typeface=""/>
         <a:font script="Jpan" typeface="メイリオ"/>
@@ -7224,7 +7334,7 @@
         <a:font script="Geor" typeface="Sylfaen"/>
       </a:majorFont>
       <a:minorFont>
-        <a:latin typeface="Trebuchet MS" panose="020B0603020202020204"/>
+        <a:latin typeface="Trebuchet MS"/>
         <a:ea typeface=""/>
         <a:cs typeface=""/>
         <a:font script="Jpan" typeface="メイリオ"/>
@@ -7397,7 +7507,7 @@
   <a:extraClrSchemeLst/>
   <a:extLst>
     <a:ext uri="{05A4C25C-085E-4340-85A3-A5531E510DB2}">
-      <thm15:themeFamily xmlns:thm15="http://schemas.microsoft.com/office/thememl/2012/main" name="Facet" id="{C0C680CD-088A-49FC-A102-D699147F32B2}" vid="{CFBC31BA-B70F-4F30-BCAA-4F3011E16C4D}"/>
+      <thm15:themeFamily xmlns:thm15="http://schemas.microsoft.com/office/thememl/2012/main" xmlns="" name="Facet" id="{C0C680CD-088A-49FC-A102-D699147F32B2}" vid="{CFBC31BA-B70F-4F30-BCAA-4F3011E16C4D}"/>
     </a:ext>
   </a:extLst>
 </a:theme>

--- a/Documentation/Presentations/CS499_16Sp_Poster_Hotspotter.pptx
+++ b/Documentation/Presentations/CS499_16Sp_Poster_Hotspotter.pptx
@@ -168,7 +168,6 @@
               <a:rPr lang="en-US"/>
               <a:t>Click to edit Master title style</a:t>
             </a:r>
-            <a:endParaRPr lang="en-US"/>
           </a:p>
         </p:txBody>
       </p:sp>
@@ -233,7 +232,6 @@
               <a:rPr lang="en-US"/>
               <a:t>Click to edit Master subtitle style</a:t>
             </a:r>
-            <a:endParaRPr lang="en-US"/>
           </a:p>
         </p:txBody>
       </p:sp>
@@ -353,7 +351,6 @@
               <a:rPr lang="en-US"/>
               <a:t>Click to edit Master title style</a:t>
             </a:r>
-            <a:endParaRPr lang="en-US"/>
           </a:p>
         </p:txBody>
       </p:sp>
@@ -405,7 +402,6 @@
               <a:rPr lang="en-US"/>
               <a:t>Fifth level</a:t>
             </a:r>
-            <a:endParaRPr lang="en-US"/>
           </a:p>
         </p:txBody>
       </p:sp>
@@ -530,7 +526,6 @@
               <a:rPr lang="en-US"/>
               <a:t>Click to edit Master title style</a:t>
             </a:r>
-            <a:endParaRPr lang="en-US"/>
           </a:p>
         </p:txBody>
       </p:sp>
@@ -587,7 +582,6 @@
               <a:rPr lang="en-US"/>
               <a:t>Fifth level</a:t>
             </a:r>
-            <a:endParaRPr lang="en-US"/>
           </a:p>
         </p:txBody>
       </p:sp>
@@ -1120,7 +1114,6 @@
               <a:rPr lang="en-US"/>
               <a:t>Click to edit Master title style</a:t>
             </a:r>
-            <a:endParaRPr lang="en-US"/>
           </a:p>
         </p:txBody>
       </p:sp>
@@ -1172,7 +1165,6 @@
               <a:rPr lang="en-US"/>
               <a:t>Fifth level</a:t>
             </a:r>
-            <a:endParaRPr lang="en-US"/>
           </a:p>
         </p:txBody>
       </p:sp>
@@ -1301,7 +1293,6 @@
               <a:rPr lang="en-US"/>
               <a:t>Click to edit Master title style</a:t>
             </a:r>
-            <a:endParaRPr lang="en-US"/>
           </a:p>
         </p:txBody>
       </p:sp>
@@ -1540,7 +1531,6 @@
               <a:rPr lang="en-US"/>
               <a:t>Click to edit Master title style</a:t>
             </a:r>
-            <a:endParaRPr lang="en-US"/>
           </a:p>
         </p:txBody>
       </p:sp>
@@ -1597,7 +1587,6 @@
               <a:rPr lang="en-US"/>
               <a:t>Fifth level</a:t>
             </a:r>
-            <a:endParaRPr lang="en-US"/>
           </a:p>
         </p:txBody>
       </p:sp>
@@ -1654,7 +1643,6 @@
               <a:rPr lang="en-US"/>
               <a:t>Fifth level</a:t>
             </a:r>
-            <a:endParaRPr lang="en-US"/>
           </a:p>
         </p:txBody>
       </p:sp>
@@ -1779,7 +1767,6 @@
               <a:rPr lang="en-US"/>
               <a:t>Click to edit Master title style</a:t>
             </a:r>
-            <a:endParaRPr lang="en-US"/>
           </a:p>
         </p:txBody>
       </p:sp>
@@ -1901,7 +1888,6 @@
               <a:rPr lang="en-US"/>
               <a:t>Fifth level</a:t>
             </a:r>
-            <a:endParaRPr lang="en-US"/>
           </a:p>
         </p:txBody>
       </p:sp>
@@ -2023,7 +2009,6 @@
               <a:rPr lang="en-US"/>
               <a:t>Fifth level</a:t>
             </a:r>
-            <a:endParaRPr lang="en-US"/>
           </a:p>
         </p:txBody>
       </p:sp>
@@ -2143,7 +2128,6 @@
               <a:rPr lang="en-US"/>
               <a:t>Click to edit Master title style</a:t>
             </a:r>
-            <a:endParaRPr lang="en-US"/>
           </a:p>
         </p:txBody>
       </p:sp>
@@ -2369,7 +2353,6 @@
               <a:rPr lang="en-US"/>
               <a:t>Click to edit Master title style</a:t>
             </a:r>
-            <a:endParaRPr lang="en-US"/>
           </a:p>
         </p:txBody>
       </p:sp>
@@ -2454,7 +2437,6 @@
               <a:rPr lang="en-US"/>
               <a:t>Fifth level</a:t>
             </a:r>
-            <a:endParaRPr lang="en-US"/>
           </a:p>
         </p:txBody>
       </p:sp>
@@ -2648,7 +2630,6 @@
               <a:rPr lang="en-US"/>
               <a:t>Click to edit Master title style</a:t>
             </a:r>
-            <a:endParaRPr lang="en-US"/>
           </a:p>
         </p:txBody>
       </p:sp>
@@ -2909,7 +2890,6 @@
               <a:rPr lang="en-US"/>
               <a:t>Click to edit Master title style</a:t>
             </a:r>
-            <a:endParaRPr lang="en-US"/>
           </a:p>
         </p:txBody>
       </p:sp>
@@ -2971,7 +2951,6 @@
               <a:rPr lang="en-US"/>
               <a:t>Fifth level</a:t>
             </a:r>
-            <a:endParaRPr lang="en-US"/>
           </a:p>
         </p:txBody>
       </p:sp>
@@ -3484,12 +3463,17 @@
           <a:p>
             <a:r>
               <a:rPr lang="en-US" sz="4100" b="0" dirty="0"/>
-              <a:t>This is accomplished by detecting areas of instability called 'hotspots'. Hotspots are determined by analyzing the type and frequency of changes made to the project's repository.</a:t>
-            </a:r>
-          </a:p>
-          <a:p>
-            <a:r>
-              <a:rPr lang="en-US" sz="4100" b="0" dirty="0"/>
+              <a:t>This is accomplished by detecting areas of instability called 'hotspots'. Hotspots are determined by analyzing the type and frequency of changes made to </a:t>
+            </a:r>
+            <a:r>
+              <a:rPr lang="en-US" sz="4100" b="0" dirty="0" smtClean="0"/>
+              <a:t>a project's codebase.</a:t>
+            </a:r>
+            <a:endParaRPr lang="en-US" sz="4100" b="0" dirty="0"/>
+          </a:p>
+          <a:p>
+            <a:r>
+              <a:rPr lang="en-US" sz="4100" dirty="0"/>
               <a:t>Objectives</a:t>
             </a:r>
           </a:p>
@@ -3502,9 +3486,22 @@
               <a:buChar char="•"/>
             </a:pPr>
             <a:r>
+              <a:rPr lang="en-US" sz="4100" b="0" dirty="0" smtClean="0"/>
+              <a:t>Calculate probability of</a:t>
+            </a:r>
+            <a:r>
+              <a:rPr lang="en-US" sz="4100" b="0" dirty="0" smtClean="0"/>
+              <a:t> </a:t>
+            </a:r>
+            <a:r>
               <a:rPr lang="en-US" sz="4100" b="0" dirty="0"/>
-              <a:t>Give predictions of problematic areas of code.</a:t>
-            </a:r>
+              <a:t>problematic areas </a:t>
+            </a:r>
+            <a:r>
+              <a:rPr lang="en-US" sz="4100" b="0" dirty="0" smtClean="0"/>
+              <a:t>in code</a:t>
+            </a:r>
+            <a:endParaRPr lang="en-US" sz="4100" b="0" dirty="0"/>
           </a:p>
           <a:p>
             <a:pPr marL="571212" indent="-571212">
@@ -3515,8 +3512,8 @@
               <a:buChar char="•"/>
             </a:pPr>
             <a:r>
-              <a:rPr lang="en-US" sz="4100" b="0" dirty="0"/>
-              <a:t>Repository quality improvements.</a:t>
+              <a:rPr lang="en-US" sz="4100" b="0" dirty="0" smtClean="0"/>
+              <a:t>Assist teams with quality control and assurance</a:t>
             </a:r>
           </a:p>
           <a:p>
@@ -3528,9 +3525,10 @@
               <a:buChar char="•"/>
             </a:pPr>
             <a:r>
-              <a:rPr lang="en-US" sz="4100" b="0" dirty="0"/>
-              <a:t>Repository metadata scanner for future analyzing.</a:t>
-            </a:r>
+              <a:rPr lang="en-US" sz="4100" b="0" dirty="0" smtClean="0"/>
+              <a:t>Export repository metadata for future research and analysis</a:t>
+            </a:r>
+            <a:endParaRPr lang="en-US" sz="4100" b="0" dirty="0"/>
           </a:p>
           <a:p>
             <a:endParaRPr lang="en-US" sz="5100" dirty="0"/>
@@ -3559,48 +3557,69 @@
           <a:p>
             <a:r>
               <a:rPr lang="en-US" b="1" dirty="0"/>
-              <a:t>Nate Reinhardt</a:t>
-            </a:r>
-            <a:r>
-              <a:rPr lang="en-US" dirty="0"/>
-              <a:t>-</a:t>
-            </a:r>
-            <a:r>
-              <a:rPr lang="en-US" i="1" dirty="0"/>
-              <a:t>SM</a:t>
+              <a:t>Nate </a:t>
+            </a:r>
+            <a:r>
+              <a:rPr lang="en-US" b="1" dirty="0" smtClean="0"/>
+              <a:t>Reinhardt</a:t>
             </a:r>
             <a:r>
               <a:rPr lang="en-US" dirty="0"/>
               <a:t> </a:t>
             </a:r>
             <a:r>
+              <a:rPr lang="en-US" sz="3600" dirty="0" smtClean="0"/>
+              <a:t>(</a:t>
+            </a:r>
+            <a:r>
+              <a:rPr lang="en-US" sz="3600" dirty="0" smtClean="0"/>
+              <a:t>SM)</a:t>
+            </a:r>
+            <a:r>
+              <a:rPr lang="en-US" dirty="0" smtClean="0"/>
+              <a:t> </a:t>
+            </a:r>
+            <a:r>
               <a:rPr lang="en-US" b="1" dirty="0"/>
-              <a:t>Spencer Smith</a:t>
-            </a:r>
-            <a:r>
-              <a:rPr lang="en-US" dirty="0"/>
-              <a:t>-</a:t>
-            </a:r>
-            <a:r>
-              <a:rPr lang="en-US" i="1" dirty="0"/>
-              <a:t>OP</a:t>
+              <a:t>Spencer </a:t>
+            </a:r>
+            <a:r>
+              <a:rPr lang="en-US" b="1" dirty="0" smtClean="0"/>
+              <a:t>Smith</a:t>
             </a:r>
             <a:r>
               <a:rPr lang="en-US" dirty="0"/>
               <a:t> </a:t>
             </a:r>
             <a:r>
+              <a:rPr lang="en-US" sz="3600" dirty="0" smtClean="0"/>
+              <a:t>(</a:t>
+            </a:r>
+            <a:r>
+              <a:rPr lang="en-US" sz="3600" dirty="0" smtClean="0"/>
+              <a:t>OP) </a:t>
+            </a:r>
+            <a:r>
               <a:rPr lang="en-US" b="1" dirty="0"/>
-              <a:t>Dylan Williams</a:t>
+              <a:t>Dylan </a:t>
+            </a:r>
+            <a:r>
+              <a:rPr lang="en-US" b="1" dirty="0" smtClean="0"/>
+              <a:t>Williams</a:t>
             </a:r>
             <a:r>
               <a:rPr lang="en-US" dirty="0"/>
-              <a:t>-</a:t>
-            </a:r>
-            <a:r>
-              <a:rPr lang="en-US" i="1" dirty="0"/>
-              <a:t>QC</a:t>
-            </a:r>
+              <a:t> </a:t>
+            </a:r>
+            <a:r>
+              <a:rPr lang="en-US" sz="3600" dirty="0" smtClean="0"/>
+              <a:t>(</a:t>
+            </a:r>
+            <a:r>
+              <a:rPr lang="en-US" sz="3600" dirty="0" smtClean="0"/>
+              <a:t>QC)</a:t>
+            </a:r>
+            <a:endParaRPr lang="en-US" dirty="0"/>
           </a:p>
         </p:txBody>
       </p:sp>
@@ -3629,12 +3648,20 @@
               <a:t>Dr. Igor </a:t>
             </a:r>
             <a:r>
-              <a:rPr lang="en-US" b="1" dirty="0" err="1"/>
+              <a:rPr lang="en-US" b="1" dirty="0" smtClean="0"/>
               <a:t>Crk</a:t>
             </a:r>
             <a:r>
               <a:rPr lang="en-US" dirty="0"/>
-              <a:t>: Department of Computer Science</a:t>
+              <a:t>,</a:t>
+            </a:r>
+            <a:r>
+              <a:rPr lang="en-US" dirty="0" smtClean="0"/>
+              <a:t> </a:t>
+            </a:r>
+            <a:r>
+              <a:rPr lang="en-US" dirty="0"/>
+              <a:t>Department of Computer Science</a:t>
             </a:r>
           </a:p>
         </p:txBody>
@@ -3660,14 +3687,24 @@
             <a:normAutofit/>
           </a:bodyPr>
           <a:lstStyle/>
+          <a:p>
+            <a:r>
+              <a:rPr lang="en-US" sz="4400" dirty="0" smtClean="0"/>
+              <a:t>Plan</a:t>
+            </a:r>
+          </a:p>
           <a:p>
             <a:pPr marL="856823" indent="-856823">
               <a:buFont typeface="Arial" panose="020B0604020202020204" pitchFamily="34" charset="0"/>
               <a:buChar char="•"/>
             </a:pPr>
             <a:r>
+              <a:rPr lang="en-US" sz="4500" dirty="0" smtClean="0"/>
+              <a:t>Using </a:t>
+            </a:r>
+            <a:r>
               <a:rPr lang="en-US" sz="4500" dirty="0"/>
-              <a:t>Using the Semi-Agile Software Engineering (SAGE) process, a Scrum-like process with ten two-week sprints.</a:t>
+              <a:t>the Semi-Agile Software Engineering (SAGE) process, a Scrum-like process with ten two-week sprints.</a:t>
             </a:r>
           </a:p>
           <a:p>
@@ -3677,7 +3714,15 @@
             </a:pPr>
             <a:r>
               <a:rPr lang="en-US" sz="4500" dirty="0"/>
-              <a:t>Development Operations: Automated build and deploying mechanisms.</a:t>
+              <a:t>Development Operations: Automated build and </a:t>
+            </a:r>
+            <a:r>
+              <a:rPr lang="en-US" sz="4500" dirty="0" smtClean="0"/>
+              <a:t>deployment </a:t>
+            </a:r>
+            <a:r>
+              <a:rPr lang="en-US" sz="4500" dirty="0"/>
+              <a:t>mechanisms.</a:t>
             </a:r>
           </a:p>
           <a:p>
@@ -3714,8 +3759,8 @@
         </p:nvSpPr>
         <p:spPr>
           <a:xfrm>
-            <a:off x="15163800" y="6629398"/>
-            <a:ext cx="14782800" cy="6934202"/>
+            <a:off x="15163800" y="6324603"/>
+            <a:ext cx="15087600" cy="6934202"/>
           </a:xfrm>
         </p:spPr>
         <p:txBody>
@@ -3730,26 +3775,20 @@
             </a:r>
             <a:r>
               <a:rPr lang="en-US" sz="4800" dirty="0"/>
-              <a:t> is a full web application built with the MEAN stack. Which uses a client/server architecture with </a:t>
-            </a:r>
-            <a:r>
-              <a:rPr lang="en-US" sz="4800" dirty="0" err="1"/>
-              <a:t>MongoDB</a:t>
+              <a:t> </a:t>
+            </a:r>
+            <a:r>
+              <a:rPr lang="en-US" sz="4800" dirty="0" smtClean="0"/>
+              <a:t>is built with the </a:t>
             </a:r>
             <a:r>
               <a:rPr lang="en-US" sz="4800" dirty="0"/>
-              <a:t> as its </a:t>
-            </a:r>
-            <a:r>
-              <a:rPr lang="en-US" sz="4800" dirty="0" err="1"/>
-              <a:t>datastore</a:t>
-            </a:r>
-            <a:r>
-              <a:rPr lang="en-US" sz="4800" dirty="0"/>
-              <a:t>. </a:t>
-            </a:r>
-          </a:p>
-          <a:p>
+              <a:t>MEAN </a:t>
+            </a:r>
+            <a:r>
+              <a:rPr lang="en-US" sz="4800" dirty="0" smtClean="0"/>
+              <a:t>stack and utilizes a client/server architecture with an emphasis on modularity.</a:t>
+            </a:r>
             <a:endParaRPr lang="en-US" sz="5500" dirty="0"/>
           </a:p>
           <a:p>
@@ -3788,36 +3827,6 @@
                 </a:solidFill>
               </a:rPr>
               <a:t>Temporary Logo</a:t>
-            </a:r>
-          </a:p>
-        </p:txBody>
-      </p:sp>
-      <p:sp>
-        <p:nvSpPr>
-          <p:cNvPr id="4" name="TextBox 3"/>
-          <p:cNvSpPr txBox="1"/>
-          <p:nvPr/>
-        </p:nvSpPr>
-        <p:spPr>
-          <a:xfrm>
-            <a:off x="17407156" y="18295248"/>
-            <a:ext cx="10515600" cy="830952"/>
-          </a:xfrm>
-          <a:prstGeom prst="rect">
-            <a:avLst/>
-          </a:prstGeom>
-          <a:noFill/>
-        </p:spPr>
-        <p:txBody>
-          <a:bodyPr wrap="square" lIns="91394" tIns="45698" rIns="91394" bIns="45698" rtlCol="0">
-            <a:spAutoFit/>
-          </a:bodyPr>
-          <a:lstStyle/>
-          <a:p>
-            <a:pPr algn="ctr"/>
-            <a:r>
-              <a:rPr lang="en-US" sz="4800" dirty="0"/>
-              <a:t>The MEAN Tech Stack</a:t>
             </a:r>
           </a:p>
         </p:txBody>

--- a/Documentation/Presentations/CS499_16Sp_Poster_Hotspotter.pptx
+++ b/Documentation/Presentations/CS499_16Sp_Poster_Hotspotter.pptx
@@ -3446,7 +3446,186 @@
         <p:spPr>
           <a:xfrm>
             <a:off x="762007" y="6324603"/>
-            <a:ext cx="13868393" cy="7772400"/>
+            <a:ext cx="14630393" cy="7823974"/>
+          </a:xfrm>
+        </p:spPr>
+        <p:txBody>
+          <a:bodyPr>
+            <a:noAutofit/>
+          </a:bodyPr>
+          <a:lstStyle/>
+          <a:p>
+            <a:r>
+              <a:rPr lang="en-US" sz="4500" b="0" dirty="0"/>
+              <a:t>Hotspotter is a web application used for early prediction of bugs in software. </a:t>
+            </a:r>
+          </a:p>
+          <a:p>
+            <a:r>
+              <a:rPr lang="en-US" sz="4500" b="0" dirty="0"/>
+              <a:t>This is accomplished by detecting areas of instability called 'hotspots'. Hotspots are determined by analyzing the type and frequency of changes made to a project's codebase.</a:t>
+            </a:r>
+          </a:p>
+          <a:p>
+            <a:r>
+              <a:rPr lang="en-US" sz="4500" dirty="0"/>
+              <a:t>Objectives</a:t>
+            </a:r>
+          </a:p>
+          <a:p>
+            <a:pPr marL="685800" indent="-685800">
+              <a:lnSpc>
+                <a:spcPct val="80000"/>
+              </a:lnSpc>
+              <a:buFont typeface="Arial" panose="020B0604020202020204" pitchFamily="34" charset="0"/>
+              <a:buChar char="•"/>
+            </a:pPr>
+            <a:r>
+              <a:rPr lang="en-US" sz="4500" b="0" dirty="0"/>
+              <a:t>Calculate probability of problematic areas in code</a:t>
+            </a:r>
+          </a:p>
+          <a:p>
+            <a:pPr marL="685800" indent="-685800">
+              <a:lnSpc>
+                <a:spcPct val="80000"/>
+              </a:lnSpc>
+              <a:buFont typeface="Arial" panose="020B0604020202020204" pitchFamily="34" charset="0"/>
+              <a:buChar char="•"/>
+            </a:pPr>
+            <a:r>
+              <a:rPr lang="en-US" sz="4500" b="0" dirty="0"/>
+              <a:t>Assist teams with quality control and assurance</a:t>
+            </a:r>
+          </a:p>
+          <a:p>
+            <a:pPr marL="685800" indent="-685800">
+              <a:lnSpc>
+                <a:spcPct val="80000"/>
+              </a:lnSpc>
+              <a:buFont typeface="Arial" panose="020B0604020202020204" pitchFamily="34" charset="0"/>
+              <a:buChar char="•"/>
+            </a:pPr>
+            <a:r>
+              <a:rPr lang="en-US" sz="4500" b="0" dirty="0"/>
+              <a:t>Export repository metadata for future research and analysis</a:t>
+            </a:r>
+          </a:p>
+          <a:p>
+            <a:endParaRPr lang="en-US" sz="4500" dirty="0"/>
+          </a:p>
+        </p:txBody>
+      </p:sp>
+      <p:sp>
+        <p:nvSpPr>
+          <p:cNvPr id="20" name="Text Placeholder 19"/>
+          <p:cNvSpPr>
+            <a:spLocks noGrp="1"/>
+          </p:cNvSpPr>
+          <p:nvPr>
+            <p:ph type="body" sz="quarter" idx="15"/>
+          </p:nvPr>
+        </p:nvSpPr>
+        <p:spPr>
+          <a:xfrm>
+            <a:off x="762001" y="4994563"/>
+            <a:ext cx="19659600" cy="1447802"/>
+          </a:xfrm>
+        </p:spPr>
+        <p:txBody>
+          <a:bodyPr/>
+          <a:lstStyle/>
+          <a:p>
+            <a:r>
+              <a:rPr lang="en-US" sz="4400" b="1" dirty="0"/>
+              <a:t>Nate Reinhardt</a:t>
+            </a:r>
+            <a:r>
+              <a:rPr lang="en-US" sz="4400" dirty="0"/>
+              <a:t> </a:t>
+            </a:r>
+            <a:r>
+              <a:rPr lang="en-US" sz="3600" dirty="0"/>
+              <a:t>(SM)</a:t>
+            </a:r>
+            <a:r>
+              <a:rPr lang="en-US" dirty="0"/>
+              <a:t> </a:t>
+            </a:r>
+            <a:r>
+              <a:rPr lang="en-US" sz="4400" b="1" dirty="0"/>
+              <a:t>Spencer Smith</a:t>
+            </a:r>
+            <a:r>
+              <a:rPr lang="en-US" sz="4400" dirty="0"/>
+              <a:t> </a:t>
+            </a:r>
+            <a:r>
+              <a:rPr lang="en-US" sz="3600" dirty="0"/>
+              <a:t>(OP) </a:t>
+            </a:r>
+            <a:r>
+              <a:rPr lang="en-US" sz="4400" b="1" dirty="0"/>
+              <a:t>Dylan Williams</a:t>
+            </a:r>
+            <a:r>
+              <a:rPr lang="en-US" sz="4400" dirty="0"/>
+              <a:t> </a:t>
+            </a:r>
+            <a:r>
+              <a:rPr lang="en-US" sz="3600" dirty="0"/>
+              <a:t>(QC)</a:t>
+            </a:r>
+            <a:endParaRPr lang="en-US" dirty="0"/>
+          </a:p>
+        </p:txBody>
+      </p:sp>
+      <p:sp>
+        <p:nvSpPr>
+          <p:cNvPr id="21" name="Text Placeholder 20"/>
+          <p:cNvSpPr>
+            <a:spLocks noGrp="1"/>
+          </p:cNvSpPr>
+          <p:nvPr>
+            <p:ph type="body" sz="quarter" idx="16"/>
+          </p:nvPr>
+        </p:nvSpPr>
+        <p:spPr>
+          <a:xfrm>
+            <a:off x="16459199" y="4986841"/>
+            <a:ext cx="13563601" cy="804364"/>
+          </a:xfrm>
+        </p:spPr>
+        <p:txBody>
+          <a:bodyPr/>
+          <a:lstStyle/>
+          <a:p>
+            <a:pPr algn="r"/>
+            <a:r>
+              <a:rPr lang="en-US" sz="4400" b="1" dirty="0"/>
+              <a:t>Dr. Igor Crk</a:t>
+            </a:r>
+            <a:r>
+              <a:rPr lang="en-US" sz="4400" dirty="0"/>
+              <a:t>, Department of Computer Science</a:t>
+            </a:r>
+          </a:p>
+        </p:txBody>
+      </p:sp>
+      <p:sp>
+        <p:nvSpPr>
+          <p:cNvPr id="22" name="Text Placeholder 21"/>
+          <p:cNvSpPr>
+            <a:spLocks noGrp="1"/>
+          </p:cNvSpPr>
+          <p:nvPr>
+            <p:ph type="body" sz="quarter" idx="17"/>
+          </p:nvPr>
+        </p:nvSpPr>
+        <p:spPr>
+          <a:xfrm>
+            <a:off x="762000" y="14148577"/>
+            <a:ext cx="14630400" cy="6219033"/>
           </a:xfrm>
         </p:spPr>
         <p:txBody>
@@ -3456,282 +3635,37 @@
           <a:lstStyle/>
           <a:p>
             <a:r>
-              <a:rPr lang="en-US" sz="4100" b="0" dirty="0"/>
-              <a:t>Hotspotter is a web application used for early prediction of bugs in software. </a:t>
-            </a:r>
-          </a:p>
-          <a:p>
-            <a:r>
-              <a:rPr lang="en-US" sz="4100" b="0" dirty="0"/>
-              <a:t>This is accomplished by detecting areas of instability called 'hotspots'. Hotspots are determined by analyzing the type and frequency of changes made to </a:t>
-            </a:r>
-            <a:r>
-              <a:rPr lang="en-US" sz="4100" b="0" dirty="0" smtClean="0"/>
-              <a:t>a project's codebase.</a:t>
-            </a:r>
-            <a:endParaRPr lang="en-US" sz="4100" b="0" dirty="0"/>
-          </a:p>
-          <a:p>
-            <a:r>
-              <a:rPr lang="en-US" sz="4100" dirty="0"/>
-              <a:t>Objectives</a:t>
-            </a:r>
-          </a:p>
-          <a:p>
-            <a:pPr marL="571212" indent="-571212">
-              <a:lnSpc>
-                <a:spcPct val="80000"/>
-              </a:lnSpc>
-              <a:buFont typeface="Arial"/>
-              <a:buChar char="•"/>
-            </a:pPr>
-            <a:r>
-              <a:rPr lang="en-US" sz="4100" b="0" dirty="0" smtClean="0"/>
-              <a:t>Calculate probability of</a:t>
-            </a:r>
-            <a:r>
-              <a:rPr lang="en-US" sz="4100" b="0" dirty="0" smtClean="0"/>
-              <a:t> </a:t>
-            </a:r>
-            <a:r>
-              <a:rPr lang="en-US" sz="4100" b="0" dirty="0"/>
-              <a:t>problematic areas </a:t>
-            </a:r>
-            <a:r>
-              <a:rPr lang="en-US" sz="4100" b="0" dirty="0" smtClean="0"/>
-              <a:t>in code</a:t>
-            </a:r>
-            <a:endParaRPr lang="en-US" sz="4100" b="0" dirty="0"/>
-          </a:p>
-          <a:p>
-            <a:pPr marL="571212" indent="-571212">
-              <a:lnSpc>
-                <a:spcPct val="80000"/>
-              </a:lnSpc>
-              <a:buFont typeface="Arial"/>
-              <a:buChar char="•"/>
-            </a:pPr>
-            <a:r>
-              <a:rPr lang="en-US" sz="4100" b="0" dirty="0" smtClean="0"/>
-              <a:t>Assist teams with quality control and assurance</a:t>
-            </a:r>
-          </a:p>
-          <a:p>
-            <a:pPr marL="571212" indent="-571212">
-              <a:lnSpc>
-                <a:spcPct val="80000"/>
-              </a:lnSpc>
-              <a:buFont typeface="Arial"/>
-              <a:buChar char="•"/>
-            </a:pPr>
-            <a:r>
-              <a:rPr lang="en-US" sz="4100" b="0" dirty="0" smtClean="0"/>
-              <a:t>Export repository metadata for future research and analysis</a:t>
-            </a:r>
-            <a:endParaRPr lang="en-US" sz="4100" b="0" dirty="0"/>
-          </a:p>
-          <a:p>
-            <a:endParaRPr lang="en-US" sz="5100" dirty="0"/>
-          </a:p>
-        </p:txBody>
-      </p:sp>
-      <p:sp>
-        <p:nvSpPr>
-          <p:cNvPr id="20" name="Text Placeholder 19"/>
-          <p:cNvSpPr>
-            <a:spLocks noGrp="1"/>
-          </p:cNvSpPr>
-          <p:nvPr>
-            <p:ph type="body" sz="quarter" idx="15"/>
-          </p:nvPr>
-        </p:nvSpPr>
-        <p:spPr>
-          <a:xfrm>
-            <a:off x="762001" y="4994563"/>
-            <a:ext cx="19659600" cy="1447802"/>
-          </a:xfrm>
-        </p:spPr>
-        <p:txBody>
-          <a:bodyPr/>
-          <a:lstStyle/>
-          <a:p>
-            <a:r>
-              <a:rPr lang="en-US" b="1" dirty="0"/>
-              <a:t>Nate </a:t>
-            </a:r>
-            <a:r>
-              <a:rPr lang="en-US" b="1" dirty="0" smtClean="0"/>
-              <a:t>Reinhardt</a:t>
-            </a:r>
-            <a:r>
-              <a:rPr lang="en-US" dirty="0"/>
-              <a:t> </a:t>
-            </a:r>
-            <a:r>
-              <a:rPr lang="en-US" sz="3600" dirty="0" smtClean="0"/>
-              <a:t>(</a:t>
-            </a:r>
-            <a:r>
-              <a:rPr lang="en-US" sz="3600" dirty="0" smtClean="0"/>
-              <a:t>SM)</a:t>
-            </a:r>
-            <a:r>
-              <a:rPr lang="en-US" dirty="0" smtClean="0"/>
-              <a:t> </a:t>
-            </a:r>
-            <a:r>
-              <a:rPr lang="en-US" b="1" dirty="0"/>
-              <a:t>Spencer </a:t>
-            </a:r>
-            <a:r>
-              <a:rPr lang="en-US" b="1" dirty="0" smtClean="0"/>
-              <a:t>Smith</a:t>
-            </a:r>
-            <a:r>
-              <a:rPr lang="en-US" dirty="0"/>
-              <a:t> </a:t>
-            </a:r>
-            <a:r>
-              <a:rPr lang="en-US" sz="3600" dirty="0" smtClean="0"/>
-              <a:t>(</a:t>
-            </a:r>
-            <a:r>
-              <a:rPr lang="en-US" sz="3600" dirty="0" smtClean="0"/>
-              <a:t>OP) </a:t>
-            </a:r>
-            <a:r>
-              <a:rPr lang="en-US" b="1" dirty="0"/>
-              <a:t>Dylan </a:t>
-            </a:r>
-            <a:r>
-              <a:rPr lang="en-US" b="1" dirty="0" smtClean="0"/>
-              <a:t>Williams</a:t>
-            </a:r>
-            <a:r>
-              <a:rPr lang="en-US" dirty="0"/>
-              <a:t> </a:t>
-            </a:r>
-            <a:r>
-              <a:rPr lang="en-US" sz="3600" dirty="0" smtClean="0"/>
-              <a:t>(</a:t>
-            </a:r>
-            <a:r>
-              <a:rPr lang="en-US" sz="3600" dirty="0" smtClean="0"/>
-              <a:t>QC)</a:t>
-            </a:r>
-            <a:endParaRPr lang="en-US" dirty="0"/>
-          </a:p>
-        </p:txBody>
-      </p:sp>
-      <p:sp>
-        <p:nvSpPr>
-          <p:cNvPr id="21" name="Text Placeholder 20"/>
-          <p:cNvSpPr>
-            <a:spLocks noGrp="1"/>
-          </p:cNvSpPr>
-          <p:nvPr>
-            <p:ph type="body" sz="quarter" idx="16"/>
-          </p:nvPr>
-        </p:nvSpPr>
-        <p:spPr>
-          <a:xfrm>
-            <a:off x="18419622" y="4986841"/>
-            <a:ext cx="13563601" cy="1447802"/>
-          </a:xfrm>
-        </p:spPr>
-        <p:txBody>
-          <a:bodyPr/>
-          <a:lstStyle/>
-          <a:p>
-            <a:r>
-              <a:rPr lang="en-US" b="1" dirty="0"/>
-              <a:t>Dr. Igor </a:t>
-            </a:r>
-            <a:r>
-              <a:rPr lang="en-US" b="1" dirty="0" smtClean="0"/>
-              <a:t>Crk</a:t>
-            </a:r>
-            <a:r>
-              <a:rPr lang="en-US" dirty="0"/>
-              <a:t>,</a:t>
-            </a:r>
-            <a:r>
-              <a:rPr lang="en-US" dirty="0" smtClean="0"/>
-              <a:t> </a:t>
-            </a:r>
-            <a:r>
-              <a:rPr lang="en-US" dirty="0"/>
-              <a:t>Department of Computer Science</a:t>
-            </a:r>
-          </a:p>
-        </p:txBody>
-      </p:sp>
-      <p:sp>
-        <p:nvSpPr>
-          <p:cNvPr id="22" name="Text Placeholder 21"/>
-          <p:cNvSpPr>
-            <a:spLocks noGrp="1"/>
-          </p:cNvSpPr>
-          <p:nvPr>
-            <p:ph type="body" sz="quarter" idx="17"/>
-          </p:nvPr>
-        </p:nvSpPr>
-        <p:spPr>
-          <a:xfrm>
-            <a:off x="762001" y="14097003"/>
-            <a:ext cx="13868399" cy="6663810"/>
-          </a:xfrm>
-        </p:spPr>
-        <p:txBody>
-          <a:bodyPr>
-            <a:normAutofit/>
-          </a:bodyPr>
-          <a:lstStyle/>
-          <a:p>
-            <a:r>
-              <a:rPr lang="en-US" sz="4400" dirty="0" smtClean="0"/>
+              <a:rPr lang="en-US" sz="4400" dirty="0"/>
               <a:t>Plan</a:t>
             </a:r>
           </a:p>
           <a:p>
-            <a:pPr marL="856823" indent="-856823">
+            <a:pPr marL="685800" indent="-685800">
               <a:buFont typeface="Arial" panose="020B0604020202020204" pitchFamily="34" charset="0"/>
               <a:buChar char="•"/>
             </a:pPr>
             <a:r>
-              <a:rPr lang="en-US" sz="4500" dirty="0" smtClean="0"/>
-              <a:t>Using </a:t>
-            </a:r>
-            <a:r>
-              <a:rPr lang="en-US" sz="4500" dirty="0"/>
-              <a:t>the Semi-Agile Software Engineering (SAGE) process, a Scrum-like process with ten two-week sprints.</a:t>
-            </a:r>
-          </a:p>
-          <a:p>
-            <a:pPr marL="856823" indent="-856823">
+              <a:rPr lang="en-US" sz="4500" b="0" dirty="0"/>
+              <a:t>Using the Semi-Agile Software Engineering (SAGE) process, a Scrum-like process with ten two-week sprints.</a:t>
+            </a:r>
+          </a:p>
+          <a:p>
+            <a:pPr marL="685800" indent="-685800">
               <a:buFont typeface="Arial" panose="020B0604020202020204" pitchFamily="34" charset="0"/>
               <a:buChar char="•"/>
             </a:pPr>
             <a:r>
-              <a:rPr lang="en-US" sz="4500" dirty="0"/>
-              <a:t>Development Operations: Automated build and </a:t>
-            </a:r>
-            <a:r>
-              <a:rPr lang="en-US" sz="4500" dirty="0" smtClean="0"/>
-              <a:t>deployment </a:t>
-            </a:r>
-            <a:r>
-              <a:rPr lang="en-US" sz="4500" dirty="0"/>
-              <a:t>mechanisms.</a:t>
-            </a:r>
-          </a:p>
-          <a:p>
-            <a:pPr marL="856823" indent="-856823">
+              <a:rPr lang="en-US" sz="4500" b="0" dirty="0"/>
+              <a:t>Development Operations: Automated build and deployment mechanisms.</a:t>
+            </a:r>
+          </a:p>
+          <a:p>
+            <a:pPr marL="685800" indent="-685800">
               <a:buFont typeface="Arial" panose="020B0604020202020204" pitchFamily="34" charset="0"/>
               <a:buChar char="•"/>
             </a:pPr>
             <a:r>
-              <a:rPr lang="en-US" sz="4500" dirty="0"/>
+              <a:rPr lang="en-US" sz="4500" b="0" dirty="0"/>
               <a:t>Total Estimated Hours Until Completion: 23</a:t>
             </a:r>
           </a:p>
@@ -3759,8 +3693,8 @@
         </p:nvSpPr>
         <p:spPr>
           <a:xfrm>
-            <a:off x="15163800" y="6324603"/>
-            <a:ext cx="15087600" cy="6934202"/>
+            <a:off x="16459199" y="6324603"/>
+            <a:ext cx="15524024" cy="6934202"/>
           </a:xfrm>
         </p:spPr>
         <p:txBody>
@@ -3770,29 +3704,16 @@
           <a:lstStyle/>
           <a:p>
             <a:r>
-              <a:rPr lang="en-US" sz="4800" dirty="0" err="1"/>
+              <a:rPr lang="en-US" sz="4500" b="0" dirty="0" err="1"/>
               <a:t>Hotspotter</a:t>
             </a:r>
             <a:r>
-              <a:rPr lang="en-US" sz="4800" dirty="0"/>
-              <a:t> </a:t>
-            </a:r>
-            <a:r>
-              <a:rPr lang="en-US" sz="4800" dirty="0" smtClean="0"/>
-              <a:t>is built with the </a:t>
-            </a:r>
-            <a:r>
-              <a:rPr lang="en-US" sz="4800" dirty="0"/>
-              <a:t>MEAN </a:t>
-            </a:r>
-            <a:r>
-              <a:rPr lang="en-US" sz="4800" dirty="0" smtClean="0"/>
-              <a:t>stack and utilizes a client/server architecture with an emphasis on modularity.</a:t>
-            </a:r>
-            <a:endParaRPr lang="en-US" sz="5500" dirty="0"/>
-          </a:p>
-          <a:p>
-            <a:endParaRPr lang="en-US" sz="5500" dirty="0"/>
+              <a:rPr lang="en-US" sz="4500" b="0" dirty="0"/>
+              <a:t> is built with the MEAN stack and utilizes a client/server architecture with an emphasis on modularity.</a:t>
+            </a:r>
+          </a:p>
+          <a:p>
+            <a:endParaRPr lang="en-US" sz="4500" b="0" dirty="0"/>
           </a:p>
         </p:txBody>
       </p:sp>
@@ -3853,7 +3774,7 @@
         </p:blipFill>
         <p:spPr>
           <a:xfrm>
-            <a:off x="15448269" y="19077267"/>
+            <a:off x="16480970" y="19270884"/>
             <a:ext cx="3721680" cy="1096726"/>
           </a:xfrm>
           <a:prstGeom prst="rect">
@@ -3882,7 +3803,7 @@
         </p:blipFill>
         <p:spPr>
           <a:xfrm>
-            <a:off x="19375246" y="19225194"/>
+            <a:off x="20407947" y="19418811"/>
             <a:ext cx="3289709" cy="1037177"/>
           </a:xfrm>
           <a:prstGeom prst="rect">
@@ -3912,7 +3833,7 @@
         </p:blipFill>
         <p:spPr>
           <a:xfrm>
-            <a:off x="22870252" y="19313583"/>
+            <a:off x="23902953" y="19507200"/>
             <a:ext cx="3233956" cy="860410"/>
           </a:xfrm>
           <a:prstGeom prst="rect">
@@ -3942,7 +3863,7 @@
         </p:blipFill>
         <p:spPr>
           <a:xfrm>
-            <a:off x="26309506" y="19126200"/>
+            <a:off x="27342207" y="19319817"/>
             <a:ext cx="3637094" cy="1175437"/>
           </a:xfrm>
           <a:prstGeom prst="rect">
@@ -3975,7 +3896,7 @@
         </p:blipFill>
         <p:spPr>
           <a:xfrm>
-            <a:off x="762000" y="803275"/>
+            <a:off x="762000" y="379311"/>
             <a:ext cx="7772400" cy="3692525"/>
           </a:xfrm>
         </p:spPr>

--- a/Documentation/Presentations/CS499_16Sp_Poster_Hotspotter.pptx
+++ b/Documentation/Presentations/CS499_16Sp_Poster_Hotspotter.pptx
@@ -3901,6 +3901,36 @@
           </a:xfrm>
         </p:spPr>
       </p:pic>
+      <p:pic>
+        <p:nvPicPr>
+          <p:cNvPr id="4" name="Picture 3"/>
+          <p:cNvPicPr>
+            <a:picLocks noChangeAspect="1"/>
+          </p:cNvPicPr>
+          <p:nvPr/>
+        </p:nvPicPr>
+        <p:blipFill>
+          <a:blip r:embed="rId7">
+            <a:extLst>
+              <a:ext uri="{28A0092B-C50C-407E-A947-70E740481C1C}">
+                <a14:useLocalDpi xmlns:a14="http://schemas.microsoft.com/office/drawing/2010/main" val="0"/>
+              </a:ext>
+            </a:extLst>
+          </a:blip>
+          <a:stretch>
+            <a:fillRect/>
+          </a:stretch>
+        </p:blipFill>
+        <p:spPr>
+          <a:xfrm>
+            <a:off x="16459200" y="7874269"/>
+            <a:ext cx="14520102" cy="10769071"/>
+          </a:xfrm>
+          <a:prstGeom prst="rect">
+            <a:avLst/>
+          </a:prstGeom>
+        </p:spPr>
+      </p:pic>
     </p:spTree>
     <p:extLst>
       <p:ext uri="{BB962C8B-B14F-4D97-AF65-F5344CB8AC3E}">

--- a/Documentation/Presentations/CS499_16Sp_Poster_Hotspotter.pptx
+++ b/Documentation/Presentations/CS499_16Sp_Poster_Hotspotter.pptx
@@ -253,7 +253,7 @@
             <a:fld id="{1D8BD707-D9CF-40AE-B4C6-C98DA3205C09}" type="datetimeFigureOut">
               <a:rPr lang="en-US" smtClean="0"/>
               <a:pPr/>
-              <a:t>3/30/2016</a:t>
+              <a:t>3/31/2016</a:t>
             </a:fld>
             <a:endParaRPr lang="en-US"/>
           </a:p>
@@ -423,7 +423,7 @@
             <a:fld id="{1D8BD707-D9CF-40AE-B4C6-C98DA3205C09}" type="datetimeFigureOut">
               <a:rPr lang="en-US" smtClean="0"/>
               <a:pPr/>
-              <a:t>3/30/2016</a:t>
+              <a:t>3/31/2016</a:t>
             </a:fld>
             <a:endParaRPr lang="en-US"/>
           </a:p>
@@ -603,7 +603,7 @@
             <a:fld id="{1D8BD707-D9CF-40AE-B4C6-C98DA3205C09}" type="datetimeFigureOut">
               <a:rPr lang="en-US" smtClean="0"/>
               <a:pPr/>
-              <a:t>3/30/2016</a:t>
+              <a:t>3/31/2016</a:t>
             </a:fld>
             <a:endParaRPr lang="en-US"/>
           </a:p>
@@ -1186,7 +1186,7 @@
             <a:fld id="{1D8BD707-D9CF-40AE-B4C6-C98DA3205C09}" type="datetimeFigureOut">
               <a:rPr lang="en-US" smtClean="0"/>
               <a:pPr/>
-              <a:t>3/30/2016</a:t>
+              <a:t>3/31/2016</a:t>
             </a:fld>
             <a:endParaRPr lang="en-US"/>
           </a:p>
@@ -1433,7 +1433,7 @@
             <a:fld id="{1D8BD707-D9CF-40AE-B4C6-C98DA3205C09}" type="datetimeFigureOut">
               <a:rPr lang="en-US" smtClean="0"/>
               <a:pPr/>
-              <a:t>3/30/2016</a:t>
+              <a:t>3/31/2016</a:t>
             </a:fld>
             <a:endParaRPr lang="en-US"/>
           </a:p>
@@ -1664,7 +1664,7 @@
             <a:fld id="{1D8BD707-D9CF-40AE-B4C6-C98DA3205C09}" type="datetimeFigureOut">
               <a:rPr lang="en-US" smtClean="0"/>
               <a:pPr/>
-              <a:t>3/30/2016</a:t>
+              <a:t>3/31/2016</a:t>
             </a:fld>
             <a:endParaRPr lang="en-US"/>
           </a:p>
@@ -2030,7 +2030,7 @@
             <a:fld id="{1D8BD707-D9CF-40AE-B4C6-C98DA3205C09}" type="datetimeFigureOut">
               <a:rPr lang="en-US" smtClean="0"/>
               <a:pPr/>
-              <a:t>3/30/2016</a:t>
+              <a:t>3/31/2016</a:t>
             </a:fld>
             <a:endParaRPr lang="en-US"/>
           </a:p>
@@ -2149,7 +2149,7 @@
             <a:fld id="{1D8BD707-D9CF-40AE-B4C6-C98DA3205C09}" type="datetimeFigureOut">
               <a:rPr lang="en-US" smtClean="0"/>
               <a:pPr/>
-              <a:t>3/30/2016</a:t>
+              <a:t>3/31/2016</a:t>
             </a:fld>
             <a:endParaRPr lang="en-US"/>
           </a:p>
@@ -2246,7 +2246,7 @@
             <a:fld id="{1D8BD707-D9CF-40AE-B4C6-C98DA3205C09}" type="datetimeFigureOut">
               <a:rPr lang="en-US" smtClean="0"/>
               <a:pPr/>
-              <a:t>3/30/2016</a:t>
+              <a:t>3/31/2016</a:t>
             </a:fld>
             <a:endParaRPr lang="en-US"/>
           </a:p>
@@ -2523,7 +2523,7 @@
             <a:fld id="{1D8BD707-D9CF-40AE-B4C6-C98DA3205C09}" type="datetimeFigureOut">
               <a:rPr lang="en-US" smtClean="0"/>
               <a:pPr/>
-              <a:t>3/30/2016</a:t>
+              <a:t>3/31/2016</a:t>
             </a:fld>
             <a:endParaRPr lang="en-US"/>
           </a:p>
@@ -2777,7 +2777,7 @@
             <a:fld id="{1D8BD707-D9CF-40AE-B4C6-C98DA3205C09}" type="datetimeFigureOut">
               <a:rPr lang="en-US" smtClean="0"/>
               <a:pPr/>
-              <a:t>3/30/2016</a:t>
+              <a:t>3/31/2016</a:t>
             </a:fld>
             <a:endParaRPr lang="en-US"/>
           </a:p>
@@ -2990,7 +2990,7 @@
             <a:fld id="{1D8BD707-D9CF-40AE-B4C6-C98DA3205C09}" type="datetimeFigureOut">
               <a:rPr lang="en-US" smtClean="0"/>
               <a:pPr/>
-              <a:t>3/30/2016</a:t>
+              <a:t>3/31/2016</a:t>
             </a:fld>
             <a:endParaRPr lang="en-US"/>
           </a:p>
@@ -3666,8 +3666,17 @@
             </a:pPr>
             <a:r>
               <a:rPr lang="en-US" sz="4500" b="0" dirty="0"/>
-              <a:t>Total Estimated Hours Until Completion: 23</a:t>
-            </a:r>
+              <a:t>Total Estimated Hours Until Completion</a:t>
+            </a:r>
+            <a:r>
+              <a:rPr lang="en-US" sz="4500" b="0"/>
+              <a:t>: </a:t>
+            </a:r>
+            <a:r>
+              <a:rPr lang="en-US" sz="4500" b="0" smtClean="0"/>
+              <a:t>416</a:t>
+            </a:r>
+            <a:endParaRPr lang="en-US" sz="4500" b="0" dirty="0"/>
           </a:p>
           <a:p>
             <a:endParaRPr lang="en-US" sz="4500" dirty="0"/>

--- a/Documentation/Presentations/CS499_16Sp_Poster_Hotspotter.pptx
+++ b/Documentation/Presentations/CS499_16Sp_Poster_Hotspotter.pptx
@@ -253,7 +253,7 @@
             <a:fld id="{1D8BD707-D9CF-40AE-B4C6-C98DA3205C09}" type="datetimeFigureOut">
               <a:rPr lang="en-US" smtClean="0"/>
               <a:pPr/>
-              <a:t>3/31/2016</a:t>
+              <a:t>4/27/2016</a:t>
             </a:fld>
             <a:endParaRPr lang="en-US"/>
           </a:p>
@@ -423,7 +423,7 @@
             <a:fld id="{1D8BD707-D9CF-40AE-B4C6-C98DA3205C09}" type="datetimeFigureOut">
               <a:rPr lang="en-US" smtClean="0"/>
               <a:pPr/>
-              <a:t>3/31/2016</a:t>
+              <a:t>4/27/2016</a:t>
             </a:fld>
             <a:endParaRPr lang="en-US"/>
           </a:p>
@@ -603,7 +603,7 @@
             <a:fld id="{1D8BD707-D9CF-40AE-B4C6-C98DA3205C09}" type="datetimeFigureOut">
               <a:rPr lang="en-US" smtClean="0"/>
               <a:pPr/>
-              <a:t>3/31/2016</a:t>
+              <a:t>4/27/2016</a:t>
             </a:fld>
             <a:endParaRPr lang="en-US"/>
           </a:p>
@@ -1186,7 +1186,7 @@
             <a:fld id="{1D8BD707-D9CF-40AE-B4C6-C98DA3205C09}" type="datetimeFigureOut">
               <a:rPr lang="en-US" smtClean="0"/>
               <a:pPr/>
-              <a:t>3/31/2016</a:t>
+              <a:t>4/27/2016</a:t>
             </a:fld>
             <a:endParaRPr lang="en-US"/>
           </a:p>
@@ -1433,7 +1433,7 @@
             <a:fld id="{1D8BD707-D9CF-40AE-B4C6-C98DA3205C09}" type="datetimeFigureOut">
               <a:rPr lang="en-US" smtClean="0"/>
               <a:pPr/>
-              <a:t>3/31/2016</a:t>
+              <a:t>4/27/2016</a:t>
             </a:fld>
             <a:endParaRPr lang="en-US"/>
           </a:p>
@@ -1664,7 +1664,7 @@
             <a:fld id="{1D8BD707-D9CF-40AE-B4C6-C98DA3205C09}" type="datetimeFigureOut">
               <a:rPr lang="en-US" smtClean="0"/>
               <a:pPr/>
-              <a:t>3/31/2016</a:t>
+              <a:t>4/27/2016</a:t>
             </a:fld>
             <a:endParaRPr lang="en-US"/>
           </a:p>
@@ -2030,7 +2030,7 @@
             <a:fld id="{1D8BD707-D9CF-40AE-B4C6-C98DA3205C09}" type="datetimeFigureOut">
               <a:rPr lang="en-US" smtClean="0"/>
               <a:pPr/>
-              <a:t>3/31/2016</a:t>
+              <a:t>4/27/2016</a:t>
             </a:fld>
             <a:endParaRPr lang="en-US"/>
           </a:p>
@@ -2149,7 +2149,7 @@
             <a:fld id="{1D8BD707-D9CF-40AE-B4C6-C98DA3205C09}" type="datetimeFigureOut">
               <a:rPr lang="en-US" smtClean="0"/>
               <a:pPr/>
-              <a:t>3/31/2016</a:t>
+              <a:t>4/27/2016</a:t>
             </a:fld>
             <a:endParaRPr lang="en-US"/>
           </a:p>
@@ -2246,7 +2246,7 @@
             <a:fld id="{1D8BD707-D9CF-40AE-B4C6-C98DA3205C09}" type="datetimeFigureOut">
               <a:rPr lang="en-US" smtClean="0"/>
               <a:pPr/>
-              <a:t>3/31/2016</a:t>
+              <a:t>4/27/2016</a:t>
             </a:fld>
             <a:endParaRPr lang="en-US"/>
           </a:p>
@@ -2523,7 +2523,7 @@
             <a:fld id="{1D8BD707-D9CF-40AE-B4C6-C98DA3205C09}" type="datetimeFigureOut">
               <a:rPr lang="en-US" smtClean="0"/>
               <a:pPr/>
-              <a:t>3/31/2016</a:t>
+              <a:t>4/27/2016</a:t>
             </a:fld>
             <a:endParaRPr lang="en-US"/>
           </a:p>
@@ -2777,7 +2777,7 @@
             <a:fld id="{1D8BD707-D9CF-40AE-B4C6-C98DA3205C09}" type="datetimeFigureOut">
               <a:rPr lang="en-US" smtClean="0"/>
               <a:pPr/>
-              <a:t>3/31/2016</a:t>
+              <a:t>4/27/2016</a:t>
             </a:fld>
             <a:endParaRPr lang="en-US"/>
           </a:p>
@@ -2990,7 +2990,7 @@
             <a:fld id="{1D8BD707-D9CF-40AE-B4C6-C98DA3205C09}" type="datetimeFigureOut">
               <a:rPr lang="en-US" smtClean="0"/>
               <a:pPr/>
-              <a:t>3/31/2016</a:t>
+              <a:t>4/27/2016</a:t>
             </a:fld>
             <a:endParaRPr lang="en-US"/>
           </a:p>
@@ -3612,120 +3612,150 @@
           </a:p>
         </p:txBody>
       </p:sp>
-      <p:sp>
-        <p:nvSpPr>
-          <p:cNvPr id="22" name="Text Placeholder 21"/>
-          <p:cNvSpPr>
-            <a:spLocks noGrp="1"/>
-          </p:cNvSpPr>
-          <p:nvPr>
-            <p:ph type="body" sz="quarter" idx="17"/>
-          </p:nvPr>
-        </p:nvSpPr>
-        <p:spPr>
-          <a:xfrm>
-            <a:off x="762000" y="14148577"/>
-            <a:ext cx="14630400" cy="6219033"/>
-          </a:xfrm>
-        </p:spPr>
-        <p:txBody>
-          <a:bodyPr>
-            <a:normAutofit/>
-          </a:bodyPr>
-          <a:lstStyle/>
-          <a:p>
-            <a:r>
-              <a:rPr lang="en-US" sz="4400" dirty="0"/>
-              <a:t>Plan</a:t>
-            </a:r>
-          </a:p>
-          <a:p>
-            <a:pPr marL="685800" indent="-685800">
-              <a:buFont typeface="Arial" panose="020B0604020202020204" pitchFamily="34" charset="0"/>
-              <a:buChar char="•"/>
-            </a:pPr>
-            <a:r>
-              <a:rPr lang="en-US" sz="4500" b="0" dirty="0"/>
-              <a:t>Using the Semi-Agile Software Engineering (SAGE) process, a Scrum-like process with ten two-week sprints.</a:t>
-            </a:r>
-          </a:p>
-          <a:p>
-            <a:pPr marL="685800" indent="-685800">
-              <a:buFont typeface="Arial" panose="020B0604020202020204" pitchFamily="34" charset="0"/>
-              <a:buChar char="•"/>
-            </a:pPr>
-            <a:r>
-              <a:rPr lang="en-US" sz="4500" b="0" dirty="0"/>
-              <a:t>Development Operations: Automated build and deployment mechanisms.</a:t>
-            </a:r>
-          </a:p>
-          <a:p>
-            <a:pPr marL="685800" indent="-685800">
-              <a:buFont typeface="Arial" panose="020B0604020202020204" pitchFamily="34" charset="0"/>
-              <a:buChar char="•"/>
-            </a:pPr>
-            <a:r>
-              <a:rPr lang="en-US" sz="4500" b="0" dirty="0"/>
-              <a:t>Total Estimated Hours Until Completion</a:t>
-            </a:r>
-            <a:r>
-              <a:rPr lang="en-US" sz="4500" b="0"/>
-              <a:t>: </a:t>
-            </a:r>
-            <a:r>
-              <a:rPr lang="en-US" sz="4500" b="0" smtClean="0"/>
-              <a:t>416</a:t>
-            </a:r>
-            <a:endParaRPr lang="en-US" sz="4500" b="0" dirty="0"/>
-          </a:p>
-          <a:p>
-            <a:endParaRPr lang="en-US" sz="4500" dirty="0"/>
-          </a:p>
-          <a:p>
-            <a:pPr marL="856823" indent="-856823">
-              <a:buFont typeface="Arial" panose="020B0604020202020204" pitchFamily="34" charset="0"/>
-              <a:buChar char="•"/>
-            </a:pPr>
-            <a:endParaRPr lang="en-US" sz="4500" dirty="0"/>
-          </a:p>
-        </p:txBody>
-      </p:sp>
-      <p:sp>
-        <p:nvSpPr>
-          <p:cNvPr id="23" name="Text Placeholder 22"/>
-          <p:cNvSpPr>
-            <a:spLocks noGrp="1"/>
-          </p:cNvSpPr>
-          <p:nvPr>
-            <p:ph type="body" sz="quarter" idx="18"/>
-          </p:nvPr>
-        </p:nvSpPr>
-        <p:spPr>
-          <a:xfrm>
-            <a:off x="16459199" y="6324603"/>
-            <a:ext cx="15524024" cy="6934202"/>
-          </a:xfrm>
-        </p:spPr>
-        <p:txBody>
-          <a:bodyPr>
-            <a:normAutofit/>
-          </a:bodyPr>
-          <a:lstStyle/>
-          <a:p>
-            <a:r>
-              <a:rPr lang="en-US" sz="4500" b="0" dirty="0" err="1"/>
-              <a:t>Hotspotter</a:t>
-            </a:r>
-            <a:r>
-              <a:rPr lang="en-US" sz="4500" b="0" dirty="0"/>
-              <a:t> is built with the MEAN stack and utilizes a client/server architecture with an emphasis on modularity.</a:t>
-            </a:r>
-          </a:p>
-          <a:p>
-            <a:endParaRPr lang="en-US" sz="4500" b="0" dirty="0"/>
-          </a:p>
-        </p:txBody>
-      </p:sp>
+      <mc:AlternateContent xmlns:mc="http://schemas.openxmlformats.org/markup-compatibility/2006">
+        <mc:Choice xmlns:a14="http://schemas.microsoft.com/office/drawing/2010/main" Requires="a14">
+          <p:sp>
+            <p:nvSpPr>
+              <p:cNvPr id="22" name="Text Placeholder 21"/>
+              <p:cNvSpPr>
+                <a:spLocks noGrp="1"/>
+              </p:cNvSpPr>
+              <p:nvPr>
+                <p:ph type="body" sz="quarter" idx="17"/>
+              </p:nvPr>
+            </p:nvSpPr>
+            <p:spPr>
+              <a:xfrm>
+                <a:off x="762000" y="14148577"/>
+                <a:ext cx="14630400" cy="6219033"/>
+              </a:xfrm>
+            </p:spPr>
+            <p:txBody>
+              <a:bodyPr>
+                <a:normAutofit/>
+              </a:bodyPr>
+              <a:lstStyle/>
+              <a:p>
+                <a:r>
+                  <a:rPr lang="en-US" sz="4400" dirty="0"/>
+                  <a:t>Scoring</a:t>
+                </a:r>
+              </a:p>
+              <a:p>
+                <a:pPr marL="571500" indent="-571500">
+                  <a:buFont typeface="Arial" panose="020B0604020202020204" pitchFamily="34" charset="0"/>
+                  <a:buChar char="•"/>
+                </a:pPr>
+                <a:r>
+                  <a:rPr lang="en-US" sz="4400" b="0"/>
+                  <a:t>Dynamic Metrics</a:t>
+                </a:r>
+                <a:endParaRPr lang="en-US" sz="4400" b="0" dirty="0"/>
+              </a:p>
+              <a:p>
+                <a:pPr marL="685800" indent="-685800">
+                  <a:buFont typeface="Arial" panose="020B0604020202020204" pitchFamily="34" charset="0"/>
+                  <a:buChar char="•"/>
+                </a:pPr>
+                <a14:m>
+                  <m:oMath xmlns:m="http://schemas.openxmlformats.org/officeDocument/2006/math">
+                    <m:r>
+                      <a:rPr lang="en-US" sz="4500" b="0" i="1">
+                        <a:latin typeface="Cambria Math" panose="02040503050406030204" pitchFamily="18" charset="0"/>
+                      </a:rPr>
+                      <m:t>1 / (1 + </m:t>
+                    </m:r>
+                    <m:sSup>
+                      <m:sSupPr>
+                        <m:ctrlPr>
+                          <a:rPr lang="en-US" sz="4500" b="0" i="1">
+                            <a:latin typeface="Cambria Math" panose="02040503050406030204" pitchFamily="18" charset="0"/>
+                          </a:rPr>
+                        </m:ctrlPr>
+                      </m:sSupPr>
+                      <m:e>
+                        <m:r>
+                          <a:rPr lang="en-US" sz="4500" b="0" i="1">
+                            <a:latin typeface="Cambria Math" panose="02040503050406030204" pitchFamily="18" charset="0"/>
+                          </a:rPr>
+                          <m:t>𝑒</m:t>
+                        </m:r>
+                      </m:e>
+                      <m:sup>
+                        <m:r>
+                          <a:rPr lang="en-US" sz="4500" b="0" i="1">
+                            <a:latin typeface="Cambria Math" panose="02040503050406030204" pitchFamily="18" charset="0"/>
+                          </a:rPr>
+                          <m:t>(−12</m:t>
+                        </m:r>
+                        <m:r>
+                          <a:rPr lang="en-US" sz="4500" b="0" i="1">
+                            <a:latin typeface="Cambria Math" panose="02040503050406030204" pitchFamily="18" charset="0"/>
+                          </a:rPr>
+                          <m:t>𝑡</m:t>
+                        </m:r>
+                        <m:r>
+                          <a:rPr lang="en-US" sz="4500" b="0" i="1">
+                            <a:latin typeface="Cambria Math" panose="02040503050406030204" pitchFamily="18" charset="0"/>
+                          </a:rPr>
+                          <m:t>+12)</m:t>
+                        </m:r>
+                      </m:sup>
+                    </m:sSup>
+                    <m:r>
+                      <a:rPr lang="en-US" sz="4500" b="0" i="1">
+                        <a:latin typeface="Cambria Math" panose="02040503050406030204" pitchFamily="18" charset="0"/>
+                      </a:rPr>
+                      <m:t>)</m:t>
+                    </m:r>
+                  </m:oMath>
+                </a14:m>
+                <a:endParaRPr lang="en-US" sz="4500" b="0" dirty="0"/>
+              </a:p>
+              <a:p>
+                <a:endParaRPr lang="en-US" sz="4500" dirty="0"/>
+              </a:p>
+            </p:txBody>
+          </p:sp>
+        </mc:Choice>
+        <mc:Fallback>
+          <p:sp>
+            <p:nvSpPr>
+              <p:cNvPr id="22" name="Text Placeholder 21"/>
+              <p:cNvSpPr>
+                <a:spLocks noGrp="1" noRot="1" noChangeAspect="1" noMove="1" noResize="1" noEditPoints="1" noAdjustHandles="1" noChangeArrowheads="1" noChangeShapeType="1" noTextEdit="1"/>
+              </p:cNvSpPr>
+              <p:nvPr>
+                <p:ph type="body" sz="quarter" idx="17"/>
+              </p:nvPr>
+            </p:nvSpPr>
+            <p:spPr>
+              <a:xfrm>
+                <a:off x="762000" y="14148577"/>
+                <a:ext cx="14630400" cy="6219033"/>
+              </a:xfrm>
+              <a:blipFill>
+                <a:blip r:embed="rId2"/>
+                <a:stretch>
+                  <a:fillRect l="-1667" t="-3137"/>
+                </a:stretch>
+              </a:blipFill>
+            </p:spPr>
+            <p:txBody>
+              <a:bodyPr/>
+              <a:lstStyle/>
+              <a:p>
+                <a:r>
+                  <a:rPr lang="en-US">
+                    <a:noFill/>
+                  </a:rPr>
+                  <a:t> </a:t>
+                </a:r>
+              </a:p>
+            </p:txBody>
+          </p:sp>
+        </mc:Fallback>
+      </mc:AlternateContent>
       <p:sp>
         <p:nvSpPr>
           <p:cNvPr id="3" name="TextBox 2"/>
@@ -3770,7 +3800,7 @@
           <p:nvPr/>
         </p:nvPicPr>
         <p:blipFill>
-          <a:blip r:embed="rId2">
+          <a:blip r:embed="rId3">
             <a:extLst>
               <a:ext uri="{28A0092B-C50C-407E-A947-70E740481C1C}">
                 <a14:useLocalDpi xmlns:a14="http://schemas.microsoft.com/office/drawing/2010/main" val="0"/>
@@ -3783,7 +3813,7 @@
         </p:blipFill>
         <p:spPr>
           <a:xfrm>
-            <a:off x="16480970" y="19270884"/>
+            <a:off x="1478293" y="19270884"/>
             <a:ext cx="3721680" cy="1096726"/>
           </a:xfrm>
           <a:prstGeom prst="rect">
@@ -3800,7 +3830,7 @@
           <p:nvPr/>
         </p:nvPicPr>
         <p:blipFill rotWithShape="1">
-          <a:blip r:embed="rId3">
+          <a:blip r:embed="rId4">
             <a:extLst>
               <a:ext uri="{28A0092B-C50C-407E-A947-70E740481C1C}">
                 <a14:useLocalDpi xmlns:a14="http://schemas.microsoft.com/office/drawing/2010/main" val="0"/>
@@ -3812,7 +3842,7 @@
         </p:blipFill>
         <p:spPr>
           <a:xfrm>
-            <a:off x="20407947" y="19418811"/>
+            <a:off x="5405270" y="19418811"/>
             <a:ext cx="3289709" cy="1037177"/>
           </a:xfrm>
           <a:prstGeom prst="rect">
@@ -3823,36 +3853,6 @@
       <p:pic>
         <p:nvPicPr>
           <p:cNvPr id="15" name="Picture 14"/>
-          <p:cNvPicPr>
-            <a:picLocks noChangeAspect="1"/>
-          </p:cNvPicPr>
-          <p:nvPr/>
-        </p:nvPicPr>
-        <p:blipFill>
-          <a:blip r:embed="rId4">
-            <a:extLst>
-              <a:ext uri="{28A0092B-C50C-407E-A947-70E740481C1C}">
-                <a14:useLocalDpi xmlns:a14="http://schemas.microsoft.com/office/drawing/2010/main" val="0"/>
-              </a:ext>
-            </a:extLst>
-          </a:blip>
-          <a:stretch>
-            <a:fillRect/>
-          </a:stretch>
-        </p:blipFill>
-        <p:spPr>
-          <a:xfrm>
-            <a:off x="23902953" y="19507200"/>
-            <a:ext cx="3233956" cy="860410"/>
-          </a:xfrm>
-          <a:prstGeom prst="rect">
-            <a:avLst/>
-          </a:prstGeom>
-        </p:spPr>
-      </p:pic>
-      <p:pic>
-        <p:nvPicPr>
-          <p:cNvPr id="16" name="Picture 15"/>
           <p:cNvPicPr>
             <a:picLocks noChangeAspect="1"/>
           </p:cNvPicPr>
@@ -3872,7 +3872,37 @@
         </p:blipFill>
         <p:spPr>
           <a:xfrm>
-            <a:off x="27342207" y="19319817"/>
+            <a:off x="8900276" y="19507200"/>
+            <a:ext cx="3233956" cy="860410"/>
+          </a:xfrm>
+          <a:prstGeom prst="rect">
+            <a:avLst/>
+          </a:prstGeom>
+        </p:spPr>
+      </p:pic>
+      <p:pic>
+        <p:nvPicPr>
+          <p:cNvPr id="16" name="Picture 15"/>
+          <p:cNvPicPr>
+            <a:picLocks noChangeAspect="1"/>
+          </p:cNvPicPr>
+          <p:nvPr/>
+        </p:nvPicPr>
+        <p:blipFill>
+          <a:blip r:embed="rId6">
+            <a:extLst>
+              <a:ext uri="{28A0092B-C50C-407E-A947-70E740481C1C}">
+                <a14:useLocalDpi xmlns:a14="http://schemas.microsoft.com/office/drawing/2010/main" val="0"/>
+              </a:ext>
+            </a:extLst>
+          </a:blip>
+          <a:stretch>
+            <a:fillRect/>
+          </a:stretch>
+        </p:blipFill>
+        <p:spPr>
+          <a:xfrm>
+            <a:off x="12339530" y="19319817"/>
             <a:ext cx="3637094" cy="1175437"/>
           </a:xfrm>
           <a:prstGeom prst="rect">
@@ -3891,7 +3921,7 @@
           </p:nvPr>
         </p:nvPicPr>
         <p:blipFill>
-          <a:blip r:embed="rId6">
+          <a:blip r:embed="rId7">
             <a:extLst>
               <a:ext uri="{28A0092B-C50C-407E-A947-70E740481C1C}">
                 <a14:useLocalDpi xmlns:a14="http://schemas.microsoft.com/office/drawing/2010/main" val="0"/>
@@ -3912,28 +3942,46 @@
       </p:pic>
       <p:pic>
         <p:nvPicPr>
-          <p:cNvPr id="4" name="Picture 3"/>
+          <p:cNvPr id="5" name="Picture 4"/>
           <p:cNvPicPr>
             <a:picLocks noChangeAspect="1"/>
           </p:cNvPicPr>
           <p:nvPr/>
         </p:nvPicPr>
         <p:blipFill>
-          <a:blip r:embed="rId7">
-            <a:extLst>
-              <a:ext uri="{28A0092B-C50C-407E-A947-70E740481C1C}">
-                <a14:useLocalDpi xmlns:a14="http://schemas.microsoft.com/office/drawing/2010/main" val="0"/>
-              </a:ext>
-            </a:extLst>
-          </a:blip>
+          <a:blip r:embed="rId8"/>
           <a:stretch>
             <a:fillRect/>
           </a:stretch>
         </p:blipFill>
         <p:spPr>
           <a:xfrm>
-            <a:off x="16459200" y="7874269"/>
-            <a:ext cx="14520102" cy="10769071"/>
+            <a:off x="10517254" y="13497417"/>
+            <a:ext cx="13748046" cy="5822400"/>
+          </a:xfrm>
+          <a:prstGeom prst="rect">
+            <a:avLst/>
+          </a:prstGeom>
+        </p:spPr>
+      </p:pic>
+      <p:pic>
+        <p:nvPicPr>
+          <p:cNvPr id="6" name="Picture 5"/>
+          <p:cNvPicPr>
+            <a:picLocks noChangeAspect="1"/>
+          </p:cNvPicPr>
+          <p:nvPr/>
+        </p:nvPicPr>
+        <p:blipFill>
+          <a:blip r:embed="rId9"/>
+          <a:stretch>
+            <a:fillRect/>
+          </a:stretch>
+        </p:blipFill>
+        <p:spPr>
+          <a:xfrm>
+            <a:off x="15976624" y="6284224"/>
+            <a:ext cx="6848422" cy="7180536"/>
           </a:xfrm>
           <a:prstGeom prst="rect">
             <a:avLst/>

--- a/Documentation/Presentations/CS499_16Sp_Poster_Hotspotter.pptx
+++ b/Documentation/Presentations/CS499_16Sp_Poster_Hotspotter.pptx
@@ -4,6 +4,9 @@
   <p:sldMasterIdLst>
     <p:sldMasterId id="2147483825" r:id="rId1"/>
   </p:sldMasterIdLst>
+  <p:notesMasterIdLst>
+    <p:notesMasterId r:id="rId3"/>
+  </p:notesMasterIdLst>
   <p:sldIdLst>
     <p:sldId id="256" r:id="rId2"/>
   </p:sldIdLst>
@@ -123,6 +126,356 @@
 </p:presentation>
 </file>
 
+<file path=ppt/notesMasters/notesMaster1.xml><?xml version="1.0" encoding="utf-8"?>
+<p:notesMaster xmlns:a="http://schemas.openxmlformats.org/drawingml/2006/main" xmlns:r="http://schemas.openxmlformats.org/officeDocument/2006/relationships" xmlns:p="http://schemas.openxmlformats.org/presentationml/2006/main">
+  <p:cSld>
+    <p:bg>
+      <p:bgRef idx="1001">
+        <a:schemeClr val="bg1"/>
+      </p:bgRef>
+    </p:bg>
+    <p:spTree>
+      <p:nvGrpSpPr>
+        <p:cNvPr id="1" name=""/>
+        <p:cNvGrpSpPr/>
+        <p:nvPr/>
+      </p:nvGrpSpPr>
+      <p:grpSpPr>
+        <a:xfrm>
+          <a:off x="0" y="0"/>
+          <a:ext cx="0" cy="0"/>
+          <a:chOff x="0" y="0"/>
+          <a:chExt cx="0" cy="0"/>
+        </a:xfrm>
+      </p:grpSpPr>
+      <p:sp>
+        <p:nvSpPr>
+          <p:cNvPr id="2" name="Header Placeholder 1"/>
+          <p:cNvSpPr>
+            <a:spLocks noGrp="1"/>
+          </p:cNvSpPr>
+          <p:nvPr>
+            <p:ph type="hdr" sz="quarter"/>
+          </p:nvPr>
+        </p:nvSpPr>
+        <p:spPr>
+          <a:xfrm>
+            <a:off x="0" y="0"/>
+            <a:ext cx="2971800" cy="458788"/>
+          </a:xfrm>
+          <a:prstGeom prst="rect">
+            <a:avLst/>
+          </a:prstGeom>
+        </p:spPr>
+        <p:txBody>
+          <a:bodyPr vert="horz" lIns="91440" tIns="45720" rIns="91440" bIns="45720" rtlCol="0"/>
+          <a:lstStyle>
+            <a:lvl1pPr algn="l">
+              <a:defRPr sz="1200"/>
+            </a:lvl1pPr>
+          </a:lstStyle>
+          <a:p>
+            <a:endParaRPr lang="en-US"/>
+          </a:p>
+        </p:txBody>
+      </p:sp>
+      <p:sp>
+        <p:nvSpPr>
+          <p:cNvPr id="3" name="Date Placeholder 2"/>
+          <p:cNvSpPr>
+            <a:spLocks noGrp="1"/>
+          </p:cNvSpPr>
+          <p:nvPr>
+            <p:ph type="dt" idx="1"/>
+          </p:nvPr>
+        </p:nvSpPr>
+        <p:spPr>
+          <a:xfrm>
+            <a:off x="3884613" y="0"/>
+            <a:ext cx="2971800" cy="458788"/>
+          </a:xfrm>
+          <a:prstGeom prst="rect">
+            <a:avLst/>
+          </a:prstGeom>
+        </p:spPr>
+        <p:txBody>
+          <a:bodyPr vert="horz" lIns="91440" tIns="45720" rIns="91440" bIns="45720" rtlCol="0"/>
+          <a:lstStyle>
+            <a:lvl1pPr algn="r">
+              <a:defRPr sz="1200"/>
+            </a:lvl1pPr>
+          </a:lstStyle>
+          <a:p>
+            <a:fld id="{9DAE759B-826F-4A01-A55A-A5FDDBCD6FC0}" type="datetimeFigureOut">
+              <a:rPr lang="en-US" smtClean="0"/>
+              <a:t>4/27/2016</a:t>
+            </a:fld>
+            <a:endParaRPr lang="en-US"/>
+          </a:p>
+        </p:txBody>
+      </p:sp>
+      <p:sp>
+        <p:nvSpPr>
+          <p:cNvPr id="4" name="Slide Image Placeholder 3"/>
+          <p:cNvSpPr>
+            <a:spLocks noGrp="1" noRot="1" noChangeAspect="1"/>
+          </p:cNvSpPr>
+          <p:nvPr>
+            <p:ph type="sldImg" idx="2"/>
+          </p:nvPr>
+        </p:nvSpPr>
+        <p:spPr>
+          <a:xfrm>
+            <a:off x="1114425" y="1143000"/>
+            <a:ext cx="4629150" cy="3086100"/>
+          </a:xfrm>
+          <a:prstGeom prst="rect">
+            <a:avLst/>
+          </a:prstGeom>
+          <a:noFill/>
+          <a:ln w="12700">
+            <a:solidFill>
+              <a:prstClr val="black"/>
+            </a:solidFill>
+          </a:ln>
+        </p:spPr>
+        <p:txBody>
+          <a:bodyPr vert="horz" lIns="91440" tIns="45720" rIns="91440" bIns="45720" rtlCol="0" anchor="ctr"/>
+          <a:lstStyle/>
+          <a:p>
+            <a:endParaRPr lang="en-US"/>
+          </a:p>
+        </p:txBody>
+      </p:sp>
+      <p:sp>
+        <p:nvSpPr>
+          <p:cNvPr id="5" name="Notes Placeholder 4"/>
+          <p:cNvSpPr>
+            <a:spLocks noGrp="1"/>
+          </p:cNvSpPr>
+          <p:nvPr>
+            <p:ph type="body" sz="quarter" idx="3"/>
+          </p:nvPr>
+        </p:nvSpPr>
+        <p:spPr>
+          <a:xfrm>
+            <a:off x="685800" y="4400550"/>
+            <a:ext cx="5486400" cy="3600450"/>
+          </a:xfrm>
+          <a:prstGeom prst="rect">
+            <a:avLst/>
+          </a:prstGeom>
+        </p:spPr>
+        <p:txBody>
+          <a:bodyPr vert="horz" lIns="91440" tIns="45720" rIns="91440" bIns="45720" rtlCol="0"/>
+          <a:lstStyle/>
+          <a:p>
+            <a:pPr lvl="0"/>
+            <a:r>
+              <a:rPr lang="en-US" smtClean="0"/>
+              <a:t>Click to edit Master text styles</a:t>
+            </a:r>
+          </a:p>
+          <a:p>
+            <a:pPr lvl="1"/>
+            <a:r>
+              <a:rPr lang="en-US" smtClean="0"/>
+              <a:t>Second level</a:t>
+            </a:r>
+          </a:p>
+          <a:p>
+            <a:pPr lvl="2"/>
+            <a:r>
+              <a:rPr lang="en-US" smtClean="0"/>
+              <a:t>Third level</a:t>
+            </a:r>
+          </a:p>
+          <a:p>
+            <a:pPr lvl="3"/>
+            <a:r>
+              <a:rPr lang="en-US" smtClean="0"/>
+              <a:t>Fourth level</a:t>
+            </a:r>
+          </a:p>
+          <a:p>
+            <a:pPr lvl="4"/>
+            <a:r>
+              <a:rPr lang="en-US" smtClean="0"/>
+              <a:t>Fifth level</a:t>
+            </a:r>
+            <a:endParaRPr lang="en-US"/>
+          </a:p>
+        </p:txBody>
+      </p:sp>
+      <p:sp>
+        <p:nvSpPr>
+          <p:cNvPr id="6" name="Footer Placeholder 5"/>
+          <p:cNvSpPr>
+            <a:spLocks noGrp="1"/>
+          </p:cNvSpPr>
+          <p:nvPr>
+            <p:ph type="ftr" sz="quarter" idx="4"/>
+          </p:nvPr>
+        </p:nvSpPr>
+        <p:spPr>
+          <a:xfrm>
+            <a:off x="0" y="8685213"/>
+            <a:ext cx="2971800" cy="458787"/>
+          </a:xfrm>
+          <a:prstGeom prst="rect">
+            <a:avLst/>
+          </a:prstGeom>
+        </p:spPr>
+        <p:txBody>
+          <a:bodyPr vert="horz" lIns="91440" tIns="45720" rIns="91440" bIns="45720" rtlCol="0" anchor="b"/>
+          <a:lstStyle>
+            <a:lvl1pPr algn="l">
+              <a:defRPr sz="1200"/>
+            </a:lvl1pPr>
+          </a:lstStyle>
+          <a:p>
+            <a:endParaRPr lang="en-US"/>
+          </a:p>
+        </p:txBody>
+      </p:sp>
+      <p:sp>
+        <p:nvSpPr>
+          <p:cNvPr id="7" name="Slide Number Placeholder 6"/>
+          <p:cNvSpPr>
+            <a:spLocks noGrp="1"/>
+          </p:cNvSpPr>
+          <p:nvPr>
+            <p:ph type="sldNum" sz="quarter" idx="5"/>
+          </p:nvPr>
+        </p:nvSpPr>
+        <p:spPr>
+          <a:xfrm>
+            <a:off x="3884613" y="8685213"/>
+            <a:ext cx="2971800" cy="458787"/>
+          </a:xfrm>
+          <a:prstGeom prst="rect">
+            <a:avLst/>
+          </a:prstGeom>
+        </p:spPr>
+        <p:txBody>
+          <a:bodyPr vert="horz" lIns="91440" tIns="45720" rIns="91440" bIns="45720" rtlCol="0" anchor="b"/>
+          <a:lstStyle>
+            <a:lvl1pPr algn="r">
+              <a:defRPr sz="1200"/>
+            </a:lvl1pPr>
+          </a:lstStyle>
+          <a:p>
+            <a:fld id="{9212CE40-3A97-4FC7-B837-2C606E3BE021}" type="slidenum">
+              <a:rPr lang="en-US" smtClean="0"/>
+              <a:t>‹#›</a:t>
+            </a:fld>
+            <a:endParaRPr lang="en-US"/>
+          </a:p>
+        </p:txBody>
+      </p:sp>
+    </p:spTree>
+    <p:extLst>
+      <p:ext uri="{BB962C8B-B14F-4D97-AF65-F5344CB8AC3E}">
+        <p14:creationId xmlns:p14="http://schemas.microsoft.com/office/powerpoint/2010/main" val="1255537885"/>
+      </p:ext>
+    </p:extLst>
+  </p:cSld>
+  <p:clrMap bg1="lt1" tx1="dk1" bg2="lt2" tx2="dk2" accent1="accent1" accent2="accent2" accent3="accent3" accent4="accent4" accent5="accent5" accent6="accent6" hlink="hlink" folHlink="folHlink"/>
+  <p:notesStyle>
+    <a:lvl1pPr marL="0" algn="l" defTabSz="914400" rtl="0" eaLnBrk="1" latinLnBrk="0" hangingPunct="1">
+      <a:defRPr sz="1200" kern="1200">
+        <a:solidFill>
+          <a:schemeClr val="tx1"/>
+        </a:solidFill>
+        <a:latin typeface="+mn-lt"/>
+        <a:ea typeface="+mn-ea"/>
+        <a:cs typeface="+mn-cs"/>
+      </a:defRPr>
+    </a:lvl1pPr>
+    <a:lvl2pPr marL="457200" algn="l" defTabSz="914400" rtl="0" eaLnBrk="1" latinLnBrk="0" hangingPunct="1">
+      <a:defRPr sz="1200" kern="1200">
+        <a:solidFill>
+          <a:schemeClr val="tx1"/>
+        </a:solidFill>
+        <a:latin typeface="+mn-lt"/>
+        <a:ea typeface="+mn-ea"/>
+        <a:cs typeface="+mn-cs"/>
+      </a:defRPr>
+    </a:lvl2pPr>
+    <a:lvl3pPr marL="914400" algn="l" defTabSz="914400" rtl="0" eaLnBrk="1" latinLnBrk="0" hangingPunct="1">
+      <a:defRPr sz="1200" kern="1200">
+        <a:solidFill>
+          <a:schemeClr val="tx1"/>
+        </a:solidFill>
+        <a:latin typeface="+mn-lt"/>
+        <a:ea typeface="+mn-ea"/>
+        <a:cs typeface="+mn-cs"/>
+      </a:defRPr>
+    </a:lvl3pPr>
+    <a:lvl4pPr marL="1371600" algn="l" defTabSz="914400" rtl="0" eaLnBrk="1" latinLnBrk="0" hangingPunct="1">
+      <a:defRPr sz="1200" kern="1200">
+        <a:solidFill>
+          <a:schemeClr val="tx1"/>
+        </a:solidFill>
+        <a:latin typeface="+mn-lt"/>
+        <a:ea typeface="+mn-ea"/>
+        <a:cs typeface="+mn-cs"/>
+      </a:defRPr>
+    </a:lvl4pPr>
+    <a:lvl5pPr marL="1828800" algn="l" defTabSz="914400" rtl="0" eaLnBrk="1" latinLnBrk="0" hangingPunct="1">
+      <a:defRPr sz="1200" kern="1200">
+        <a:solidFill>
+          <a:schemeClr val="tx1"/>
+        </a:solidFill>
+        <a:latin typeface="+mn-lt"/>
+        <a:ea typeface="+mn-ea"/>
+        <a:cs typeface="+mn-cs"/>
+      </a:defRPr>
+    </a:lvl5pPr>
+    <a:lvl6pPr marL="2286000" algn="l" defTabSz="914400" rtl="0" eaLnBrk="1" latinLnBrk="0" hangingPunct="1">
+      <a:defRPr sz="1200" kern="1200">
+        <a:solidFill>
+          <a:schemeClr val="tx1"/>
+        </a:solidFill>
+        <a:latin typeface="+mn-lt"/>
+        <a:ea typeface="+mn-ea"/>
+        <a:cs typeface="+mn-cs"/>
+      </a:defRPr>
+    </a:lvl6pPr>
+    <a:lvl7pPr marL="2743200" algn="l" defTabSz="914400" rtl="0" eaLnBrk="1" latinLnBrk="0" hangingPunct="1">
+      <a:defRPr sz="1200" kern="1200">
+        <a:solidFill>
+          <a:schemeClr val="tx1"/>
+        </a:solidFill>
+        <a:latin typeface="+mn-lt"/>
+        <a:ea typeface="+mn-ea"/>
+        <a:cs typeface="+mn-cs"/>
+      </a:defRPr>
+    </a:lvl7pPr>
+    <a:lvl8pPr marL="3200400" algn="l" defTabSz="914400" rtl="0" eaLnBrk="1" latinLnBrk="0" hangingPunct="1">
+      <a:defRPr sz="1200" kern="1200">
+        <a:solidFill>
+          <a:schemeClr val="tx1"/>
+        </a:solidFill>
+        <a:latin typeface="+mn-lt"/>
+        <a:ea typeface="+mn-ea"/>
+        <a:cs typeface="+mn-cs"/>
+      </a:defRPr>
+    </a:lvl8pPr>
+    <a:lvl9pPr marL="3657600" algn="l" defTabSz="914400" rtl="0" eaLnBrk="1" latinLnBrk="0" hangingPunct="1">
+      <a:defRPr sz="1200" kern="1200">
+        <a:solidFill>
+          <a:schemeClr val="tx1"/>
+        </a:solidFill>
+        <a:latin typeface="+mn-lt"/>
+        <a:ea typeface="+mn-ea"/>
+        <a:cs typeface="+mn-cs"/>
+      </a:defRPr>
+    </a:lvl9pPr>
+  </p:notesStyle>
+</p:notesMaster>
+</file>
+
 <file path=ppt/slideLayouts/slideLayout1.xml><?xml version="1.0" encoding="utf-8"?>
 <p:sldLayout xmlns:a="http://schemas.openxmlformats.org/drawingml/2006/main" xmlns:r="http://schemas.openxmlformats.org/officeDocument/2006/relationships" xmlns:p="http://schemas.openxmlformats.org/presentationml/2006/main" type="title" preserve="1">
   <p:cSld name="Title Slide">
@@ -1032,35 +1385,6 @@
             <a:r>
               <a:rPr lang="en-US" dirty="0"/>
               <a:t>Illustrations, if appropriate, to support the prose.</a:t>
-            </a:r>
-          </a:p>
-        </p:txBody>
-      </p:sp>
-      <p:sp>
-        <p:nvSpPr>
-          <p:cNvPr id="2" name="TextBox 1"/>
-          <p:cNvSpPr txBox="1"/>
-          <p:nvPr userDrawn="1"/>
-        </p:nvSpPr>
-        <p:spPr>
-          <a:xfrm>
-            <a:off x="11419114" y="20574000"/>
-            <a:ext cx="20726400" cy="523220"/>
-          </a:xfrm>
-          <a:prstGeom prst="rect">
-            <a:avLst/>
-          </a:prstGeom>
-          <a:noFill/>
-        </p:spPr>
-        <p:txBody>
-          <a:bodyPr wrap="square" rtlCol="0">
-            <a:spAutoFit/>
-          </a:bodyPr>
-          <a:lstStyle/>
-          <a:p>
-            <a:r>
-              <a:rPr lang="en-US" sz="2800" dirty="0"/>
-              <a:t>Team role abbreviations: SM – Scrum Master; OP – Owner Proxy; QC – Quality Controller</a:t>
             </a:r>
           </a:p>
         </p:txBody>
@@ -3409,8 +3733,8 @@
         </p:nvSpPr>
         <p:spPr>
           <a:xfrm>
-            <a:off x="9715500" y="803565"/>
-            <a:ext cx="24003000" cy="3657600"/>
+            <a:off x="0" y="727454"/>
+            <a:ext cx="32918400" cy="3657600"/>
           </a:xfrm>
         </p:spPr>
         <p:txBody>
@@ -3419,6 +3743,7 @@
           </a:bodyPr>
           <a:lstStyle/>
           <a:p>
+            <a:pPr algn="ctr"/>
             <a:r>
               <a:rPr lang="en-US" sz="19900" dirty="0">
                 <a:solidFill>
@@ -3446,7 +3771,7 @@
         <p:spPr>
           <a:xfrm>
             <a:off x="762007" y="6324603"/>
-            <a:ext cx="14630393" cy="7823974"/>
+            <a:ext cx="15087593" cy="7823974"/>
           </a:xfrm>
         </p:spPr>
         <p:txBody>
@@ -3456,15 +3781,22 @@
           <a:lstStyle/>
           <a:p>
             <a:r>
+              <a:rPr lang="en-US" sz="4500" b="0" dirty="0" smtClean="0"/>
+              <a:t>Hotspotter is a web application used for early prediction of bugs in software. </a:t>
+            </a:r>
+          </a:p>
+          <a:p>
+            <a:r>
               <a:rPr lang="en-US" sz="4500" b="0" dirty="0"/>
-              <a:t>Hotspotter is a web application used for early prediction of bugs in software. </a:t>
-            </a:r>
-          </a:p>
-          <a:p>
-            <a:r>
-              <a:rPr lang="en-US" sz="4500" b="0" dirty="0"/>
-              <a:t>This is accomplished by detecting areas of instability called 'hotspots'. Hotspots are determined by analyzing the type and frequency of changes made to a project's codebase.</a:t>
-            </a:r>
+              <a:t>This is accomplished by detecting areas of instability called 'hotspots'. Hotspots are determined by analyzing the type and frequency of changes made to a project's codebase</a:t>
+            </a:r>
+            <a:r>
+              <a:rPr lang="en-US" sz="4500" b="0" dirty="0" smtClean="0"/>
+              <a:t>.</a:t>
+            </a:r>
+          </a:p>
+          <a:p>
+            <a:endParaRPr lang="en-US" sz="4500" b="0" dirty="0"/>
           </a:p>
           <a:p>
             <a:r>
@@ -3537,46 +3869,34 @@
           <a:lstStyle/>
           <a:p>
             <a:r>
-              <a:rPr lang="en-US" sz="4400" b="1" dirty="0"/>
+              <a:rPr lang="en-US" sz="4400" b="1" dirty="0" smtClean="0"/>
               <a:t>Nate Reinhardt</a:t>
             </a:r>
             <a:r>
-              <a:rPr lang="en-US" sz="4400" dirty="0"/>
+              <a:rPr lang="en-US" sz="4400" dirty="0" smtClean="0"/>
+              <a:t>,</a:t>
+            </a:r>
+            <a:r>
+              <a:rPr lang="en-US" b="1" dirty="0" smtClean="0"/>
               <a:t> </a:t>
             </a:r>
             <a:r>
-              <a:rPr lang="en-US" sz="3600" dirty="0"/>
-              <a:t>(SM)</a:t>
+              <a:rPr lang="en-US" sz="4400" b="1" dirty="0" smtClean="0"/>
+              <a:t>Spencer Smith</a:t>
             </a:r>
             <a:r>
               <a:rPr lang="en-US" dirty="0"/>
+              <a:t>,</a:t>
+            </a:r>
+            <a:r>
+              <a:rPr lang="en-US" sz="3600" b="1" dirty="0" smtClean="0"/>
               <a:t> </a:t>
             </a:r>
             <a:r>
-              <a:rPr lang="en-US" sz="4400" b="1" dirty="0"/>
-              <a:t>Spencer Smith</a:t>
-            </a:r>
-            <a:r>
-              <a:rPr lang="en-US" sz="4400" dirty="0"/>
-              <a:t> </a:t>
-            </a:r>
-            <a:r>
-              <a:rPr lang="en-US" sz="3600" dirty="0"/>
-              <a:t>(OP) </a:t>
-            </a:r>
-            <a:r>
-              <a:rPr lang="en-US" sz="4400" b="1" dirty="0"/>
+              <a:rPr lang="en-US" sz="4400" b="1" dirty="0" smtClean="0"/>
               <a:t>Dylan Williams</a:t>
             </a:r>
-            <a:r>
-              <a:rPr lang="en-US" sz="4400" dirty="0"/>
-              <a:t> </a:t>
-            </a:r>
-            <a:r>
-              <a:rPr lang="en-US" sz="3600" dirty="0"/>
-              <a:t>(QC)</a:t>
-            </a:r>
-            <a:endParaRPr lang="en-US" dirty="0"/>
+            <a:endParaRPr lang="en-US" b="1" dirty="0"/>
           </a:p>
         </p:txBody>
       </p:sp>
@@ -3626,94 +3946,201 @@
             </p:nvSpPr>
             <p:spPr>
               <a:xfrm>
-                <a:off x="762000" y="14148577"/>
-                <a:ext cx="14630400" cy="6219033"/>
+                <a:off x="762001" y="15382396"/>
+                <a:ext cx="14630400" cy="5653822"/>
               </a:xfrm>
             </p:spPr>
             <p:txBody>
               <a:bodyPr>
-                <a:normAutofit/>
+                <a:normAutofit fontScale="92500"/>
               </a:bodyPr>
               <a:lstStyle/>
               <a:p>
                 <a:r>
-                  <a:rPr lang="en-US" sz="4400" dirty="0"/>
+                  <a:rPr lang="en-US" sz="4500" dirty="0" smtClean="0"/>
                   <a:t>Scoring</a:t>
                 </a:r>
-              </a:p>
-              <a:p>
-                <a:pPr marL="571500" indent="-571500">
-                  <a:buFont typeface="Arial" panose="020B0604020202020204" pitchFamily="34" charset="0"/>
-                  <a:buChar char="•"/>
-                </a:pPr>
-                <a:r>
-                  <a:rPr lang="en-US" sz="4400" b="0"/>
-                  <a:t>Dynamic Metrics</a:t>
-                </a:r>
-                <a:endParaRPr lang="en-US" sz="4400" b="0" dirty="0"/>
+                <a:endParaRPr lang="en-US" sz="4400" b="0" i="1" dirty="0" smtClean="0">
+                  <a:latin typeface="Cambria Math" panose="02040503050406030204" pitchFamily="18" charset="0"/>
+                </a:endParaRPr>
               </a:p>
               <a:p>
                 <a:pPr marL="685800" indent="-685800">
                   <a:buFont typeface="Arial" panose="020B0604020202020204" pitchFamily="34" charset="0"/>
                   <a:buChar char="•"/>
                 </a:pPr>
-                <a14:m>
-                  <m:oMath xmlns:m="http://schemas.openxmlformats.org/officeDocument/2006/math">
-                    <m:r>
-                      <a:rPr lang="en-US" sz="4500" b="0" i="1">
-                        <a:latin typeface="Cambria Math" panose="02040503050406030204" pitchFamily="18" charset="0"/>
-                      </a:rPr>
-                      <m:t>1 / (1 + </m:t>
-                    </m:r>
-                    <m:sSup>
-                      <m:sSupPr>
-                        <m:ctrlPr>
-                          <a:rPr lang="en-US" sz="4500" b="0" i="1">
-                            <a:latin typeface="Cambria Math" panose="02040503050406030204" pitchFamily="18" charset="0"/>
-                          </a:rPr>
-                        </m:ctrlPr>
-                      </m:sSupPr>
-                      <m:e>
-                        <m:r>
-                          <a:rPr lang="en-US" sz="4500" b="0" i="1">
-                            <a:latin typeface="Cambria Math" panose="02040503050406030204" pitchFamily="18" charset="0"/>
-                          </a:rPr>
-                          <m:t>𝑒</m:t>
-                        </m:r>
-                      </m:e>
-                      <m:sup>
-                        <m:r>
-                          <a:rPr lang="en-US" sz="4500" b="0" i="1">
-                            <a:latin typeface="Cambria Math" panose="02040503050406030204" pitchFamily="18" charset="0"/>
-                          </a:rPr>
-                          <m:t>(−12</m:t>
-                        </m:r>
-                        <m:r>
-                          <a:rPr lang="en-US" sz="4500" b="0" i="1">
-                            <a:latin typeface="Cambria Math" panose="02040503050406030204" pitchFamily="18" charset="0"/>
-                          </a:rPr>
-                          <m:t>𝑡</m:t>
-                        </m:r>
-                        <m:r>
-                          <a:rPr lang="en-US" sz="4500" b="0" i="1">
-                            <a:latin typeface="Cambria Math" panose="02040503050406030204" pitchFamily="18" charset="0"/>
-                          </a:rPr>
-                          <m:t>+12)</m:t>
-                        </m:r>
-                      </m:sup>
-                    </m:sSup>
-                    <m:r>
-                      <a:rPr lang="en-US" sz="4500" b="0" i="1">
-                        <a:latin typeface="Cambria Math" panose="02040503050406030204" pitchFamily="18" charset="0"/>
-                      </a:rPr>
-                      <m:t>)</m:t>
-                    </m:r>
-                  </m:oMath>
-                </a14:m>
+                <a:r>
+                  <a:rPr lang="en-US" sz="4500" b="0" dirty="0" smtClean="0"/>
+                  <a:t>Original algorithm based on research from Google and Rahman, et al.</a:t>
+                </a:r>
                 <a:endParaRPr lang="en-US" sz="4500" b="0" dirty="0"/>
               </a:p>
               <a:p>
-                <a:endParaRPr lang="en-US" sz="4500" dirty="0"/>
+                <a14:m>
+                  <m:oMathPara xmlns:m="http://schemas.openxmlformats.org/officeDocument/2006/math">
+                    <m:oMathParaPr>
+                      <m:jc m:val="centerGroup"/>
+                    </m:oMathParaPr>
+                    <m:oMath xmlns:m="http://schemas.openxmlformats.org/officeDocument/2006/math">
+                      <m:r>
+                        <a:rPr lang="en-US" sz="4500" b="0" i="1" smtClean="0">
+                          <a:latin typeface="Cambria Math" panose="02040503050406030204" pitchFamily="18" charset="0"/>
+                        </a:rPr>
+                        <m:t>𝑆𝑐𝑜𝑟𝑒</m:t>
+                      </m:r>
+                      <m:r>
+                        <a:rPr lang="en-US" sz="4500" b="0" i="1" smtClean="0">
+                          <a:latin typeface="Cambria Math" panose="02040503050406030204" pitchFamily="18" charset="0"/>
+                        </a:rPr>
+                        <m:t>=</m:t>
+                      </m:r>
+                      <m:f>
+                        <m:fPr>
+                          <m:ctrlPr>
+                            <a:rPr lang="en-US" sz="4500" b="0" i="1" smtClean="0">
+                              <a:latin typeface="Cambria Math" panose="02040503050406030204" pitchFamily="18" charset="0"/>
+                            </a:rPr>
+                          </m:ctrlPr>
+                        </m:fPr>
+                        <m:num>
+                          <m:r>
+                            <a:rPr lang="en-US" sz="4500" b="0" i="1" smtClean="0">
+                              <a:latin typeface="Cambria Math" panose="02040503050406030204" pitchFamily="18" charset="0"/>
+                            </a:rPr>
+                            <m:t>1</m:t>
+                          </m:r>
+                        </m:num>
+                        <m:den>
+                          <m:r>
+                            <a:rPr lang="en-US" sz="4500" b="0" i="1" smtClean="0">
+                              <a:latin typeface="Cambria Math" panose="02040503050406030204" pitchFamily="18" charset="0"/>
+                            </a:rPr>
+                            <m:t>1+</m:t>
+                          </m:r>
+                          <m:sSup>
+                            <m:sSupPr>
+                              <m:ctrlPr>
+                                <a:rPr lang="en-US" sz="4500" b="0" i="1" smtClean="0">
+                                  <a:latin typeface="Cambria Math" panose="02040503050406030204" pitchFamily="18" charset="0"/>
+                                </a:rPr>
+                              </m:ctrlPr>
+                            </m:sSupPr>
+                            <m:e>
+                              <m:r>
+                                <a:rPr lang="en-US" sz="4500" b="0" i="1" smtClean="0">
+                                  <a:latin typeface="Cambria Math" panose="02040503050406030204" pitchFamily="18" charset="0"/>
+                                </a:rPr>
+                                <m:t>𝑒</m:t>
+                              </m:r>
+                            </m:e>
+                            <m:sup>
+                              <m:r>
+                                <a:rPr lang="en-US" sz="4500" b="0" i="1" smtClean="0">
+                                  <a:latin typeface="Cambria Math" panose="02040503050406030204" pitchFamily="18" charset="0"/>
+                                </a:rPr>
+                                <m:t>−12</m:t>
+                              </m:r>
+                              <m:r>
+                                <a:rPr lang="en-US" sz="4500" b="0" i="1" smtClean="0">
+                                  <a:latin typeface="Cambria Math" panose="02040503050406030204" pitchFamily="18" charset="0"/>
+                                </a:rPr>
+                                <m:t>𝑡</m:t>
+                              </m:r>
+                              <m:r>
+                                <a:rPr lang="en-US" sz="4500" b="0" i="1" smtClean="0">
+                                  <a:latin typeface="Cambria Math" panose="02040503050406030204" pitchFamily="18" charset="0"/>
+                                </a:rPr>
+                                <m:t>+12</m:t>
+                              </m:r>
+                            </m:sup>
+                          </m:sSup>
+                        </m:den>
+                      </m:f>
+                    </m:oMath>
+                  </m:oMathPara>
+                </a14:m>
+                <a:endParaRPr lang="en-US" sz="4500" b="0" dirty="0" smtClean="0"/>
+              </a:p>
+              <a:p>
+                <a:r>
+                  <a:rPr lang="en-US" sz="3000" b="0" dirty="0"/>
+                  <a:t>Lewis, Chris, and </a:t>
+                </a:r>
+                <a:r>
+                  <a:rPr lang="en-US" sz="3000" b="0" dirty="0" err="1"/>
+                  <a:t>Rong</a:t>
+                </a:r>
+                <a:r>
+                  <a:rPr lang="en-US" sz="3000" b="0" dirty="0"/>
+                  <a:t> </a:t>
+                </a:r>
+                <a:r>
+                  <a:rPr lang="en-US" sz="3000" b="0" dirty="0" err="1"/>
+                  <a:t>Ou</a:t>
+                </a:r>
+                <a:r>
+                  <a:rPr lang="en-US" sz="3000" b="0" dirty="0"/>
+                  <a:t>. "Bug Prediction at Google." </a:t>
+                </a:r>
+                <a:r>
+                  <a:rPr lang="en-US" sz="3000" b="0" i="1" dirty="0"/>
+                  <a:t>Bug Prediction at Google</a:t>
+                </a:r>
+                <a:r>
+                  <a:rPr lang="en-US" sz="3000" b="0" dirty="0"/>
+                  <a:t>. </a:t>
+                </a:r>
+                <a:r>
+                  <a:rPr lang="en-US" sz="3000" b="0" dirty="0" smtClean="0"/>
+                  <a:t>14 </a:t>
+                </a:r>
+                <a:r>
+                  <a:rPr lang="en-US" sz="3000" b="0" dirty="0"/>
+                  <a:t>Dec. 2011</a:t>
+                </a:r>
+                <a:r>
+                  <a:rPr lang="en-US" sz="3000" b="0" dirty="0" smtClean="0"/>
+                  <a:t>. </a:t>
+                </a:r>
+              </a:p>
+              <a:p>
+                <a:r>
+                  <a:rPr lang="en-US" sz="3000" b="0" dirty="0"/>
+                  <a:t>Rahman, </a:t>
+                </a:r>
+                <a:r>
+                  <a:rPr lang="en-US" sz="3000" b="0" dirty="0" err="1"/>
+                  <a:t>Foyzur</a:t>
+                </a:r>
+                <a:r>
+                  <a:rPr lang="en-US" sz="3000" b="0" dirty="0"/>
+                  <a:t>, et al. "</a:t>
+                </a:r>
+                <a:r>
+                  <a:rPr lang="en-US" sz="3000" b="0" dirty="0" err="1"/>
+                  <a:t>BugCache</a:t>
+                </a:r>
+                <a:r>
+                  <a:rPr lang="en-US" sz="3000" b="0" dirty="0"/>
+                  <a:t> for inspections: hit or </a:t>
+                </a:r>
+                <a:r>
+                  <a:rPr lang="en-US" sz="3000" b="0" dirty="0" err="1"/>
+                  <a:t>miss?."</a:t>
+                </a:r>
+                <a:r>
+                  <a:rPr lang="en-US" sz="3000" b="0" i="1" dirty="0" err="1"/>
+                  <a:t>Proceedings</a:t>
+                </a:r>
+                <a:r>
+                  <a:rPr lang="en-US" sz="3000" b="0" i="1" dirty="0"/>
+                  <a:t> of the 19th ACM SIGSOFT symposium and the 13th European conference on Foundations of software engineering</a:t>
+                </a:r>
+                <a:r>
+                  <a:rPr lang="en-US" sz="3000" b="0" dirty="0"/>
+                  <a:t>. ACM, 2011.</a:t>
+                </a:r>
+                <a:endParaRPr lang="en-US" sz="3000" b="0" dirty="0"/>
               </a:p>
             </p:txBody>
           </p:sp>
@@ -3731,13 +4158,13 @@
             </p:nvSpPr>
             <p:spPr>
               <a:xfrm>
-                <a:off x="762000" y="14148577"/>
-                <a:ext cx="14630400" cy="6219033"/>
+                <a:off x="762001" y="15382396"/>
+                <a:ext cx="14630400" cy="5653822"/>
               </a:xfrm>
-              <a:blipFill>
+              <a:blipFill rotWithShape="0">
                 <a:blip r:embed="rId2"/>
                 <a:stretch>
-                  <a:fillRect l="-1667" t="-3137"/>
+                  <a:fillRect l="-1583" t="-3125"/>
                 </a:stretch>
               </a:blipFill>
             </p:spPr>
@@ -3756,160 +4183,6 @@
           </p:sp>
         </mc:Fallback>
       </mc:AlternateContent>
-      <p:sp>
-        <p:nvSpPr>
-          <p:cNvPr id="3" name="TextBox 2"/>
-          <p:cNvSpPr txBox="1"/>
-          <p:nvPr/>
-        </p:nvSpPr>
-        <p:spPr>
-          <a:xfrm rot="721562">
-            <a:off x="1555576" y="1702376"/>
-            <a:ext cx="5867399" cy="1046396"/>
-          </a:xfrm>
-          <a:prstGeom prst="rect">
-            <a:avLst/>
-          </a:prstGeom>
-          <a:noFill/>
-        </p:spPr>
-        <p:txBody>
-          <a:bodyPr wrap="square" lIns="91394" tIns="45698" rIns="91394" bIns="45698" rtlCol="0">
-            <a:spAutoFit/>
-          </a:bodyPr>
-          <a:lstStyle/>
-          <a:p>
-            <a:r>
-              <a:rPr lang="en-US" dirty="0">
-                <a:solidFill>
-                  <a:schemeClr val="bg1">
-                    <a:lumMod val="75000"/>
-                  </a:schemeClr>
-                </a:solidFill>
-              </a:rPr>
-              <a:t>Temporary Logo</a:t>
-            </a:r>
-          </a:p>
-        </p:txBody>
-      </p:sp>
-      <p:pic>
-        <p:nvPicPr>
-          <p:cNvPr id="13" name="Picture 12"/>
-          <p:cNvPicPr>
-            <a:picLocks noChangeAspect="1"/>
-          </p:cNvPicPr>
-          <p:nvPr/>
-        </p:nvPicPr>
-        <p:blipFill>
-          <a:blip r:embed="rId3">
-            <a:extLst>
-              <a:ext uri="{28A0092B-C50C-407E-A947-70E740481C1C}">
-                <a14:useLocalDpi xmlns:a14="http://schemas.microsoft.com/office/drawing/2010/main" val="0"/>
-              </a:ext>
-            </a:extLst>
-          </a:blip>
-          <a:stretch>
-            <a:fillRect/>
-          </a:stretch>
-        </p:blipFill>
-        <p:spPr>
-          <a:xfrm>
-            <a:off x="1478293" y="19270884"/>
-            <a:ext cx="3721680" cy="1096726"/>
-          </a:xfrm>
-          <a:prstGeom prst="rect">
-            <a:avLst/>
-          </a:prstGeom>
-        </p:spPr>
-      </p:pic>
-      <p:pic>
-        <p:nvPicPr>
-          <p:cNvPr id="14" name="Picture 13"/>
-          <p:cNvPicPr>
-            <a:picLocks noChangeAspect="1"/>
-          </p:cNvPicPr>
-          <p:nvPr/>
-        </p:nvPicPr>
-        <p:blipFill rotWithShape="1">
-          <a:blip r:embed="rId4">
-            <a:extLst>
-              <a:ext uri="{28A0092B-C50C-407E-A947-70E740481C1C}">
-                <a14:useLocalDpi xmlns:a14="http://schemas.microsoft.com/office/drawing/2010/main" val="0"/>
-              </a:ext>
-            </a:extLst>
-          </a:blip>
-          <a:srcRect l="4394" r="10035" b="1890"/>
-          <a:stretch/>
-        </p:blipFill>
-        <p:spPr>
-          <a:xfrm>
-            <a:off x="5405270" y="19418811"/>
-            <a:ext cx="3289709" cy="1037177"/>
-          </a:xfrm>
-          <a:prstGeom prst="rect">
-            <a:avLst/>
-          </a:prstGeom>
-        </p:spPr>
-      </p:pic>
-      <p:pic>
-        <p:nvPicPr>
-          <p:cNvPr id="15" name="Picture 14"/>
-          <p:cNvPicPr>
-            <a:picLocks noChangeAspect="1"/>
-          </p:cNvPicPr>
-          <p:nvPr/>
-        </p:nvPicPr>
-        <p:blipFill>
-          <a:blip r:embed="rId5">
-            <a:extLst>
-              <a:ext uri="{28A0092B-C50C-407E-A947-70E740481C1C}">
-                <a14:useLocalDpi xmlns:a14="http://schemas.microsoft.com/office/drawing/2010/main" val="0"/>
-              </a:ext>
-            </a:extLst>
-          </a:blip>
-          <a:stretch>
-            <a:fillRect/>
-          </a:stretch>
-        </p:blipFill>
-        <p:spPr>
-          <a:xfrm>
-            <a:off x="8900276" y="19507200"/>
-            <a:ext cx="3233956" cy="860410"/>
-          </a:xfrm>
-          <a:prstGeom prst="rect">
-            <a:avLst/>
-          </a:prstGeom>
-        </p:spPr>
-      </p:pic>
-      <p:pic>
-        <p:nvPicPr>
-          <p:cNvPr id="16" name="Picture 15"/>
-          <p:cNvPicPr>
-            <a:picLocks noChangeAspect="1"/>
-          </p:cNvPicPr>
-          <p:nvPr/>
-        </p:nvPicPr>
-        <p:blipFill>
-          <a:blip r:embed="rId6">
-            <a:extLst>
-              <a:ext uri="{28A0092B-C50C-407E-A947-70E740481C1C}">
-                <a14:useLocalDpi xmlns:a14="http://schemas.microsoft.com/office/drawing/2010/main" val="0"/>
-              </a:ext>
-            </a:extLst>
-          </a:blip>
-          <a:stretch>
-            <a:fillRect/>
-          </a:stretch>
-        </p:blipFill>
-        <p:spPr>
-          <a:xfrm>
-            <a:off x="12339530" y="19319817"/>
-            <a:ext cx="3637094" cy="1175437"/>
-          </a:xfrm>
-          <a:prstGeom prst="rect">
-            <a:avLst/>
-          </a:prstGeom>
-        </p:spPr>
-      </p:pic>
       <p:pic>
         <p:nvPicPr>
           <p:cNvPr id="10" name="Picture Placeholder 9"/>
@@ -3921,7 +4194,7 @@
           </p:nvPr>
         </p:nvPicPr>
         <p:blipFill>
-          <a:blip r:embed="rId7">
+          <a:blip r:embed="rId3">
             <a:extLst>
               <a:ext uri="{28A0092B-C50C-407E-A947-70E740481C1C}">
                 <a14:useLocalDpi xmlns:a14="http://schemas.microsoft.com/office/drawing/2010/main" val="0"/>
@@ -3935,8 +4208,8 @@
         </p:blipFill>
         <p:spPr>
           <a:xfrm>
-            <a:off x="762000" y="379311"/>
-            <a:ext cx="7772400" cy="3692525"/>
+            <a:off x="3352800" y="727454"/>
+            <a:ext cx="6249940" cy="2969232"/>
           </a:xfrm>
         </p:spPr>
       </p:pic>
@@ -3949,15 +4222,39 @@
           <p:nvPr/>
         </p:nvPicPr>
         <p:blipFill>
-          <a:blip r:embed="rId8"/>
+          <a:blip r:embed="rId4"/>
           <a:stretch>
             <a:fillRect/>
           </a:stretch>
         </p:blipFill>
         <p:spPr>
           <a:xfrm>
-            <a:off x="10517254" y="13497417"/>
-            <a:ext cx="13748046" cy="5822400"/>
+            <a:off x="15425501" y="14534179"/>
+            <a:ext cx="17492899" cy="7408373"/>
+          </a:xfrm>
+          <a:prstGeom prst="rect">
+            <a:avLst/>
+          </a:prstGeom>
+        </p:spPr>
+      </p:pic>
+      <p:pic>
+        <p:nvPicPr>
+          <p:cNvPr id="2" name="Picture 1"/>
+          <p:cNvPicPr>
+            <a:picLocks noChangeAspect="1"/>
+          </p:cNvPicPr>
+          <p:nvPr/>
+        </p:nvPicPr>
+        <p:blipFill>
+          <a:blip r:embed="rId5"/>
+          <a:stretch>
+            <a:fillRect/>
+          </a:stretch>
+        </p:blipFill>
+        <p:spPr>
+          <a:xfrm>
+            <a:off x="15425501" y="7670485"/>
+            <a:ext cx="10225475" cy="5815183"/>
           </a:xfrm>
           <a:prstGeom prst="rect">
             <a:avLst/>
@@ -3973,15 +4270,15 @@
           <p:nvPr/>
         </p:nvPicPr>
         <p:blipFill>
-          <a:blip r:embed="rId9"/>
+          <a:blip r:embed="rId6"/>
           <a:stretch>
             <a:fillRect/>
           </a:stretch>
         </p:blipFill>
         <p:spPr>
           <a:xfrm>
-            <a:off x="15976624" y="6284224"/>
-            <a:ext cx="6848422" cy="7180536"/>
+            <a:off x="25650976" y="6321555"/>
+            <a:ext cx="7264376" cy="7616662"/>
           </a:xfrm>
           <a:prstGeom prst="rect">
             <a:avLst/>
@@ -3998,6 +4295,13 @@
   <p:clrMapOvr>
     <a:masterClrMapping/>
   </p:clrMapOvr>
+  <p:timing>
+    <p:tnLst>
+      <p:par>
+        <p:cTn id="1" dur="indefinite" restart="never" nodeType="tmRoot"/>
+      </p:par>
+    </p:tnLst>
+  </p:timing>
 </p:sld>
 </file>
 
@@ -4294,4 +4598,265 @@
     </a:ext>
   </a:extLst>
 </a:theme>
+</file>
+
+<file path=ppt/theme/theme2.xml><?xml version="1.0" encoding="utf-8"?>
+<a:theme xmlns:a="http://schemas.openxmlformats.org/drawingml/2006/main" name="Office Theme">
+  <a:themeElements>
+    <a:clrScheme name="Office">
+      <a:dk1>
+        <a:sysClr val="windowText" lastClr="000000"/>
+      </a:dk1>
+      <a:lt1>
+        <a:sysClr val="window" lastClr="FFFFFF"/>
+      </a:lt1>
+      <a:dk2>
+        <a:srgbClr val="44546A"/>
+      </a:dk2>
+      <a:lt2>
+        <a:srgbClr val="E7E6E6"/>
+      </a:lt2>
+      <a:accent1>
+        <a:srgbClr val="5B9BD5"/>
+      </a:accent1>
+      <a:accent2>
+        <a:srgbClr val="ED7D31"/>
+      </a:accent2>
+      <a:accent3>
+        <a:srgbClr val="A5A5A5"/>
+      </a:accent3>
+      <a:accent4>
+        <a:srgbClr val="FFC000"/>
+      </a:accent4>
+      <a:accent5>
+        <a:srgbClr val="4472C4"/>
+      </a:accent5>
+      <a:accent6>
+        <a:srgbClr val="70AD47"/>
+      </a:accent6>
+      <a:hlink>
+        <a:srgbClr val="0563C1"/>
+      </a:hlink>
+      <a:folHlink>
+        <a:srgbClr val="954F72"/>
+      </a:folHlink>
+    </a:clrScheme>
+    <a:fontScheme name="Office">
+      <a:majorFont>
+        <a:latin typeface="Calibri Light" panose="020F0302020204030204"/>
+        <a:ea typeface=""/>
+        <a:cs typeface=""/>
+        <a:font script="Jpan" typeface="ＭＳ Ｐゴシック"/>
+        <a:font script="Hang" typeface="맑은 고딕"/>
+        <a:font script="Hans" typeface="宋体"/>
+        <a:font script="Hant" typeface="新細明體"/>
+        <a:font script="Arab" typeface="Times New Roman"/>
+        <a:font script="Hebr" typeface="Times New Roman"/>
+        <a:font script="Thai" typeface="Angsana New"/>
+        <a:font script="Ethi" typeface="Nyala"/>
+        <a:font script="Beng" typeface="Vrinda"/>
+        <a:font script="Gujr" typeface="Shruti"/>
+        <a:font script="Khmr" typeface="MoolBoran"/>
+        <a:font script="Knda" typeface="Tunga"/>
+        <a:font script="Guru" typeface="Raavi"/>
+        <a:font script="Cans" typeface="Euphemia"/>
+        <a:font script="Cher" typeface="Plantagenet Cherokee"/>
+        <a:font script="Yiii" typeface="Microsoft Yi Baiti"/>
+        <a:font script="Tibt" typeface="Microsoft Himalaya"/>
+        <a:font script="Thaa" typeface="MV Boli"/>
+        <a:font script="Deva" typeface="Mangal"/>
+        <a:font script="Telu" typeface="Gautami"/>
+        <a:font script="Taml" typeface="Latha"/>
+        <a:font script="Syrc" typeface="Estrangelo Edessa"/>
+        <a:font script="Orya" typeface="Kalinga"/>
+        <a:font script="Mlym" typeface="Kartika"/>
+        <a:font script="Laoo" typeface="DokChampa"/>
+        <a:font script="Sinh" typeface="Iskoola Pota"/>
+        <a:font script="Mong" typeface="Mongolian Baiti"/>
+        <a:font script="Viet" typeface="Times New Roman"/>
+        <a:font script="Uigh" typeface="Microsoft Uighur"/>
+        <a:font script="Geor" typeface="Sylfaen"/>
+      </a:majorFont>
+      <a:minorFont>
+        <a:latin typeface="Calibri" panose="020F0502020204030204"/>
+        <a:ea typeface=""/>
+        <a:cs typeface=""/>
+        <a:font script="Jpan" typeface="ＭＳ Ｐゴシック"/>
+        <a:font script="Hang" typeface="맑은 고딕"/>
+        <a:font script="Hans" typeface="宋体"/>
+        <a:font script="Hant" typeface="新細明體"/>
+        <a:font script="Arab" typeface="Arial"/>
+        <a:font script="Hebr" typeface="Arial"/>
+        <a:font script="Thai" typeface="Cordia New"/>
+        <a:font script="Ethi" typeface="Nyala"/>
+        <a:font script="Beng" typeface="Vrinda"/>
+        <a:font script="Gujr" typeface="Shruti"/>
+        <a:font script="Khmr" typeface="DaunPenh"/>
+        <a:font script="Knda" typeface="Tunga"/>
+        <a:font script="Guru" typeface="Raavi"/>
+        <a:font script="Cans" typeface="Euphemia"/>
+        <a:font script="Cher" typeface="Plantagenet Cherokee"/>
+        <a:font script="Yiii" typeface="Microsoft Yi Baiti"/>
+        <a:font script="Tibt" typeface="Microsoft Himalaya"/>
+        <a:font script="Thaa" typeface="MV Boli"/>
+        <a:font script="Deva" typeface="Mangal"/>
+        <a:font script="Telu" typeface="Gautami"/>
+        <a:font script="Taml" typeface="Latha"/>
+        <a:font script="Syrc" typeface="Estrangelo Edessa"/>
+        <a:font script="Orya" typeface="Kalinga"/>
+        <a:font script="Mlym" typeface="Kartika"/>
+        <a:font script="Laoo" typeface="DokChampa"/>
+        <a:font script="Sinh" typeface="Iskoola Pota"/>
+        <a:font script="Mong" typeface="Mongolian Baiti"/>
+        <a:font script="Viet" typeface="Arial"/>
+        <a:font script="Uigh" typeface="Microsoft Uighur"/>
+        <a:font script="Geor" typeface="Sylfaen"/>
+      </a:minorFont>
+    </a:fontScheme>
+    <a:fmtScheme name="Office">
+      <a:fillStyleLst>
+        <a:solidFill>
+          <a:schemeClr val="phClr"/>
+        </a:solidFill>
+        <a:gradFill rotWithShape="1">
+          <a:gsLst>
+            <a:gs pos="0">
+              <a:schemeClr val="phClr">
+                <a:lumMod val="110000"/>
+                <a:satMod val="105000"/>
+                <a:tint val="67000"/>
+              </a:schemeClr>
+            </a:gs>
+            <a:gs pos="50000">
+              <a:schemeClr val="phClr">
+                <a:lumMod val="105000"/>
+                <a:satMod val="103000"/>
+                <a:tint val="73000"/>
+              </a:schemeClr>
+            </a:gs>
+            <a:gs pos="100000">
+              <a:schemeClr val="phClr">
+                <a:lumMod val="105000"/>
+                <a:satMod val="109000"/>
+                <a:tint val="81000"/>
+              </a:schemeClr>
+            </a:gs>
+          </a:gsLst>
+          <a:lin ang="5400000" scaled="0"/>
+        </a:gradFill>
+        <a:gradFill rotWithShape="1">
+          <a:gsLst>
+            <a:gs pos="0">
+              <a:schemeClr val="phClr">
+                <a:satMod val="103000"/>
+                <a:lumMod val="102000"/>
+                <a:tint val="94000"/>
+              </a:schemeClr>
+            </a:gs>
+            <a:gs pos="50000">
+              <a:schemeClr val="phClr">
+                <a:satMod val="110000"/>
+                <a:lumMod val="100000"/>
+                <a:shade val="100000"/>
+              </a:schemeClr>
+            </a:gs>
+            <a:gs pos="100000">
+              <a:schemeClr val="phClr">
+                <a:lumMod val="99000"/>
+                <a:satMod val="120000"/>
+                <a:shade val="78000"/>
+              </a:schemeClr>
+            </a:gs>
+          </a:gsLst>
+          <a:lin ang="5400000" scaled="0"/>
+        </a:gradFill>
+      </a:fillStyleLst>
+      <a:lnStyleLst>
+        <a:ln w="6350" cap="flat" cmpd="sng" algn="ctr">
+          <a:solidFill>
+            <a:schemeClr val="phClr"/>
+          </a:solidFill>
+          <a:prstDash val="solid"/>
+          <a:miter lim="800000"/>
+        </a:ln>
+        <a:ln w="12700" cap="flat" cmpd="sng" algn="ctr">
+          <a:solidFill>
+            <a:schemeClr val="phClr"/>
+          </a:solidFill>
+          <a:prstDash val="solid"/>
+          <a:miter lim="800000"/>
+        </a:ln>
+        <a:ln w="19050" cap="flat" cmpd="sng" algn="ctr">
+          <a:solidFill>
+            <a:schemeClr val="phClr"/>
+          </a:solidFill>
+          <a:prstDash val="solid"/>
+          <a:miter lim="800000"/>
+        </a:ln>
+      </a:lnStyleLst>
+      <a:effectStyleLst>
+        <a:effectStyle>
+          <a:effectLst/>
+        </a:effectStyle>
+        <a:effectStyle>
+          <a:effectLst/>
+        </a:effectStyle>
+        <a:effectStyle>
+          <a:effectLst>
+            <a:outerShdw blurRad="57150" dist="19050" dir="5400000" algn="ctr" rotWithShape="0">
+              <a:srgbClr val="000000">
+                <a:alpha val="63000"/>
+              </a:srgbClr>
+            </a:outerShdw>
+          </a:effectLst>
+        </a:effectStyle>
+      </a:effectStyleLst>
+      <a:bgFillStyleLst>
+        <a:solidFill>
+          <a:schemeClr val="phClr"/>
+        </a:solidFill>
+        <a:solidFill>
+          <a:schemeClr val="phClr">
+            <a:tint val="95000"/>
+            <a:satMod val="170000"/>
+          </a:schemeClr>
+        </a:solidFill>
+        <a:gradFill rotWithShape="1">
+          <a:gsLst>
+            <a:gs pos="0">
+              <a:schemeClr val="phClr">
+                <a:tint val="93000"/>
+                <a:satMod val="150000"/>
+                <a:shade val="98000"/>
+                <a:lumMod val="102000"/>
+              </a:schemeClr>
+            </a:gs>
+            <a:gs pos="50000">
+              <a:schemeClr val="phClr">
+                <a:tint val="98000"/>
+                <a:satMod val="130000"/>
+                <a:shade val="90000"/>
+                <a:lumMod val="103000"/>
+              </a:schemeClr>
+            </a:gs>
+            <a:gs pos="100000">
+              <a:schemeClr val="phClr">
+                <a:shade val="63000"/>
+                <a:satMod val="120000"/>
+              </a:schemeClr>
+            </a:gs>
+          </a:gsLst>
+          <a:lin ang="5400000" scaled="0"/>
+        </a:gradFill>
+      </a:bgFillStyleLst>
+    </a:fmtScheme>
+  </a:themeElements>
+  <a:objectDefaults/>
+  <a:extraClrSchemeLst/>
+  <a:extLst>
+    <a:ext uri="{05A4C25C-085E-4340-85A3-A5531E510DB2}">
+      <thm15:themeFamily xmlns:thm15="http://schemas.microsoft.com/office/thememl/2012/main" name="Office Theme" id="{62F939B6-93AF-4DB8-9C6B-D6C7DFDC589F}" vid="{4A3C46E8-61CC-4603-A589-7422A47A8E4A}"/>
+    </a:ext>
+  </a:extLst>
+</a:theme>
 </file>
--- a/Documentation/Presentations/CS499_16Sp_Poster_Hotspotter.pptx
+++ b/Documentation/Presentations/CS499_16Sp_Poster_Hotspotter.pptx
@@ -122,6 +122,9 @@
         </p15:guide>
       </p15:sldGuideLst>
     </p:ext>
+    <p:ext uri="{2D200454-40CA-4A62-9FC3-DE9A4176ACB9}">
+      <p15:notesGuideLst xmlns:p15="http://schemas.microsoft.com/office/powerpoint/2012/main"/>
+    </p:ext>
   </p:extLst>
 </p:presentation>
 </file>
@@ -272,38 +275,37 @@
           <a:p>
             <a:pPr lvl="0"/>
             <a:r>
-              <a:rPr lang="en-US" smtClean="0"/>
+              <a:rPr lang="en-US"/>
               <a:t>Click to edit Master text styles</a:t>
             </a:r>
           </a:p>
           <a:p>
             <a:pPr lvl="1"/>
             <a:r>
-              <a:rPr lang="en-US" smtClean="0"/>
+              <a:rPr lang="en-US"/>
               <a:t>Second level</a:t>
             </a:r>
           </a:p>
           <a:p>
             <a:pPr lvl="2"/>
             <a:r>
-              <a:rPr lang="en-US" smtClean="0"/>
+              <a:rPr lang="en-US"/>
               <a:t>Third level</a:t>
             </a:r>
           </a:p>
           <a:p>
             <a:pPr lvl="3"/>
             <a:r>
-              <a:rPr lang="en-US" smtClean="0"/>
+              <a:rPr lang="en-US"/>
               <a:t>Fourth level</a:t>
             </a:r>
           </a:p>
           <a:p>
             <a:pPr lvl="4"/>
             <a:r>
-              <a:rPr lang="en-US" smtClean="0"/>
+              <a:rPr lang="en-US"/>
               <a:t>Fifth level</a:t>
             </a:r>
-            <a:endParaRPr lang="en-US"/>
           </a:p>
         </p:txBody>
       </p:sp>
@@ -3770,8 +3772,8 @@
         </p:nvSpPr>
         <p:spPr>
           <a:xfrm>
-            <a:off x="762007" y="6324603"/>
-            <a:ext cx="15087593" cy="7823974"/>
+            <a:off x="762008" y="6324603"/>
+            <a:ext cx="15087592" cy="7823974"/>
           </a:xfrm>
         </p:spPr>
         <p:txBody>
@@ -3781,18 +3783,14 @@
           <a:lstStyle/>
           <a:p>
             <a:r>
-              <a:rPr lang="en-US" sz="4500" b="0" dirty="0" smtClean="0"/>
+              <a:rPr lang="en-US" sz="4500" b="0" dirty="0"/>
               <a:t>Hotspotter is a web application used for early prediction of bugs in software. </a:t>
             </a:r>
           </a:p>
           <a:p>
             <a:r>
               <a:rPr lang="en-US" sz="4500" b="0" dirty="0"/>
-              <a:t>This is accomplished by detecting areas of instability called 'hotspots'. Hotspots are determined by analyzing the type and frequency of changes made to a project's codebase</a:t>
-            </a:r>
-            <a:r>
-              <a:rPr lang="en-US" sz="4500" b="0" dirty="0" smtClean="0"/>
-              <a:t>.</a:t>
+              <a:t>This is accomplished by detecting areas of instability called 'hotspots'. Hotspots are determined by analyzing the type and frequency of changes made to a project's codebase.</a:t>
             </a:r>
           </a:p>
           <a:p>
@@ -3869,19 +3867,19 @@
           <a:lstStyle/>
           <a:p>
             <a:r>
-              <a:rPr lang="en-US" sz="4400" b="1" dirty="0" smtClean="0"/>
+              <a:rPr lang="en-US" sz="4400" b="1" dirty="0"/>
               <a:t>Nate Reinhardt</a:t>
             </a:r>
             <a:r>
-              <a:rPr lang="en-US" sz="4400" dirty="0" smtClean="0"/>
+              <a:rPr lang="en-US" sz="4400" dirty="0"/>
               <a:t>,</a:t>
             </a:r>
             <a:r>
-              <a:rPr lang="en-US" b="1" dirty="0" smtClean="0"/>
+              <a:rPr lang="en-US" b="1" dirty="0"/>
               <a:t> </a:t>
             </a:r>
             <a:r>
-              <a:rPr lang="en-US" sz="4400" b="1" dirty="0" smtClean="0"/>
+              <a:rPr lang="en-US" sz="4400" b="1" dirty="0"/>
               <a:t>Spencer Smith</a:t>
             </a:r>
             <a:r>
@@ -3889,11 +3887,11 @@
               <a:t>,</a:t>
             </a:r>
             <a:r>
-              <a:rPr lang="en-US" sz="3600" b="1" dirty="0" smtClean="0"/>
+              <a:rPr lang="en-US" sz="3600" b="1" dirty="0"/>
               <a:t> </a:t>
             </a:r>
             <a:r>
-              <a:rPr lang="en-US" sz="4400" b="1" dirty="0" smtClean="0"/>
+              <a:rPr lang="en-US" sz="4400" b="1" dirty="0"/>
               <a:t>Dylan Williams</a:t>
             </a:r>
             <a:endParaRPr lang="en-US" b="1" dirty="0"/>
@@ -3946,21 +3944,21 @@
             </p:nvSpPr>
             <p:spPr>
               <a:xfrm>
-                <a:off x="762001" y="15382396"/>
-                <a:ext cx="14630400" cy="5653822"/>
+                <a:off x="762000" y="15382396"/>
+                <a:ext cx="15087600" cy="5653822"/>
               </a:xfrm>
             </p:spPr>
             <p:txBody>
               <a:bodyPr>
-                <a:normAutofit fontScale="92500"/>
+                <a:normAutofit lnSpcReduction="10000"/>
               </a:bodyPr>
               <a:lstStyle/>
               <a:p>
                 <a:r>
-                  <a:rPr lang="en-US" sz="4500" dirty="0" smtClean="0"/>
+                  <a:rPr lang="en-US" sz="4500" dirty="0"/>
                   <a:t>Scoring</a:t>
                 </a:r>
-                <a:endParaRPr lang="en-US" sz="4400" b="0" i="1" dirty="0" smtClean="0">
+                <a:endParaRPr lang="en-US" sz="4400" b="0" i="1" dirty="0">
                   <a:latin typeface="Cambria Math" panose="02040503050406030204" pitchFamily="18" charset="0"/>
                 </a:endParaRPr>
               </a:p>
@@ -3970,12 +3968,12 @@
                   <a:buChar char="•"/>
                 </a:pPr>
                 <a:r>
-                  <a:rPr lang="en-US" sz="4500" b="0" dirty="0" smtClean="0"/>
+                  <a:rPr lang="en-US" sz="4500" b="0" dirty="0"/>
                   <a:t>Original algorithm based on research from Google and Rahman, et al.</a:t>
                 </a:r>
-                <a:endParaRPr lang="en-US" sz="4500" b="0" dirty="0"/>
               </a:p>
               <a:p>
+                <a:pPr/>
                 <a14:m>
                   <m:oMathPara xmlns:m="http://schemas.openxmlformats.org/officeDocument/2006/math">
                     <m:oMathParaPr>
@@ -4059,7 +4057,7 @@
                     </m:oMath>
                   </m:oMathPara>
                 </a14:m>
-                <a:endParaRPr lang="en-US" sz="4500" b="0" dirty="0" smtClean="0"/>
+                <a:endParaRPr lang="en-US" sz="4500" b="0" dirty="0"/>
               </a:p>
               <a:p>
                 <a:r>
@@ -4088,19 +4086,7 @@
                 </a:r>
                 <a:r>
                   <a:rPr lang="en-US" sz="3000" b="0" dirty="0"/>
-                  <a:t>. </a:t>
-                </a:r>
-                <a:r>
-                  <a:rPr lang="en-US" sz="3000" b="0" dirty="0" smtClean="0"/>
-                  <a:t>14 </a:t>
-                </a:r>
-                <a:r>
-                  <a:rPr lang="en-US" sz="3000" b="0" dirty="0"/>
-                  <a:t>Dec. 2011</a:t>
-                </a:r>
-                <a:r>
-                  <a:rPr lang="en-US" sz="3000" b="0" dirty="0" smtClean="0"/>
-                  <a:t>. </a:t>
+                  <a:t>. 14 Dec. 2011. </a:t>
                 </a:r>
               </a:p>
               <a:p>
@@ -4140,7 +4126,6 @@
                   <a:rPr lang="en-US" sz="3000" b="0" dirty="0"/>
                   <a:t>. ACM, 2011.</a:t>
                 </a:r>
-                <a:endParaRPr lang="en-US" sz="3000" b="0" dirty="0"/>
               </a:p>
             </p:txBody>
           </p:sp>
@@ -4158,13 +4143,13 @@
             </p:nvSpPr>
             <p:spPr>
               <a:xfrm>
-                <a:off x="762001" y="15382396"/>
-                <a:ext cx="14630400" cy="5653822"/>
+                <a:off x="762000" y="15382396"/>
+                <a:ext cx="15087600" cy="5653822"/>
               </a:xfrm>
-              <a:blipFill rotWithShape="0">
+              <a:blipFill>
                 <a:blip r:embed="rId2"/>
                 <a:stretch>
-                  <a:fillRect l="-1583" t="-3125"/>
+                  <a:fillRect l="-1697" t="-4418" r="-929"/>
                 </a:stretch>
               </a:blipFill>
             </p:spPr>
@@ -4229,8 +4214,8 @@
         </p:blipFill>
         <p:spPr>
           <a:xfrm>
-            <a:off x="15425501" y="14534179"/>
-            <a:ext cx="17492899" cy="7408373"/>
+            <a:off x="15849600" y="14534179"/>
+            <a:ext cx="17068800" cy="7408373"/>
           </a:xfrm>
           <a:prstGeom prst="rect">
             <a:avLst/>
@@ -4253,8 +4238,8 @@
         </p:blipFill>
         <p:spPr>
           <a:xfrm>
-            <a:off x="15425501" y="7670485"/>
-            <a:ext cx="10225475" cy="5815183"/>
+            <a:off x="15849600" y="7580680"/>
+            <a:ext cx="9801376" cy="5815183"/>
           </a:xfrm>
           <a:prstGeom prst="rect">
             <a:avLst/>
@@ -4295,13 +4280,6 @@
   <p:clrMapOvr>
     <a:masterClrMapping/>
   </p:clrMapOvr>
-  <p:timing>
-    <p:tnLst>
-      <p:par>
-        <p:cTn id="1" dur="indefinite" restart="never" nodeType="tmRoot"/>
-      </p:par>
-    </p:tnLst>
-  </p:timing>
 </p:sld>
 </file>
 
